--- a/Manuscript/Figures/Data_ecpoint.pptx
+++ b/Manuscript/Figures/Data_ecpoint.pptx
@@ -112,47 +112,23 @@
 </p:presentation>
 </file>
 
-<file path=ppt/revisionInfo.xml><?xml version="1.0" encoding="utf-8"?>
-<p1510:revInfo xmlns:a="http://schemas.openxmlformats.org/drawingml/2006/main" xmlns:r="http://schemas.openxmlformats.org/officeDocument/2006/relationships" xmlns:p1510="http://schemas.microsoft.com/office/powerpoint/2015/10/main">
-  <p1510:revLst>
-    <p1510:client id="{0722BC45-0A43-40A6-8AB0-69C547F060B6}" v="4" dt="2021-07-12T22:10:37.115"/>
-  </p1510:revLst>
-</p1510:revInfo>
-</file>
-
 <file path=ppt/changesInfos/changesInfo1.xml><?xml version="1.0" encoding="utf-8"?>
 <pc:chgInfo xmlns:a="http://schemas.openxmlformats.org/drawingml/2006/main" xmlns:r="http://schemas.openxmlformats.org/officeDocument/2006/relationships" xmlns:ac="http://schemas.microsoft.com/office/drawing/2013/main/command" xmlns:pc="http://schemas.microsoft.com/office/powerpoint/2013/main/command">
   <pc:docChgLst>
-    <pc:chgData name="Fatima Pillosu" userId="a6295d4dc9e22643" providerId="LiveId" clId="{0722BC45-0A43-40A6-8AB0-69C547F060B6}"/>
-    <pc:docChg chg="undo custSel modSld">
-      <pc:chgData name="Fatima Pillosu" userId="a6295d4dc9e22643" providerId="LiveId" clId="{0722BC45-0A43-40A6-8AB0-69C547F060B6}" dt="2021-07-12T22:15:21.613" v="542" actId="1582"/>
+    <pc:chgData name="Fatima Pillosu" userId="a6295d4dc9e22643" providerId="LiveId" clId="{E571B794-A519-4CC3-95DA-E99FFA7BC2CE}"/>
+    <pc:docChg chg="modSld">
+      <pc:chgData name="Fatima Pillosu" userId="a6295d4dc9e22643" providerId="LiveId" clId="{E571B794-A519-4CC3-95DA-E99FFA7BC2CE}" dt="2021-10-01T12:43:25.426" v="89" actId="207"/>
       <pc:docMkLst>
         <pc:docMk/>
       </pc:docMkLst>
-      <pc:sldChg chg="addSp modSp mod">
-        <pc:chgData name="Fatima Pillosu" userId="a6295d4dc9e22643" providerId="LiveId" clId="{0722BC45-0A43-40A6-8AB0-69C547F060B6}" dt="2021-07-12T22:15:21.613" v="542" actId="1582"/>
+      <pc:sldChg chg="modSp mod">
+        <pc:chgData name="Fatima Pillosu" userId="a6295d4dc9e22643" providerId="LiveId" clId="{E571B794-A519-4CC3-95DA-E99FFA7BC2CE}" dt="2021-10-01T12:43:25.426" v="89" actId="207"/>
         <pc:sldMkLst>
           <pc:docMk/>
           <pc:sldMk cId="1556184242" sldId="256"/>
         </pc:sldMkLst>
         <pc:spChg chg="mod">
-          <ac:chgData name="Fatima Pillosu" userId="a6295d4dc9e22643" providerId="LiveId" clId="{0722BC45-0A43-40A6-8AB0-69C547F060B6}" dt="2021-07-12T22:10:57.962" v="508" actId="1076"/>
-          <ac:spMkLst>
-            <pc:docMk/>
-            <pc:sldMk cId="1556184242" sldId="256"/>
-            <ac:spMk id="2" creationId="{15AA4DB2-9E22-4524-9BAB-78E77F689099}"/>
-          </ac:spMkLst>
-        </pc:spChg>
-        <pc:spChg chg="mod">
-          <ac:chgData name="Fatima Pillosu" userId="a6295d4dc9e22643" providerId="LiveId" clId="{0722BC45-0A43-40A6-8AB0-69C547F060B6}" dt="2021-07-12T22:10:57.962" v="508" actId="1076"/>
-          <ac:spMkLst>
-            <pc:docMk/>
-            <pc:sldMk cId="1556184242" sldId="256"/>
-            <ac:spMk id="3" creationId="{AF843876-B8AE-4111-9DE7-BECD0EC632FE}"/>
-          </ac:spMkLst>
-        </pc:spChg>
-        <pc:spChg chg="mod">
-          <ac:chgData name="Fatima Pillosu" userId="a6295d4dc9e22643" providerId="LiveId" clId="{0722BC45-0A43-40A6-8AB0-69C547F060B6}" dt="2021-07-12T22:15:21.613" v="542" actId="1582"/>
+          <ac:chgData name="Fatima Pillosu" userId="a6295d4dc9e22643" providerId="LiveId" clId="{E571B794-A519-4CC3-95DA-E99FFA7BC2CE}" dt="2021-10-01T12:42:49.002" v="85" actId="207"/>
           <ac:spMkLst>
             <pc:docMk/>
             <pc:sldMk cId="1556184242" sldId="256"/>
@@ -160,7 +136,7 @@
           </ac:spMkLst>
         </pc:spChg>
         <pc:spChg chg="mod">
-          <ac:chgData name="Fatima Pillosu" userId="a6295d4dc9e22643" providerId="LiveId" clId="{0722BC45-0A43-40A6-8AB0-69C547F060B6}" dt="2021-07-12T22:15:21.613" v="542" actId="1582"/>
+          <ac:chgData name="Fatima Pillosu" userId="a6295d4dc9e22643" providerId="LiveId" clId="{E571B794-A519-4CC3-95DA-E99FFA7BC2CE}" dt="2021-10-01T12:42:39.576" v="83" actId="207"/>
           <ac:spMkLst>
             <pc:docMk/>
             <pc:sldMk cId="1556184242" sldId="256"/>
@@ -168,7 +144,7 @@
           </ac:spMkLst>
         </pc:spChg>
         <pc:spChg chg="mod">
-          <ac:chgData name="Fatima Pillosu" userId="a6295d4dc9e22643" providerId="LiveId" clId="{0722BC45-0A43-40A6-8AB0-69C547F060B6}" dt="2021-07-12T22:15:21.613" v="542" actId="1582"/>
+          <ac:chgData name="Fatima Pillosu" userId="a6295d4dc9e22643" providerId="LiveId" clId="{E571B794-A519-4CC3-95DA-E99FFA7BC2CE}" dt="2021-10-01T12:42:28.952" v="81" actId="207"/>
           <ac:spMkLst>
             <pc:docMk/>
             <pc:sldMk cId="1556184242" sldId="256"/>
@@ -176,47 +152,7 @@
           </ac:spMkLst>
         </pc:spChg>
         <pc:spChg chg="mod">
-          <ac:chgData name="Fatima Pillosu" userId="a6295d4dc9e22643" providerId="LiveId" clId="{0722BC45-0A43-40A6-8AB0-69C547F060B6}" dt="2021-07-12T22:11:40.682" v="511" actId="1076"/>
-          <ac:spMkLst>
-            <pc:docMk/>
-            <pc:sldMk cId="1556184242" sldId="256"/>
-            <ac:spMk id="195" creationId="{F82BFB79-E522-4D52-8F1C-71920C493730}"/>
-          </ac:spMkLst>
-        </pc:spChg>
-        <pc:spChg chg="mod">
-          <ac:chgData name="Fatima Pillosu" userId="a6295d4dc9e22643" providerId="LiveId" clId="{0722BC45-0A43-40A6-8AB0-69C547F060B6}" dt="2021-07-12T22:15:21.613" v="542" actId="1582"/>
-          <ac:spMkLst>
-            <pc:docMk/>
-            <pc:sldMk cId="1556184242" sldId="256"/>
-            <ac:spMk id="196" creationId="{79BE1912-255C-4DE6-B643-C217685A072A}"/>
-          </ac:spMkLst>
-        </pc:spChg>
-        <pc:spChg chg="mod">
-          <ac:chgData name="Fatima Pillosu" userId="a6295d4dc9e22643" providerId="LiveId" clId="{0722BC45-0A43-40A6-8AB0-69C547F060B6}" dt="2021-07-12T22:11:40.682" v="511" actId="1076"/>
-          <ac:spMkLst>
-            <pc:docMk/>
-            <pc:sldMk cId="1556184242" sldId="256"/>
-            <ac:spMk id="197" creationId="{B72B309E-4B07-4354-997E-D394BA4B4C74}"/>
-          </ac:spMkLst>
-        </pc:spChg>
-        <pc:spChg chg="mod">
-          <ac:chgData name="Fatima Pillosu" userId="a6295d4dc9e22643" providerId="LiveId" clId="{0722BC45-0A43-40A6-8AB0-69C547F060B6}" dt="2021-07-12T22:15:21.613" v="542" actId="1582"/>
-          <ac:spMkLst>
-            <pc:docMk/>
-            <pc:sldMk cId="1556184242" sldId="256"/>
-            <ac:spMk id="198" creationId="{DC8DC18F-92C0-49C0-BFD7-6F539C3E6868}"/>
-          </ac:spMkLst>
-        </pc:spChg>
-        <pc:spChg chg="mod">
-          <ac:chgData name="Fatima Pillosu" userId="a6295d4dc9e22643" providerId="LiveId" clId="{0722BC45-0A43-40A6-8AB0-69C547F060B6}" dt="2021-07-12T22:11:40.682" v="511" actId="1076"/>
-          <ac:spMkLst>
-            <pc:docMk/>
-            <pc:sldMk cId="1556184242" sldId="256"/>
-            <ac:spMk id="199" creationId="{B861061C-A57E-4594-8838-6226043DC694}"/>
-          </ac:spMkLst>
-        </pc:spChg>
-        <pc:spChg chg="mod">
-          <ac:chgData name="Fatima Pillosu" userId="a6295d4dc9e22643" providerId="LiveId" clId="{0722BC45-0A43-40A6-8AB0-69C547F060B6}" dt="2021-07-12T22:15:21.613" v="542" actId="1582"/>
+          <ac:chgData name="Fatima Pillosu" userId="a6295d4dc9e22643" providerId="LiveId" clId="{E571B794-A519-4CC3-95DA-E99FFA7BC2CE}" dt="2021-10-01T12:40:16.210" v="70" actId="113"/>
           <ac:spMkLst>
             <pc:docMk/>
             <pc:sldMk cId="1556184242" sldId="256"/>
@@ -224,39 +160,7 @@
           </ac:spMkLst>
         </pc:spChg>
         <pc:spChg chg="mod">
-          <ac:chgData name="Fatima Pillosu" userId="a6295d4dc9e22643" providerId="LiveId" clId="{0722BC45-0A43-40A6-8AB0-69C547F060B6}" dt="2021-07-12T22:15:21.613" v="542" actId="1582"/>
-          <ac:spMkLst>
-            <pc:docMk/>
-            <pc:sldMk cId="1556184242" sldId="256"/>
-            <ac:spMk id="202" creationId="{7C4E28EC-04BF-4F9E-B9E4-18D4908777B4}"/>
-          </ac:spMkLst>
-        </pc:spChg>
-        <pc:spChg chg="mod">
-          <ac:chgData name="Fatima Pillosu" userId="a6295d4dc9e22643" providerId="LiveId" clId="{0722BC45-0A43-40A6-8AB0-69C547F060B6}" dt="2021-07-12T22:15:21.613" v="542" actId="1582"/>
-          <ac:spMkLst>
-            <pc:docMk/>
-            <pc:sldMk cId="1556184242" sldId="256"/>
-            <ac:spMk id="203" creationId="{152B6C55-4722-417C-A514-4B2568426F9E}"/>
-          </ac:spMkLst>
-        </pc:spChg>
-        <pc:spChg chg="mod">
-          <ac:chgData name="Fatima Pillosu" userId="a6295d4dc9e22643" providerId="LiveId" clId="{0722BC45-0A43-40A6-8AB0-69C547F060B6}" dt="2021-07-12T22:10:57.962" v="508" actId="1076"/>
-          <ac:spMkLst>
-            <pc:docMk/>
-            <pc:sldMk cId="1556184242" sldId="256"/>
-            <ac:spMk id="206" creationId="{9D4264D7-EAD8-4A3A-B89C-2BE068E2DF57}"/>
-          </ac:spMkLst>
-        </pc:spChg>
-        <pc:spChg chg="mod">
-          <ac:chgData name="Fatima Pillosu" userId="a6295d4dc9e22643" providerId="LiveId" clId="{0722BC45-0A43-40A6-8AB0-69C547F060B6}" dt="2021-07-12T22:11:40.682" v="511" actId="1076"/>
-          <ac:spMkLst>
-            <pc:docMk/>
-            <pc:sldMk cId="1556184242" sldId="256"/>
-            <ac:spMk id="207" creationId="{5D7409B1-98B0-430C-95EA-379C89870112}"/>
-          </ac:spMkLst>
-        </pc:spChg>
-        <pc:spChg chg="mod">
-          <ac:chgData name="Fatima Pillosu" userId="a6295d4dc9e22643" providerId="LiveId" clId="{0722BC45-0A43-40A6-8AB0-69C547F060B6}" dt="2021-07-12T22:15:13.753" v="540" actId="208"/>
+          <ac:chgData name="Fatima Pillosu" userId="a6295d4dc9e22643" providerId="LiveId" clId="{E571B794-A519-4CC3-95DA-E99FFA7BC2CE}" dt="2021-10-01T12:40:23.278" v="71" actId="113"/>
           <ac:spMkLst>
             <pc:docMk/>
             <pc:sldMk cId="1556184242" sldId="256"/>
@@ -264,7 +168,7 @@
           </ac:spMkLst>
         </pc:spChg>
         <pc:spChg chg="mod">
-          <ac:chgData name="Fatima Pillosu" userId="a6295d4dc9e22643" providerId="LiveId" clId="{0722BC45-0A43-40A6-8AB0-69C547F060B6}" dt="2021-07-12T22:15:13.753" v="540" actId="208"/>
+          <ac:chgData name="Fatima Pillosu" userId="a6295d4dc9e22643" providerId="LiveId" clId="{E571B794-A519-4CC3-95DA-E99FFA7BC2CE}" dt="2021-10-01T12:40:33.209" v="72" actId="113"/>
           <ac:spMkLst>
             <pc:docMk/>
             <pc:sldMk cId="1556184242" sldId="256"/>
@@ -272,7 +176,7 @@
           </ac:spMkLst>
         </pc:spChg>
         <pc:spChg chg="mod">
-          <ac:chgData name="Fatima Pillosu" userId="a6295d4dc9e22643" providerId="LiveId" clId="{0722BC45-0A43-40A6-8AB0-69C547F060B6}" dt="2021-07-12T22:15:13.753" v="540" actId="208"/>
+          <ac:chgData name="Fatima Pillosu" userId="a6295d4dc9e22643" providerId="LiveId" clId="{E571B794-A519-4CC3-95DA-E99FFA7BC2CE}" dt="2021-10-01T12:42:43.778" v="84" actId="207"/>
           <ac:spMkLst>
             <pc:docMk/>
             <pc:sldMk cId="1556184242" sldId="256"/>
@@ -280,55 +184,7 @@
           </ac:spMkLst>
         </pc:spChg>
         <pc:spChg chg="mod">
-          <ac:chgData name="Fatima Pillosu" userId="a6295d4dc9e22643" providerId="LiveId" clId="{0722BC45-0A43-40A6-8AB0-69C547F060B6}" dt="2021-07-12T22:11:40.682" v="511" actId="1076"/>
-          <ac:spMkLst>
-            <pc:docMk/>
-            <pc:sldMk cId="1556184242" sldId="256"/>
-            <ac:spMk id="215" creationId="{A27F48CC-5AA7-45F8-9B4F-62E12962C8D0}"/>
-          </ac:spMkLst>
-        </pc:spChg>
-        <pc:spChg chg="mod">
-          <ac:chgData name="Fatima Pillosu" userId="a6295d4dc9e22643" providerId="LiveId" clId="{0722BC45-0A43-40A6-8AB0-69C547F060B6}" dt="2021-07-12T22:11:40.682" v="511" actId="1076"/>
-          <ac:spMkLst>
-            <pc:docMk/>
-            <pc:sldMk cId="1556184242" sldId="256"/>
-            <ac:spMk id="216" creationId="{75207402-814A-4AAB-BAE6-2FCCB9B11143}"/>
-          </ac:spMkLst>
-        </pc:spChg>
-        <pc:spChg chg="mod">
-          <ac:chgData name="Fatima Pillosu" userId="a6295d4dc9e22643" providerId="LiveId" clId="{0722BC45-0A43-40A6-8AB0-69C547F060B6}" dt="2021-07-12T22:11:40.682" v="511" actId="1076"/>
-          <ac:spMkLst>
-            <pc:docMk/>
-            <pc:sldMk cId="1556184242" sldId="256"/>
-            <ac:spMk id="217" creationId="{1F9CEAC3-0C6A-4B56-B0C5-A6B9C7119B10}"/>
-          </ac:spMkLst>
-        </pc:spChg>
-        <pc:spChg chg="mod">
-          <ac:chgData name="Fatima Pillosu" userId="a6295d4dc9e22643" providerId="LiveId" clId="{0722BC45-0A43-40A6-8AB0-69C547F060B6}" dt="2021-07-12T22:11:40.682" v="511" actId="1076"/>
-          <ac:spMkLst>
-            <pc:docMk/>
-            <pc:sldMk cId="1556184242" sldId="256"/>
-            <ac:spMk id="218" creationId="{02777BA6-CF56-420A-B054-41D083450884}"/>
-          </ac:spMkLst>
-        </pc:spChg>
-        <pc:spChg chg="mod">
-          <ac:chgData name="Fatima Pillosu" userId="a6295d4dc9e22643" providerId="LiveId" clId="{0722BC45-0A43-40A6-8AB0-69C547F060B6}" dt="2021-07-12T22:11:40.682" v="511" actId="1076"/>
-          <ac:spMkLst>
-            <pc:docMk/>
-            <pc:sldMk cId="1556184242" sldId="256"/>
-            <ac:spMk id="219" creationId="{65BF9FE6-524A-44B1-813E-B0B18DF66625}"/>
-          </ac:spMkLst>
-        </pc:spChg>
-        <pc:spChg chg="mod">
-          <ac:chgData name="Fatima Pillosu" userId="a6295d4dc9e22643" providerId="LiveId" clId="{0722BC45-0A43-40A6-8AB0-69C547F060B6}" dt="2021-07-12T22:11:40.682" v="511" actId="1076"/>
-          <ac:spMkLst>
-            <pc:docMk/>
-            <pc:sldMk cId="1556184242" sldId="256"/>
-            <ac:spMk id="220" creationId="{BE95E72A-C5B4-4451-9EDA-63710D6544B1}"/>
-          </ac:spMkLst>
-        </pc:spChg>
-        <pc:spChg chg="mod">
-          <ac:chgData name="Fatima Pillosu" userId="a6295d4dc9e22643" providerId="LiveId" clId="{0722BC45-0A43-40A6-8AB0-69C547F060B6}" dt="2021-07-12T22:11:40.682" v="511" actId="1076"/>
+          <ac:chgData name="Fatima Pillosu" userId="a6295d4dc9e22643" providerId="LiveId" clId="{E571B794-A519-4CC3-95DA-E99FFA7BC2CE}" dt="2021-10-01T12:10:58.112" v="4" actId="20577"/>
           <ac:spMkLst>
             <pc:docMk/>
             <pc:sldMk cId="1556184242" sldId="256"/>
@@ -336,703 +192,15 @@
           </ac:spMkLst>
         </pc:spChg>
         <pc:spChg chg="mod">
-          <ac:chgData name="Fatima Pillosu" userId="a6295d4dc9e22643" providerId="LiveId" clId="{0722BC45-0A43-40A6-8AB0-69C547F060B6}" dt="2021-07-12T22:11:40.682" v="511" actId="1076"/>
-          <ac:spMkLst>
-            <pc:docMk/>
-            <pc:sldMk cId="1556184242" sldId="256"/>
-            <ac:spMk id="222" creationId="{406D67EC-7AC8-46FD-B219-D28DA565C854}"/>
-          </ac:spMkLst>
-        </pc:spChg>
-        <pc:spChg chg="mod">
-          <ac:chgData name="Fatima Pillosu" userId="a6295d4dc9e22643" providerId="LiveId" clId="{0722BC45-0A43-40A6-8AB0-69C547F060B6}" dt="2021-07-12T22:11:40.682" v="511" actId="1076"/>
-          <ac:spMkLst>
-            <pc:docMk/>
-            <pc:sldMk cId="1556184242" sldId="256"/>
-            <ac:spMk id="223" creationId="{C74A47BC-CE15-4B09-BC45-54BBF93F965B}"/>
-          </ac:spMkLst>
-        </pc:spChg>
-        <pc:spChg chg="mod">
-          <ac:chgData name="Fatima Pillosu" userId="a6295d4dc9e22643" providerId="LiveId" clId="{0722BC45-0A43-40A6-8AB0-69C547F060B6}" dt="2021-07-12T22:11:40.682" v="511" actId="1076"/>
-          <ac:spMkLst>
-            <pc:docMk/>
-            <pc:sldMk cId="1556184242" sldId="256"/>
-            <ac:spMk id="224" creationId="{77032B38-1E29-4787-B296-A2823185EA57}"/>
-          </ac:spMkLst>
-        </pc:spChg>
-        <pc:spChg chg="mod">
-          <ac:chgData name="Fatima Pillosu" userId="a6295d4dc9e22643" providerId="LiveId" clId="{0722BC45-0A43-40A6-8AB0-69C547F060B6}" dt="2021-07-12T22:11:40.682" v="511" actId="1076"/>
-          <ac:spMkLst>
-            <pc:docMk/>
-            <pc:sldMk cId="1556184242" sldId="256"/>
-            <ac:spMk id="225" creationId="{2CD81434-B9A2-4902-923C-F43E0FCE1F59}"/>
-          </ac:spMkLst>
-        </pc:spChg>
-        <pc:spChg chg="mod">
-          <ac:chgData name="Fatima Pillosu" userId="a6295d4dc9e22643" providerId="LiveId" clId="{0722BC45-0A43-40A6-8AB0-69C547F060B6}" dt="2021-07-12T22:11:40.682" v="511" actId="1076"/>
-          <ac:spMkLst>
-            <pc:docMk/>
-            <pc:sldMk cId="1556184242" sldId="256"/>
-            <ac:spMk id="226" creationId="{CB197CF7-4955-45CF-9019-70D53B9FC988}"/>
-          </ac:spMkLst>
-        </pc:spChg>
-        <pc:spChg chg="mod">
-          <ac:chgData name="Fatima Pillosu" userId="a6295d4dc9e22643" providerId="LiveId" clId="{0722BC45-0A43-40A6-8AB0-69C547F060B6}" dt="2021-07-12T22:11:40.682" v="511" actId="1076"/>
-          <ac:spMkLst>
-            <pc:docMk/>
-            <pc:sldMk cId="1556184242" sldId="256"/>
-            <ac:spMk id="227" creationId="{050057D0-B8B8-4116-BDE1-8CA34649822F}"/>
-          </ac:spMkLst>
-        </pc:spChg>
-        <pc:spChg chg="mod">
-          <ac:chgData name="Fatima Pillosu" userId="a6295d4dc9e22643" providerId="LiveId" clId="{0722BC45-0A43-40A6-8AB0-69C547F060B6}" dt="2021-07-12T22:11:40.682" v="511" actId="1076"/>
-          <ac:spMkLst>
-            <pc:docMk/>
-            <pc:sldMk cId="1556184242" sldId="256"/>
-            <ac:spMk id="228" creationId="{25C5130F-38CE-4431-8A3A-BDF87CE6B82F}"/>
-          </ac:spMkLst>
-        </pc:spChg>
-        <pc:spChg chg="mod">
-          <ac:chgData name="Fatima Pillosu" userId="a6295d4dc9e22643" providerId="LiveId" clId="{0722BC45-0A43-40A6-8AB0-69C547F060B6}" dt="2021-07-12T22:11:40.682" v="511" actId="1076"/>
-          <ac:spMkLst>
-            <pc:docMk/>
-            <pc:sldMk cId="1556184242" sldId="256"/>
-            <ac:spMk id="229" creationId="{F286DB6C-2CBD-4909-A6AC-2506725260BF}"/>
-          </ac:spMkLst>
-        </pc:spChg>
-        <pc:spChg chg="mod">
-          <ac:chgData name="Fatima Pillosu" userId="a6295d4dc9e22643" providerId="LiveId" clId="{0722BC45-0A43-40A6-8AB0-69C547F060B6}" dt="2021-07-12T22:11:40.682" v="511" actId="1076"/>
-          <ac:spMkLst>
-            <pc:docMk/>
-            <pc:sldMk cId="1556184242" sldId="256"/>
-            <ac:spMk id="230" creationId="{EB8F3020-A188-4D92-B8FE-7CC1CA913072}"/>
-          </ac:spMkLst>
-        </pc:spChg>
-        <pc:spChg chg="mod">
-          <ac:chgData name="Fatima Pillosu" userId="a6295d4dc9e22643" providerId="LiveId" clId="{0722BC45-0A43-40A6-8AB0-69C547F060B6}" dt="2021-07-12T22:11:40.682" v="511" actId="1076"/>
-          <ac:spMkLst>
-            <pc:docMk/>
-            <pc:sldMk cId="1556184242" sldId="256"/>
-            <ac:spMk id="231" creationId="{06DB3C5D-F701-47D1-98BA-7E2FB071F9B7}"/>
-          </ac:spMkLst>
-        </pc:spChg>
-        <pc:spChg chg="mod">
-          <ac:chgData name="Fatima Pillosu" userId="a6295d4dc9e22643" providerId="LiveId" clId="{0722BC45-0A43-40A6-8AB0-69C547F060B6}" dt="2021-07-12T22:11:40.682" v="511" actId="1076"/>
-          <ac:spMkLst>
-            <pc:docMk/>
-            <pc:sldMk cId="1556184242" sldId="256"/>
-            <ac:spMk id="232" creationId="{61AA4D6C-42A5-4239-880D-0DCF3151D88F}"/>
-          </ac:spMkLst>
-        </pc:spChg>
-        <pc:spChg chg="mod">
-          <ac:chgData name="Fatima Pillosu" userId="a6295d4dc9e22643" providerId="LiveId" clId="{0722BC45-0A43-40A6-8AB0-69C547F060B6}" dt="2021-07-12T22:11:40.682" v="511" actId="1076"/>
-          <ac:spMkLst>
-            <pc:docMk/>
-            <pc:sldMk cId="1556184242" sldId="256"/>
-            <ac:spMk id="233" creationId="{99542470-505E-47E1-8924-96CB8034CD40}"/>
-          </ac:spMkLst>
-        </pc:spChg>
-        <pc:spChg chg="mod">
-          <ac:chgData name="Fatima Pillosu" userId="a6295d4dc9e22643" providerId="LiveId" clId="{0722BC45-0A43-40A6-8AB0-69C547F060B6}" dt="2021-07-12T22:11:40.682" v="511" actId="1076"/>
-          <ac:spMkLst>
-            <pc:docMk/>
-            <pc:sldMk cId="1556184242" sldId="256"/>
-            <ac:spMk id="234" creationId="{21D98995-F750-4DC6-B0A7-13E43B88D02D}"/>
-          </ac:spMkLst>
-        </pc:spChg>
-        <pc:spChg chg="mod">
-          <ac:chgData name="Fatima Pillosu" userId="a6295d4dc9e22643" providerId="LiveId" clId="{0722BC45-0A43-40A6-8AB0-69C547F060B6}" dt="2021-07-12T22:11:40.682" v="511" actId="1076"/>
-          <ac:spMkLst>
-            <pc:docMk/>
-            <pc:sldMk cId="1556184242" sldId="256"/>
-            <ac:spMk id="235" creationId="{A670A4CA-FC69-41F0-9E0F-69CEEE9C8A90}"/>
-          </ac:spMkLst>
-        </pc:spChg>
-        <pc:spChg chg="mod">
-          <ac:chgData name="Fatima Pillosu" userId="a6295d4dc9e22643" providerId="LiveId" clId="{0722BC45-0A43-40A6-8AB0-69C547F060B6}" dt="2021-07-12T22:11:40.682" v="511" actId="1076"/>
-          <ac:spMkLst>
-            <pc:docMk/>
-            <pc:sldMk cId="1556184242" sldId="256"/>
-            <ac:spMk id="236" creationId="{BE2DC675-4DB8-4A36-827B-0CBE2B9CC4A5}"/>
-          </ac:spMkLst>
-        </pc:spChg>
-        <pc:spChg chg="mod">
-          <ac:chgData name="Fatima Pillosu" userId="a6295d4dc9e22643" providerId="LiveId" clId="{0722BC45-0A43-40A6-8AB0-69C547F060B6}" dt="2021-07-12T22:11:40.682" v="511" actId="1076"/>
-          <ac:spMkLst>
-            <pc:docMk/>
-            <pc:sldMk cId="1556184242" sldId="256"/>
-            <ac:spMk id="237" creationId="{4EA56E3A-4CEF-4817-9BC6-A53788E04B7B}"/>
-          </ac:spMkLst>
-        </pc:spChg>
-        <pc:spChg chg="mod">
-          <ac:chgData name="Fatima Pillosu" userId="a6295d4dc9e22643" providerId="LiveId" clId="{0722BC45-0A43-40A6-8AB0-69C547F060B6}" dt="2021-07-12T22:11:40.682" v="511" actId="1076"/>
-          <ac:spMkLst>
-            <pc:docMk/>
-            <pc:sldMk cId="1556184242" sldId="256"/>
-            <ac:spMk id="238" creationId="{84DDAE0D-7745-4210-8A56-913328C80665}"/>
-          </ac:spMkLst>
-        </pc:spChg>
-        <pc:spChg chg="mod">
-          <ac:chgData name="Fatima Pillosu" userId="a6295d4dc9e22643" providerId="LiveId" clId="{0722BC45-0A43-40A6-8AB0-69C547F060B6}" dt="2021-07-12T22:11:40.682" v="511" actId="1076"/>
-          <ac:spMkLst>
-            <pc:docMk/>
-            <pc:sldMk cId="1556184242" sldId="256"/>
-            <ac:spMk id="239" creationId="{9E314E3E-F938-4F62-8F8D-8685911B8485}"/>
-          </ac:spMkLst>
-        </pc:spChg>
-        <pc:spChg chg="mod">
-          <ac:chgData name="Fatima Pillosu" userId="a6295d4dc9e22643" providerId="LiveId" clId="{0722BC45-0A43-40A6-8AB0-69C547F060B6}" dt="2021-07-12T22:11:40.682" v="511" actId="1076"/>
-          <ac:spMkLst>
-            <pc:docMk/>
-            <pc:sldMk cId="1556184242" sldId="256"/>
-            <ac:spMk id="240" creationId="{C5B78C84-362C-49A9-BEC2-E6858FA4DD4A}"/>
-          </ac:spMkLst>
-        </pc:spChg>
-        <pc:spChg chg="mod">
-          <ac:chgData name="Fatima Pillosu" userId="a6295d4dc9e22643" providerId="LiveId" clId="{0722BC45-0A43-40A6-8AB0-69C547F060B6}" dt="2021-07-12T22:11:40.682" v="511" actId="1076"/>
-          <ac:spMkLst>
-            <pc:docMk/>
-            <pc:sldMk cId="1556184242" sldId="256"/>
-            <ac:spMk id="241" creationId="{77A899D2-A8C6-4AA1-8443-1D6BBD3B217B}"/>
-          </ac:spMkLst>
-        </pc:spChg>
-        <pc:spChg chg="mod">
-          <ac:chgData name="Fatima Pillosu" userId="a6295d4dc9e22643" providerId="LiveId" clId="{0722BC45-0A43-40A6-8AB0-69C547F060B6}" dt="2021-07-12T22:11:40.682" v="511" actId="1076"/>
-          <ac:spMkLst>
-            <pc:docMk/>
-            <pc:sldMk cId="1556184242" sldId="256"/>
-            <ac:spMk id="242" creationId="{6BAA3F49-C527-4C89-8BBF-6D9B4C3A61A5}"/>
-          </ac:spMkLst>
-        </pc:spChg>
-        <pc:spChg chg="mod">
-          <ac:chgData name="Fatima Pillosu" userId="a6295d4dc9e22643" providerId="LiveId" clId="{0722BC45-0A43-40A6-8AB0-69C547F060B6}" dt="2021-07-12T22:11:40.682" v="511" actId="1076"/>
-          <ac:spMkLst>
-            <pc:docMk/>
-            <pc:sldMk cId="1556184242" sldId="256"/>
-            <ac:spMk id="243" creationId="{F5BEE61E-2686-4E9D-9927-FEC7E0F84C9F}"/>
-          </ac:spMkLst>
-        </pc:spChg>
-        <pc:spChg chg="mod">
-          <ac:chgData name="Fatima Pillosu" userId="a6295d4dc9e22643" providerId="LiveId" clId="{0722BC45-0A43-40A6-8AB0-69C547F060B6}" dt="2021-07-12T22:11:40.682" v="511" actId="1076"/>
-          <ac:spMkLst>
-            <pc:docMk/>
-            <pc:sldMk cId="1556184242" sldId="256"/>
-            <ac:spMk id="244" creationId="{103424AD-349B-40A9-81B4-AC4232900ADC}"/>
-          </ac:spMkLst>
-        </pc:spChg>
-        <pc:spChg chg="mod">
-          <ac:chgData name="Fatima Pillosu" userId="a6295d4dc9e22643" providerId="LiveId" clId="{0722BC45-0A43-40A6-8AB0-69C547F060B6}" dt="2021-07-12T22:11:40.682" v="511" actId="1076"/>
-          <ac:spMkLst>
-            <pc:docMk/>
-            <pc:sldMk cId="1556184242" sldId="256"/>
-            <ac:spMk id="245" creationId="{AA56B502-54FD-43D1-80AF-2CAFC6E3C0D2}"/>
-          </ac:spMkLst>
-        </pc:spChg>
-        <pc:spChg chg="mod">
-          <ac:chgData name="Fatima Pillosu" userId="a6295d4dc9e22643" providerId="LiveId" clId="{0722BC45-0A43-40A6-8AB0-69C547F060B6}" dt="2021-07-12T22:11:40.682" v="511" actId="1076"/>
-          <ac:spMkLst>
-            <pc:docMk/>
-            <pc:sldMk cId="1556184242" sldId="256"/>
-            <ac:spMk id="246" creationId="{CA48551F-F210-4F01-8C0D-E37C8767E4D9}"/>
-          </ac:spMkLst>
-        </pc:spChg>
-        <pc:spChg chg="mod">
-          <ac:chgData name="Fatima Pillosu" userId="a6295d4dc9e22643" providerId="LiveId" clId="{0722BC45-0A43-40A6-8AB0-69C547F060B6}" dt="2021-07-12T22:11:40.682" v="511" actId="1076"/>
-          <ac:spMkLst>
-            <pc:docMk/>
-            <pc:sldMk cId="1556184242" sldId="256"/>
-            <ac:spMk id="247" creationId="{F5E98D01-A9DD-4E9A-92AB-B91531639B52}"/>
-          </ac:spMkLst>
-        </pc:spChg>
-        <pc:spChg chg="mod">
-          <ac:chgData name="Fatima Pillosu" userId="a6295d4dc9e22643" providerId="LiveId" clId="{0722BC45-0A43-40A6-8AB0-69C547F060B6}" dt="2021-07-12T22:11:40.682" v="511" actId="1076"/>
-          <ac:spMkLst>
-            <pc:docMk/>
-            <pc:sldMk cId="1556184242" sldId="256"/>
-            <ac:spMk id="248" creationId="{61FA8DEC-3E54-4368-B663-D386120E3452}"/>
-          </ac:spMkLst>
-        </pc:spChg>
-        <pc:spChg chg="mod">
-          <ac:chgData name="Fatima Pillosu" userId="a6295d4dc9e22643" providerId="LiveId" clId="{0722BC45-0A43-40A6-8AB0-69C547F060B6}" dt="2021-07-12T22:11:40.682" v="511" actId="1076"/>
-          <ac:spMkLst>
-            <pc:docMk/>
-            <pc:sldMk cId="1556184242" sldId="256"/>
-            <ac:spMk id="249" creationId="{9B93D06B-2BAA-4ABD-BF61-589443FB1AE6}"/>
-          </ac:spMkLst>
-        </pc:spChg>
-        <pc:spChg chg="mod">
-          <ac:chgData name="Fatima Pillosu" userId="a6295d4dc9e22643" providerId="LiveId" clId="{0722BC45-0A43-40A6-8AB0-69C547F060B6}" dt="2021-07-12T22:11:40.682" v="511" actId="1076"/>
-          <ac:spMkLst>
-            <pc:docMk/>
-            <pc:sldMk cId="1556184242" sldId="256"/>
-            <ac:spMk id="250" creationId="{5FDEEE2B-B476-4832-862B-5362AE14B313}"/>
-          </ac:spMkLst>
-        </pc:spChg>
-        <pc:spChg chg="mod">
-          <ac:chgData name="Fatima Pillosu" userId="a6295d4dc9e22643" providerId="LiveId" clId="{0722BC45-0A43-40A6-8AB0-69C547F060B6}" dt="2021-07-12T22:11:40.682" v="511" actId="1076"/>
-          <ac:spMkLst>
-            <pc:docMk/>
-            <pc:sldMk cId="1556184242" sldId="256"/>
-            <ac:spMk id="251" creationId="{1ADDD34F-F966-48F6-9019-6468A9711B13}"/>
-          </ac:spMkLst>
-        </pc:spChg>
-        <pc:spChg chg="mod">
-          <ac:chgData name="Fatima Pillosu" userId="a6295d4dc9e22643" providerId="LiveId" clId="{0722BC45-0A43-40A6-8AB0-69C547F060B6}" dt="2021-07-12T22:10:57.962" v="508" actId="1076"/>
-          <ac:spMkLst>
-            <pc:docMk/>
-            <pc:sldMk cId="1556184242" sldId="256"/>
-            <ac:spMk id="253" creationId="{0452DBE0-354E-4DCA-B6A2-181BE842E208}"/>
-          </ac:spMkLst>
-        </pc:spChg>
-        <pc:spChg chg="mod">
-          <ac:chgData name="Fatima Pillosu" userId="a6295d4dc9e22643" providerId="LiveId" clId="{0722BC45-0A43-40A6-8AB0-69C547F060B6}" dt="2021-07-12T22:10:57.962" v="508" actId="1076"/>
-          <ac:spMkLst>
-            <pc:docMk/>
-            <pc:sldMk cId="1556184242" sldId="256"/>
-            <ac:spMk id="254" creationId="{00B24486-EBDD-493C-8179-F01E55231959}"/>
-          </ac:spMkLst>
-        </pc:spChg>
-        <pc:spChg chg="mod">
-          <ac:chgData name="Fatima Pillosu" userId="a6295d4dc9e22643" providerId="LiveId" clId="{0722BC45-0A43-40A6-8AB0-69C547F060B6}" dt="2021-07-12T22:10:57.962" v="508" actId="1076"/>
-          <ac:spMkLst>
-            <pc:docMk/>
-            <pc:sldMk cId="1556184242" sldId="256"/>
-            <ac:spMk id="255" creationId="{2F62FCAE-676B-42DC-B29C-FD7F2BE9229B}"/>
-          </ac:spMkLst>
-        </pc:spChg>
-        <pc:spChg chg="mod">
-          <ac:chgData name="Fatima Pillosu" userId="a6295d4dc9e22643" providerId="LiveId" clId="{0722BC45-0A43-40A6-8AB0-69C547F060B6}" dt="2021-07-12T22:10:57.962" v="508" actId="1076"/>
-          <ac:spMkLst>
-            <pc:docMk/>
-            <pc:sldMk cId="1556184242" sldId="256"/>
-            <ac:spMk id="256" creationId="{DD90AEFB-195B-413D-B5B7-3D4D0628329C}"/>
-          </ac:spMkLst>
-        </pc:spChg>
-        <pc:spChg chg="mod">
-          <ac:chgData name="Fatima Pillosu" userId="a6295d4dc9e22643" providerId="LiveId" clId="{0722BC45-0A43-40A6-8AB0-69C547F060B6}" dt="2021-07-12T22:10:57.962" v="508" actId="1076"/>
-          <ac:spMkLst>
-            <pc:docMk/>
-            <pc:sldMk cId="1556184242" sldId="256"/>
-            <ac:spMk id="257" creationId="{5CC1116A-131B-4FB0-B132-E24D18D89D61}"/>
-          </ac:spMkLst>
-        </pc:spChg>
-        <pc:spChg chg="mod">
-          <ac:chgData name="Fatima Pillosu" userId="a6295d4dc9e22643" providerId="LiveId" clId="{0722BC45-0A43-40A6-8AB0-69C547F060B6}" dt="2021-07-12T22:15:05.657" v="538" actId="208"/>
-          <ac:spMkLst>
-            <pc:docMk/>
-            <pc:sldMk cId="1556184242" sldId="256"/>
-            <ac:spMk id="258" creationId="{C0505D04-58DA-472B-886C-0ED8B43FCD7F}"/>
-          </ac:spMkLst>
-        </pc:spChg>
-        <pc:spChg chg="mod">
-          <ac:chgData name="Fatima Pillosu" userId="a6295d4dc9e22643" providerId="LiveId" clId="{0722BC45-0A43-40A6-8AB0-69C547F060B6}" dt="2021-07-12T22:15:21.613" v="542" actId="1582"/>
-          <ac:spMkLst>
-            <pc:docMk/>
-            <pc:sldMk cId="1556184242" sldId="256"/>
-            <ac:spMk id="259" creationId="{5F884A07-88C9-4679-8FE8-293E05D40495}"/>
-          </ac:spMkLst>
-        </pc:spChg>
-        <pc:spChg chg="mod">
-          <ac:chgData name="Fatima Pillosu" userId="a6295d4dc9e22643" providerId="LiveId" clId="{0722BC45-0A43-40A6-8AB0-69C547F060B6}" dt="2021-07-12T22:10:57.962" v="508" actId="1076"/>
-          <ac:spMkLst>
-            <pc:docMk/>
-            <pc:sldMk cId="1556184242" sldId="256"/>
-            <ac:spMk id="260" creationId="{4ECB0350-EB89-456B-978B-8F20719B891F}"/>
-          </ac:spMkLst>
-        </pc:spChg>
-        <pc:spChg chg="mod">
-          <ac:chgData name="Fatima Pillosu" userId="a6295d4dc9e22643" providerId="LiveId" clId="{0722BC45-0A43-40A6-8AB0-69C547F060B6}" dt="2021-07-12T22:10:57.962" v="508" actId="1076"/>
-          <ac:spMkLst>
-            <pc:docMk/>
-            <pc:sldMk cId="1556184242" sldId="256"/>
-            <ac:spMk id="261" creationId="{DDDE9C9D-5739-456E-8F56-0DF4D234B52F}"/>
-          </ac:spMkLst>
-        </pc:spChg>
-        <pc:spChg chg="mod">
-          <ac:chgData name="Fatima Pillosu" userId="a6295d4dc9e22643" providerId="LiveId" clId="{0722BC45-0A43-40A6-8AB0-69C547F060B6}" dt="2021-07-12T22:07:06.223" v="444" actId="255"/>
-          <ac:spMkLst>
-            <pc:docMk/>
-            <pc:sldMk cId="1556184242" sldId="256"/>
-            <ac:spMk id="263" creationId="{B959478B-2650-492C-8B85-A17DD49751BC}"/>
-          </ac:spMkLst>
-        </pc:spChg>
-        <pc:spChg chg="mod">
-          <ac:chgData name="Fatima Pillosu" userId="a6295d4dc9e22643" providerId="LiveId" clId="{0722BC45-0A43-40A6-8AB0-69C547F060B6}" dt="2021-07-12T22:10:57.962" v="508" actId="1076"/>
-          <ac:spMkLst>
-            <pc:docMk/>
-            <pc:sldMk cId="1556184242" sldId="256"/>
-            <ac:spMk id="264" creationId="{6ABAAF0F-CF08-492A-86D4-760FAE2CA824}"/>
-          </ac:spMkLst>
-        </pc:spChg>
-        <pc:spChg chg="mod">
-          <ac:chgData name="Fatima Pillosu" userId="a6295d4dc9e22643" providerId="LiveId" clId="{0722BC45-0A43-40A6-8AB0-69C547F060B6}" dt="2021-07-12T22:10:57.962" v="508" actId="1076"/>
-          <ac:spMkLst>
-            <pc:docMk/>
-            <pc:sldMk cId="1556184242" sldId="256"/>
-            <ac:spMk id="265" creationId="{89F31147-29A2-4929-B82D-AF9421491784}"/>
-          </ac:spMkLst>
-        </pc:spChg>
-        <pc:spChg chg="mod">
-          <ac:chgData name="Fatima Pillosu" userId="a6295d4dc9e22643" providerId="LiveId" clId="{0722BC45-0A43-40A6-8AB0-69C547F060B6}" dt="2021-07-12T22:04:24.336" v="323" actId="14100"/>
-          <ac:spMkLst>
-            <pc:docMk/>
-            <pc:sldMk cId="1556184242" sldId="256"/>
-            <ac:spMk id="281" creationId="{0E880B15-1847-41EE-99C7-8E5B03F20828}"/>
-          </ac:spMkLst>
-        </pc:spChg>
-        <pc:spChg chg="mod">
-          <ac:chgData name="Fatima Pillosu" userId="a6295d4dc9e22643" providerId="LiveId" clId="{0722BC45-0A43-40A6-8AB0-69C547F060B6}" dt="2021-07-12T22:10:19.251" v="504" actId="20577"/>
-          <ac:spMkLst>
-            <pc:docMk/>
-            <pc:sldMk cId="1556184242" sldId="256"/>
-            <ac:spMk id="283" creationId="{0B6251A1-8339-431B-9243-12EC78CE9FEC}"/>
-          </ac:spMkLst>
-        </pc:spChg>
-        <pc:spChg chg="mod">
-          <ac:chgData name="Fatima Pillosu" userId="a6295d4dc9e22643" providerId="LiveId" clId="{0722BC45-0A43-40A6-8AB0-69C547F060B6}" dt="2021-07-12T22:07:06.223" v="444" actId="255"/>
-          <ac:spMkLst>
-            <pc:docMk/>
-            <pc:sldMk cId="1556184242" sldId="256"/>
-            <ac:spMk id="286" creationId="{9209AB5A-523A-41D0-9398-2AED3E617554}"/>
-          </ac:spMkLst>
-        </pc:spChg>
-        <pc:spChg chg="mod">
-          <ac:chgData name="Fatima Pillosu" userId="a6295d4dc9e22643" providerId="LiveId" clId="{0722BC45-0A43-40A6-8AB0-69C547F060B6}" dt="2021-07-12T22:06:58.519" v="443" actId="1038"/>
-          <ac:spMkLst>
-            <pc:docMk/>
-            <pc:sldMk cId="1556184242" sldId="256"/>
-            <ac:spMk id="287" creationId="{EDC4D2F2-4847-4BE3-955C-02FF868CBD9C}"/>
-          </ac:spMkLst>
-        </pc:spChg>
-        <pc:spChg chg="mod">
-          <ac:chgData name="Fatima Pillosu" userId="a6295d4dc9e22643" providerId="LiveId" clId="{0722BC45-0A43-40A6-8AB0-69C547F060B6}" dt="2021-07-12T22:12:08.966" v="534" actId="1035"/>
-          <ac:spMkLst>
-            <pc:docMk/>
-            <pc:sldMk cId="1556184242" sldId="256"/>
-            <ac:spMk id="290" creationId="{02D7A26A-76EF-448A-A696-2F8B12E2F44D}"/>
-          </ac:spMkLst>
-        </pc:spChg>
-        <pc:spChg chg="mod">
-          <ac:chgData name="Fatima Pillosu" userId="a6295d4dc9e22643" providerId="LiveId" clId="{0722BC45-0A43-40A6-8AB0-69C547F060B6}" dt="2021-07-12T22:12:08.966" v="534" actId="1035"/>
-          <ac:spMkLst>
-            <pc:docMk/>
-            <pc:sldMk cId="1556184242" sldId="256"/>
-            <ac:spMk id="291" creationId="{1A6707D4-F7C0-4986-BBD0-B164607D38F6}"/>
-          </ac:spMkLst>
-        </pc:spChg>
-        <pc:spChg chg="mod">
-          <ac:chgData name="Fatima Pillosu" userId="a6295d4dc9e22643" providerId="LiveId" clId="{0722BC45-0A43-40A6-8AB0-69C547F060B6}" dt="2021-07-12T22:12:08.966" v="534" actId="1035"/>
-          <ac:spMkLst>
-            <pc:docMk/>
-            <pc:sldMk cId="1556184242" sldId="256"/>
-            <ac:spMk id="293" creationId="{9025EDCE-2C09-43A6-AB8F-68C7ACA6C243}"/>
-          </ac:spMkLst>
-        </pc:spChg>
-        <pc:spChg chg="mod">
-          <ac:chgData name="Fatima Pillosu" userId="a6295d4dc9e22643" providerId="LiveId" clId="{0722BC45-0A43-40A6-8AB0-69C547F060B6}" dt="2021-07-12T22:12:08.966" v="534" actId="1035"/>
-          <ac:spMkLst>
-            <pc:docMk/>
-            <pc:sldMk cId="1556184242" sldId="256"/>
-            <ac:spMk id="294" creationId="{9A69DAB2-F11E-4489-A1B4-12944180E88F}"/>
-          </ac:spMkLst>
-        </pc:spChg>
-        <pc:spChg chg="mod">
-          <ac:chgData name="Fatima Pillosu" userId="a6295d4dc9e22643" providerId="LiveId" clId="{0722BC45-0A43-40A6-8AB0-69C547F060B6}" dt="2021-07-12T22:12:08.966" v="534" actId="1035"/>
-          <ac:spMkLst>
-            <pc:docMk/>
-            <pc:sldMk cId="1556184242" sldId="256"/>
-            <ac:spMk id="296" creationId="{9553478D-550C-4161-9A74-F83E81E2DB4C}"/>
-          </ac:spMkLst>
-        </pc:spChg>
-        <pc:spChg chg="mod">
-          <ac:chgData name="Fatima Pillosu" userId="a6295d4dc9e22643" providerId="LiveId" clId="{0722BC45-0A43-40A6-8AB0-69C547F060B6}" dt="2021-07-12T22:12:08.966" v="534" actId="1035"/>
-          <ac:spMkLst>
-            <pc:docMk/>
-            <pc:sldMk cId="1556184242" sldId="256"/>
-            <ac:spMk id="297" creationId="{07CDB1FA-2654-4D69-8F9B-600501236360}"/>
-          </ac:spMkLst>
-        </pc:spChg>
-        <pc:spChg chg="mod">
-          <ac:chgData name="Fatima Pillosu" userId="a6295d4dc9e22643" providerId="LiveId" clId="{0722BC45-0A43-40A6-8AB0-69C547F060B6}" dt="2021-07-12T22:12:08.966" v="534" actId="1035"/>
-          <ac:spMkLst>
-            <pc:docMk/>
-            <pc:sldMk cId="1556184242" sldId="256"/>
-            <ac:spMk id="298" creationId="{4035A280-B58D-44BC-A9A7-A2FC855CBF29}"/>
-          </ac:spMkLst>
-        </pc:spChg>
-        <pc:spChg chg="mod">
-          <ac:chgData name="Fatima Pillosu" userId="a6295d4dc9e22643" providerId="LiveId" clId="{0722BC45-0A43-40A6-8AB0-69C547F060B6}" dt="2021-07-12T22:12:08.966" v="534" actId="1035"/>
-          <ac:spMkLst>
-            <pc:docMk/>
-            <pc:sldMk cId="1556184242" sldId="256"/>
-            <ac:spMk id="301" creationId="{2AB7CF5C-D4CF-4725-AAA1-BE3C4C3CDB80}"/>
-          </ac:spMkLst>
-        </pc:spChg>
-        <pc:spChg chg="mod">
-          <ac:chgData name="Fatima Pillosu" userId="a6295d4dc9e22643" providerId="LiveId" clId="{0722BC45-0A43-40A6-8AB0-69C547F060B6}" dt="2021-07-12T22:10:21.753" v="506" actId="20577"/>
-          <ac:spMkLst>
-            <pc:docMk/>
-            <pc:sldMk cId="1556184242" sldId="256"/>
-            <ac:spMk id="302" creationId="{24CF1CE7-D2CA-494C-9CD1-00C9D0078B0F}"/>
-          </ac:spMkLst>
-        </pc:spChg>
-        <pc:spChg chg="mod">
-          <ac:chgData name="Fatima Pillosu" userId="a6295d4dc9e22643" providerId="LiveId" clId="{0722BC45-0A43-40A6-8AB0-69C547F060B6}" dt="2021-07-12T22:08:38.345" v="456" actId="1076"/>
-          <ac:spMkLst>
-            <pc:docMk/>
-            <pc:sldMk cId="1556184242" sldId="256"/>
-            <ac:spMk id="303" creationId="{1396037A-0807-4F1A-9709-543D5B95A5E7}"/>
-          </ac:spMkLst>
-        </pc:spChg>
-        <pc:spChg chg="mod">
-          <ac:chgData name="Fatima Pillosu" userId="a6295d4dc9e22643" providerId="LiveId" clId="{0722BC45-0A43-40A6-8AB0-69C547F060B6}" dt="2021-07-12T22:08:38.345" v="456" actId="1076"/>
-          <ac:spMkLst>
-            <pc:docMk/>
-            <pc:sldMk cId="1556184242" sldId="256"/>
-            <ac:spMk id="304" creationId="{446659C8-A243-42F5-90AD-074188821DE2}"/>
-          </ac:spMkLst>
-        </pc:spChg>
-        <pc:spChg chg="mod">
-          <ac:chgData name="Fatima Pillosu" userId="a6295d4dc9e22643" providerId="LiveId" clId="{0722BC45-0A43-40A6-8AB0-69C547F060B6}" dt="2021-07-12T22:12:08.966" v="534" actId="1035"/>
-          <ac:spMkLst>
-            <pc:docMk/>
-            <pc:sldMk cId="1556184242" sldId="256"/>
-            <ac:spMk id="305" creationId="{FEFBA637-DC77-4D29-8001-169921D2608A}"/>
-          </ac:spMkLst>
-        </pc:spChg>
-        <pc:spChg chg="mod">
-          <ac:chgData name="Fatima Pillosu" userId="a6295d4dc9e22643" providerId="LiveId" clId="{0722BC45-0A43-40A6-8AB0-69C547F060B6}" dt="2021-07-12T22:12:08.966" v="534" actId="1035"/>
-          <ac:spMkLst>
-            <pc:docMk/>
-            <pc:sldMk cId="1556184242" sldId="256"/>
-            <ac:spMk id="306" creationId="{C86443E4-FA0B-411E-8834-90E73695E089}"/>
-          </ac:spMkLst>
-        </pc:spChg>
-        <pc:spChg chg="mod">
-          <ac:chgData name="Fatima Pillosu" userId="a6295d4dc9e22643" providerId="LiveId" clId="{0722BC45-0A43-40A6-8AB0-69C547F060B6}" dt="2021-07-12T22:12:08.966" v="534" actId="1035"/>
-          <ac:spMkLst>
-            <pc:docMk/>
-            <pc:sldMk cId="1556184242" sldId="256"/>
-            <ac:spMk id="307" creationId="{696037C6-32EB-4893-BA9C-62345C583B10}"/>
-          </ac:spMkLst>
-        </pc:spChg>
-        <pc:spChg chg="mod">
-          <ac:chgData name="Fatima Pillosu" userId="a6295d4dc9e22643" providerId="LiveId" clId="{0722BC45-0A43-40A6-8AB0-69C547F060B6}" dt="2021-07-12T22:12:08.966" v="534" actId="1035"/>
-          <ac:spMkLst>
-            <pc:docMk/>
-            <pc:sldMk cId="1556184242" sldId="256"/>
-            <ac:spMk id="308" creationId="{2EFF81FD-8E63-46A4-8012-419CBFB07853}"/>
-          </ac:spMkLst>
-        </pc:spChg>
-        <pc:spChg chg="mod">
-          <ac:chgData name="Fatima Pillosu" userId="a6295d4dc9e22643" providerId="LiveId" clId="{0722BC45-0A43-40A6-8AB0-69C547F060B6}" dt="2021-07-12T22:12:08.966" v="534" actId="1035"/>
-          <ac:spMkLst>
-            <pc:docMk/>
-            <pc:sldMk cId="1556184242" sldId="256"/>
-            <ac:spMk id="309" creationId="{EFBB774B-E87C-47AE-8CB0-87F5BC390064}"/>
-          </ac:spMkLst>
-        </pc:spChg>
-        <pc:spChg chg="mod">
-          <ac:chgData name="Fatima Pillosu" userId="a6295d4dc9e22643" providerId="LiveId" clId="{0722BC45-0A43-40A6-8AB0-69C547F060B6}" dt="2021-07-12T22:12:08.966" v="534" actId="1035"/>
-          <ac:spMkLst>
-            <pc:docMk/>
-            <pc:sldMk cId="1556184242" sldId="256"/>
-            <ac:spMk id="310" creationId="{0FE93762-62A8-44ED-8A8D-5DB99B135A1E}"/>
-          </ac:spMkLst>
-        </pc:spChg>
-        <pc:spChg chg="mod">
-          <ac:chgData name="Fatima Pillosu" userId="a6295d4dc9e22643" providerId="LiveId" clId="{0722BC45-0A43-40A6-8AB0-69C547F060B6}" dt="2021-07-12T22:12:08.966" v="534" actId="1035"/>
-          <ac:spMkLst>
-            <pc:docMk/>
-            <pc:sldMk cId="1556184242" sldId="256"/>
-            <ac:spMk id="311" creationId="{FE208EA7-26DB-4B57-9A13-8EA0EB64FEF2}"/>
-          </ac:spMkLst>
-        </pc:spChg>
-        <pc:spChg chg="mod">
-          <ac:chgData name="Fatima Pillosu" userId="a6295d4dc9e22643" providerId="LiveId" clId="{0722BC45-0A43-40A6-8AB0-69C547F060B6}" dt="2021-07-12T22:12:08.966" v="534" actId="1035"/>
-          <ac:spMkLst>
-            <pc:docMk/>
-            <pc:sldMk cId="1556184242" sldId="256"/>
-            <ac:spMk id="314" creationId="{C061B958-69BF-4BB0-8545-6C2D6FBE6DF1}"/>
-          </ac:spMkLst>
-        </pc:spChg>
-        <pc:spChg chg="mod">
-          <ac:chgData name="Fatima Pillosu" userId="a6295d4dc9e22643" providerId="LiveId" clId="{0722BC45-0A43-40A6-8AB0-69C547F060B6}" dt="2021-07-12T22:12:08.966" v="534" actId="1035"/>
-          <ac:spMkLst>
-            <pc:docMk/>
-            <pc:sldMk cId="1556184242" sldId="256"/>
-            <ac:spMk id="315" creationId="{744C2593-8EFA-4FDF-8C4C-5B3BA7CDE4BC}"/>
-          </ac:spMkLst>
-        </pc:spChg>
-        <pc:spChg chg="mod">
-          <ac:chgData name="Fatima Pillosu" userId="a6295d4dc9e22643" providerId="LiveId" clId="{0722BC45-0A43-40A6-8AB0-69C547F060B6}" dt="2021-07-12T22:12:08.966" v="534" actId="1035"/>
-          <ac:spMkLst>
-            <pc:docMk/>
-            <pc:sldMk cId="1556184242" sldId="256"/>
-            <ac:spMk id="316" creationId="{CD6B9B13-37B1-4C44-B92F-E6E95D608A3D}"/>
-          </ac:spMkLst>
-        </pc:spChg>
-        <pc:spChg chg="mod">
-          <ac:chgData name="Fatima Pillosu" userId="a6295d4dc9e22643" providerId="LiveId" clId="{0722BC45-0A43-40A6-8AB0-69C547F060B6}" dt="2021-07-12T22:12:08.966" v="534" actId="1035"/>
-          <ac:spMkLst>
-            <pc:docMk/>
-            <pc:sldMk cId="1556184242" sldId="256"/>
-            <ac:spMk id="317" creationId="{FAC94204-7A45-4693-BB2B-A598B4BED9FB}"/>
-          </ac:spMkLst>
-        </pc:spChg>
-        <pc:spChg chg="mod">
-          <ac:chgData name="Fatima Pillosu" userId="a6295d4dc9e22643" providerId="LiveId" clId="{0722BC45-0A43-40A6-8AB0-69C547F060B6}" dt="2021-07-12T22:12:08.966" v="534" actId="1035"/>
-          <ac:spMkLst>
-            <pc:docMk/>
-            <pc:sldMk cId="1556184242" sldId="256"/>
-            <ac:spMk id="318" creationId="{F70E1138-17DB-486B-BE02-616A0F56CE87}"/>
-          </ac:spMkLst>
-        </pc:spChg>
-        <pc:spChg chg="mod">
-          <ac:chgData name="Fatima Pillosu" userId="a6295d4dc9e22643" providerId="LiveId" clId="{0722BC45-0A43-40A6-8AB0-69C547F060B6}" dt="2021-07-12T22:12:08.966" v="534" actId="1035"/>
-          <ac:spMkLst>
-            <pc:docMk/>
-            <pc:sldMk cId="1556184242" sldId="256"/>
-            <ac:spMk id="319" creationId="{7091631A-1604-4077-8F45-DFB19661D523}"/>
-          </ac:spMkLst>
-        </pc:spChg>
-        <pc:spChg chg="mod">
-          <ac:chgData name="Fatima Pillosu" userId="a6295d4dc9e22643" providerId="LiveId" clId="{0722BC45-0A43-40A6-8AB0-69C547F060B6}" dt="2021-07-12T22:10:37.115" v="507" actId="1076"/>
-          <ac:spMkLst>
-            <pc:docMk/>
-            <pc:sldMk cId="1556184242" sldId="256"/>
-            <ac:spMk id="322" creationId="{8AF5F0C4-D844-499E-9D1C-AD7659019AD2}"/>
-          </ac:spMkLst>
-        </pc:spChg>
-        <pc:spChg chg="mod">
-          <ac:chgData name="Fatima Pillosu" userId="a6295d4dc9e22643" providerId="LiveId" clId="{0722BC45-0A43-40A6-8AB0-69C547F060B6}" dt="2021-07-12T22:10:37.115" v="507" actId="1076"/>
-          <ac:spMkLst>
-            <pc:docMk/>
-            <pc:sldMk cId="1556184242" sldId="256"/>
-            <ac:spMk id="323" creationId="{C4B59B97-CA6B-4D1E-BD13-29F2A5EE129B}"/>
-          </ac:spMkLst>
-        </pc:spChg>
-        <pc:spChg chg="mod">
-          <ac:chgData name="Fatima Pillosu" userId="a6295d4dc9e22643" providerId="LiveId" clId="{0722BC45-0A43-40A6-8AB0-69C547F060B6}" dt="2021-07-12T22:10:37.115" v="507" actId="1076"/>
-          <ac:spMkLst>
-            <pc:docMk/>
-            <pc:sldMk cId="1556184242" sldId="256"/>
-            <ac:spMk id="324" creationId="{2884F03D-2887-4C1D-9065-40DD3FC75CB4}"/>
-          </ac:spMkLst>
-        </pc:spChg>
-        <pc:spChg chg="mod">
-          <ac:chgData name="Fatima Pillosu" userId="a6295d4dc9e22643" providerId="LiveId" clId="{0722BC45-0A43-40A6-8AB0-69C547F060B6}" dt="2021-07-12T22:10:37.115" v="507" actId="1076"/>
-          <ac:spMkLst>
-            <pc:docMk/>
-            <pc:sldMk cId="1556184242" sldId="256"/>
-            <ac:spMk id="325" creationId="{5FB0BB6C-8DE9-4A79-9235-294E72E77BC8}"/>
-          </ac:spMkLst>
-        </pc:spChg>
-        <pc:spChg chg="mod">
-          <ac:chgData name="Fatima Pillosu" userId="a6295d4dc9e22643" providerId="LiveId" clId="{0722BC45-0A43-40A6-8AB0-69C547F060B6}" dt="2021-07-12T22:10:37.115" v="507" actId="1076"/>
-          <ac:spMkLst>
-            <pc:docMk/>
-            <pc:sldMk cId="1556184242" sldId="256"/>
-            <ac:spMk id="326" creationId="{C98CBA0E-8BD8-4B8B-BD33-E2932D692186}"/>
-          </ac:spMkLst>
-        </pc:spChg>
-        <pc:spChg chg="mod">
-          <ac:chgData name="Fatima Pillosu" userId="a6295d4dc9e22643" providerId="LiveId" clId="{0722BC45-0A43-40A6-8AB0-69C547F060B6}" dt="2021-07-12T22:10:37.115" v="507" actId="1076"/>
-          <ac:spMkLst>
-            <pc:docMk/>
-            <pc:sldMk cId="1556184242" sldId="256"/>
-            <ac:spMk id="327" creationId="{9C012D6A-4CB3-41E5-B1BB-37144FFEA178}"/>
-          </ac:spMkLst>
-        </pc:spChg>
-        <pc:spChg chg="mod">
-          <ac:chgData name="Fatima Pillosu" userId="a6295d4dc9e22643" providerId="LiveId" clId="{0722BC45-0A43-40A6-8AB0-69C547F060B6}" dt="2021-07-12T22:10:37.115" v="507" actId="1076"/>
-          <ac:spMkLst>
-            <pc:docMk/>
-            <pc:sldMk cId="1556184242" sldId="256"/>
-            <ac:spMk id="328" creationId="{1DD34801-DCF7-426E-A862-8F9372B07107}"/>
-          </ac:spMkLst>
-        </pc:spChg>
-        <pc:spChg chg="mod">
-          <ac:chgData name="Fatima Pillosu" userId="a6295d4dc9e22643" providerId="LiveId" clId="{0722BC45-0A43-40A6-8AB0-69C547F060B6}" dt="2021-07-12T22:10:37.115" v="507" actId="1076"/>
-          <ac:spMkLst>
-            <pc:docMk/>
-            <pc:sldMk cId="1556184242" sldId="256"/>
-            <ac:spMk id="329" creationId="{B8B9CDC7-8A7A-4CD1-A15C-0DD551E5F9CD}"/>
-          </ac:spMkLst>
-        </pc:spChg>
-        <pc:spChg chg="mod">
-          <ac:chgData name="Fatima Pillosu" userId="a6295d4dc9e22643" providerId="LiveId" clId="{0722BC45-0A43-40A6-8AB0-69C547F060B6}" dt="2021-07-12T22:10:37.115" v="507" actId="1076"/>
-          <ac:spMkLst>
-            <pc:docMk/>
-            <pc:sldMk cId="1556184242" sldId="256"/>
-            <ac:spMk id="330" creationId="{F605D4ED-D7A0-4702-862B-1D035197B597}"/>
-          </ac:spMkLst>
-        </pc:spChg>
-        <pc:spChg chg="mod">
-          <ac:chgData name="Fatima Pillosu" userId="a6295d4dc9e22643" providerId="LiveId" clId="{0722BC45-0A43-40A6-8AB0-69C547F060B6}" dt="2021-07-12T22:10:37.115" v="507" actId="1076"/>
-          <ac:spMkLst>
-            <pc:docMk/>
-            <pc:sldMk cId="1556184242" sldId="256"/>
-            <ac:spMk id="331" creationId="{2E94CEB9-1095-40C7-8F83-B417C35413C1}"/>
-          </ac:spMkLst>
-        </pc:spChg>
-        <pc:spChg chg="mod">
-          <ac:chgData name="Fatima Pillosu" userId="a6295d4dc9e22643" providerId="LiveId" clId="{0722BC45-0A43-40A6-8AB0-69C547F060B6}" dt="2021-07-12T22:10:37.115" v="507" actId="1076"/>
-          <ac:spMkLst>
-            <pc:docMk/>
-            <pc:sldMk cId="1556184242" sldId="256"/>
-            <ac:spMk id="332" creationId="{C3214072-0184-4D36-9F78-0A550AC1B681}"/>
-          </ac:spMkLst>
-        </pc:spChg>
-        <pc:spChg chg="mod">
-          <ac:chgData name="Fatima Pillosu" userId="a6295d4dc9e22643" providerId="LiveId" clId="{0722BC45-0A43-40A6-8AB0-69C547F060B6}" dt="2021-07-12T22:10:37.115" v="507" actId="1076"/>
-          <ac:spMkLst>
-            <pc:docMk/>
-            <pc:sldMk cId="1556184242" sldId="256"/>
-            <ac:spMk id="333" creationId="{F1DF7913-CA46-4F4E-B5EB-4F36E7E4A029}"/>
-          </ac:spMkLst>
-        </pc:spChg>
-        <pc:spChg chg="mod">
-          <ac:chgData name="Fatima Pillosu" userId="a6295d4dc9e22643" providerId="LiveId" clId="{0722BC45-0A43-40A6-8AB0-69C547F060B6}" dt="2021-07-12T22:10:37.115" v="507" actId="1076"/>
-          <ac:spMkLst>
-            <pc:docMk/>
-            <pc:sldMk cId="1556184242" sldId="256"/>
-            <ac:spMk id="334" creationId="{BB281AAD-8452-45DB-B57F-EE6050AA20E9}"/>
-          </ac:spMkLst>
-        </pc:spChg>
-        <pc:spChg chg="mod">
-          <ac:chgData name="Fatima Pillosu" userId="a6295d4dc9e22643" providerId="LiveId" clId="{0722BC45-0A43-40A6-8AB0-69C547F060B6}" dt="2021-07-12T22:10:37.115" v="507" actId="1076"/>
-          <ac:spMkLst>
-            <pc:docMk/>
-            <pc:sldMk cId="1556184242" sldId="256"/>
-            <ac:spMk id="335" creationId="{2621067A-5584-498F-A613-2F1CF7C56F2F}"/>
-          </ac:spMkLst>
-        </pc:spChg>
-        <pc:spChg chg="mod">
-          <ac:chgData name="Fatima Pillosu" userId="a6295d4dc9e22643" providerId="LiveId" clId="{0722BC45-0A43-40A6-8AB0-69C547F060B6}" dt="2021-07-12T22:10:37.115" v="507" actId="1076"/>
-          <ac:spMkLst>
-            <pc:docMk/>
-            <pc:sldMk cId="1556184242" sldId="256"/>
-            <ac:spMk id="336" creationId="{37EA9084-4E78-4B14-BC04-D9F65BF5BB78}"/>
-          </ac:spMkLst>
-        </pc:spChg>
-        <pc:spChg chg="mod">
-          <ac:chgData name="Fatima Pillosu" userId="a6295d4dc9e22643" providerId="LiveId" clId="{0722BC45-0A43-40A6-8AB0-69C547F060B6}" dt="2021-07-12T22:10:37.115" v="507" actId="1076"/>
-          <ac:spMkLst>
-            <pc:docMk/>
-            <pc:sldMk cId="1556184242" sldId="256"/>
-            <ac:spMk id="337" creationId="{479B935E-BD96-4D50-B75A-A9A90842AFCB}"/>
-          </ac:spMkLst>
-        </pc:spChg>
-        <pc:spChg chg="mod">
-          <ac:chgData name="Fatima Pillosu" userId="a6295d4dc9e22643" providerId="LiveId" clId="{0722BC45-0A43-40A6-8AB0-69C547F060B6}" dt="2021-07-12T22:10:37.115" v="507" actId="1076"/>
-          <ac:spMkLst>
-            <pc:docMk/>
-            <pc:sldMk cId="1556184242" sldId="256"/>
-            <ac:spMk id="338" creationId="{59C56579-115E-4057-9FCA-777B59454FDE}"/>
-          </ac:spMkLst>
-        </pc:spChg>
-        <pc:spChg chg="add mod">
-          <ac:chgData name="Fatima Pillosu" userId="a6295d4dc9e22643" providerId="LiveId" clId="{0722BC45-0A43-40A6-8AB0-69C547F060B6}" dt="2021-07-12T22:11:40.682" v="511" actId="1076"/>
+          <ac:chgData name="Fatima Pillosu" userId="a6295d4dc9e22643" providerId="LiveId" clId="{E571B794-A519-4CC3-95DA-E99FFA7BC2CE}" dt="2021-10-01T12:17:40.692" v="5" actId="1076"/>
+          <ac:spMkLst>
+            <pc:docMk/>
+            <pc:sldMk cId="1556184242" sldId="256"/>
+            <ac:spMk id="339" creationId="{14CA17F9-12FB-47E1-B37E-300BB74B11DC}"/>
+          </ac:spMkLst>
+        </pc:spChg>
+        <pc:spChg chg="mod">
+          <ac:chgData name="Fatima Pillosu" userId="a6295d4dc9e22643" providerId="LiveId" clId="{E571B794-A519-4CC3-95DA-E99FFA7BC2CE}" dt="2021-10-01T12:43:25.426" v="89" actId="207"/>
           <ac:spMkLst>
             <pc:docMk/>
             <pc:sldMk cId="1556184242" sldId="256"/>
@@ -1040,87 +208,7 @@
           </ac:spMkLst>
         </pc:spChg>
         <pc:spChg chg="mod">
-          <ac:chgData name="Fatima Pillosu" userId="a6295d4dc9e22643" providerId="LiveId" clId="{0722BC45-0A43-40A6-8AB0-69C547F060B6}" dt="2021-07-12T22:10:37.115" v="507" actId="1076"/>
-          <ac:spMkLst>
-            <pc:docMk/>
-            <pc:sldMk cId="1556184242" sldId="256"/>
-            <ac:spMk id="342" creationId="{39FA4E1C-3C01-4D40-9422-DDBF3DDBA76F}"/>
-          </ac:spMkLst>
-        </pc:spChg>
-        <pc:spChg chg="mod">
-          <ac:chgData name="Fatima Pillosu" userId="a6295d4dc9e22643" providerId="LiveId" clId="{0722BC45-0A43-40A6-8AB0-69C547F060B6}" dt="2021-07-12T22:10:37.115" v="507" actId="1076"/>
-          <ac:spMkLst>
-            <pc:docMk/>
-            <pc:sldMk cId="1556184242" sldId="256"/>
-            <ac:spMk id="343" creationId="{E12DFDF1-E165-41F1-A21F-5DF3AF52CEFC}"/>
-          </ac:spMkLst>
-        </pc:spChg>
-        <pc:spChg chg="mod">
-          <ac:chgData name="Fatima Pillosu" userId="a6295d4dc9e22643" providerId="LiveId" clId="{0722BC45-0A43-40A6-8AB0-69C547F060B6}" dt="2021-07-12T22:10:37.115" v="507" actId="1076"/>
-          <ac:spMkLst>
-            <pc:docMk/>
-            <pc:sldMk cId="1556184242" sldId="256"/>
-            <ac:spMk id="346" creationId="{4E4FF54F-FC61-421F-AE38-58650793759E}"/>
-          </ac:spMkLst>
-        </pc:spChg>
-        <pc:spChg chg="mod">
-          <ac:chgData name="Fatima Pillosu" userId="a6295d4dc9e22643" providerId="LiveId" clId="{0722BC45-0A43-40A6-8AB0-69C547F060B6}" dt="2021-07-12T22:10:37.115" v="507" actId="1076"/>
-          <ac:spMkLst>
-            <pc:docMk/>
-            <pc:sldMk cId="1556184242" sldId="256"/>
-            <ac:spMk id="347" creationId="{0DEFE465-7380-438A-9E9D-296588E29D0C}"/>
-          </ac:spMkLst>
-        </pc:spChg>
-        <pc:spChg chg="mod">
-          <ac:chgData name="Fatima Pillosu" userId="a6295d4dc9e22643" providerId="LiveId" clId="{0722BC45-0A43-40A6-8AB0-69C547F060B6}" dt="2021-07-12T22:10:37.115" v="507" actId="1076"/>
-          <ac:spMkLst>
-            <pc:docMk/>
-            <pc:sldMk cId="1556184242" sldId="256"/>
-            <ac:spMk id="348" creationId="{A0980011-8CCC-4186-8496-9F33F1EB875A}"/>
-          </ac:spMkLst>
-        </pc:spChg>
-        <pc:spChg chg="mod">
-          <ac:chgData name="Fatima Pillosu" userId="a6295d4dc9e22643" providerId="LiveId" clId="{0722BC45-0A43-40A6-8AB0-69C547F060B6}" dt="2021-07-12T22:10:37.115" v="507" actId="1076"/>
-          <ac:spMkLst>
-            <pc:docMk/>
-            <pc:sldMk cId="1556184242" sldId="256"/>
-            <ac:spMk id="349" creationId="{852402DC-CCFE-47DF-9102-41C126A88720}"/>
-          </ac:spMkLst>
-        </pc:spChg>
-        <pc:spChg chg="mod">
-          <ac:chgData name="Fatima Pillosu" userId="a6295d4dc9e22643" providerId="LiveId" clId="{0722BC45-0A43-40A6-8AB0-69C547F060B6}" dt="2021-07-12T22:10:37.115" v="507" actId="1076"/>
-          <ac:spMkLst>
-            <pc:docMk/>
-            <pc:sldMk cId="1556184242" sldId="256"/>
-            <ac:spMk id="350" creationId="{0B5CC16D-24DB-4239-AD0A-932827FBE8B0}"/>
-          </ac:spMkLst>
-        </pc:spChg>
-        <pc:spChg chg="mod">
-          <ac:chgData name="Fatima Pillosu" userId="a6295d4dc9e22643" providerId="LiveId" clId="{0722BC45-0A43-40A6-8AB0-69C547F060B6}" dt="2021-07-12T22:10:37.115" v="507" actId="1076"/>
-          <ac:spMkLst>
-            <pc:docMk/>
-            <pc:sldMk cId="1556184242" sldId="256"/>
-            <ac:spMk id="351" creationId="{4C760117-47A0-4167-A77E-6725DCBF6DBE}"/>
-          </ac:spMkLst>
-        </pc:spChg>
-        <pc:spChg chg="mod">
-          <ac:chgData name="Fatima Pillosu" userId="a6295d4dc9e22643" providerId="LiveId" clId="{0722BC45-0A43-40A6-8AB0-69C547F060B6}" dt="2021-07-12T22:10:37.115" v="507" actId="1076"/>
-          <ac:spMkLst>
-            <pc:docMk/>
-            <pc:sldMk cId="1556184242" sldId="256"/>
-            <ac:spMk id="352" creationId="{3F59F2EB-E8E4-49C4-B9E2-B6E2B42BC505}"/>
-          </ac:spMkLst>
-        </pc:spChg>
-        <pc:spChg chg="mod">
-          <ac:chgData name="Fatima Pillosu" userId="a6295d4dc9e22643" providerId="LiveId" clId="{0722BC45-0A43-40A6-8AB0-69C547F060B6}" dt="2021-07-12T22:10:37.115" v="507" actId="1076"/>
-          <ac:spMkLst>
-            <pc:docMk/>
-            <pc:sldMk cId="1556184242" sldId="256"/>
-            <ac:spMk id="353" creationId="{62ADD646-47D0-4386-A9BB-A714EB2C9D29}"/>
-          </ac:spMkLst>
-        </pc:spChg>
-        <pc:spChg chg="mod">
-          <ac:chgData name="Fatima Pillosu" userId="a6295d4dc9e22643" providerId="LiveId" clId="{0722BC45-0A43-40A6-8AB0-69C547F060B6}" dt="2021-07-12T22:10:37.115" v="507" actId="1076"/>
+          <ac:chgData name="Fatima Pillosu" userId="a6295d4dc9e22643" providerId="LiveId" clId="{E571B794-A519-4CC3-95DA-E99FFA7BC2CE}" dt="2021-10-01T12:20:06.780" v="59" actId="1038"/>
           <ac:spMkLst>
             <pc:docMk/>
             <pc:sldMk cId="1556184242" sldId="256"/>
@@ -1128,7 +216,7 @@
           </ac:spMkLst>
         </pc:spChg>
         <pc:spChg chg="mod">
-          <ac:chgData name="Fatima Pillosu" userId="a6295d4dc9e22643" providerId="LiveId" clId="{0722BC45-0A43-40A6-8AB0-69C547F060B6}" dt="2021-07-12T22:10:37.115" v="507" actId="1076"/>
+          <ac:chgData name="Fatima Pillosu" userId="a6295d4dc9e22643" providerId="LiveId" clId="{E571B794-A519-4CC3-95DA-E99FFA7BC2CE}" dt="2021-10-01T12:20:06.780" v="59" actId="1038"/>
           <ac:spMkLst>
             <pc:docMk/>
             <pc:sldMk cId="1556184242" sldId="256"/>
@@ -1136,7 +224,7 @@
           </ac:spMkLst>
         </pc:spChg>
         <pc:spChg chg="mod">
-          <ac:chgData name="Fatima Pillosu" userId="a6295d4dc9e22643" providerId="LiveId" clId="{0722BC45-0A43-40A6-8AB0-69C547F060B6}" dt="2021-07-12T22:10:37.115" v="507" actId="1076"/>
+          <ac:chgData name="Fatima Pillosu" userId="a6295d4dc9e22643" providerId="LiveId" clId="{E571B794-A519-4CC3-95DA-E99FFA7BC2CE}" dt="2021-10-01T12:20:06.780" v="59" actId="1038"/>
           <ac:spMkLst>
             <pc:docMk/>
             <pc:sldMk cId="1556184242" sldId="256"/>
@@ -1144,7 +232,7 @@
           </ac:spMkLst>
         </pc:spChg>
         <pc:spChg chg="mod">
-          <ac:chgData name="Fatima Pillosu" userId="a6295d4dc9e22643" providerId="LiveId" clId="{0722BC45-0A43-40A6-8AB0-69C547F060B6}" dt="2021-07-12T22:10:37.115" v="507" actId="1076"/>
+          <ac:chgData name="Fatima Pillosu" userId="a6295d4dc9e22643" providerId="LiveId" clId="{E571B794-A519-4CC3-95DA-E99FFA7BC2CE}" dt="2021-10-01T12:20:06.780" v="59" actId="1038"/>
           <ac:spMkLst>
             <pc:docMk/>
             <pc:sldMk cId="1556184242" sldId="256"/>
@@ -1152,7 +240,7 @@
           </ac:spMkLst>
         </pc:spChg>
         <pc:spChg chg="mod">
-          <ac:chgData name="Fatima Pillosu" userId="a6295d4dc9e22643" providerId="LiveId" clId="{0722BC45-0A43-40A6-8AB0-69C547F060B6}" dt="2021-07-12T22:10:37.115" v="507" actId="1076"/>
+          <ac:chgData name="Fatima Pillosu" userId="a6295d4dc9e22643" providerId="LiveId" clId="{E571B794-A519-4CC3-95DA-E99FFA7BC2CE}" dt="2021-10-01T12:20:13.984" v="60" actId="1076"/>
           <ac:spMkLst>
             <pc:docMk/>
             <pc:sldMk cId="1556184242" sldId="256"/>
@@ -1160,23 +248,7 @@
           </ac:spMkLst>
         </pc:spChg>
         <pc:spChg chg="mod">
-          <ac:chgData name="Fatima Pillosu" userId="a6295d4dc9e22643" providerId="LiveId" clId="{0722BC45-0A43-40A6-8AB0-69C547F060B6}" dt="2021-07-12T22:10:57.962" v="508" actId="1076"/>
-          <ac:spMkLst>
-            <pc:docMk/>
-            <pc:sldMk cId="1556184242" sldId="256"/>
-            <ac:spMk id="360" creationId="{2955E9BF-729A-4F86-A7DE-C69F4224B25B}"/>
-          </ac:spMkLst>
-        </pc:spChg>
-        <pc:spChg chg="mod">
-          <ac:chgData name="Fatima Pillosu" userId="a6295d4dc9e22643" providerId="LiveId" clId="{0722BC45-0A43-40A6-8AB0-69C547F060B6}" dt="2021-07-12T22:10:57.962" v="508" actId="1076"/>
-          <ac:spMkLst>
-            <pc:docMk/>
-            <pc:sldMk cId="1556184242" sldId="256"/>
-            <ac:spMk id="361" creationId="{210EE00F-D960-4875-AB28-71759FF55F25}"/>
-          </ac:spMkLst>
-        </pc:spChg>
-        <pc:spChg chg="mod">
-          <ac:chgData name="Fatima Pillosu" userId="a6295d4dc9e22643" providerId="LiveId" clId="{0722BC45-0A43-40A6-8AB0-69C547F060B6}" dt="2021-07-12T22:10:37.115" v="507" actId="1076"/>
+          <ac:chgData name="Fatima Pillosu" userId="a6295d4dc9e22643" providerId="LiveId" clId="{E571B794-A519-4CC3-95DA-E99FFA7BC2CE}" dt="2021-10-01T12:19:46.467" v="46" actId="14100"/>
           <ac:spMkLst>
             <pc:docMk/>
             <pc:sldMk cId="1556184242" sldId="256"/>
@@ -1184,79 +256,7 @@
           </ac:spMkLst>
         </pc:spChg>
         <pc:spChg chg="mod">
-          <ac:chgData name="Fatima Pillosu" userId="a6295d4dc9e22643" providerId="LiveId" clId="{0722BC45-0A43-40A6-8AB0-69C547F060B6}" dt="2021-07-12T22:10:57.962" v="508" actId="1076"/>
-          <ac:spMkLst>
-            <pc:docMk/>
-            <pc:sldMk cId="1556184242" sldId="256"/>
-            <ac:spMk id="363" creationId="{4C08B833-0CF0-495B-8724-17B123421DAE}"/>
-          </ac:spMkLst>
-        </pc:spChg>
-        <pc:spChg chg="mod">
-          <ac:chgData name="Fatima Pillosu" userId="a6295d4dc9e22643" providerId="LiveId" clId="{0722BC45-0A43-40A6-8AB0-69C547F060B6}" dt="2021-07-12T22:10:57.962" v="508" actId="1076"/>
-          <ac:spMkLst>
-            <pc:docMk/>
-            <pc:sldMk cId="1556184242" sldId="256"/>
-            <ac:spMk id="364" creationId="{48E4A335-2E6F-4D2A-9EA3-21C0EE5C6672}"/>
-          </ac:spMkLst>
-        </pc:spChg>
-        <pc:spChg chg="mod">
-          <ac:chgData name="Fatima Pillosu" userId="a6295d4dc9e22643" providerId="LiveId" clId="{0722BC45-0A43-40A6-8AB0-69C547F060B6}" dt="2021-07-12T22:12:08.966" v="534" actId="1035"/>
-          <ac:spMkLst>
-            <pc:docMk/>
-            <pc:sldMk cId="1556184242" sldId="256"/>
-            <ac:spMk id="366" creationId="{0B47306E-F3A7-4234-B122-8455B182C68F}"/>
-          </ac:spMkLst>
-        </pc:spChg>
-        <pc:spChg chg="mod">
-          <ac:chgData name="Fatima Pillosu" userId="a6295d4dc9e22643" providerId="LiveId" clId="{0722BC45-0A43-40A6-8AB0-69C547F060B6}" dt="2021-07-12T22:10:57.962" v="508" actId="1076"/>
-          <ac:spMkLst>
-            <pc:docMk/>
-            <pc:sldMk cId="1556184242" sldId="256"/>
-            <ac:spMk id="367" creationId="{45373C3D-7A27-4C8A-8121-EEDA9BDD4AA6}"/>
-          </ac:spMkLst>
-        </pc:spChg>
-        <pc:spChg chg="mod">
-          <ac:chgData name="Fatima Pillosu" userId="a6295d4dc9e22643" providerId="LiveId" clId="{0722BC45-0A43-40A6-8AB0-69C547F060B6}" dt="2021-07-12T22:10:57.962" v="508" actId="1076"/>
-          <ac:spMkLst>
-            <pc:docMk/>
-            <pc:sldMk cId="1556184242" sldId="256"/>
-            <ac:spMk id="368" creationId="{36E1A55D-C428-4882-9F66-DF84EF97296F}"/>
-          </ac:spMkLst>
-        </pc:spChg>
-        <pc:spChg chg="mod">
-          <ac:chgData name="Fatima Pillosu" userId="a6295d4dc9e22643" providerId="LiveId" clId="{0722BC45-0A43-40A6-8AB0-69C547F060B6}" dt="2021-07-12T22:10:57.962" v="508" actId="1076"/>
-          <ac:spMkLst>
-            <pc:docMk/>
-            <pc:sldMk cId="1556184242" sldId="256"/>
-            <ac:spMk id="370" creationId="{1E40E8E9-03FA-4352-85CD-BACB72A06AC5}"/>
-          </ac:spMkLst>
-        </pc:spChg>
-        <pc:spChg chg="mod">
-          <ac:chgData name="Fatima Pillosu" userId="a6295d4dc9e22643" providerId="LiveId" clId="{0722BC45-0A43-40A6-8AB0-69C547F060B6}" dt="2021-07-12T22:11:40.682" v="511" actId="1076"/>
-          <ac:spMkLst>
-            <pc:docMk/>
-            <pc:sldMk cId="1556184242" sldId="256"/>
-            <ac:spMk id="371" creationId="{BF8B2A08-D849-4969-AC6B-0A1D556B0248}"/>
-          </ac:spMkLst>
-        </pc:spChg>
-        <pc:spChg chg="mod">
-          <ac:chgData name="Fatima Pillosu" userId="a6295d4dc9e22643" providerId="LiveId" clId="{0722BC45-0A43-40A6-8AB0-69C547F060B6}" dt="2021-07-12T22:10:57.962" v="508" actId="1076"/>
-          <ac:spMkLst>
-            <pc:docMk/>
-            <pc:sldMk cId="1556184242" sldId="256"/>
-            <ac:spMk id="372" creationId="{DBC20061-6FCC-4AE4-BDC0-785E01ACCFFE}"/>
-          </ac:spMkLst>
-        </pc:spChg>
-        <pc:spChg chg="mod">
-          <ac:chgData name="Fatima Pillosu" userId="a6295d4dc9e22643" providerId="LiveId" clId="{0722BC45-0A43-40A6-8AB0-69C547F060B6}" dt="2021-07-12T22:10:57.962" v="508" actId="1076"/>
-          <ac:spMkLst>
-            <pc:docMk/>
-            <pc:sldMk cId="1556184242" sldId="256"/>
-            <ac:spMk id="373" creationId="{00F4CDF1-4F3D-4AC9-81B4-B4B6B676CBE0}"/>
-          </ac:spMkLst>
-        </pc:spChg>
-        <pc:spChg chg="mod">
-          <ac:chgData name="Fatima Pillosu" userId="a6295d4dc9e22643" providerId="LiveId" clId="{0722BC45-0A43-40A6-8AB0-69C547F060B6}" dt="2021-07-12T22:15:21.613" v="542" actId="1582"/>
+          <ac:chgData name="Fatima Pillosu" userId="a6295d4dc9e22643" providerId="LiveId" clId="{E571B794-A519-4CC3-95DA-E99FFA7BC2CE}" dt="2021-10-01T12:42:35.487" v="82" actId="207"/>
           <ac:spMkLst>
             <pc:docMk/>
             <pc:sldMk cId="1556184242" sldId="256"/>
@@ -1264,539 +264,19 @@
           </ac:spMkLst>
         </pc:spChg>
         <pc:spChg chg="mod">
-          <ac:chgData name="Fatima Pillosu" userId="a6295d4dc9e22643" providerId="LiveId" clId="{0722BC45-0A43-40A6-8AB0-69C547F060B6}" dt="2021-07-12T22:10:57.962" v="508" actId="1076"/>
-          <ac:spMkLst>
-            <pc:docMk/>
-            <pc:sldMk cId="1556184242" sldId="256"/>
-            <ac:spMk id="378" creationId="{EA8741C5-A7DE-4D8E-AB13-15CA4F07D6C9}"/>
-          </ac:spMkLst>
-        </pc:spChg>
-        <pc:spChg chg="mod">
-          <ac:chgData name="Fatima Pillosu" userId="a6295d4dc9e22643" providerId="LiveId" clId="{0722BC45-0A43-40A6-8AB0-69C547F060B6}" dt="2021-07-12T22:10:57.962" v="508" actId="1076"/>
-          <ac:spMkLst>
-            <pc:docMk/>
-            <pc:sldMk cId="1556184242" sldId="256"/>
-            <ac:spMk id="379" creationId="{6E94447B-DE0B-4AF6-B15D-3AD8DBE820AF}"/>
-          </ac:spMkLst>
-        </pc:spChg>
-        <pc:spChg chg="mod">
-          <ac:chgData name="Fatima Pillosu" userId="a6295d4dc9e22643" providerId="LiveId" clId="{0722BC45-0A43-40A6-8AB0-69C547F060B6}" dt="2021-07-12T22:10:57.962" v="508" actId="1076"/>
-          <ac:spMkLst>
-            <pc:docMk/>
-            <pc:sldMk cId="1556184242" sldId="256"/>
-            <ac:spMk id="380" creationId="{E5F284DE-E8E1-48B5-BFF3-D9BE7B91BE0E}"/>
-          </ac:spMkLst>
-        </pc:spChg>
-        <pc:spChg chg="mod">
-          <ac:chgData name="Fatima Pillosu" userId="a6295d4dc9e22643" providerId="LiveId" clId="{0722BC45-0A43-40A6-8AB0-69C547F060B6}" dt="2021-07-12T22:10:57.962" v="508" actId="1076"/>
-          <ac:spMkLst>
-            <pc:docMk/>
-            <pc:sldMk cId="1556184242" sldId="256"/>
-            <ac:spMk id="381" creationId="{7CEA58D0-A7CD-4D38-B273-F38DCD14E410}"/>
-          </ac:spMkLst>
-        </pc:spChg>
-        <pc:spChg chg="mod">
-          <ac:chgData name="Fatima Pillosu" userId="a6295d4dc9e22643" providerId="LiveId" clId="{0722BC45-0A43-40A6-8AB0-69C547F060B6}" dt="2021-07-12T22:10:57.962" v="508" actId="1076"/>
-          <ac:spMkLst>
-            <pc:docMk/>
-            <pc:sldMk cId="1556184242" sldId="256"/>
-            <ac:spMk id="383" creationId="{5E4DBE2C-AF12-47AC-BA3F-9B56EA745456}"/>
-          </ac:spMkLst>
-        </pc:spChg>
-        <pc:spChg chg="mod">
-          <ac:chgData name="Fatima Pillosu" userId="a6295d4dc9e22643" providerId="LiveId" clId="{0722BC45-0A43-40A6-8AB0-69C547F060B6}" dt="2021-07-12T22:10:57.962" v="508" actId="1076"/>
-          <ac:spMkLst>
-            <pc:docMk/>
-            <pc:sldMk cId="1556184242" sldId="256"/>
-            <ac:spMk id="384" creationId="{392224C3-3F6A-4508-B3F1-585CCF62E1F9}"/>
-          </ac:spMkLst>
-        </pc:spChg>
-        <pc:spChg chg="mod">
-          <ac:chgData name="Fatima Pillosu" userId="a6295d4dc9e22643" providerId="LiveId" clId="{0722BC45-0A43-40A6-8AB0-69C547F060B6}" dt="2021-07-12T22:10:57.962" v="508" actId="1076"/>
-          <ac:spMkLst>
-            <pc:docMk/>
-            <pc:sldMk cId="1556184242" sldId="256"/>
-            <ac:spMk id="386" creationId="{EADDA20F-5536-4EA8-951C-4349B72D5A68}"/>
-          </ac:spMkLst>
-        </pc:spChg>
-        <pc:spChg chg="mod">
-          <ac:chgData name="Fatima Pillosu" userId="a6295d4dc9e22643" providerId="LiveId" clId="{0722BC45-0A43-40A6-8AB0-69C547F060B6}" dt="2021-07-12T22:10:57.962" v="508" actId="1076"/>
-          <ac:spMkLst>
-            <pc:docMk/>
-            <pc:sldMk cId="1556184242" sldId="256"/>
-            <ac:spMk id="387" creationId="{7CD3582B-DB74-46CA-8DCF-F6F6ED315C7F}"/>
-          </ac:spMkLst>
-        </pc:spChg>
-        <pc:spChg chg="mod">
-          <ac:chgData name="Fatima Pillosu" userId="a6295d4dc9e22643" providerId="LiveId" clId="{0722BC45-0A43-40A6-8AB0-69C547F060B6}" dt="2021-07-12T22:15:21.613" v="542" actId="1582"/>
-          <ac:spMkLst>
-            <pc:docMk/>
-            <pc:sldMk cId="1556184242" sldId="256"/>
-            <ac:spMk id="389" creationId="{B70A8724-E6A0-4C2B-B61E-FED19C395249}"/>
-          </ac:spMkLst>
-        </pc:spChg>
-        <pc:spChg chg="mod">
-          <ac:chgData name="Fatima Pillosu" userId="a6295d4dc9e22643" providerId="LiveId" clId="{0722BC45-0A43-40A6-8AB0-69C547F060B6}" dt="2021-07-12T22:10:57.962" v="508" actId="1076"/>
-          <ac:spMkLst>
-            <pc:docMk/>
-            <pc:sldMk cId="1556184242" sldId="256"/>
-            <ac:spMk id="394" creationId="{9C39ADBC-AF24-4995-B845-AFEC769680F2}"/>
-          </ac:spMkLst>
-        </pc:spChg>
-        <pc:spChg chg="mod">
-          <ac:chgData name="Fatima Pillosu" userId="a6295d4dc9e22643" providerId="LiveId" clId="{0722BC45-0A43-40A6-8AB0-69C547F060B6}" dt="2021-07-12T22:10:57.962" v="508" actId="1076"/>
-          <ac:spMkLst>
-            <pc:docMk/>
-            <pc:sldMk cId="1556184242" sldId="256"/>
-            <ac:spMk id="395" creationId="{E6B5CD5D-943D-4A21-9D5B-2733CB7B2ADF}"/>
-          </ac:spMkLst>
-        </pc:spChg>
-        <pc:spChg chg="mod">
-          <ac:chgData name="Fatima Pillosu" userId="a6295d4dc9e22643" providerId="LiveId" clId="{0722BC45-0A43-40A6-8AB0-69C547F060B6}" dt="2021-07-12T22:10:57.962" v="508" actId="1076"/>
-          <ac:spMkLst>
-            <pc:docMk/>
-            <pc:sldMk cId="1556184242" sldId="256"/>
-            <ac:spMk id="396" creationId="{C0A1EAE3-B743-4CA6-85BA-C8D9825813EA}"/>
-          </ac:spMkLst>
-        </pc:spChg>
-        <pc:spChg chg="mod">
-          <ac:chgData name="Fatima Pillosu" userId="a6295d4dc9e22643" providerId="LiveId" clId="{0722BC45-0A43-40A6-8AB0-69C547F060B6}" dt="2021-07-12T22:10:57.962" v="508" actId="1076"/>
-          <ac:spMkLst>
-            <pc:docMk/>
-            <pc:sldMk cId="1556184242" sldId="256"/>
-            <ac:spMk id="397" creationId="{57D540A5-8759-4A73-ACC9-9653C28239CE}"/>
-          </ac:spMkLst>
-        </pc:spChg>
-        <pc:spChg chg="mod">
-          <ac:chgData name="Fatima Pillosu" userId="a6295d4dc9e22643" providerId="LiveId" clId="{0722BC45-0A43-40A6-8AB0-69C547F060B6}" dt="2021-07-12T22:10:57.962" v="508" actId="1076"/>
-          <ac:spMkLst>
-            <pc:docMk/>
-            <pc:sldMk cId="1556184242" sldId="256"/>
-            <ac:spMk id="398" creationId="{79A4CFC4-E852-46EA-BC96-56C7C47097FB}"/>
-          </ac:spMkLst>
-        </pc:spChg>
-        <pc:spChg chg="mod">
-          <ac:chgData name="Fatima Pillosu" userId="a6295d4dc9e22643" providerId="LiveId" clId="{0722BC45-0A43-40A6-8AB0-69C547F060B6}" dt="2021-07-12T22:10:57.962" v="508" actId="1076"/>
-          <ac:spMkLst>
-            <pc:docMk/>
-            <pc:sldMk cId="1556184242" sldId="256"/>
-            <ac:spMk id="399" creationId="{3C908037-005D-45D6-BD9D-DDE4480A02CA}"/>
-          </ac:spMkLst>
-        </pc:spChg>
-        <pc:spChg chg="mod">
-          <ac:chgData name="Fatima Pillosu" userId="a6295d4dc9e22643" providerId="LiveId" clId="{0722BC45-0A43-40A6-8AB0-69C547F060B6}" dt="2021-07-12T22:10:57.962" v="508" actId="1076"/>
-          <ac:spMkLst>
-            <pc:docMk/>
-            <pc:sldMk cId="1556184242" sldId="256"/>
-            <ac:spMk id="400" creationId="{BF908C9C-E14D-400A-8E53-ACE3A2E201F0}"/>
-          </ac:spMkLst>
-        </pc:spChg>
-        <pc:spChg chg="mod">
-          <ac:chgData name="Fatima Pillosu" userId="a6295d4dc9e22643" providerId="LiveId" clId="{0722BC45-0A43-40A6-8AB0-69C547F060B6}" dt="2021-07-12T22:10:57.962" v="508" actId="1076"/>
-          <ac:spMkLst>
-            <pc:docMk/>
-            <pc:sldMk cId="1556184242" sldId="256"/>
-            <ac:spMk id="401" creationId="{673254F6-8A92-4849-BFD8-60F34C00853E}"/>
-          </ac:spMkLst>
-        </pc:spChg>
-        <pc:spChg chg="mod">
-          <ac:chgData name="Fatima Pillosu" userId="a6295d4dc9e22643" providerId="LiveId" clId="{0722BC45-0A43-40A6-8AB0-69C547F060B6}" dt="2021-07-12T22:10:57.962" v="508" actId="1076"/>
-          <ac:spMkLst>
-            <pc:docMk/>
-            <pc:sldMk cId="1556184242" sldId="256"/>
-            <ac:spMk id="402" creationId="{0F96E71D-A448-4F8C-B606-2C7EAB2D927E}"/>
-          </ac:spMkLst>
-        </pc:spChg>
-        <pc:spChg chg="mod">
-          <ac:chgData name="Fatima Pillosu" userId="a6295d4dc9e22643" providerId="LiveId" clId="{0722BC45-0A43-40A6-8AB0-69C547F060B6}" dt="2021-07-12T22:10:57.962" v="508" actId="1076"/>
-          <ac:spMkLst>
-            <pc:docMk/>
-            <pc:sldMk cId="1556184242" sldId="256"/>
-            <ac:spMk id="404" creationId="{3E66794A-9C66-45FC-A882-C94153D7182F}"/>
-          </ac:spMkLst>
-        </pc:spChg>
-        <pc:spChg chg="mod">
-          <ac:chgData name="Fatima Pillosu" userId="a6295d4dc9e22643" providerId="LiveId" clId="{0722BC45-0A43-40A6-8AB0-69C547F060B6}" dt="2021-07-12T22:10:57.962" v="508" actId="1076"/>
-          <ac:spMkLst>
-            <pc:docMk/>
-            <pc:sldMk cId="1556184242" sldId="256"/>
-            <ac:spMk id="405" creationId="{DAA12CBB-58B6-4074-8F45-4072562079FA}"/>
-          </ac:spMkLst>
-        </pc:spChg>
-        <pc:spChg chg="mod">
-          <ac:chgData name="Fatima Pillosu" userId="a6295d4dc9e22643" providerId="LiveId" clId="{0722BC45-0A43-40A6-8AB0-69C547F060B6}" dt="2021-07-12T22:10:57.962" v="508" actId="1076"/>
-          <ac:spMkLst>
-            <pc:docMk/>
-            <pc:sldMk cId="1556184242" sldId="256"/>
-            <ac:spMk id="406" creationId="{545E4E6F-9854-4162-AAB7-F911F26618B0}"/>
-          </ac:spMkLst>
-        </pc:spChg>
-        <pc:spChg chg="mod">
-          <ac:chgData name="Fatima Pillosu" userId="a6295d4dc9e22643" providerId="LiveId" clId="{0722BC45-0A43-40A6-8AB0-69C547F060B6}" dt="2021-07-12T22:10:57.962" v="508" actId="1076"/>
-          <ac:spMkLst>
-            <pc:docMk/>
-            <pc:sldMk cId="1556184242" sldId="256"/>
-            <ac:spMk id="408" creationId="{AD656F40-95B9-4CCE-B312-33A1CE6CF929}"/>
-          </ac:spMkLst>
-        </pc:spChg>
-        <pc:spChg chg="mod">
-          <ac:chgData name="Fatima Pillosu" userId="a6295d4dc9e22643" providerId="LiveId" clId="{0722BC45-0A43-40A6-8AB0-69C547F060B6}" dt="2021-07-12T22:10:57.962" v="508" actId="1076"/>
-          <ac:spMkLst>
-            <pc:docMk/>
-            <pc:sldMk cId="1556184242" sldId="256"/>
-            <ac:spMk id="409" creationId="{642E725B-D1EA-4141-BCFE-9931759C9C8E}"/>
-          </ac:spMkLst>
-        </pc:spChg>
-        <pc:spChg chg="mod">
-          <ac:chgData name="Fatima Pillosu" userId="a6295d4dc9e22643" providerId="LiveId" clId="{0722BC45-0A43-40A6-8AB0-69C547F060B6}" dt="2021-07-12T22:10:57.962" v="508" actId="1076"/>
-          <ac:spMkLst>
-            <pc:docMk/>
-            <pc:sldMk cId="1556184242" sldId="256"/>
-            <ac:spMk id="413" creationId="{EA82C7CD-FDFB-4D15-9619-40C934AF4F9A}"/>
-          </ac:spMkLst>
-        </pc:spChg>
-        <pc:spChg chg="mod">
-          <ac:chgData name="Fatima Pillosu" userId="a6295d4dc9e22643" providerId="LiveId" clId="{0722BC45-0A43-40A6-8AB0-69C547F060B6}" dt="2021-07-12T22:10:57.962" v="508" actId="1076"/>
-          <ac:spMkLst>
-            <pc:docMk/>
-            <pc:sldMk cId="1556184242" sldId="256"/>
-            <ac:spMk id="414" creationId="{065DF4DC-738E-4C59-9180-CD8E40616C35}"/>
-          </ac:spMkLst>
-        </pc:spChg>
-        <pc:spChg chg="mod">
-          <ac:chgData name="Fatima Pillosu" userId="a6295d4dc9e22643" providerId="LiveId" clId="{0722BC45-0A43-40A6-8AB0-69C547F060B6}" dt="2021-07-12T22:15:21.613" v="542" actId="1582"/>
-          <ac:spMkLst>
-            <pc:docMk/>
-            <pc:sldMk cId="1556184242" sldId="256"/>
-            <ac:spMk id="415" creationId="{3F93A714-984C-4648-84EC-0D537549F4C4}"/>
-          </ac:spMkLst>
-        </pc:spChg>
-        <pc:spChg chg="mod">
-          <ac:chgData name="Fatima Pillosu" userId="a6295d4dc9e22643" providerId="LiveId" clId="{0722BC45-0A43-40A6-8AB0-69C547F060B6}" dt="2021-07-12T22:15:21.613" v="542" actId="1582"/>
-          <ac:spMkLst>
-            <pc:docMk/>
-            <pc:sldMk cId="1556184242" sldId="256"/>
-            <ac:spMk id="416" creationId="{03BCD265-9545-4826-AFF5-BB63421EAF63}"/>
-          </ac:spMkLst>
-        </pc:spChg>
-        <pc:spChg chg="mod">
-          <ac:chgData name="Fatima Pillosu" userId="a6295d4dc9e22643" providerId="LiveId" clId="{0722BC45-0A43-40A6-8AB0-69C547F060B6}" dt="2021-07-12T22:10:57.962" v="508" actId="1076"/>
-          <ac:spMkLst>
-            <pc:docMk/>
-            <pc:sldMk cId="1556184242" sldId="256"/>
-            <ac:spMk id="417" creationId="{A740B2EA-0D06-4483-93D2-75CE7AD86D3C}"/>
-          </ac:spMkLst>
-        </pc:spChg>
-        <pc:spChg chg="mod">
-          <ac:chgData name="Fatima Pillosu" userId="a6295d4dc9e22643" providerId="LiveId" clId="{0722BC45-0A43-40A6-8AB0-69C547F060B6}" dt="2021-07-12T22:10:57.962" v="508" actId="1076"/>
-          <ac:spMkLst>
-            <pc:docMk/>
-            <pc:sldMk cId="1556184242" sldId="256"/>
-            <ac:spMk id="418" creationId="{9A389DBC-5221-43EA-9387-CEBC1FF877DE}"/>
-          </ac:spMkLst>
-        </pc:spChg>
-        <pc:spChg chg="mod">
-          <ac:chgData name="Fatima Pillosu" userId="a6295d4dc9e22643" providerId="LiveId" clId="{0722BC45-0A43-40A6-8AB0-69C547F060B6}" dt="2021-07-12T22:10:57.962" v="508" actId="1076"/>
-          <ac:spMkLst>
-            <pc:docMk/>
-            <pc:sldMk cId="1556184242" sldId="256"/>
-            <ac:spMk id="419" creationId="{83606D61-A71C-49DE-A31F-82E21D4F3916}"/>
-          </ac:spMkLst>
-        </pc:spChg>
-        <pc:spChg chg="mod">
-          <ac:chgData name="Fatima Pillosu" userId="a6295d4dc9e22643" providerId="LiveId" clId="{0722BC45-0A43-40A6-8AB0-69C547F060B6}" dt="2021-07-12T22:10:57.962" v="508" actId="1076"/>
-          <ac:spMkLst>
-            <pc:docMk/>
-            <pc:sldMk cId="1556184242" sldId="256"/>
-            <ac:spMk id="420" creationId="{761884C5-0F3E-4EB1-A154-1D8CC4DE74EE}"/>
-          </ac:spMkLst>
-        </pc:spChg>
-        <pc:spChg chg="mod">
-          <ac:chgData name="Fatima Pillosu" userId="a6295d4dc9e22643" providerId="LiveId" clId="{0722BC45-0A43-40A6-8AB0-69C547F060B6}" dt="2021-07-12T22:10:37.115" v="507" actId="1076"/>
-          <ac:spMkLst>
-            <pc:docMk/>
-            <pc:sldMk cId="1556184242" sldId="256"/>
-            <ac:spMk id="430" creationId="{1ACCE833-703B-4D07-A803-C92C7DA8FF64}"/>
-          </ac:spMkLst>
-        </pc:spChg>
-        <pc:spChg chg="mod">
-          <ac:chgData name="Fatima Pillosu" userId="a6295d4dc9e22643" providerId="LiveId" clId="{0722BC45-0A43-40A6-8AB0-69C547F060B6}" dt="2021-07-12T22:10:37.115" v="507" actId="1076"/>
-          <ac:spMkLst>
-            <pc:docMk/>
-            <pc:sldMk cId="1556184242" sldId="256"/>
-            <ac:spMk id="431" creationId="{8AAC383A-8C33-4489-85C7-7E1F2B731C38}"/>
-          </ac:spMkLst>
-        </pc:spChg>
-        <pc:spChg chg="mod">
-          <ac:chgData name="Fatima Pillosu" userId="a6295d4dc9e22643" providerId="LiveId" clId="{0722BC45-0A43-40A6-8AB0-69C547F060B6}" dt="2021-07-12T22:07:37.247" v="448" actId="1076"/>
-          <ac:spMkLst>
-            <pc:docMk/>
-            <pc:sldMk cId="1556184242" sldId="256"/>
-            <ac:spMk id="444" creationId="{208C1AA6-A1EE-464B-B5A6-BA90E6CEE7BF}"/>
-          </ac:spMkLst>
-        </pc:spChg>
-        <pc:spChg chg="mod">
-          <ac:chgData name="Fatima Pillosu" userId="a6295d4dc9e22643" providerId="LiveId" clId="{0722BC45-0A43-40A6-8AB0-69C547F060B6}" dt="2021-07-12T22:10:37.115" v="507" actId="1076"/>
+          <ac:chgData name="Fatima Pillosu" userId="a6295d4dc9e22643" providerId="LiveId" clId="{E571B794-A519-4CC3-95DA-E99FFA7BC2CE}" dt="2021-10-01T12:19:40.862" v="45" actId="20577"/>
           <ac:spMkLst>
             <pc:docMk/>
             <pc:sldMk cId="1556184242" sldId="256"/>
             <ac:spMk id="447" creationId="{24A3973D-BDE4-4277-9386-F2AF0C14BFD1}"/>
           </ac:spMkLst>
         </pc:spChg>
-        <pc:grpChg chg="mod">
-          <ac:chgData name="Fatima Pillosu" userId="a6295d4dc9e22643" providerId="LiveId" clId="{0722BC45-0A43-40A6-8AB0-69C547F060B6}" dt="2021-07-12T22:07:37.247" v="448" actId="1076"/>
-          <ac:grpSpMkLst>
-            <pc:docMk/>
-            <pc:sldMk cId="1556184242" sldId="256"/>
-            <ac:grpSpMk id="48" creationId="{575C6F73-2167-4EA8-994F-C72975D9DF5E}"/>
-          </ac:grpSpMkLst>
-        </pc:grpChg>
-        <pc:grpChg chg="mod">
-          <ac:chgData name="Fatima Pillosu" userId="a6295d4dc9e22643" providerId="LiveId" clId="{0722BC45-0A43-40A6-8AB0-69C547F060B6}" dt="2021-07-12T22:00:03.756" v="200" actId="1076"/>
-          <ac:grpSpMkLst>
-            <pc:docMk/>
-            <pc:sldMk cId="1556184242" sldId="256"/>
-            <ac:grpSpMk id="208" creationId="{FB0BB253-3F8F-42FF-A0EB-3A9C0F436037}"/>
-          </ac:grpSpMkLst>
-        </pc:grpChg>
-        <pc:picChg chg="mod">
-          <ac:chgData name="Fatima Pillosu" userId="a6295d4dc9e22643" providerId="LiveId" clId="{0722BC45-0A43-40A6-8AB0-69C547F060B6}" dt="2021-07-12T22:10:57.962" v="508" actId="1076"/>
-          <ac:picMkLst>
-            <pc:docMk/>
-            <pc:sldMk cId="1556184242" sldId="256"/>
-            <ac:picMk id="205" creationId="{3EB312AB-5F4B-4B5A-A01C-289BFCD9BC49}"/>
-          </ac:picMkLst>
-        </pc:picChg>
-        <pc:picChg chg="mod">
-          <ac:chgData name="Fatima Pillosu" userId="a6295d4dc9e22643" providerId="LiveId" clId="{0722BC45-0A43-40A6-8AB0-69C547F060B6}" dt="2021-07-12T22:11:40.682" v="511" actId="1076"/>
-          <ac:picMkLst>
-            <pc:docMk/>
-            <pc:sldMk cId="1556184242" sldId="256"/>
-            <ac:picMk id="214" creationId="{E878DB3F-3435-4A10-9EFF-1B5E47CF8FE4}"/>
-          </ac:picMkLst>
-        </pc:picChg>
-        <pc:picChg chg="mod">
-          <ac:chgData name="Fatima Pillosu" userId="a6295d4dc9e22643" providerId="LiveId" clId="{0722BC45-0A43-40A6-8AB0-69C547F060B6}" dt="2021-07-12T22:10:37.115" v="507" actId="1076"/>
-          <ac:picMkLst>
-            <pc:docMk/>
-            <pc:sldMk cId="1556184242" sldId="256"/>
-            <ac:picMk id="320" creationId="{C6548451-C351-41AC-AF24-8928FF5B5030}"/>
-          </ac:picMkLst>
-        </pc:picChg>
-        <pc:picChg chg="mod">
-          <ac:chgData name="Fatima Pillosu" userId="a6295d4dc9e22643" providerId="LiveId" clId="{0722BC45-0A43-40A6-8AB0-69C547F060B6}" dt="2021-07-12T22:10:37.115" v="507" actId="1076"/>
-          <ac:picMkLst>
-            <pc:docMk/>
-            <pc:sldMk cId="1556184242" sldId="256"/>
-            <ac:picMk id="321" creationId="{EE7851D5-911C-4905-8954-908DDE21A48D}"/>
-          </ac:picMkLst>
-        </pc:picChg>
-        <pc:picChg chg="mod">
-          <ac:chgData name="Fatima Pillosu" userId="a6295d4dc9e22643" providerId="LiveId" clId="{0722BC45-0A43-40A6-8AB0-69C547F060B6}" dt="2021-07-12T22:10:37.115" v="507" actId="1076"/>
-          <ac:picMkLst>
-            <pc:docMk/>
-            <pc:sldMk cId="1556184242" sldId="256"/>
-            <ac:picMk id="340" creationId="{4ECADC9F-2D6A-4C4C-AC40-9040DD1821FF}"/>
-          </ac:picMkLst>
-        </pc:picChg>
-        <pc:picChg chg="mod">
-          <ac:chgData name="Fatima Pillosu" userId="a6295d4dc9e22643" providerId="LiveId" clId="{0722BC45-0A43-40A6-8AB0-69C547F060B6}" dt="2021-07-12T22:10:37.115" v="507" actId="1076"/>
-          <ac:picMkLst>
-            <pc:docMk/>
-            <pc:sldMk cId="1556184242" sldId="256"/>
-            <ac:picMk id="344" creationId="{D01FEC97-C295-4744-BF41-969EC571FFFA}"/>
-          </ac:picMkLst>
-        </pc:picChg>
-        <pc:picChg chg="mod">
-          <ac:chgData name="Fatima Pillosu" userId="a6295d4dc9e22643" providerId="LiveId" clId="{0722BC45-0A43-40A6-8AB0-69C547F060B6}" dt="2021-07-12T22:10:37.115" v="507" actId="1076"/>
-          <ac:picMkLst>
-            <pc:docMk/>
-            <pc:sldMk cId="1556184242" sldId="256"/>
-            <ac:picMk id="345" creationId="{85C500EB-A299-49EF-8E51-38B610DFC53E}"/>
-          </ac:picMkLst>
-        </pc:picChg>
-        <pc:picChg chg="mod">
-          <ac:chgData name="Fatima Pillosu" userId="a6295d4dc9e22643" providerId="LiveId" clId="{0722BC45-0A43-40A6-8AB0-69C547F060B6}" dt="2021-07-12T22:10:37.115" v="507" actId="1076"/>
-          <ac:picMkLst>
-            <pc:docMk/>
-            <pc:sldMk cId="1556184242" sldId="256"/>
-            <ac:picMk id="359" creationId="{235B7CDE-7665-43CB-9279-C6080D77373D}"/>
-          </ac:picMkLst>
-        </pc:picChg>
         <pc:cxnChg chg="mod">
-          <ac:chgData name="Fatima Pillosu" userId="a6295d4dc9e22643" providerId="LiveId" clId="{0722BC45-0A43-40A6-8AB0-69C547F060B6}" dt="2021-07-12T22:04:31.472" v="325" actId="1076"/>
+          <ac:chgData name="Fatima Pillosu" userId="a6295d4dc9e22643" providerId="LiveId" clId="{E571B794-A519-4CC3-95DA-E99FFA7BC2CE}" dt="2021-10-01T12:37:47.010" v="68" actId="1076"/>
           <ac:cxnSpMkLst>
             <pc:docMk/>
             <pc:sldMk cId="1556184242" sldId="256"/>
-            <ac:cxnSpMk id="47" creationId="{C4961017-59A3-4092-BEF4-9DC871391D22}"/>
-          </ac:cxnSpMkLst>
-        </pc:cxnChg>
-        <pc:cxnChg chg="mod">
-          <ac:chgData name="Fatima Pillosu" userId="a6295d4dc9e22643" providerId="LiveId" clId="{0722BC45-0A43-40A6-8AB0-69C547F060B6}" dt="2021-07-12T22:15:13.753" v="540" actId="208"/>
-          <ac:cxnSpMkLst>
-            <pc:docMk/>
-            <pc:sldMk cId="1556184242" sldId="256"/>
-            <ac:cxnSpMk id="211" creationId="{8D6DAB1C-1F08-4F40-9B7A-4B1FAE6E1B9E}"/>
-          </ac:cxnSpMkLst>
-        </pc:cxnChg>
-        <pc:cxnChg chg="mod">
-          <ac:chgData name="Fatima Pillosu" userId="a6295d4dc9e22643" providerId="LiveId" clId="{0722BC45-0A43-40A6-8AB0-69C547F060B6}" dt="2021-07-12T22:12:08.966" v="534" actId="1035"/>
-          <ac:cxnSpMkLst>
-            <pc:docMk/>
-            <pc:sldMk cId="1556184242" sldId="256"/>
-            <ac:cxnSpMk id="292" creationId="{34B031D1-A4DD-44DF-94F0-A8303B0531A7}"/>
-          </ac:cxnSpMkLst>
-        </pc:cxnChg>
-        <pc:cxnChg chg="mod">
-          <ac:chgData name="Fatima Pillosu" userId="a6295d4dc9e22643" providerId="LiveId" clId="{0722BC45-0A43-40A6-8AB0-69C547F060B6}" dt="2021-07-12T22:12:08.966" v="534" actId="1035"/>
-          <ac:cxnSpMkLst>
-            <pc:docMk/>
-            <pc:sldMk cId="1556184242" sldId="256"/>
-            <ac:cxnSpMk id="295" creationId="{8C104D11-9F17-4F81-911D-EE632B8453FA}"/>
-          </ac:cxnSpMkLst>
-        </pc:cxnChg>
-        <pc:cxnChg chg="mod">
-          <ac:chgData name="Fatima Pillosu" userId="a6295d4dc9e22643" providerId="LiveId" clId="{0722BC45-0A43-40A6-8AB0-69C547F060B6}" dt="2021-07-12T22:12:08.966" v="534" actId="1035"/>
-          <ac:cxnSpMkLst>
-            <pc:docMk/>
-            <pc:sldMk cId="1556184242" sldId="256"/>
-            <ac:cxnSpMk id="299" creationId="{A2254684-217C-496A-9676-7DA3B5850FB4}"/>
-          </ac:cxnSpMkLst>
-        </pc:cxnChg>
-        <pc:cxnChg chg="mod">
-          <ac:chgData name="Fatima Pillosu" userId="a6295d4dc9e22643" providerId="LiveId" clId="{0722BC45-0A43-40A6-8AB0-69C547F060B6}" dt="2021-07-12T22:12:08.966" v="534" actId="1035"/>
-          <ac:cxnSpMkLst>
-            <pc:docMk/>
-            <pc:sldMk cId="1556184242" sldId="256"/>
-            <ac:cxnSpMk id="300" creationId="{FF439935-A570-4757-881A-62AE8E07A953}"/>
-          </ac:cxnSpMkLst>
-        </pc:cxnChg>
-        <pc:cxnChg chg="mod">
-          <ac:chgData name="Fatima Pillosu" userId="a6295d4dc9e22643" providerId="LiveId" clId="{0722BC45-0A43-40A6-8AB0-69C547F060B6}" dt="2021-07-12T22:12:08.966" v="534" actId="1035"/>
-          <ac:cxnSpMkLst>
-            <pc:docMk/>
-            <pc:sldMk cId="1556184242" sldId="256"/>
-            <ac:cxnSpMk id="312" creationId="{9CCB0056-2C54-4264-94DA-9DF414FDD1CB}"/>
-          </ac:cxnSpMkLst>
-        </pc:cxnChg>
-        <pc:cxnChg chg="mod">
-          <ac:chgData name="Fatima Pillosu" userId="a6295d4dc9e22643" providerId="LiveId" clId="{0722BC45-0A43-40A6-8AB0-69C547F060B6}" dt="2021-07-12T22:12:08.966" v="534" actId="1035"/>
-          <ac:cxnSpMkLst>
-            <pc:docMk/>
-            <pc:sldMk cId="1556184242" sldId="256"/>
-            <ac:cxnSpMk id="313" creationId="{ECE0261A-5035-4549-BA0A-F0E48B3D0AB2}"/>
-          </ac:cxnSpMkLst>
-        </pc:cxnChg>
-        <pc:cxnChg chg="mod">
-          <ac:chgData name="Fatima Pillosu" userId="a6295d4dc9e22643" providerId="LiveId" clId="{0722BC45-0A43-40A6-8AB0-69C547F060B6}" dt="2021-07-12T22:12:08.966" v="534" actId="1035"/>
-          <ac:cxnSpMkLst>
-            <pc:docMk/>
-            <pc:sldMk cId="1556184242" sldId="256"/>
-            <ac:cxnSpMk id="365" creationId="{503523DA-A511-471D-B6DF-7C2B7B67FA75}"/>
-          </ac:cxnSpMkLst>
-        </pc:cxnChg>
-        <pc:cxnChg chg="mod">
-          <ac:chgData name="Fatima Pillosu" userId="a6295d4dc9e22643" providerId="LiveId" clId="{0722BC45-0A43-40A6-8AB0-69C547F060B6}" dt="2021-07-12T22:15:21.613" v="542" actId="1582"/>
-          <ac:cxnSpMkLst>
-            <pc:docMk/>
-            <pc:sldMk cId="1556184242" sldId="256"/>
-            <ac:cxnSpMk id="421" creationId="{4DC83DDA-68F2-4E8F-B386-FC65B108A5B3}"/>
-          </ac:cxnSpMkLst>
-        </pc:cxnChg>
-        <pc:cxnChg chg="mod">
-          <ac:chgData name="Fatima Pillosu" userId="a6295d4dc9e22643" providerId="LiveId" clId="{0722BC45-0A43-40A6-8AB0-69C547F060B6}" dt="2021-07-12T22:15:21.613" v="542" actId="1582"/>
-          <ac:cxnSpMkLst>
-            <pc:docMk/>
-            <pc:sldMk cId="1556184242" sldId="256"/>
-            <ac:cxnSpMk id="422" creationId="{C43DFA75-0F1B-4F3B-B10B-B5385503A9AE}"/>
-          </ac:cxnSpMkLst>
-        </pc:cxnChg>
-        <pc:cxnChg chg="mod">
-          <ac:chgData name="Fatima Pillosu" userId="a6295d4dc9e22643" providerId="LiveId" clId="{0722BC45-0A43-40A6-8AB0-69C547F060B6}" dt="2021-07-12T22:15:21.613" v="542" actId="1582"/>
-          <ac:cxnSpMkLst>
-            <pc:docMk/>
-            <pc:sldMk cId="1556184242" sldId="256"/>
-            <ac:cxnSpMk id="423" creationId="{E5410ACB-E2CC-49C8-B3C9-332C94D3663D}"/>
-          </ac:cxnSpMkLst>
-        </pc:cxnChg>
-        <pc:cxnChg chg="mod">
-          <ac:chgData name="Fatima Pillosu" userId="a6295d4dc9e22643" providerId="LiveId" clId="{0722BC45-0A43-40A6-8AB0-69C547F060B6}" dt="2021-07-12T22:15:21.613" v="542" actId="1582"/>
-          <ac:cxnSpMkLst>
-            <pc:docMk/>
-            <pc:sldMk cId="1556184242" sldId="256"/>
-            <ac:cxnSpMk id="424" creationId="{A965AD38-2A93-4532-BBD8-CA5FDE9598B7}"/>
-          </ac:cxnSpMkLst>
-        </pc:cxnChg>
-        <pc:cxnChg chg="mod">
-          <ac:chgData name="Fatima Pillosu" userId="a6295d4dc9e22643" providerId="LiveId" clId="{0722BC45-0A43-40A6-8AB0-69C547F060B6}" dt="2021-07-12T22:15:21.613" v="542" actId="1582"/>
-          <ac:cxnSpMkLst>
-            <pc:docMk/>
-            <pc:sldMk cId="1556184242" sldId="256"/>
-            <ac:cxnSpMk id="425" creationId="{E029E9BD-34AA-4644-BE8D-078AB516126B}"/>
-          </ac:cxnSpMkLst>
-        </pc:cxnChg>
-        <pc:cxnChg chg="mod">
-          <ac:chgData name="Fatima Pillosu" userId="a6295d4dc9e22643" providerId="LiveId" clId="{0722BC45-0A43-40A6-8AB0-69C547F060B6}" dt="2021-07-12T22:15:21.613" v="542" actId="1582"/>
-          <ac:cxnSpMkLst>
-            <pc:docMk/>
-            <pc:sldMk cId="1556184242" sldId="256"/>
-            <ac:cxnSpMk id="426" creationId="{5D4DC34C-6464-4E71-866C-321B9208032A}"/>
-          </ac:cxnSpMkLst>
-        </pc:cxnChg>
-        <pc:cxnChg chg="mod">
-          <ac:chgData name="Fatima Pillosu" userId="a6295d4dc9e22643" providerId="LiveId" clId="{0722BC45-0A43-40A6-8AB0-69C547F060B6}" dt="2021-07-12T22:15:21.613" v="542" actId="1582"/>
-          <ac:cxnSpMkLst>
-            <pc:docMk/>
-            <pc:sldMk cId="1556184242" sldId="256"/>
             <ac:cxnSpMk id="427" creationId="{A6F1823E-F588-4F26-81D2-77122C372462}"/>
-          </ac:cxnSpMkLst>
-        </pc:cxnChg>
-        <pc:cxnChg chg="mod">
-          <ac:chgData name="Fatima Pillosu" userId="a6295d4dc9e22643" providerId="LiveId" clId="{0722BC45-0A43-40A6-8AB0-69C547F060B6}" dt="2021-07-12T22:15:21.613" v="542" actId="1582"/>
-          <ac:cxnSpMkLst>
-            <pc:docMk/>
-            <pc:sldMk cId="1556184242" sldId="256"/>
-            <ac:cxnSpMk id="428" creationId="{2F44B406-2B81-42AC-8EC8-6E4C09B98963}"/>
-          </ac:cxnSpMkLst>
-        </pc:cxnChg>
-        <pc:cxnChg chg="mod">
-          <ac:chgData name="Fatima Pillosu" userId="a6295d4dc9e22643" providerId="LiveId" clId="{0722BC45-0A43-40A6-8AB0-69C547F060B6}" dt="2021-07-12T22:15:21.613" v="542" actId="1582"/>
-          <ac:cxnSpMkLst>
-            <pc:docMk/>
-            <pc:sldMk cId="1556184242" sldId="256"/>
-            <ac:cxnSpMk id="429" creationId="{91ED1926-5B68-4F57-B52B-86F47F6A67D1}"/>
-          </ac:cxnSpMkLst>
-        </pc:cxnChg>
-        <pc:cxnChg chg="mod">
-          <ac:chgData name="Fatima Pillosu" userId="a6295d4dc9e22643" providerId="LiveId" clId="{0722BC45-0A43-40A6-8AB0-69C547F060B6}" dt="2021-07-12T22:15:21.613" v="542" actId="1582"/>
-          <ac:cxnSpMkLst>
-            <pc:docMk/>
-            <pc:sldMk cId="1556184242" sldId="256"/>
-            <ac:cxnSpMk id="433" creationId="{EF550824-874B-488C-877A-0FACA467821F}"/>
-          </ac:cxnSpMkLst>
-        </pc:cxnChg>
-        <pc:cxnChg chg="mod">
-          <ac:chgData name="Fatima Pillosu" userId="a6295d4dc9e22643" providerId="LiveId" clId="{0722BC45-0A43-40A6-8AB0-69C547F060B6}" dt="2021-07-12T22:04:28.189" v="324" actId="1076"/>
-          <ac:cxnSpMkLst>
-            <pc:docMk/>
-            <pc:sldMk cId="1556184242" sldId="256"/>
-            <ac:cxnSpMk id="440" creationId="{3D298AFA-D82A-4D17-B69D-038119DB3786}"/>
-          </ac:cxnSpMkLst>
-        </pc:cxnChg>
-        <pc:cxnChg chg="mod">
-          <ac:chgData name="Fatima Pillosu" userId="a6295d4dc9e22643" providerId="LiveId" clId="{0722BC45-0A43-40A6-8AB0-69C547F060B6}" dt="2021-07-12T22:08:38.345" v="456" actId="1076"/>
-          <ac:cxnSpMkLst>
-            <pc:docMk/>
-            <pc:sldMk cId="1556184242" sldId="256"/>
-            <ac:cxnSpMk id="445" creationId="{C328AFC0-40C6-4092-9832-C55AA2396A67}"/>
-          </ac:cxnSpMkLst>
-        </pc:cxnChg>
-        <pc:cxnChg chg="mod">
-          <ac:chgData name="Fatima Pillosu" userId="a6295d4dc9e22643" providerId="LiveId" clId="{0722BC45-0A43-40A6-8AB0-69C547F060B6}" dt="2021-07-12T22:08:38.345" v="456" actId="1076"/>
-          <ac:cxnSpMkLst>
-            <pc:docMk/>
-            <pc:sldMk cId="1556184242" sldId="256"/>
-            <ac:cxnSpMk id="446" creationId="{EFE20C8C-342C-4AFB-83DC-3DB3E6D73722}"/>
           </ac:cxnSpMkLst>
         </pc:cxnChg>
       </pc:sldChg>
@@ -3299,6 +1779,3742 @@
     </pc:docChg>
   </pc:docChgLst>
   <pc:docChgLst>
+    <pc:chgData name="Fatima Pillosu" userId="a6295d4dc9e22643" providerId="LiveId" clId="{DFFBE890-388F-43D2-9209-8DB75D39595B}"/>
+    <pc:docChg chg="undo redo custSel modSld">
+      <pc:chgData name="Fatima Pillosu" userId="a6295d4dc9e22643" providerId="LiveId" clId="{DFFBE890-388F-43D2-9209-8DB75D39595B}" dt="2021-06-23T00:24:21.521" v="1349" actId="1582"/>
+      <pc:docMkLst>
+        <pc:docMk/>
+      </pc:docMkLst>
+      <pc:sldChg chg="addSp delSp modSp mod">
+        <pc:chgData name="Fatima Pillosu" userId="a6295d4dc9e22643" providerId="LiveId" clId="{DFFBE890-388F-43D2-9209-8DB75D39595B}" dt="2021-06-23T00:24:21.521" v="1349" actId="1582"/>
+        <pc:sldMkLst>
+          <pc:docMk/>
+          <pc:sldMk cId="1556184242" sldId="256"/>
+        </pc:sldMkLst>
+        <pc:spChg chg="add mod">
+          <ac:chgData name="Fatima Pillosu" userId="a6295d4dc9e22643" providerId="LiveId" clId="{DFFBE890-388F-43D2-9209-8DB75D39595B}" dt="2021-06-23T00:10:59.937" v="1107" actId="1038"/>
+          <ac:spMkLst>
+            <pc:docMk/>
+            <pc:sldMk cId="1556184242" sldId="256"/>
+            <ac:spMk id="2" creationId="{15AA4DB2-9E22-4524-9BAB-78E77F689099}"/>
+          </ac:spMkLst>
+        </pc:spChg>
+        <pc:spChg chg="add mod">
+          <ac:chgData name="Fatima Pillosu" userId="a6295d4dc9e22643" providerId="LiveId" clId="{DFFBE890-388F-43D2-9209-8DB75D39595B}" dt="2021-06-23T00:10:59.937" v="1107" actId="1038"/>
+          <ac:spMkLst>
+            <pc:docMk/>
+            <pc:sldMk cId="1556184242" sldId="256"/>
+            <ac:spMk id="3" creationId="{AF843876-B8AE-4111-9DE7-BECD0EC632FE}"/>
+          </ac:spMkLst>
+        </pc:spChg>
+        <pc:spChg chg="add mod">
+          <ac:chgData name="Fatima Pillosu" userId="a6295d4dc9e22643" providerId="LiveId" clId="{DFFBE890-388F-43D2-9209-8DB75D39595B}" dt="2021-06-23T00:11:18.390" v="1119" actId="1076"/>
+          <ac:spMkLst>
+            <pc:docMk/>
+            <pc:sldMk cId="1556184242" sldId="256"/>
+            <ac:spMk id="188" creationId="{EFBA0EE0-2EBB-430D-A4FA-921F4902BB9A}"/>
+          </ac:spMkLst>
+        </pc:spChg>
+        <pc:spChg chg="mod">
+          <ac:chgData name="Fatima Pillosu" userId="a6295d4dc9e22643" providerId="LiveId" clId="{DFFBE890-388F-43D2-9209-8DB75D39595B}" dt="2021-06-23T00:11:56.683" v="1132" actId="1036"/>
+          <ac:spMkLst>
+            <pc:docMk/>
+            <pc:sldMk cId="1556184242" sldId="256"/>
+            <ac:spMk id="189" creationId="{4CB28502-7531-4EF2-8207-C25365342790}"/>
+          </ac:spMkLst>
+        </pc:spChg>
+        <pc:spChg chg="mod">
+          <ac:chgData name="Fatima Pillosu" userId="a6295d4dc9e22643" providerId="LiveId" clId="{DFFBE890-388F-43D2-9209-8DB75D39595B}" dt="2021-06-23T00:11:56.683" v="1132" actId="1036"/>
+          <ac:spMkLst>
+            <pc:docMk/>
+            <pc:sldMk cId="1556184242" sldId="256"/>
+            <ac:spMk id="190" creationId="{17F81A39-F6D0-4969-B332-4BD7A7F4B1ED}"/>
+          </ac:spMkLst>
+        </pc:spChg>
+        <pc:spChg chg="add mod">
+          <ac:chgData name="Fatima Pillosu" userId="a6295d4dc9e22643" providerId="LiveId" clId="{DFFBE890-388F-43D2-9209-8DB75D39595B}" dt="2021-06-23T00:16:50.296" v="1231" actId="1036"/>
+          <ac:spMkLst>
+            <pc:docMk/>
+            <pc:sldMk cId="1556184242" sldId="256"/>
+            <ac:spMk id="191" creationId="{E43DAF15-03A5-4753-91FB-27A76D1F8203}"/>
+          </ac:spMkLst>
+        </pc:spChg>
+        <pc:spChg chg="mod">
+          <ac:chgData name="Fatima Pillosu" userId="a6295d4dc9e22643" providerId="LiveId" clId="{DFFBE890-388F-43D2-9209-8DB75D39595B}" dt="2021-06-23T00:11:56.683" v="1132" actId="1036"/>
+          <ac:spMkLst>
+            <pc:docMk/>
+            <pc:sldMk cId="1556184242" sldId="256"/>
+            <ac:spMk id="193" creationId="{9E375C24-6755-40B1-8534-7CD57DBB7B85}"/>
+          </ac:spMkLst>
+        </pc:spChg>
+        <pc:spChg chg="add mod">
+          <ac:chgData name="Fatima Pillosu" userId="a6295d4dc9e22643" providerId="LiveId" clId="{DFFBE890-388F-43D2-9209-8DB75D39595B}" dt="2021-06-23T00:18:11.417" v="1278" actId="1036"/>
+          <ac:spMkLst>
+            <pc:docMk/>
+            <pc:sldMk cId="1556184242" sldId="256"/>
+            <ac:spMk id="194" creationId="{1E55C571-5614-4413-80C5-F78412C32143}"/>
+          </ac:spMkLst>
+        </pc:spChg>
+        <pc:spChg chg="add mod">
+          <ac:chgData name="Fatima Pillosu" userId="a6295d4dc9e22643" providerId="LiveId" clId="{DFFBE890-388F-43D2-9209-8DB75D39595B}" dt="2021-06-23T00:10:59.937" v="1107" actId="1038"/>
+          <ac:spMkLst>
+            <pc:docMk/>
+            <pc:sldMk cId="1556184242" sldId="256"/>
+            <ac:spMk id="195" creationId="{F82BFB79-E522-4D52-8F1C-71920C493730}"/>
+          </ac:spMkLst>
+        </pc:spChg>
+        <pc:spChg chg="mod">
+          <ac:chgData name="Fatima Pillosu" userId="a6295d4dc9e22643" providerId="LiveId" clId="{DFFBE890-388F-43D2-9209-8DB75D39595B}" dt="2021-06-23T00:11:56.683" v="1132" actId="1036"/>
+          <ac:spMkLst>
+            <pc:docMk/>
+            <pc:sldMk cId="1556184242" sldId="256"/>
+            <ac:spMk id="196" creationId="{79BE1912-255C-4DE6-B643-C217685A072A}"/>
+          </ac:spMkLst>
+        </pc:spChg>
+        <pc:spChg chg="add mod">
+          <ac:chgData name="Fatima Pillosu" userId="a6295d4dc9e22643" providerId="LiveId" clId="{DFFBE890-388F-43D2-9209-8DB75D39595B}" dt="2021-06-23T00:10:59.937" v="1107" actId="1038"/>
+          <ac:spMkLst>
+            <pc:docMk/>
+            <pc:sldMk cId="1556184242" sldId="256"/>
+            <ac:spMk id="197" creationId="{B72B309E-4B07-4354-997E-D394BA4B4C74}"/>
+          </ac:spMkLst>
+        </pc:spChg>
+        <pc:spChg chg="mod">
+          <ac:chgData name="Fatima Pillosu" userId="a6295d4dc9e22643" providerId="LiveId" clId="{DFFBE890-388F-43D2-9209-8DB75D39595B}" dt="2021-06-23T00:11:56.683" v="1132" actId="1036"/>
+          <ac:spMkLst>
+            <pc:docMk/>
+            <pc:sldMk cId="1556184242" sldId="256"/>
+            <ac:spMk id="198" creationId="{DC8DC18F-92C0-49C0-BFD7-6F539C3E6868}"/>
+          </ac:spMkLst>
+        </pc:spChg>
+        <pc:spChg chg="add mod">
+          <ac:chgData name="Fatima Pillosu" userId="a6295d4dc9e22643" providerId="LiveId" clId="{DFFBE890-388F-43D2-9209-8DB75D39595B}" dt="2021-06-23T00:10:59.937" v="1107" actId="1038"/>
+          <ac:spMkLst>
+            <pc:docMk/>
+            <pc:sldMk cId="1556184242" sldId="256"/>
+            <ac:spMk id="199" creationId="{B861061C-A57E-4594-8838-6226043DC694}"/>
+          </ac:spMkLst>
+        </pc:spChg>
+        <pc:spChg chg="mod ord">
+          <ac:chgData name="Fatima Pillosu" userId="a6295d4dc9e22643" providerId="LiveId" clId="{DFFBE890-388F-43D2-9209-8DB75D39595B}" dt="2021-06-23T00:11:56.683" v="1132" actId="1036"/>
+          <ac:spMkLst>
+            <pc:docMk/>
+            <pc:sldMk cId="1556184242" sldId="256"/>
+            <ac:spMk id="200" creationId="{3AB9AE45-AA23-47A6-AE11-81E4250F2BB6}"/>
+          </ac:spMkLst>
+        </pc:spChg>
+        <pc:spChg chg="mod">
+          <ac:chgData name="Fatima Pillosu" userId="a6295d4dc9e22643" providerId="LiveId" clId="{DFFBE890-388F-43D2-9209-8DB75D39595B}" dt="2021-06-23T00:21:18.823" v="1340" actId="113"/>
+          <ac:spMkLst>
+            <pc:docMk/>
+            <pc:sldMk cId="1556184242" sldId="256"/>
+            <ac:spMk id="201" creationId="{3B914443-9217-428B-AE48-3CFBFB5CBA1E}"/>
+          </ac:spMkLst>
+        </pc:spChg>
+        <pc:spChg chg="mod">
+          <ac:chgData name="Fatima Pillosu" userId="a6295d4dc9e22643" providerId="LiveId" clId="{DFFBE890-388F-43D2-9209-8DB75D39595B}" dt="2021-06-23T00:11:56.683" v="1132" actId="1036"/>
+          <ac:spMkLst>
+            <pc:docMk/>
+            <pc:sldMk cId="1556184242" sldId="256"/>
+            <ac:spMk id="202" creationId="{7C4E28EC-04BF-4F9E-B9E4-18D4908777B4}"/>
+          </ac:spMkLst>
+        </pc:spChg>
+        <pc:spChg chg="mod">
+          <ac:chgData name="Fatima Pillosu" userId="a6295d4dc9e22643" providerId="LiveId" clId="{DFFBE890-388F-43D2-9209-8DB75D39595B}" dt="2021-06-23T00:11:56.683" v="1132" actId="1036"/>
+          <ac:spMkLst>
+            <pc:docMk/>
+            <pc:sldMk cId="1556184242" sldId="256"/>
+            <ac:spMk id="203" creationId="{152B6C55-4722-417C-A514-4B2568426F9E}"/>
+          </ac:spMkLst>
+        </pc:spChg>
+        <pc:spChg chg="mod ord topLvl">
+          <ac:chgData name="Fatima Pillosu" userId="a6295d4dc9e22643" providerId="LiveId" clId="{DFFBE890-388F-43D2-9209-8DB75D39595B}" dt="2021-06-23T00:10:59.937" v="1107" actId="1038"/>
+          <ac:spMkLst>
+            <pc:docMk/>
+            <pc:sldMk cId="1556184242" sldId="256"/>
+            <ac:spMk id="206" creationId="{9D4264D7-EAD8-4A3A-B89C-2BE068E2DF57}"/>
+          </ac:spMkLst>
+        </pc:spChg>
+        <pc:spChg chg="add mod">
+          <ac:chgData name="Fatima Pillosu" userId="a6295d4dc9e22643" providerId="LiveId" clId="{DFFBE890-388F-43D2-9209-8DB75D39595B}" dt="2021-06-23T00:10:59.937" v="1107" actId="1038"/>
+          <ac:spMkLst>
+            <pc:docMk/>
+            <pc:sldMk cId="1556184242" sldId="256"/>
+            <ac:spMk id="207" creationId="{5D7409B1-98B0-430C-95EA-379C89870112}"/>
+          </ac:spMkLst>
+        </pc:spChg>
+        <pc:spChg chg="mod">
+          <ac:chgData name="Fatima Pillosu" userId="a6295d4dc9e22643" providerId="LiveId" clId="{DFFBE890-388F-43D2-9209-8DB75D39595B}" dt="2021-06-23T00:01:03.804" v="967" actId="255"/>
+          <ac:spMkLst>
+            <pc:docMk/>
+            <pc:sldMk cId="1556184242" sldId="256"/>
+            <ac:spMk id="209" creationId="{0A93E81C-C9DB-422E-A9E2-0778F1DFC92E}"/>
+          </ac:spMkLst>
+        </pc:spChg>
+        <pc:spChg chg="mod">
+          <ac:chgData name="Fatima Pillosu" userId="a6295d4dc9e22643" providerId="LiveId" clId="{DFFBE890-388F-43D2-9209-8DB75D39595B}" dt="2021-06-23T00:01:03.804" v="967" actId="255"/>
+          <ac:spMkLst>
+            <pc:docMk/>
+            <pc:sldMk cId="1556184242" sldId="256"/>
+            <ac:spMk id="210" creationId="{662FAC79-7EDC-48DD-A292-A864DC9CC307}"/>
+          </ac:spMkLst>
+        </pc:spChg>
+        <pc:spChg chg="mod">
+          <ac:chgData name="Fatima Pillosu" userId="a6295d4dc9e22643" providerId="LiveId" clId="{DFFBE890-388F-43D2-9209-8DB75D39595B}" dt="2021-06-23T00:01:03.804" v="967" actId="255"/>
+          <ac:spMkLst>
+            <pc:docMk/>
+            <pc:sldMk cId="1556184242" sldId="256"/>
+            <ac:spMk id="212" creationId="{9A7B41A9-8D69-41C5-BE48-AFDFA79B83C5}"/>
+          </ac:spMkLst>
+        </pc:spChg>
+        <pc:spChg chg="add del mod">
+          <ac:chgData name="Fatima Pillosu" userId="a6295d4dc9e22643" providerId="LiveId" clId="{DFFBE890-388F-43D2-9209-8DB75D39595B}" dt="2021-06-22T23:42:42.201" v="634" actId="478"/>
+          <ac:spMkLst>
+            <pc:docMk/>
+            <pc:sldMk cId="1556184242" sldId="256"/>
+            <ac:spMk id="213" creationId="{619B4E43-936E-4935-810B-8024835376B0}"/>
+          </ac:spMkLst>
+        </pc:spChg>
+        <pc:spChg chg="mod">
+          <ac:chgData name="Fatima Pillosu" userId="a6295d4dc9e22643" providerId="LiveId" clId="{DFFBE890-388F-43D2-9209-8DB75D39595B}" dt="2021-06-23T00:10:59.937" v="1107" actId="1038"/>
+          <ac:spMkLst>
+            <pc:docMk/>
+            <pc:sldMk cId="1556184242" sldId="256"/>
+            <ac:spMk id="215" creationId="{A27F48CC-5AA7-45F8-9B4F-62E12962C8D0}"/>
+          </ac:spMkLst>
+        </pc:spChg>
+        <pc:spChg chg="mod ord">
+          <ac:chgData name="Fatima Pillosu" userId="a6295d4dc9e22643" providerId="LiveId" clId="{DFFBE890-388F-43D2-9209-8DB75D39595B}" dt="2021-06-23T00:10:59.937" v="1107" actId="1038"/>
+          <ac:spMkLst>
+            <pc:docMk/>
+            <pc:sldMk cId="1556184242" sldId="256"/>
+            <ac:spMk id="216" creationId="{75207402-814A-4AAB-BAE6-2FCCB9B11143}"/>
+          </ac:spMkLst>
+        </pc:spChg>
+        <pc:spChg chg="mod ord">
+          <ac:chgData name="Fatima Pillosu" userId="a6295d4dc9e22643" providerId="LiveId" clId="{DFFBE890-388F-43D2-9209-8DB75D39595B}" dt="2021-06-23T00:10:59.937" v="1107" actId="1038"/>
+          <ac:spMkLst>
+            <pc:docMk/>
+            <pc:sldMk cId="1556184242" sldId="256"/>
+            <ac:spMk id="217" creationId="{1F9CEAC3-0C6A-4B56-B0C5-A6B9C7119B10}"/>
+          </ac:spMkLst>
+        </pc:spChg>
+        <pc:spChg chg="mod">
+          <ac:chgData name="Fatima Pillosu" userId="a6295d4dc9e22643" providerId="LiveId" clId="{DFFBE890-388F-43D2-9209-8DB75D39595B}" dt="2021-06-23T00:10:59.937" v="1107" actId="1038"/>
+          <ac:spMkLst>
+            <pc:docMk/>
+            <pc:sldMk cId="1556184242" sldId="256"/>
+            <ac:spMk id="218" creationId="{02777BA6-CF56-420A-B054-41D083450884}"/>
+          </ac:spMkLst>
+        </pc:spChg>
+        <pc:spChg chg="mod">
+          <ac:chgData name="Fatima Pillosu" userId="a6295d4dc9e22643" providerId="LiveId" clId="{DFFBE890-388F-43D2-9209-8DB75D39595B}" dt="2021-06-23T00:10:59.937" v="1107" actId="1038"/>
+          <ac:spMkLst>
+            <pc:docMk/>
+            <pc:sldMk cId="1556184242" sldId="256"/>
+            <ac:spMk id="219" creationId="{65BF9FE6-524A-44B1-813E-B0B18DF66625}"/>
+          </ac:spMkLst>
+        </pc:spChg>
+        <pc:spChg chg="mod ord">
+          <ac:chgData name="Fatima Pillosu" userId="a6295d4dc9e22643" providerId="LiveId" clId="{DFFBE890-388F-43D2-9209-8DB75D39595B}" dt="2021-06-23T00:10:59.937" v="1107" actId="1038"/>
+          <ac:spMkLst>
+            <pc:docMk/>
+            <pc:sldMk cId="1556184242" sldId="256"/>
+            <ac:spMk id="220" creationId="{BE95E72A-C5B4-4451-9EDA-63710D6544B1}"/>
+          </ac:spMkLst>
+        </pc:spChg>
+        <pc:spChg chg="mod">
+          <ac:chgData name="Fatima Pillosu" userId="a6295d4dc9e22643" providerId="LiveId" clId="{DFFBE890-388F-43D2-9209-8DB75D39595B}" dt="2021-06-23T00:10:59.937" v="1107" actId="1038"/>
+          <ac:spMkLst>
+            <pc:docMk/>
+            <pc:sldMk cId="1556184242" sldId="256"/>
+            <ac:spMk id="221" creationId="{1605F9F7-6705-4CF7-90CA-7A4078EFDEA7}"/>
+          </ac:spMkLst>
+        </pc:spChg>
+        <pc:spChg chg="mod">
+          <ac:chgData name="Fatima Pillosu" userId="a6295d4dc9e22643" providerId="LiveId" clId="{DFFBE890-388F-43D2-9209-8DB75D39595B}" dt="2021-06-23T00:10:59.937" v="1107" actId="1038"/>
+          <ac:spMkLst>
+            <pc:docMk/>
+            <pc:sldMk cId="1556184242" sldId="256"/>
+            <ac:spMk id="222" creationId="{406D67EC-7AC8-46FD-B219-D28DA565C854}"/>
+          </ac:spMkLst>
+        </pc:spChg>
+        <pc:spChg chg="mod">
+          <ac:chgData name="Fatima Pillosu" userId="a6295d4dc9e22643" providerId="LiveId" clId="{DFFBE890-388F-43D2-9209-8DB75D39595B}" dt="2021-06-23T00:10:59.937" v="1107" actId="1038"/>
+          <ac:spMkLst>
+            <pc:docMk/>
+            <pc:sldMk cId="1556184242" sldId="256"/>
+            <ac:spMk id="223" creationId="{C74A47BC-CE15-4B09-BC45-54BBF93F965B}"/>
+          </ac:spMkLst>
+        </pc:spChg>
+        <pc:spChg chg="mod">
+          <ac:chgData name="Fatima Pillosu" userId="a6295d4dc9e22643" providerId="LiveId" clId="{DFFBE890-388F-43D2-9209-8DB75D39595B}" dt="2021-06-23T00:10:59.937" v="1107" actId="1038"/>
+          <ac:spMkLst>
+            <pc:docMk/>
+            <pc:sldMk cId="1556184242" sldId="256"/>
+            <ac:spMk id="224" creationId="{77032B38-1E29-4787-B296-A2823185EA57}"/>
+          </ac:spMkLst>
+        </pc:spChg>
+        <pc:spChg chg="mod">
+          <ac:chgData name="Fatima Pillosu" userId="a6295d4dc9e22643" providerId="LiveId" clId="{DFFBE890-388F-43D2-9209-8DB75D39595B}" dt="2021-06-23T00:10:59.937" v="1107" actId="1038"/>
+          <ac:spMkLst>
+            <pc:docMk/>
+            <pc:sldMk cId="1556184242" sldId="256"/>
+            <ac:spMk id="225" creationId="{2CD81434-B9A2-4902-923C-F43E0FCE1F59}"/>
+          </ac:spMkLst>
+        </pc:spChg>
+        <pc:spChg chg="mod">
+          <ac:chgData name="Fatima Pillosu" userId="a6295d4dc9e22643" providerId="LiveId" clId="{DFFBE890-388F-43D2-9209-8DB75D39595B}" dt="2021-06-23T00:10:59.937" v="1107" actId="1038"/>
+          <ac:spMkLst>
+            <pc:docMk/>
+            <pc:sldMk cId="1556184242" sldId="256"/>
+            <ac:spMk id="226" creationId="{CB197CF7-4955-45CF-9019-70D53B9FC988}"/>
+          </ac:spMkLst>
+        </pc:spChg>
+        <pc:spChg chg="mod">
+          <ac:chgData name="Fatima Pillosu" userId="a6295d4dc9e22643" providerId="LiveId" clId="{DFFBE890-388F-43D2-9209-8DB75D39595B}" dt="2021-06-23T00:10:59.937" v="1107" actId="1038"/>
+          <ac:spMkLst>
+            <pc:docMk/>
+            <pc:sldMk cId="1556184242" sldId="256"/>
+            <ac:spMk id="227" creationId="{050057D0-B8B8-4116-BDE1-8CA34649822F}"/>
+          </ac:spMkLst>
+        </pc:spChg>
+        <pc:spChg chg="mod">
+          <ac:chgData name="Fatima Pillosu" userId="a6295d4dc9e22643" providerId="LiveId" clId="{DFFBE890-388F-43D2-9209-8DB75D39595B}" dt="2021-06-23T00:10:59.937" v="1107" actId="1038"/>
+          <ac:spMkLst>
+            <pc:docMk/>
+            <pc:sldMk cId="1556184242" sldId="256"/>
+            <ac:spMk id="228" creationId="{25C5130F-38CE-4431-8A3A-BDF87CE6B82F}"/>
+          </ac:spMkLst>
+        </pc:spChg>
+        <pc:spChg chg="mod">
+          <ac:chgData name="Fatima Pillosu" userId="a6295d4dc9e22643" providerId="LiveId" clId="{DFFBE890-388F-43D2-9209-8DB75D39595B}" dt="2021-06-23T00:10:59.937" v="1107" actId="1038"/>
+          <ac:spMkLst>
+            <pc:docMk/>
+            <pc:sldMk cId="1556184242" sldId="256"/>
+            <ac:spMk id="229" creationId="{F286DB6C-2CBD-4909-A6AC-2506725260BF}"/>
+          </ac:spMkLst>
+        </pc:spChg>
+        <pc:spChg chg="mod">
+          <ac:chgData name="Fatima Pillosu" userId="a6295d4dc9e22643" providerId="LiveId" clId="{DFFBE890-388F-43D2-9209-8DB75D39595B}" dt="2021-06-23T00:10:59.937" v="1107" actId="1038"/>
+          <ac:spMkLst>
+            <pc:docMk/>
+            <pc:sldMk cId="1556184242" sldId="256"/>
+            <ac:spMk id="230" creationId="{EB8F3020-A188-4D92-B8FE-7CC1CA913072}"/>
+          </ac:spMkLst>
+        </pc:spChg>
+        <pc:spChg chg="mod">
+          <ac:chgData name="Fatima Pillosu" userId="a6295d4dc9e22643" providerId="LiveId" clId="{DFFBE890-388F-43D2-9209-8DB75D39595B}" dt="2021-06-23T00:10:59.937" v="1107" actId="1038"/>
+          <ac:spMkLst>
+            <pc:docMk/>
+            <pc:sldMk cId="1556184242" sldId="256"/>
+            <ac:spMk id="231" creationId="{06DB3C5D-F701-47D1-98BA-7E2FB071F9B7}"/>
+          </ac:spMkLst>
+        </pc:spChg>
+        <pc:spChg chg="mod">
+          <ac:chgData name="Fatima Pillosu" userId="a6295d4dc9e22643" providerId="LiveId" clId="{DFFBE890-388F-43D2-9209-8DB75D39595B}" dt="2021-06-23T00:10:59.937" v="1107" actId="1038"/>
+          <ac:spMkLst>
+            <pc:docMk/>
+            <pc:sldMk cId="1556184242" sldId="256"/>
+            <ac:spMk id="232" creationId="{61AA4D6C-42A5-4239-880D-0DCF3151D88F}"/>
+          </ac:spMkLst>
+        </pc:spChg>
+        <pc:spChg chg="mod">
+          <ac:chgData name="Fatima Pillosu" userId="a6295d4dc9e22643" providerId="LiveId" clId="{DFFBE890-388F-43D2-9209-8DB75D39595B}" dt="2021-06-23T00:10:59.937" v="1107" actId="1038"/>
+          <ac:spMkLst>
+            <pc:docMk/>
+            <pc:sldMk cId="1556184242" sldId="256"/>
+            <ac:spMk id="233" creationId="{99542470-505E-47E1-8924-96CB8034CD40}"/>
+          </ac:spMkLst>
+        </pc:spChg>
+        <pc:spChg chg="mod">
+          <ac:chgData name="Fatima Pillosu" userId="a6295d4dc9e22643" providerId="LiveId" clId="{DFFBE890-388F-43D2-9209-8DB75D39595B}" dt="2021-06-23T00:10:59.937" v="1107" actId="1038"/>
+          <ac:spMkLst>
+            <pc:docMk/>
+            <pc:sldMk cId="1556184242" sldId="256"/>
+            <ac:spMk id="234" creationId="{21D98995-F750-4DC6-B0A7-13E43B88D02D}"/>
+          </ac:spMkLst>
+        </pc:spChg>
+        <pc:spChg chg="mod">
+          <ac:chgData name="Fatima Pillosu" userId="a6295d4dc9e22643" providerId="LiveId" clId="{DFFBE890-388F-43D2-9209-8DB75D39595B}" dt="2021-06-23T00:10:59.937" v="1107" actId="1038"/>
+          <ac:spMkLst>
+            <pc:docMk/>
+            <pc:sldMk cId="1556184242" sldId="256"/>
+            <ac:spMk id="235" creationId="{A670A4CA-FC69-41F0-9E0F-69CEEE9C8A90}"/>
+          </ac:spMkLst>
+        </pc:spChg>
+        <pc:spChg chg="mod">
+          <ac:chgData name="Fatima Pillosu" userId="a6295d4dc9e22643" providerId="LiveId" clId="{DFFBE890-388F-43D2-9209-8DB75D39595B}" dt="2021-06-23T00:10:59.937" v="1107" actId="1038"/>
+          <ac:spMkLst>
+            <pc:docMk/>
+            <pc:sldMk cId="1556184242" sldId="256"/>
+            <ac:spMk id="236" creationId="{BE2DC675-4DB8-4A36-827B-0CBE2B9CC4A5}"/>
+          </ac:spMkLst>
+        </pc:spChg>
+        <pc:spChg chg="mod">
+          <ac:chgData name="Fatima Pillosu" userId="a6295d4dc9e22643" providerId="LiveId" clId="{DFFBE890-388F-43D2-9209-8DB75D39595B}" dt="2021-06-23T00:10:59.937" v="1107" actId="1038"/>
+          <ac:spMkLst>
+            <pc:docMk/>
+            <pc:sldMk cId="1556184242" sldId="256"/>
+            <ac:spMk id="237" creationId="{4EA56E3A-4CEF-4817-9BC6-A53788E04B7B}"/>
+          </ac:spMkLst>
+        </pc:spChg>
+        <pc:spChg chg="mod">
+          <ac:chgData name="Fatima Pillosu" userId="a6295d4dc9e22643" providerId="LiveId" clId="{DFFBE890-388F-43D2-9209-8DB75D39595B}" dt="2021-06-23T00:10:59.937" v="1107" actId="1038"/>
+          <ac:spMkLst>
+            <pc:docMk/>
+            <pc:sldMk cId="1556184242" sldId="256"/>
+            <ac:spMk id="238" creationId="{84DDAE0D-7745-4210-8A56-913328C80665}"/>
+          </ac:spMkLst>
+        </pc:spChg>
+        <pc:spChg chg="mod">
+          <ac:chgData name="Fatima Pillosu" userId="a6295d4dc9e22643" providerId="LiveId" clId="{DFFBE890-388F-43D2-9209-8DB75D39595B}" dt="2021-06-23T00:10:59.937" v="1107" actId="1038"/>
+          <ac:spMkLst>
+            <pc:docMk/>
+            <pc:sldMk cId="1556184242" sldId="256"/>
+            <ac:spMk id="239" creationId="{9E314E3E-F938-4F62-8F8D-8685911B8485}"/>
+          </ac:spMkLst>
+        </pc:spChg>
+        <pc:spChg chg="mod">
+          <ac:chgData name="Fatima Pillosu" userId="a6295d4dc9e22643" providerId="LiveId" clId="{DFFBE890-388F-43D2-9209-8DB75D39595B}" dt="2021-06-23T00:10:59.937" v="1107" actId="1038"/>
+          <ac:spMkLst>
+            <pc:docMk/>
+            <pc:sldMk cId="1556184242" sldId="256"/>
+            <ac:spMk id="240" creationId="{C5B78C84-362C-49A9-BEC2-E6858FA4DD4A}"/>
+          </ac:spMkLst>
+        </pc:spChg>
+        <pc:spChg chg="mod">
+          <ac:chgData name="Fatima Pillosu" userId="a6295d4dc9e22643" providerId="LiveId" clId="{DFFBE890-388F-43D2-9209-8DB75D39595B}" dt="2021-06-23T00:10:59.937" v="1107" actId="1038"/>
+          <ac:spMkLst>
+            <pc:docMk/>
+            <pc:sldMk cId="1556184242" sldId="256"/>
+            <ac:spMk id="241" creationId="{77A899D2-A8C6-4AA1-8443-1D6BBD3B217B}"/>
+          </ac:spMkLst>
+        </pc:spChg>
+        <pc:spChg chg="mod">
+          <ac:chgData name="Fatima Pillosu" userId="a6295d4dc9e22643" providerId="LiveId" clId="{DFFBE890-388F-43D2-9209-8DB75D39595B}" dt="2021-06-23T00:10:59.937" v="1107" actId="1038"/>
+          <ac:spMkLst>
+            <pc:docMk/>
+            <pc:sldMk cId="1556184242" sldId="256"/>
+            <ac:spMk id="242" creationId="{6BAA3F49-C527-4C89-8BBF-6D9B4C3A61A5}"/>
+          </ac:spMkLst>
+        </pc:spChg>
+        <pc:spChg chg="mod">
+          <ac:chgData name="Fatima Pillosu" userId="a6295d4dc9e22643" providerId="LiveId" clId="{DFFBE890-388F-43D2-9209-8DB75D39595B}" dt="2021-06-23T00:10:59.937" v="1107" actId="1038"/>
+          <ac:spMkLst>
+            <pc:docMk/>
+            <pc:sldMk cId="1556184242" sldId="256"/>
+            <ac:spMk id="243" creationId="{F5BEE61E-2686-4E9D-9927-FEC7E0F84C9F}"/>
+          </ac:spMkLst>
+        </pc:spChg>
+        <pc:spChg chg="mod">
+          <ac:chgData name="Fatima Pillosu" userId="a6295d4dc9e22643" providerId="LiveId" clId="{DFFBE890-388F-43D2-9209-8DB75D39595B}" dt="2021-06-23T00:10:59.937" v="1107" actId="1038"/>
+          <ac:spMkLst>
+            <pc:docMk/>
+            <pc:sldMk cId="1556184242" sldId="256"/>
+            <ac:spMk id="244" creationId="{103424AD-349B-40A9-81B4-AC4232900ADC}"/>
+          </ac:spMkLst>
+        </pc:spChg>
+        <pc:spChg chg="mod">
+          <ac:chgData name="Fatima Pillosu" userId="a6295d4dc9e22643" providerId="LiveId" clId="{DFFBE890-388F-43D2-9209-8DB75D39595B}" dt="2021-06-23T00:10:59.937" v="1107" actId="1038"/>
+          <ac:spMkLst>
+            <pc:docMk/>
+            <pc:sldMk cId="1556184242" sldId="256"/>
+            <ac:spMk id="245" creationId="{AA56B502-54FD-43D1-80AF-2CAFC6E3C0D2}"/>
+          </ac:spMkLst>
+        </pc:spChg>
+        <pc:spChg chg="mod">
+          <ac:chgData name="Fatima Pillosu" userId="a6295d4dc9e22643" providerId="LiveId" clId="{DFFBE890-388F-43D2-9209-8DB75D39595B}" dt="2021-06-23T00:10:59.937" v="1107" actId="1038"/>
+          <ac:spMkLst>
+            <pc:docMk/>
+            <pc:sldMk cId="1556184242" sldId="256"/>
+            <ac:spMk id="246" creationId="{CA48551F-F210-4F01-8C0D-E37C8767E4D9}"/>
+          </ac:spMkLst>
+        </pc:spChg>
+        <pc:spChg chg="mod">
+          <ac:chgData name="Fatima Pillosu" userId="a6295d4dc9e22643" providerId="LiveId" clId="{DFFBE890-388F-43D2-9209-8DB75D39595B}" dt="2021-06-23T00:10:59.937" v="1107" actId="1038"/>
+          <ac:spMkLst>
+            <pc:docMk/>
+            <pc:sldMk cId="1556184242" sldId="256"/>
+            <ac:spMk id="247" creationId="{F5E98D01-A9DD-4E9A-92AB-B91531639B52}"/>
+          </ac:spMkLst>
+        </pc:spChg>
+        <pc:spChg chg="mod">
+          <ac:chgData name="Fatima Pillosu" userId="a6295d4dc9e22643" providerId="LiveId" clId="{DFFBE890-388F-43D2-9209-8DB75D39595B}" dt="2021-06-23T00:10:59.937" v="1107" actId="1038"/>
+          <ac:spMkLst>
+            <pc:docMk/>
+            <pc:sldMk cId="1556184242" sldId="256"/>
+            <ac:spMk id="248" creationId="{61FA8DEC-3E54-4368-B663-D386120E3452}"/>
+          </ac:spMkLst>
+        </pc:spChg>
+        <pc:spChg chg="mod">
+          <ac:chgData name="Fatima Pillosu" userId="a6295d4dc9e22643" providerId="LiveId" clId="{DFFBE890-388F-43D2-9209-8DB75D39595B}" dt="2021-06-23T00:10:59.937" v="1107" actId="1038"/>
+          <ac:spMkLst>
+            <pc:docMk/>
+            <pc:sldMk cId="1556184242" sldId="256"/>
+            <ac:spMk id="249" creationId="{9B93D06B-2BAA-4ABD-BF61-589443FB1AE6}"/>
+          </ac:spMkLst>
+        </pc:spChg>
+        <pc:spChg chg="mod">
+          <ac:chgData name="Fatima Pillosu" userId="a6295d4dc9e22643" providerId="LiveId" clId="{DFFBE890-388F-43D2-9209-8DB75D39595B}" dt="2021-06-23T00:10:59.937" v="1107" actId="1038"/>
+          <ac:spMkLst>
+            <pc:docMk/>
+            <pc:sldMk cId="1556184242" sldId="256"/>
+            <ac:spMk id="250" creationId="{5FDEEE2B-B476-4832-862B-5362AE14B313}"/>
+          </ac:spMkLst>
+        </pc:spChg>
+        <pc:spChg chg="mod">
+          <ac:chgData name="Fatima Pillosu" userId="a6295d4dc9e22643" providerId="LiveId" clId="{DFFBE890-388F-43D2-9209-8DB75D39595B}" dt="2021-06-23T00:10:59.937" v="1107" actId="1038"/>
+          <ac:spMkLst>
+            <pc:docMk/>
+            <pc:sldMk cId="1556184242" sldId="256"/>
+            <ac:spMk id="251" creationId="{1ADDD34F-F966-48F6-9019-6468A9711B13}"/>
+          </ac:spMkLst>
+        </pc:spChg>
+        <pc:spChg chg="add del mod">
+          <ac:chgData name="Fatima Pillosu" userId="a6295d4dc9e22643" providerId="LiveId" clId="{DFFBE890-388F-43D2-9209-8DB75D39595B}" dt="2021-06-22T23:40:02.242" v="580" actId="478"/>
+          <ac:spMkLst>
+            <pc:docMk/>
+            <pc:sldMk cId="1556184242" sldId="256"/>
+            <ac:spMk id="252" creationId="{6D366B41-2CA8-4ABB-A1EE-AE8354464490}"/>
+          </ac:spMkLst>
+        </pc:spChg>
+        <pc:spChg chg="add mod">
+          <ac:chgData name="Fatima Pillosu" userId="a6295d4dc9e22643" providerId="LiveId" clId="{DFFBE890-388F-43D2-9209-8DB75D39595B}" dt="2021-06-23T00:10:59.937" v="1107" actId="1038"/>
+          <ac:spMkLst>
+            <pc:docMk/>
+            <pc:sldMk cId="1556184242" sldId="256"/>
+            <ac:spMk id="253" creationId="{0452DBE0-354E-4DCA-B6A2-181BE842E208}"/>
+          </ac:spMkLst>
+        </pc:spChg>
+        <pc:spChg chg="add mod">
+          <ac:chgData name="Fatima Pillosu" userId="a6295d4dc9e22643" providerId="LiveId" clId="{DFFBE890-388F-43D2-9209-8DB75D39595B}" dt="2021-06-23T00:10:59.937" v="1107" actId="1038"/>
+          <ac:spMkLst>
+            <pc:docMk/>
+            <pc:sldMk cId="1556184242" sldId="256"/>
+            <ac:spMk id="254" creationId="{00B24486-EBDD-493C-8179-F01E55231959}"/>
+          </ac:spMkLst>
+        </pc:spChg>
+        <pc:spChg chg="add mod">
+          <ac:chgData name="Fatima Pillosu" userId="a6295d4dc9e22643" providerId="LiveId" clId="{DFFBE890-388F-43D2-9209-8DB75D39595B}" dt="2021-06-23T00:10:59.937" v="1107" actId="1038"/>
+          <ac:spMkLst>
+            <pc:docMk/>
+            <pc:sldMk cId="1556184242" sldId="256"/>
+            <ac:spMk id="255" creationId="{2F62FCAE-676B-42DC-B29C-FD7F2BE9229B}"/>
+          </ac:spMkLst>
+        </pc:spChg>
+        <pc:spChg chg="add mod">
+          <ac:chgData name="Fatima Pillosu" userId="a6295d4dc9e22643" providerId="LiveId" clId="{DFFBE890-388F-43D2-9209-8DB75D39595B}" dt="2021-06-23T00:10:59.937" v="1107" actId="1038"/>
+          <ac:spMkLst>
+            <pc:docMk/>
+            <pc:sldMk cId="1556184242" sldId="256"/>
+            <ac:spMk id="256" creationId="{DD90AEFB-195B-413D-B5B7-3D4D0628329C}"/>
+          </ac:spMkLst>
+        </pc:spChg>
+        <pc:spChg chg="add mod">
+          <ac:chgData name="Fatima Pillosu" userId="a6295d4dc9e22643" providerId="LiveId" clId="{DFFBE890-388F-43D2-9209-8DB75D39595B}" dt="2021-06-23T00:10:59.937" v="1107" actId="1038"/>
+          <ac:spMkLst>
+            <pc:docMk/>
+            <pc:sldMk cId="1556184242" sldId="256"/>
+            <ac:spMk id="257" creationId="{5CC1116A-131B-4FB0-B132-E24D18D89D61}"/>
+          </ac:spMkLst>
+        </pc:spChg>
+        <pc:spChg chg="add mod">
+          <ac:chgData name="Fatima Pillosu" userId="a6295d4dc9e22643" providerId="LiveId" clId="{DFFBE890-388F-43D2-9209-8DB75D39595B}" dt="2021-06-23T00:10:59.937" v="1107" actId="1038"/>
+          <ac:spMkLst>
+            <pc:docMk/>
+            <pc:sldMk cId="1556184242" sldId="256"/>
+            <ac:spMk id="258" creationId="{C0505D04-58DA-472B-886C-0ED8B43FCD7F}"/>
+          </ac:spMkLst>
+        </pc:spChg>
+        <pc:spChg chg="mod">
+          <ac:chgData name="Fatima Pillosu" userId="a6295d4dc9e22643" providerId="LiveId" clId="{DFFBE890-388F-43D2-9209-8DB75D39595B}" dt="2021-06-23T00:11:56.683" v="1132" actId="1036"/>
+          <ac:spMkLst>
+            <pc:docMk/>
+            <pc:sldMk cId="1556184242" sldId="256"/>
+            <ac:spMk id="259" creationId="{5F884A07-88C9-4679-8FE8-293E05D40495}"/>
+          </ac:spMkLst>
+        </pc:spChg>
+        <pc:spChg chg="add mod">
+          <ac:chgData name="Fatima Pillosu" userId="a6295d4dc9e22643" providerId="LiveId" clId="{DFFBE890-388F-43D2-9209-8DB75D39595B}" dt="2021-06-23T00:10:59.937" v="1107" actId="1038"/>
+          <ac:spMkLst>
+            <pc:docMk/>
+            <pc:sldMk cId="1556184242" sldId="256"/>
+            <ac:spMk id="260" creationId="{4ECB0350-EB89-456B-978B-8F20719B891F}"/>
+          </ac:spMkLst>
+        </pc:spChg>
+        <pc:spChg chg="add mod">
+          <ac:chgData name="Fatima Pillosu" userId="a6295d4dc9e22643" providerId="LiveId" clId="{DFFBE890-388F-43D2-9209-8DB75D39595B}" dt="2021-06-23T00:10:59.937" v="1107" actId="1038"/>
+          <ac:spMkLst>
+            <pc:docMk/>
+            <pc:sldMk cId="1556184242" sldId="256"/>
+            <ac:spMk id="261" creationId="{DDDE9C9D-5739-456E-8F56-0DF4D234B52F}"/>
+          </ac:spMkLst>
+        </pc:spChg>
+        <pc:spChg chg="mod">
+          <ac:chgData name="Fatima Pillosu" userId="a6295d4dc9e22643" providerId="LiveId" clId="{DFFBE890-388F-43D2-9209-8DB75D39595B}" dt="2021-06-23T00:16:50.296" v="1231" actId="1036"/>
+          <ac:spMkLst>
+            <pc:docMk/>
+            <pc:sldMk cId="1556184242" sldId="256"/>
+            <ac:spMk id="262" creationId="{89BFC9FB-2D8F-4861-9D84-EF9B8D54618D}"/>
+          </ac:spMkLst>
+        </pc:spChg>
+        <pc:spChg chg="mod">
+          <ac:chgData name="Fatima Pillosu" userId="a6295d4dc9e22643" providerId="LiveId" clId="{DFFBE890-388F-43D2-9209-8DB75D39595B}" dt="2021-06-23T00:18:01.733" v="1274" actId="1036"/>
+          <ac:spMkLst>
+            <pc:docMk/>
+            <pc:sldMk cId="1556184242" sldId="256"/>
+            <ac:spMk id="263" creationId="{B959478B-2650-492C-8B85-A17DD49751BC}"/>
+          </ac:spMkLst>
+        </pc:spChg>
+        <pc:spChg chg="add mod">
+          <ac:chgData name="Fatima Pillosu" userId="a6295d4dc9e22643" providerId="LiveId" clId="{DFFBE890-388F-43D2-9209-8DB75D39595B}" dt="2021-06-23T00:10:59.937" v="1107" actId="1038"/>
+          <ac:spMkLst>
+            <pc:docMk/>
+            <pc:sldMk cId="1556184242" sldId="256"/>
+            <ac:spMk id="264" creationId="{6ABAAF0F-CF08-492A-86D4-760FAE2CA824}"/>
+          </ac:spMkLst>
+        </pc:spChg>
+        <pc:spChg chg="add mod">
+          <ac:chgData name="Fatima Pillosu" userId="a6295d4dc9e22643" providerId="LiveId" clId="{DFFBE890-388F-43D2-9209-8DB75D39595B}" dt="2021-06-23T00:10:59.937" v="1107" actId="1038"/>
+          <ac:spMkLst>
+            <pc:docMk/>
+            <pc:sldMk cId="1556184242" sldId="256"/>
+            <ac:spMk id="265" creationId="{89F31147-29A2-4929-B82D-AF9421491784}"/>
+          </ac:spMkLst>
+        </pc:spChg>
+        <pc:spChg chg="mod">
+          <ac:chgData name="Fatima Pillosu" userId="a6295d4dc9e22643" providerId="LiveId" clId="{DFFBE890-388F-43D2-9209-8DB75D39595B}" dt="2021-06-23T00:18:01.733" v="1274" actId="1036"/>
+          <ac:spMkLst>
+            <pc:docMk/>
+            <pc:sldMk cId="1556184242" sldId="256"/>
+            <ac:spMk id="266" creationId="{FF672A38-BF4F-43FC-8D02-6300A8F3CBE8}"/>
+          </ac:spMkLst>
+        </pc:spChg>
+        <pc:spChg chg="mod">
+          <ac:chgData name="Fatima Pillosu" userId="a6295d4dc9e22643" providerId="LiveId" clId="{DFFBE890-388F-43D2-9209-8DB75D39595B}" dt="2021-06-23T00:18:01.733" v="1274" actId="1036"/>
+          <ac:spMkLst>
+            <pc:docMk/>
+            <pc:sldMk cId="1556184242" sldId="256"/>
+            <ac:spMk id="267" creationId="{3872E514-38D1-49D5-895D-AFD47FAA5E84}"/>
+          </ac:spMkLst>
+        </pc:spChg>
+        <pc:spChg chg="mod">
+          <ac:chgData name="Fatima Pillosu" userId="a6295d4dc9e22643" providerId="LiveId" clId="{DFFBE890-388F-43D2-9209-8DB75D39595B}" dt="2021-06-23T00:18:01.733" v="1274" actId="1036"/>
+          <ac:spMkLst>
+            <pc:docMk/>
+            <pc:sldMk cId="1556184242" sldId="256"/>
+            <ac:spMk id="268" creationId="{66E4A282-E49C-4985-A534-9A5B04E13121}"/>
+          </ac:spMkLst>
+        </pc:spChg>
+        <pc:spChg chg="mod">
+          <ac:chgData name="Fatima Pillosu" userId="a6295d4dc9e22643" providerId="LiveId" clId="{DFFBE890-388F-43D2-9209-8DB75D39595B}" dt="2021-06-23T00:18:01.733" v="1274" actId="1036"/>
+          <ac:spMkLst>
+            <pc:docMk/>
+            <pc:sldMk cId="1556184242" sldId="256"/>
+            <ac:spMk id="269" creationId="{D2F10AE4-7C82-405C-AB6C-8A14F792F433}"/>
+          </ac:spMkLst>
+        </pc:spChg>
+        <pc:spChg chg="mod">
+          <ac:chgData name="Fatima Pillosu" userId="a6295d4dc9e22643" providerId="LiveId" clId="{DFFBE890-388F-43D2-9209-8DB75D39595B}" dt="2021-06-23T00:18:01.733" v="1274" actId="1036"/>
+          <ac:spMkLst>
+            <pc:docMk/>
+            <pc:sldMk cId="1556184242" sldId="256"/>
+            <ac:spMk id="270" creationId="{FCD07E0A-9B1E-49DC-8992-EAEC6975EE80}"/>
+          </ac:spMkLst>
+        </pc:spChg>
+        <pc:spChg chg="mod">
+          <ac:chgData name="Fatima Pillosu" userId="a6295d4dc9e22643" providerId="LiveId" clId="{DFFBE890-388F-43D2-9209-8DB75D39595B}" dt="2021-06-23T00:18:01.733" v="1274" actId="1036"/>
+          <ac:spMkLst>
+            <pc:docMk/>
+            <pc:sldMk cId="1556184242" sldId="256"/>
+            <ac:spMk id="271" creationId="{2AAF7BCE-E247-4FC7-B5F3-A5D1022132BB}"/>
+          </ac:spMkLst>
+        </pc:spChg>
+        <pc:spChg chg="mod">
+          <ac:chgData name="Fatima Pillosu" userId="a6295d4dc9e22643" providerId="LiveId" clId="{DFFBE890-388F-43D2-9209-8DB75D39595B}" dt="2021-06-23T00:18:01.733" v="1274" actId="1036"/>
+          <ac:spMkLst>
+            <pc:docMk/>
+            <pc:sldMk cId="1556184242" sldId="256"/>
+            <ac:spMk id="273" creationId="{2CDD8125-CB16-4209-A9F3-337E794CC8B5}"/>
+          </ac:spMkLst>
+        </pc:spChg>
+        <pc:spChg chg="mod">
+          <ac:chgData name="Fatima Pillosu" userId="a6295d4dc9e22643" providerId="LiveId" clId="{DFFBE890-388F-43D2-9209-8DB75D39595B}" dt="2021-06-23T00:18:01.733" v="1274" actId="1036"/>
+          <ac:spMkLst>
+            <pc:docMk/>
+            <pc:sldMk cId="1556184242" sldId="256"/>
+            <ac:spMk id="275" creationId="{ED16D92B-9B32-47CA-9F78-414131893EDF}"/>
+          </ac:spMkLst>
+        </pc:spChg>
+        <pc:spChg chg="mod">
+          <ac:chgData name="Fatima Pillosu" userId="a6295d4dc9e22643" providerId="LiveId" clId="{DFFBE890-388F-43D2-9209-8DB75D39595B}" dt="2021-06-23T00:18:01.733" v="1274" actId="1036"/>
+          <ac:spMkLst>
+            <pc:docMk/>
+            <pc:sldMk cId="1556184242" sldId="256"/>
+            <ac:spMk id="276" creationId="{C66FBE67-4682-4344-AD9E-F488417144B7}"/>
+          </ac:spMkLst>
+        </pc:spChg>
+        <pc:spChg chg="mod">
+          <ac:chgData name="Fatima Pillosu" userId="a6295d4dc9e22643" providerId="LiveId" clId="{DFFBE890-388F-43D2-9209-8DB75D39595B}" dt="2021-06-23T00:18:01.733" v="1274" actId="1036"/>
+          <ac:spMkLst>
+            <pc:docMk/>
+            <pc:sldMk cId="1556184242" sldId="256"/>
+            <ac:spMk id="278" creationId="{0E90E2D8-1618-48A2-B5A0-741EC25EC4CE}"/>
+          </ac:spMkLst>
+        </pc:spChg>
+        <pc:spChg chg="mod">
+          <ac:chgData name="Fatima Pillosu" userId="a6295d4dc9e22643" providerId="LiveId" clId="{DFFBE890-388F-43D2-9209-8DB75D39595B}" dt="2021-06-23T00:18:01.733" v="1274" actId="1036"/>
+          <ac:spMkLst>
+            <pc:docMk/>
+            <pc:sldMk cId="1556184242" sldId="256"/>
+            <ac:spMk id="281" creationId="{0E880B15-1847-41EE-99C7-8E5B03F20828}"/>
+          </ac:spMkLst>
+        </pc:spChg>
+        <pc:spChg chg="mod">
+          <ac:chgData name="Fatima Pillosu" userId="a6295d4dc9e22643" providerId="LiveId" clId="{DFFBE890-388F-43D2-9209-8DB75D39595B}" dt="2021-06-23T00:18:01.733" v="1274" actId="1036"/>
+          <ac:spMkLst>
+            <pc:docMk/>
+            <pc:sldMk cId="1556184242" sldId="256"/>
+            <ac:spMk id="282" creationId="{FC938833-27FB-45D4-A6BE-B7035EE1DACD}"/>
+          </ac:spMkLst>
+        </pc:spChg>
+        <pc:spChg chg="mod">
+          <ac:chgData name="Fatima Pillosu" userId="a6295d4dc9e22643" providerId="LiveId" clId="{DFFBE890-388F-43D2-9209-8DB75D39595B}" dt="2021-06-23T00:18:01.733" v="1274" actId="1036"/>
+          <ac:spMkLst>
+            <pc:docMk/>
+            <pc:sldMk cId="1556184242" sldId="256"/>
+            <ac:spMk id="283" creationId="{0B6251A1-8339-431B-9243-12EC78CE9FEC}"/>
+          </ac:spMkLst>
+        </pc:spChg>
+        <pc:spChg chg="mod">
+          <ac:chgData name="Fatima Pillosu" userId="a6295d4dc9e22643" providerId="LiveId" clId="{DFFBE890-388F-43D2-9209-8DB75D39595B}" dt="2021-06-22T23:53:53.244" v="876" actId="255"/>
+          <ac:spMkLst>
+            <pc:docMk/>
+            <pc:sldMk cId="1556184242" sldId="256"/>
+            <ac:spMk id="284" creationId="{97E804E9-BFB0-4196-83EE-C5AA578BE4BD}"/>
+          </ac:spMkLst>
+        </pc:spChg>
+        <pc:spChg chg="mod">
+          <ac:chgData name="Fatima Pillosu" userId="a6295d4dc9e22643" providerId="LiveId" clId="{DFFBE890-388F-43D2-9209-8DB75D39595B}" dt="2021-06-23T00:18:01.733" v="1274" actId="1036"/>
+          <ac:spMkLst>
+            <pc:docMk/>
+            <pc:sldMk cId="1556184242" sldId="256"/>
+            <ac:spMk id="286" creationId="{9209AB5A-523A-41D0-9398-2AED3E617554}"/>
+          </ac:spMkLst>
+        </pc:spChg>
+        <pc:spChg chg="mod">
+          <ac:chgData name="Fatima Pillosu" userId="a6295d4dc9e22643" providerId="LiveId" clId="{DFFBE890-388F-43D2-9209-8DB75D39595B}" dt="2021-06-23T00:18:01.733" v="1274" actId="1036"/>
+          <ac:spMkLst>
+            <pc:docMk/>
+            <pc:sldMk cId="1556184242" sldId="256"/>
+            <ac:spMk id="287" creationId="{EDC4D2F2-4847-4BE3-955C-02FF868CBD9C}"/>
+          </ac:spMkLst>
+        </pc:spChg>
+        <pc:spChg chg="mod">
+          <ac:chgData name="Fatima Pillosu" userId="a6295d4dc9e22643" providerId="LiveId" clId="{DFFBE890-388F-43D2-9209-8DB75D39595B}" dt="2021-06-23T00:18:01.733" v="1274" actId="1036"/>
+          <ac:spMkLst>
+            <pc:docMk/>
+            <pc:sldMk cId="1556184242" sldId="256"/>
+            <ac:spMk id="288" creationId="{68255B09-CC66-48FF-A83E-F0FCFECD2966}"/>
+          </ac:spMkLst>
+        </pc:spChg>
+        <pc:spChg chg="mod">
+          <ac:chgData name="Fatima Pillosu" userId="a6295d4dc9e22643" providerId="LiveId" clId="{DFFBE890-388F-43D2-9209-8DB75D39595B}" dt="2021-06-23T00:18:01.733" v="1274" actId="1036"/>
+          <ac:spMkLst>
+            <pc:docMk/>
+            <pc:sldMk cId="1556184242" sldId="256"/>
+            <ac:spMk id="289" creationId="{A5DA8696-DF9A-4FFB-AAC3-86F5DA379793}"/>
+          </ac:spMkLst>
+        </pc:spChg>
+        <pc:spChg chg="mod">
+          <ac:chgData name="Fatima Pillosu" userId="a6295d4dc9e22643" providerId="LiveId" clId="{DFFBE890-388F-43D2-9209-8DB75D39595B}" dt="2021-06-23T00:19:07.183" v="1302" actId="1035"/>
+          <ac:spMkLst>
+            <pc:docMk/>
+            <pc:sldMk cId="1556184242" sldId="256"/>
+            <ac:spMk id="290" creationId="{02D7A26A-76EF-448A-A696-2F8B12E2F44D}"/>
+          </ac:spMkLst>
+        </pc:spChg>
+        <pc:spChg chg="mod">
+          <ac:chgData name="Fatima Pillosu" userId="a6295d4dc9e22643" providerId="LiveId" clId="{DFFBE890-388F-43D2-9209-8DB75D39595B}" dt="2021-06-23T00:19:07.183" v="1302" actId="1035"/>
+          <ac:spMkLst>
+            <pc:docMk/>
+            <pc:sldMk cId="1556184242" sldId="256"/>
+            <ac:spMk id="291" creationId="{1A6707D4-F7C0-4986-BBD0-B164607D38F6}"/>
+          </ac:spMkLst>
+        </pc:spChg>
+        <pc:spChg chg="mod">
+          <ac:chgData name="Fatima Pillosu" userId="a6295d4dc9e22643" providerId="LiveId" clId="{DFFBE890-388F-43D2-9209-8DB75D39595B}" dt="2021-06-23T00:18:11.417" v="1278" actId="1036"/>
+          <ac:spMkLst>
+            <pc:docMk/>
+            <pc:sldMk cId="1556184242" sldId="256"/>
+            <ac:spMk id="293" creationId="{9025EDCE-2C09-43A6-AB8F-68C7ACA6C243}"/>
+          </ac:spMkLst>
+        </pc:spChg>
+        <pc:spChg chg="mod">
+          <ac:chgData name="Fatima Pillosu" userId="a6295d4dc9e22643" providerId="LiveId" clId="{DFFBE890-388F-43D2-9209-8DB75D39595B}" dt="2021-06-23T00:19:07.183" v="1302" actId="1035"/>
+          <ac:spMkLst>
+            <pc:docMk/>
+            <pc:sldMk cId="1556184242" sldId="256"/>
+            <ac:spMk id="294" creationId="{9A69DAB2-F11E-4489-A1B4-12944180E88F}"/>
+          </ac:spMkLst>
+        </pc:spChg>
+        <pc:spChg chg="mod">
+          <ac:chgData name="Fatima Pillosu" userId="a6295d4dc9e22643" providerId="LiveId" clId="{DFFBE890-388F-43D2-9209-8DB75D39595B}" dt="2021-06-23T00:18:11.417" v="1278" actId="1036"/>
+          <ac:spMkLst>
+            <pc:docMk/>
+            <pc:sldMk cId="1556184242" sldId="256"/>
+            <ac:spMk id="296" creationId="{9553478D-550C-4161-9A74-F83E81E2DB4C}"/>
+          </ac:spMkLst>
+        </pc:spChg>
+        <pc:spChg chg="mod">
+          <ac:chgData name="Fatima Pillosu" userId="a6295d4dc9e22643" providerId="LiveId" clId="{DFFBE890-388F-43D2-9209-8DB75D39595B}" dt="2021-06-23T00:18:11.417" v="1278" actId="1036"/>
+          <ac:spMkLst>
+            <pc:docMk/>
+            <pc:sldMk cId="1556184242" sldId="256"/>
+            <ac:spMk id="297" creationId="{07CDB1FA-2654-4D69-8F9B-600501236360}"/>
+          </ac:spMkLst>
+        </pc:spChg>
+        <pc:spChg chg="mod">
+          <ac:chgData name="Fatima Pillosu" userId="a6295d4dc9e22643" providerId="LiveId" clId="{DFFBE890-388F-43D2-9209-8DB75D39595B}" dt="2021-06-23T00:18:11.417" v="1278" actId="1036"/>
+          <ac:spMkLst>
+            <pc:docMk/>
+            <pc:sldMk cId="1556184242" sldId="256"/>
+            <ac:spMk id="298" creationId="{4035A280-B58D-44BC-A9A7-A2FC855CBF29}"/>
+          </ac:spMkLst>
+        </pc:spChg>
+        <pc:spChg chg="mod">
+          <ac:chgData name="Fatima Pillosu" userId="a6295d4dc9e22643" providerId="LiveId" clId="{DFFBE890-388F-43D2-9209-8DB75D39595B}" dt="2021-06-23T00:19:07.183" v="1302" actId="1035"/>
+          <ac:spMkLst>
+            <pc:docMk/>
+            <pc:sldMk cId="1556184242" sldId="256"/>
+            <ac:spMk id="301" creationId="{2AB7CF5C-D4CF-4725-AAA1-BE3C4C3CDB80}"/>
+          </ac:spMkLst>
+        </pc:spChg>
+        <pc:spChg chg="mod">
+          <ac:chgData name="Fatima Pillosu" userId="a6295d4dc9e22643" providerId="LiveId" clId="{DFFBE890-388F-43D2-9209-8DB75D39595B}" dt="2021-06-22T23:53:47.868" v="875" actId="255"/>
+          <ac:spMkLst>
+            <pc:docMk/>
+            <pc:sldMk cId="1556184242" sldId="256"/>
+            <ac:spMk id="302" creationId="{24CF1CE7-D2CA-494C-9CD1-00C9D0078B0F}"/>
+          </ac:spMkLst>
+        </pc:spChg>
+        <pc:spChg chg="mod">
+          <ac:chgData name="Fatima Pillosu" userId="a6295d4dc9e22643" providerId="LiveId" clId="{DFFBE890-388F-43D2-9209-8DB75D39595B}" dt="2021-06-23T00:17:34.594" v="1255" actId="1038"/>
+          <ac:spMkLst>
+            <pc:docMk/>
+            <pc:sldMk cId="1556184242" sldId="256"/>
+            <ac:spMk id="303" creationId="{1396037A-0807-4F1A-9709-543D5B95A5E7}"/>
+          </ac:spMkLst>
+        </pc:spChg>
+        <pc:spChg chg="mod">
+          <ac:chgData name="Fatima Pillosu" userId="a6295d4dc9e22643" providerId="LiveId" clId="{DFFBE890-388F-43D2-9209-8DB75D39595B}" dt="2021-06-23T00:17:34.594" v="1255" actId="1038"/>
+          <ac:spMkLst>
+            <pc:docMk/>
+            <pc:sldMk cId="1556184242" sldId="256"/>
+            <ac:spMk id="304" creationId="{446659C8-A243-42F5-90AD-074188821DE2}"/>
+          </ac:spMkLst>
+        </pc:spChg>
+        <pc:spChg chg="mod">
+          <ac:chgData name="Fatima Pillosu" userId="a6295d4dc9e22643" providerId="LiveId" clId="{DFFBE890-388F-43D2-9209-8DB75D39595B}" dt="2021-06-23T00:18:11.417" v="1278" actId="1036"/>
+          <ac:spMkLst>
+            <pc:docMk/>
+            <pc:sldMk cId="1556184242" sldId="256"/>
+            <ac:spMk id="305" creationId="{FEFBA637-DC77-4D29-8001-169921D2608A}"/>
+          </ac:spMkLst>
+        </pc:spChg>
+        <pc:spChg chg="mod">
+          <ac:chgData name="Fatima Pillosu" userId="a6295d4dc9e22643" providerId="LiveId" clId="{DFFBE890-388F-43D2-9209-8DB75D39595B}" dt="2021-06-23T00:19:07.183" v="1302" actId="1035"/>
+          <ac:spMkLst>
+            <pc:docMk/>
+            <pc:sldMk cId="1556184242" sldId="256"/>
+            <ac:spMk id="306" creationId="{C86443E4-FA0B-411E-8834-90E73695E089}"/>
+          </ac:spMkLst>
+        </pc:spChg>
+        <pc:spChg chg="mod">
+          <ac:chgData name="Fatima Pillosu" userId="a6295d4dc9e22643" providerId="LiveId" clId="{DFFBE890-388F-43D2-9209-8DB75D39595B}" dt="2021-06-23T00:18:11.417" v="1278" actId="1036"/>
+          <ac:spMkLst>
+            <pc:docMk/>
+            <pc:sldMk cId="1556184242" sldId="256"/>
+            <ac:spMk id="307" creationId="{696037C6-32EB-4893-BA9C-62345C583B10}"/>
+          </ac:spMkLst>
+        </pc:spChg>
+        <pc:spChg chg="mod">
+          <ac:chgData name="Fatima Pillosu" userId="a6295d4dc9e22643" providerId="LiveId" clId="{DFFBE890-388F-43D2-9209-8DB75D39595B}" dt="2021-06-23T00:18:11.417" v="1278" actId="1036"/>
+          <ac:spMkLst>
+            <pc:docMk/>
+            <pc:sldMk cId="1556184242" sldId="256"/>
+            <ac:spMk id="308" creationId="{2EFF81FD-8E63-46A4-8012-419CBFB07853}"/>
+          </ac:spMkLst>
+        </pc:spChg>
+        <pc:spChg chg="mod">
+          <ac:chgData name="Fatima Pillosu" userId="a6295d4dc9e22643" providerId="LiveId" clId="{DFFBE890-388F-43D2-9209-8DB75D39595B}" dt="2021-06-23T00:18:11.417" v="1278" actId="1036"/>
+          <ac:spMkLst>
+            <pc:docMk/>
+            <pc:sldMk cId="1556184242" sldId="256"/>
+            <ac:spMk id="309" creationId="{EFBB774B-E87C-47AE-8CB0-87F5BC390064}"/>
+          </ac:spMkLst>
+        </pc:spChg>
+        <pc:spChg chg="mod">
+          <ac:chgData name="Fatima Pillosu" userId="a6295d4dc9e22643" providerId="LiveId" clId="{DFFBE890-388F-43D2-9209-8DB75D39595B}" dt="2021-06-23T00:18:11.417" v="1278" actId="1036"/>
+          <ac:spMkLst>
+            <pc:docMk/>
+            <pc:sldMk cId="1556184242" sldId="256"/>
+            <ac:spMk id="310" creationId="{0FE93762-62A8-44ED-8A8D-5DB99B135A1E}"/>
+          </ac:spMkLst>
+        </pc:spChg>
+        <pc:spChg chg="mod">
+          <ac:chgData name="Fatima Pillosu" userId="a6295d4dc9e22643" providerId="LiveId" clId="{DFFBE890-388F-43D2-9209-8DB75D39595B}" dt="2021-06-23T00:18:11.417" v="1278" actId="1036"/>
+          <ac:spMkLst>
+            <pc:docMk/>
+            <pc:sldMk cId="1556184242" sldId="256"/>
+            <ac:spMk id="311" creationId="{FE208EA7-26DB-4B57-9A13-8EA0EB64FEF2}"/>
+          </ac:spMkLst>
+        </pc:spChg>
+        <pc:spChg chg="mod">
+          <ac:chgData name="Fatima Pillosu" userId="a6295d4dc9e22643" providerId="LiveId" clId="{DFFBE890-388F-43D2-9209-8DB75D39595B}" dt="2021-06-23T00:18:11.417" v="1278" actId="1036"/>
+          <ac:spMkLst>
+            <pc:docMk/>
+            <pc:sldMk cId="1556184242" sldId="256"/>
+            <ac:spMk id="314" creationId="{C061B958-69BF-4BB0-8545-6C2D6FBE6DF1}"/>
+          </ac:spMkLst>
+        </pc:spChg>
+        <pc:spChg chg="mod">
+          <ac:chgData name="Fatima Pillosu" userId="a6295d4dc9e22643" providerId="LiveId" clId="{DFFBE890-388F-43D2-9209-8DB75D39595B}" dt="2021-06-23T00:19:07.183" v="1302" actId="1035"/>
+          <ac:spMkLst>
+            <pc:docMk/>
+            <pc:sldMk cId="1556184242" sldId="256"/>
+            <ac:spMk id="315" creationId="{744C2593-8EFA-4FDF-8C4C-5B3BA7CDE4BC}"/>
+          </ac:spMkLst>
+        </pc:spChg>
+        <pc:spChg chg="mod">
+          <ac:chgData name="Fatima Pillosu" userId="a6295d4dc9e22643" providerId="LiveId" clId="{DFFBE890-388F-43D2-9209-8DB75D39595B}" dt="2021-06-23T00:19:07.183" v="1302" actId="1035"/>
+          <ac:spMkLst>
+            <pc:docMk/>
+            <pc:sldMk cId="1556184242" sldId="256"/>
+            <ac:spMk id="316" creationId="{CD6B9B13-37B1-4C44-B92F-E6E95D608A3D}"/>
+          </ac:spMkLst>
+        </pc:spChg>
+        <pc:spChg chg="mod">
+          <ac:chgData name="Fatima Pillosu" userId="a6295d4dc9e22643" providerId="LiveId" clId="{DFFBE890-388F-43D2-9209-8DB75D39595B}" dt="2021-06-23T00:19:07.183" v="1302" actId="1035"/>
+          <ac:spMkLst>
+            <pc:docMk/>
+            <pc:sldMk cId="1556184242" sldId="256"/>
+            <ac:spMk id="317" creationId="{FAC94204-7A45-4693-BB2B-A598B4BED9FB}"/>
+          </ac:spMkLst>
+        </pc:spChg>
+        <pc:spChg chg="mod">
+          <ac:chgData name="Fatima Pillosu" userId="a6295d4dc9e22643" providerId="LiveId" clId="{DFFBE890-388F-43D2-9209-8DB75D39595B}" dt="2021-06-23T00:19:07.183" v="1302" actId="1035"/>
+          <ac:spMkLst>
+            <pc:docMk/>
+            <pc:sldMk cId="1556184242" sldId="256"/>
+            <ac:spMk id="318" creationId="{F70E1138-17DB-486B-BE02-616A0F56CE87}"/>
+          </ac:spMkLst>
+        </pc:spChg>
+        <pc:spChg chg="mod">
+          <ac:chgData name="Fatima Pillosu" userId="a6295d4dc9e22643" providerId="LiveId" clId="{DFFBE890-388F-43D2-9209-8DB75D39595B}" dt="2021-06-23T00:19:07.183" v="1302" actId="1035"/>
+          <ac:spMkLst>
+            <pc:docMk/>
+            <pc:sldMk cId="1556184242" sldId="256"/>
+            <ac:spMk id="319" creationId="{7091631A-1604-4077-8F45-DFB19661D523}"/>
+          </ac:spMkLst>
+        </pc:spChg>
+        <pc:spChg chg="mod">
+          <ac:chgData name="Fatima Pillosu" userId="a6295d4dc9e22643" providerId="LiveId" clId="{DFFBE890-388F-43D2-9209-8DB75D39595B}" dt="2021-06-23T00:22:09.827" v="1343" actId="1076"/>
+          <ac:spMkLst>
+            <pc:docMk/>
+            <pc:sldMk cId="1556184242" sldId="256"/>
+            <ac:spMk id="322" creationId="{8AF5F0C4-D844-499E-9D1C-AD7659019AD2}"/>
+          </ac:spMkLst>
+        </pc:spChg>
+        <pc:spChg chg="mod">
+          <ac:chgData name="Fatima Pillosu" userId="a6295d4dc9e22643" providerId="LiveId" clId="{DFFBE890-388F-43D2-9209-8DB75D39595B}" dt="2021-06-23T00:22:09.827" v="1343" actId="1076"/>
+          <ac:spMkLst>
+            <pc:docMk/>
+            <pc:sldMk cId="1556184242" sldId="256"/>
+            <ac:spMk id="323" creationId="{C4B59B97-CA6B-4D1E-BD13-29F2A5EE129B}"/>
+          </ac:spMkLst>
+        </pc:spChg>
+        <pc:spChg chg="mod">
+          <ac:chgData name="Fatima Pillosu" userId="a6295d4dc9e22643" providerId="LiveId" clId="{DFFBE890-388F-43D2-9209-8DB75D39595B}" dt="2021-06-23T00:22:09.827" v="1343" actId="1076"/>
+          <ac:spMkLst>
+            <pc:docMk/>
+            <pc:sldMk cId="1556184242" sldId="256"/>
+            <ac:spMk id="324" creationId="{2884F03D-2887-4C1D-9065-40DD3FC75CB4}"/>
+          </ac:spMkLst>
+        </pc:spChg>
+        <pc:spChg chg="mod">
+          <ac:chgData name="Fatima Pillosu" userId="a6295d4dc9e22643" providerId="LiveId" clId="{DFFBE890-388F-43D2-9209-8DB75D39595B}" dt="2021-06-23T00:22:09.827" v="1343" actId="1076"/>
+          <ac:spMkLst>
+            <pc:docMk/>
+            <pc:sldMk cId="1556184242" sldId="256"/>
+            <ac:spMk id="325" creationId="{5FB0BB6C-8DE9-4A79-9235-294E72E77BC8}"/>
+          </ac:spMkLst>
+        </pc:spChg>
+        <pc:spChg chg="mod">
+          <ac:chgData name="Fatima Pillosu" userId="a6295d4dc9e22643" providerId="LiveId" clId="{DFFBE890-388F-43D2-9209-8DB75D39595B}" dt="2021-06-23T00:22:09.827" v="1343" actId="1076"/>
+          <ac:spMkLst>
+            <pc:docMk/>
+            <pc:sldMk cId="1556184242" sldId="256"/>
+            <ac:spMk id="326" creationId="{C98CBA0E-8BD8-4B8B-BD33-E2932D692186}"/>
+          </ac:spMkLst>
+        </pc:spChg>
+        <pc:spChg chg="mod">
+          <ac:chgData name="Fatima Pillosu" userId="a6295d4dc9e22643" providerId="LiveId" clId="{DFFBE890-388F-43D2-9209-8DB75D39595B}" dt="2021-06-23T00:22:09.827" v="1343" actId="1076"/>
+          <ac:spMkLst>
+            <pc:docMk/>
+            <pc:sldMk cId="1556184242" sldId="256"/>
+            <ac:spMk id="327" creationId="{9C012D6A-4CB3-41E5-B1BB-37144FFEA178}"/>
+          </ac:spMkLst>
+        </pc:spChg>
+        <pc:spChg chg="mod">
+          <ac:chgData name="Fatima Pillosu" userId="a6295d4dc9e22643" providerId="LiveId" clId="{DFFBE890-388F-43D2-9209-8DB75D39595B}" dt="2021-06-23T00:22:09.827" v="1343" actId="1076"/>
+          <ac:spMkLst>
+            <pc:docMk/>
+            <pc:sldMk cId="1556184242" sldId="256"/>
+            <ac:spMk id="328" creationId="{1DD34801-DCF7-426E-A862-8F9372B07107}"/>
+          </ac:spMkLst>
+        </pc:spChg>
+        <pc:spChg chg="mod">
+          <ac:chgData name="Fatima Pillosu" userId="a6295d4dc9e22643" providerId="LiveId" clId="{DFFBE890-388F-43D2-9209-8DB75D39595B}" dt="2021-06-23T00:22:09.827" v="1343" actId="1076"/>
+          <ac:spMkLst>
+            <pc:docMk/>
+            <pc:sldMk cId="1556184242" sldId="256"/>
+            <ac:spMk id="329" creationId="{B8B9CDC7-8A7A-4CD1-A15C-0DD551E5F9CD}"/>
+          </ac:spMkLst>
+        </pc:spChg>
+        <pc:spChg chg="mod">
+          <ac:chgData name="Fatima Pillosu" userId="a6295d4dc9e22643" providerId="LiveId" clId="{DFFBE890-388F-43D2-9209-8DB75D39595B}" dt="2021-06-23T00:22:09.827" v="1343" actId="1076"/>
+          <ac:spMkLst>
+            <pc:docMk/>
+            <pc:sldMk cId="1556184242" sldId="256"/>
+            <ac:spMk id="330" creationId="{F605D4ED-D7A0-4702-862B-1D035197B597}"/>
+          </ac:spMkLst>
+        </pc:spChg>
+        <pc:spChg chg="mod">
+          <ac:chgData name="Fatima Pillosu" userId="a6295d4dc9e22643" providerId="LiveId" clId="{DFFBE890-388F-43D2-9209-8DB75D39595B}" dt="2021-06-23T00:22:09.827" v="1343" actId="1076"/>
+          <ac:spMkLst>
+            <pc:docMk/>
+            <pc:sldMk cId="1556184242" sldId="256"/>
+            <ac:spMk id="331" creationId="{2E94CEB9-1095-40C7-8F83-B417C35413C1}"/>
+          </ac:spMkLst>
+        </pc:spChg>
+        <pc:spChg chg="mod">
+          <ac:chgData name="Fatima Pillosu" userId="a6295d4dc9e22643" providerId="LiveId" clId="{DFFBE890-388F-43D2-9209-8DB75D39595B}" dt="2021-06-23T00:22:09.827" v="1343" actId="1076"/>
+          <ac:spMkLst>
+            <pc:docMk/>
+            <pc:sldMk cId="1556184242" sldId="256"/>
+            <ac:spMk id="332" creationId="{C3214072-0184-4D36-9F78-0A550AC1B681}"/>
+          </ac:spMkLst>
+        </pc:spChg>
+        <pc:spChg chg="mod">
+          <ac:chgData name="Fatima Pillosu" userId="a6295d4dc9e22643" providerId="LiveId" clId="{DFFBE890-388F-43D2-9209-8DB75D39595B}" dt="2021-06-23T00:22:09.827" v="1343" actId="1076"/>
+          <ac:spMkLst>
+            <pc:docMk/>
+            <pc:sldMk cId="1556184242" sldId="256"/>
+            <ac:spMk id="333" creationId="{F1DF7913-CA46-4F4E-B5EB-4F36E7E4A029}"/>
+          </ac:spMkLst>
+        </pc:spChg>
+        <pc:spChg chg="mod">
+          <ac:chgData name="Fatima Pillosu" userId="a6295d4dc9e22643" providerId="LiveId" clId="{DFFBE890-388F-43D2-9209-8DB75D39595B}" dt="2021-06-23T00:22:09.827" v="1343" actId="1076"/>
+          <ac:spMkLst>
+            <pc:docMk/>
+            <pc:sldMk cId="1556184242" sldId="256"/>
+            <ac:spMk id="334" creationId="{BB281AAD-8452-45DB-B57F-EE6050AA20E9}"/>
+          </ac:spMkLst>
+        </pc:spChg>
+        <pc:spChg chg="mod">
+          <ac:chgData name="Fatima Pillosu" userId="a6295d4dc9e22643" providerId="LiveId" clId="{DFFBE890-388F-43D2-9209-8DB75D39595B}" dt="2021-06-23T00:22:09.827" v="1343" actId="1076"/>
+          <ac:spMkLst>
+            <pc:docMk/>
+            <pc:sldMk cId="1556184242" sldId="256"/>
+            <ac:spMk id="335" creationId="{2621067A-5584-498F-A613-2F1CF7C56F2F}"/>
+          </ac:spMkLst>
+        </pc:spChg>
+        <pc:spChg chg="mod">
+          <ac:chgData name="Fatima Pillosu" userId="a6295d4dc9e22643" providerId="LiveId" clId="{DFFBE890-388F-43D2-9209-8DB75D39595B}" dt="2021-06-23T00:22:09.827" v="1343" actId="1076"/>
+          <ac:spMkLst>
+            <pc:docMk/>
+            <pc:sldMk cId="1556184242" sldId="256"/>
+            <ac:spMk id="336" creationId="{37EA9084-4E78-4B14-BC04-D9F65BF5BB78}"/>
+          </ac:spMkLst>
+        </pc:spChg>
+        <pc:spChg chg="mod">
+          <ac:chgData name="Fatima Pillosu" userId="a6295d4dc9e22643" providerId="LiveId" clId="{DFFBE890-388F-43D2-9209-8DB75D39595B}" dt="2021-06-23T00:22:09.827" v="1343" actId="1076"/>
+          <ac:spMkLst>
+            <pc:docMk/>
+            <pc:sldMk cId="1556184242" sldId="256"/>
+            <ac:spMk id="337" creationId="{479B935E-BD96-4D50-B75A-A9A90842AFCB}"/>
+          </ac:spMkLst>
+        </pc:spChg>
+        <pc:spChg chg="mod">
+          <ac:chgData name="Fatima Pillosu" userId="a6295d4dc9e22643" providerId="LiveId" clId="{DFFBE890-388F-43D2-9209-8DB75D39595B}" dt="2021-06-23T00:22:09.827" v="1343" actId="1076"/>
+          <ac:spMkLst>
+            <pc:docMk/>
+            <pc:sldMk cId="1556184242" sldId="256"/>
+            <ac:spMk id="338" creationId="{59C56579-115E-4057-9FCA-777B59454FDE}"/>
+          </ac:spMkLst>
+        </pc:spChg>
+        <pc:spChg chg="mod">
+          <ac:chgData name="Fatima Pillosu" userId="a6295d4dc9e22643" providerId="LiveId" clId="{DFFBE890-388F-43D2-9209-8DB75D39595B}" dt="2021-06-23T00:22:09.827" v="1343" actId="1076"/>
+          <ac:spMkLst>
+            <pc:docMk/>
+            <pc:sldMk cId="1556184242" sldId="256"/>
+            <ac:spMk id="339" creationId="{14CA17F9-12FB-47E1-B37E-300BB74B11DC}"/>
+          </ac:spMkLst>
+        </pc:spChg>
+        <pc:spChg chg="del mod">
+          <ac:chgData name="Fatima Pillosu" userId="a6295d4dc9e22643" providerId="LiveId" clId="{DFFBE890-388F-43D2-9209-8DB75D39595B}" dt="2021-06-22T23:57:10.049" v="918" actId="478"/>
+          <ac:spMkLst>
+            <pc:docMk/>
+            <pc:sldMk cId="1556184242" sldId="256"/>
+            <ac:spMk id="341" creationId="{E60FDF31-53AE-49A2-94C4-09A2FD9C76BB}"/>
+          </ac:spMkLst>
+        </pc:spChg>
+        <pc:spChg chg="mod">
+          <ac:chgData name="Fatima Pillosu" userId="a6295d4dc9e22643" providerId="LiveId" clId="{DFFBE890-388F-43D2-9209-8DB75D39595B}" dt="2021-06-23T00:24:21.521" v="1349" actId="1582"/>
+          <ac:spMkLst>
+            <pc:docMk/>
+            <pc:sldMk cId="1556184242" sldId="256"/>
+            <ac:spMk id="342" creationId="{39FA4E1C-3C01-4D40-9422-DDBF3DDBA76F}"/>
+          </ac:spMkLst>
+        </pc:spChg>
+        <pc:spChg chg="mod">
+          <ac:chgData name="Fatima Pillosu" userId="a6295d4dc9e22643" providerId="LiveId" clId="{DFFBE890-388F-43D2-9209-8DB75D39595B}" dt="2021-06-23T00:24:21.521" v="1349" actId="1582"/>
+          <ac:spMkLst>
+            <pc:docMk/>
+            <pc:sldMk cId="1556184242" sldId="256"/>
+            <ac:spMk id="343" creationId="{E12DFDF1-E165-41F1-A21F-5DF3AF52CEFC}"/>
+          </ac:spMkLst>
+        </pc:spChg>
+        <pc:spChg chg="mod">
+          <ac:chgData name="Fatima Pillosu" userId="a6295d4dc9e22643" providerId="LiveId" clId="{DFFBE890-388F-43D2-9209-8DB75D39595B}" dt="2021-06-23T00:22:09.827" v="1343" actId="1076"/>
+          <ac:spMkLst>
+            <pc:docMk/>
+            <pc:sldMk cId="1556184242" sldId="256"/>
+            <ac:spMk id="346" creationId="{4E4FF54F-FC61-421F-AE38-58650793759E}"/>
+          </ac:spMkLst>
+        </pc:spChg>
+        <pc:spChg chg="mod">
+          <ac:chgData name="Fatima Pillosu" userId="a6295d4dc9e22643" providerId="LiveId" clId="{DFFBE890-388F-43D2-9209-8DB75D39595B}" dt="2021-06-23T00:22:09.827" v="1343" actId="1076"/>
+          <ac:spMkLst>
+            <pc:docMk/>
+            <pc:sldMk cId="1556184242" sldId="256"/>
+            <ac:spMk id="347" creationId="{0DEFE465-7380-438A-9E9D-296588E29D0C}"/>
+          </ac:spMkLst>
+        </pc:spChg>
+        <pc:spChg chg="mod">
+          <ac:chgData name="Fatima Pillosu" userId="a6295d4dc9e22643" providerId="LiveId" clId="{DFFBE890-388F-43D2-9209-8DB75D39595B}" dt="2021-06-23T00:22:09.827" v="1343" actId="1076"/>
+          <ac:spMkLst>
+            <pc:docMk/>
+            <pc:sldMk cId="1556184242" sldId="256"/>
+            <ac:spMk id="348" creationId="{A0980011-8CCC-4186-8496-9F33F1EB875A}"/>
+          </ac:spMkLst>
+        </pc:spChg>
+        <pc:spChg chg="mod">
+          <ac:chgData name="Fatima Pillosu" userId="a6295d4dc9e22643" providerId="LiveId" clId="{DFFBE890-388F-43D2-9209-8DB75D39595B}" dt="2021-06-23T00:22:09.827" v="1343" actId="1076"/>
+          <ac:spMkLst>
+            <pc:docMk/>
+            <pc:sldMk cId="1556184242" sldId="256"/>
+            <ac:spMk id="349" creationId="{852402DC-CCFE-47DF-9102-41C126A88720}"/>
+          </ac:spMkLst>
+        </pc:spChg>
+        <pc:spChg chg="mod">
+          <ac:chgData name="Fatima Pillosu" userId="a6295d4dc9e22643" providerId="LiveId" clId="{DFFBE890-388F-43D2-9209-8DB75D39595B}" dt="2021-06-23T00:22:09.827" v="1343" actId="1076"/>
+          <ac:spMkLst>
+            <pc:docMk/>
+            <pc:sldMk cId="1556184242" sldId="256"/>
+            <ac:spMk id="350" creationId="{0B5CC16D-24DB-4239-AD0A-932827FBE8B0}"/>
+          </ac:spMkLst>
+        </pc:spChg>
+        <pc:spChg chg="mod">
+          <ac:chgData name="Fatima Pillosu" userId="a6295d4dc9e22643" providerId="LiveId" clId="{DFFBE890-388F-43D2-9209-8DB75D39595B}" dt="2021-06-23T00:22:09.827" v="1343" actId="1076"/>
+          <ac:spMkLst>
+            <pc:docMk/>
+            <pc:sldMk cId="1556184242" sldId="256"/>
+            <ac:spMk id="351" creationId="{4C760117-47A0-4167-A77E-6725DCBF6DBE}"/>
+          </ac:spMkLst>
+        </pc:spChg>
+        <pc:spChg chg="mod">
+          <ac:chgData name="Fatima Pillosu" userId="a6295d4dc9e22643" providerId="LiveId" clId="{DFFBE890-388F-43D2-9209-8DB75D39595B}" dt="2021-06-23T00:22:09.827" v="1343" actId="1076"/>
+          <ac:spMkLst>
+            <pc:docMk/>
+            <pc:sldMk cId="1556184242" sldId="256"/>
+            <ac:spMk id="352" creationId="{3F59F2EB-E8E4-49C4-B9E2-B6E2B42BC505}"/>
+          </ac:spMkLst>
+        </pc:spChg>
+        <pc:spChg chg="mod">
+          <ac:chgData name="Fatima Pillosu" userId="a6295d4dc9e22643" providerId="LiveId" clId="{DFFBE890-388F-43D2-9209-8DB75D39595B}" dt="2021-06-23T00:22:09.827" v="1343" actId="1076"/>
+          <ac:spMkLst>
+            <pc:docMk/>
+            <pc:sldMk cId="1556184242" sldId="256"/>
+            <ac:spMk id="353" creationId="{62ADD646-47D0-4386-A9BB-A714EB2C9D29}"/>
+          </ac:spMkLst>
+        </pc:spChg>
+        <pc:spChg chg="mod">
+          <ac:chgData name="Fatima Pillosu" userId="a6295d4dc9e22643" providerId="LiveId" clId="{DFFBE890-388F-43D2-9209-8DB75D39595B}" dt="2021-06-23T00:22:09.827" v="1343" actId="1076"/>
+          <ac:spMkLst>
+            <pc:docMk/>
+            <pc:sldMk cId="1556184242" sldId="256"/>
+            <ac:spMk id="354" creationId="{4DF93CEF-FAB7-4246-8CD2-96DF8D3E2415}"/>
+          </ac:spMkLst>
+        </pc:spChg>
+        <pc:spChg chg="mod">
+          <ac:chgData name="Fatima Pillosu" userId="a6295d4dc9e22643" providerId="LiveId" clId="{DFFBE890-388F-43D2-9209-8DB75D39595B}" dt="2021-06-23T00:22:09.827" v="1343" actId="1076"/>
+          <ac:spMkLst>
+            <pc:docMk/>
+            <pc:sldMk cId="1556184242" sldId="256"/>
+            <ac:spMk id="355" creationId="{96EB328F-C6E4-4BA4-B645-2814ABBCEEF4}"/>
+          </ac:spMkLst>
+        </pc:spChg>
+        <pc:spChg chg="mod">
+          <ac:chgData name="Fatima Pillosu" userId="a6295d4dc9e22643" providerId="LiveId" clId="{DFFBE890-388F-43D2-9209-8DB75D39595B}" dt="2021-06-23T00:22:09.827" v="1343" actId="1076"/>
+          <ac:spMkLst>
+            <pc:docMk/>
+            <pc:sldMk cId="1556184242" sldId="256"/>
+            <ac:spMk id="356" creationId="{B0CECE20-D5E0-4B2C-B2F1-494C7770283A}"/>
+          </ac:spMkLst>
+        </pc:spChg>
+        <pc:spChg chg="mod">
+          <ac:chgData name="Fatima Pillosu" userId="a6295d4dc9e22643" providerId="LiveId" clId="{DFFBE890-388F-43D2-9209-8DB75D39595B}" dt="2021-06-23T00:22:09.827" v="1343" actId="1076"/>
+          <ac:spMkLst>
+            <pc:docMk/>
+            <pc:sldMk cId="1556184242" sldId="256"/>
+            <ac:spMk id="357" creationId="{B0864CA8-9C14-4360-B89D-F5CBBBE949B9}"/>
+          </ac:spMkLst>
+        </pc:spChg>
+        <pc:spChg chg="mod">
+          <ac:chgData name="Fatima Pillosu" userId="a6295d4dc9e22643" providerId="LiveId" clId="{DFFBE890-388F-43D2-9209-8DB75D39595B}" dt="2021-06-23T00:22:09.827" v="1343" actId="1076"/>
+          <ac:spMkLst>
+            <pc:docMk/>
+            <pc:sldMk cId="1556184242" sldId="256"/>
+            <ac:spMk id="358" creationId="{288E758D-B687-4330-B04F-82E74EFB1B72}"/>
+          </ac:spMkLst>
+        </pc:spChg>
+        <pc:spChg chg="add mod">
+          <ac:chgData name="Fatima Pillosu" userId="a6295d4dc9e22643" providerId="LiveId" clId="{DFFBE890-388F-43D2-9209-8DB75D39595B}" dt="2021-06-23T00:10:59.937" v="1107" actId="1038"/>
+          <ac:spMkLst>
+            <pc:docMk/>
+            <pc:sldMk cId="1556184242" sldId="256"/>
+            <ac:spMk id="360" creationId="{2955E9BF-729A-4F86-A7DE-C69F4224B25B}"/>
+          </ac:spMkLst>
+        </pc:spChg>
+        <pc:spChg chg="add mod">
+          <ac:chgData name="Fatima Pillosu" userId="a6295d4dc9e22643" providerId="LiveId" clId="{DFFBE890-388F-43D2-9209-8DB75D39595B}" dt="2021-06-23T00:10:59.937" v="1107" actId="1038"/>
+          <ac:spMkLst>
+            <pc:docMk/>
+            <pc:sldMk cId="1556184242" sldId="256"/>
+            <ac:spMk id="361" creationId="{210EE00F-D960-4875-AB28-71759FF55F25}"/>
+          </ac:spMkLst>
+        </pc:spChg>
+        <pc:spChg chg="mod">
+          <ac:chgData name="Fatima Pillosu" userId="a6295d4dc9e22643" providerId="LiveId" clId="{DFFBE890-388F-43D2-9209-8DB75D39595B}" dt="2021-06-23T00:22:14.662" v="1344" actId="1076"/>
+          <ac:spMkLst>
+            <pc:docMk/>
+            <pc:sldMk cId="1556184242" sldId="256"/>
+            <ac:spMk id="362" creationId="{766B1E77-737E-4BDD-AAF4-5F099DB44D67}"/>
+          </ac:spMkLst>
+        </pc:spChg>
+        <pc:spChg chg="add mod">
+          <ac:chgData name="Fatima Pillosu" userId="a6295d4dc9e22643" providerId="LiveId" clId="{DFFBE890-388F-43D2-9209-8DB75D39595B}" dt="2021-06-23T00:10:59.937" v="1107" actId="1038"/>
+          <ac:spMkLst>
+            <pc:docMk/>
+            <pc:sldMk cId="1556184242" sldId="256"/>
+            <ac:spMk id="363" creationId="{4C08B833-0CF0-495B-8724-17B123421DAE}"/>
+          </ac:spMkLst>
+        </pc:spChg>
+        <pc:spChg chg="add del mod">
+          <ac:chgData name="Fatima Pillosu" userId="a6295d4dc9e22643" providerId="LiveId" clId="{DFFBE890-388F-43D2-9209-8DB75D39595B}" dt="2021-06-23T00:10:59.937" v="1107" actId="1038"/>
+          <ac:spMkLst>
+            <pc:docMk/>
+            <pc:sldMk cId="1556184242" sldId="256"/>
+            <ac:spMk id="364" creationId="{48E4A335-2E6F-4D2A-9EA3-21C0EE5C6672}"/>
+          </ac:spMkLst>
+        </pc:spChg>
+        <pc:spChg chg="mod">
+          <ac:chgData name="Fatima Pillosu" userId="a6295d4dc9e22643" providerId="LiveId" clId="{DFFBE890-388F-43D2-9209-8DB75D39595B}" dt="2021-06-23T00:19:07.183" v="1302" actId="1035"/>
+          <ac:spMkLst>
+            <pc:docMk/>
+            <pc:sldMk cId="1556184242" sldId="256"/>
+            <ac:spMk id="366" creationId="{0B47306E-F3A7-4234-B122-8455B182C68F}"/>
+          </ac:spMkLst>
+        </pc:spChg>
+        <pc:spChg chg="add mod">
+          <ac:chgData name="Fatima Pillosu" userId="a6295d4dc9e22643" providerId="LiveId" clId="{DFFBE890-388F-43D2-9209-8DB75D39595B}" dt="2021-06-23T00:10:59.937" v="1107" actId="1038"/>
+          <ac:spMkLst>
+            <pc:docMk/>
+            <pc:sldMk cId="1556184242" sldId="256"/>
+            <ac:spMk id="367" creationId="{45373C3D-7A27-4C8A-8121-EEDA9BDD4AA6}"/>
+          </ac:spMkLst>
+        </pc:spChg>
+        <pc:spChg chg="add mod">
+          <ac:chgData name="Fatima Pillosu" userId="a6295d4dc9e22643" providerId="LiveId" clId="{DFFBE890-388F-43D2-9209-8DB75D39595B}" dt="2021-06-23T00:10:59.937" v="1107" actId="1038"/>
+          <ac:spMkLst>
+            <pc:docMk/>
+            <pc:sldMk cId="1556184242" sldId="256"/>
+            <ac:spMk id="368" creationId="{36E1A55D-C428-4882-9F66-DF84EF97296F}"/>
+          </ac:spMkLst>
+        </pc:spChg>
+        <pc:spChg chg="mod">
+          <ac:chgData name="Fatima Pillosu" userId="a6295d4dc9e22643" providerId="LiveId" clId="{DFFBE890-388F-43D2-9209-8DB75D39595B}" dt="2021-06-23T00:18:11.417" v="1278" actId="1036"/>
+          <ac:spMkLst>
+            <pc:docMk/>
+            <pc:sldMk cId="1556184242" sldId="256"/>
+            <ac:spMk id="369" creationId="{765FFE95-8479-41FD-A469-7D7AB85F6F7D}"/>
+          </ac:spMkLst>
+        </pc:spChg>
+        <pc:spChg chg="add mod">
+          <ac:chgData name="Fatima Pillosu" userId="a6295d4dc9e22643" providerId="LiveId" clId="{DFFBE890-388F-43D2-9209-8DB75D39595B}" dt="2021-06-23T00:10:59.937" v="1107" actId="1038"/>
+          <ac:spMkLst>
+            <pc:docMk/>
+            <pc:sldMk cId="1556184242" sldId="256"/>
+            <ac:spMk id="370" creationId="{1E40E8E9-03FA-4352-85CD-BACB72A06AC5}"/>
+          </ac:spMkLst>
+        </pc:spChg>
+        <pc:spChg chg="mod">
+          <ac:chgData name="Fatima Pillosu" userId="a6295d4dc9e22643" providerId="LiveId" clId="{DFFBE890-388F-43D2-9209-8DB75D39595B}" dt="2021-06-23T00:10:59.937" v="1107" actId="1038"/>
+          <ac:spMkLst>
+            <pc:docMk/>
+            <pc:sldMk cId="1556184242" sldId="256"/>
+            <ac:spMk id="371" creationId="{BF8B2A08-D849-4969-AC6B-0A1D556B0248}"/>
+          </ac:spMkLst>
+        </pc:spChg>
+        <pc:spChg chg="add mod">
+          <ac:chgData name="Fatima Pillosu" userId="a6295d4dc9e22643" providerId="LiveId" clId="{DFFBE890-388F-43D2-9209-8DB75D39595B}" dt="2021-06-23T00:10:59.937" v="1107" actId="1038"/>
+          <ac:spMkLst>
+            <pc:docMk/>
+            <pc:sldMk cId="1556184242" sldId="256"/>
+            <ac:spMk id="372" creationId="{DBC20061-6FCC-4AE4-BDC0-785E01ACCFFE}"/>
+          </ac:spMkLst>
+        </pc:spChg>
+        <pc:spChg chg="add mod">
+          <ac:chgData name="Fatima Pillosu" userId="a6295d4dc9e22643" providerId="LiveId" clId="{DFFBE890-388F-43D2-9209-8DB75D39595B}" dt="2021-06-23T00:10:59.937" v="1107" actId="1038"/>
+          <ac:spMkLst>
+            <pc:docMk/>
+            <pc:sldMk cId="1556184242" sldId="256"/>
+            <ac:spMk id="373" creationId="{00F4CDF1-4F3D-4AC9-81B4-B4B6B676CBE0}"/>
+          </ac:spMkLst>
+        </pc:spChg>
+        <pc:spChg chg="add del mod">
+          <ac:chgData name="Fatima Pillosu" userId="a6295d4dc9e22643" providerId="LiveId" clId="{DFFBE890-388F-43D2-9209-8DB75D39595B}" dt="2021-06-22T23:43:41.536" v="643" actId="478"/>
+          <ac:spMkLst>
+            <pc:docMk/>
+            <pc:sldMk cId="1556184242" sldId="256"/>
+            <ac:spMk id="374" creationId="{2A47ADBB-68F8-41DF-900F-25005B70760B}"/>
+          </ac:spMkLst>
+        </pc:spChg>
+        <pc:spChg chg="mod">
+          <ac:chgData name="Fatima Pillosu" userId="a6295d4dc9e22643" providerId="LiveId" clId="{DFFBE890-388F-43D2-9209-8DB75D39595B}" dt="2021-06-23T00:11:56.683" v="1132" actId="1036"/>
+          <ac:spMkLst>
+            <pc:docMk/>
+            <pc:sldMk cId="1556184242" sldId="256"/>
+            <ac:spMk id="375" creationId="{1376BC37-3355-4421-8DF7-16F909F51AEA}"/>
+          </ac:spMkLst>
+        </pc:spChg>
+        <pc:spChg chg="add del mod">
+          <ac:chgData name="Fatima Pillosu" userId="a6295d4dc9e22643" providerId="LiveId" clId="{DFFBE890-388F-43D2-9209-8DB75D39595B}" dt="2021-06-22T23:43:41.536" v="643" actId="478"/>
+          <ac:spMkLst>
+            <pc:docMk/>
+            <pc:sldMk cId="1556184242" sldId="256"/>
+            <ac:spMk id="376" creationId="{DAEA7E41-4433-477E-87B7-67E868C06DDC}"/>
+          </ac:spMkLst>
+        </pc:spChg>
+        <pc:spChg chg="add del mod">
+          <ac:chgData name="Fatima Pillosu" userId="a6295d4dc9e22643" providerId="LiveId" clId="{DFFBE890-388F-43D2-9209-8DB75D39595B}" dt="2021-06-22T23:43:41.536" v="643" actId="478"/>
+          <ac:spMkLst>
+            <pc:docMk/>
+            <pc:sldMk cId="1556184242" sldId="256"/>
+            <ac:spMk id="377" creationId="{9D048BD9-7BC8-4DE6-9FD5-9D3949AFE593}"/>
+          </ac:spMkLst>
+        </pc:spChg>
+        <pc:spChg chg="add mod">
+          <ac:chgData name="Fatima Pillosu" userId="a6295d4dc9e22643" providerId="LiveId" clId="{DFFBE890-388F-43D2-9209-8DB75D39595B}" dt="2021-06-23T00:10:59.937" v="1107" actId="1038"/>
+          <ac:spMkLst>
+            <pc:docMk/>
+            <pc:sldMk cId="1556184242" sldId="256"/>
+            <ac:spMk id="378" creationId="{EA8741C5-A7DE-4D8E-AB13-15CA4F07D6C9}"/>
+          </ac:spMkLst>
+        </pc:spChg>
+        <pc:spChg chg="add mod">
+          <ac:chgData name="Fatima Pillosu" userId="a6295d4dc9e22643" providerId="LiveId" clId="{DFFBE890-388F-43D2-9209-8DB75D39595B}" dt="2021-06-23T00:10:59.937" v="1107" actId="1038"/>
+          <ac:spMkLst>
+            <pc:docMk/>
+            <pc:sldMk cId="1556184242" sldId="256"/>
+            <ac:spMk id="379" creationId="{6E94447B-DE0B-4AF6-B15D-3AD8DBE820AF}"/>
+          </ac:spMkLst>
+        </pc:spChg>
+        <pc:spChg chg="add mod">
+          <ac:chgData name="Fatima Pillosu" userId="a6295d4dc9e22643" providerId="LiveId" clId="{DFFBE890-388F-43D2-9209-8DB75D39595B}" dt="2021-06-23T00:10:59.937" v="1107" actId="1038"/>
+          <ac:spMkLst>
+            <pc:docMk/>
+            <pc:sldMk cId="1556184242" sldId="256"/>
+            <ac:spMk id="380" creationId="{E5F284DE-E8E1-48B5-BFF3-D9BE7B91BE0E}"/>
+          </ac:spMkLst>
+        </pc:spChg>
+        <pc:spChg chg="add mod">
+          <ac:chgData name="Fatima Pillosu" userId="a6295d4dc9e22643" providerId="LiveId" clId="{DFFBE890-388F-43D2-9209-8DB75D39595B}" dt="2021-06-23T00:10:59.937" v="1107" actId="1038"/>
+          <ac:spMkLst>
+            <pc:docMk/>
+            <pc:sldMk cId="1556184242" sldId="256"/>
+            <ac:spMk id="381" creationId="{7CEA58D0-A7CD-4D38-B273-F38DCD14E410}"/>
+          </ac:spMkLst>
+        </pc:spChg>
+        <pc:spChg chg="add mod">
+          <ac:chgData name="Fatima Pillosu" userId="a6295d4dc9e22643" providerId="LiveId" clId="{DFFBE890-388F-43D2-9209-8DB75D39595B}" dt="2021-06-23T00:10:59.937" v="1107" actId="1038"/>
+          <ac:spMkLst>
+            <pc:docMk/>
+            <pc:sldMk cId="1556184242" sldId="256"/>
+            <ac:spMk id="383" creationId="{5E4DBE2C-AF12-47AC-BA3F-9B56EA745456}"/>
+          </ac:spMkLst>
+        </pc:spChg>
+        <pc:spChg chg="add mod">
+          <ac:chgData name="Fatima Pillosu" userId="a6295d4dc9e22643" providerId="LiveId" clId="{DFFBE890-388F-43D2-9209-8DB75D39595B}" dt="2021-06-23T00:10:59.937" v="1107" actId="1038"/>
+          <ac:spMkLst>
+            <pc:docMk/>
+            <pc:sldMk cId="1556184242" sldId="256"/>
+            <ac:spMk id="384" creationId="{392224C3-3F6A-4508-B3F1-585CCF62E1F9}"/>
+          </ac:spMkLst>
+        </pc:spChg>
+        <pc:spChg chg="add mod">
+          <ac:chgData name="Fatima Pillosu" userId="a6295d4dc9e22643" providerId="LiveId" clId="{DFFBE890-388F-43D2-9209-8DB75D39595B}" dt="2021-06-23T00:10:59.937" v="1107" actId="1038"/>
+          <ac:spMkLst>
+            <pc:docMk/>
+            <pc:sldMk cId="1556184242" sldId="256"/>
+            <ac:spMk id="386" creationId="{EADDA20F-5536-4EA8-951C-4349B72D5A68}"/>
+          </ac:spMkLst>
+        </pc:spChg>
+        <pc:spChg chg="add mod">
+          <ac:chgData name="Fatima Pillosu" userId="a6295d4dc9e22643" providerId="LiveId" clId="{DFFBE890-388F-43D2-9209-8DB75D39595B}" dt="2021-06-23T00:10:59.937" v="1107" actId="1038"/>
+          <ac:spMkLst>
+            <pc:docMk/>
+            <pc:sldMk cId="1556184242" sldId="256"/>
+            <ac:spMk id="387" creationId="{7CD3582B-DB74-46CA-8DCF-F6F6ED315C7F}"/>
+          </ac:spMkLst>
+        </pc:spChg>
+        <pc:spChg chg="mod">
+          <ac:chgData name="Fatima Pillosu" userId="a6295d4dc9e22643" providerId="LiveId" clId="{DFFBE890-388F-43D2-9209-8DB75D39595B}" dt="2021-06-23T00:11:56.683" v="1132" actId="1036"/>
+          <ac:spMkLst>
+            <pc:docMk/>
+            <pc:sldMk cId="1556184242" sldId="256"/>
+            <ac:spMk id="389" creationId="{B70A8724-E6A0-4C2B-B61E-FED19C395249}"/>
+          </ac:spMkLst>
+        </pc:spChg>
+        <pc:spChg chg="add mod">
+          <ac:chgData name="Fatima Pillosu" userId="a6295d4dc9e22643" providerId="LiveId" clId="{DFFBE890-388F-43D2-9209-8DB75D39595B}" dt="2021-06-23T00:10:59.937" v="1107" actId="1038"/>
+          <ac:spMkLst>
+            <pc:docMk/>
+            <pc:sldMk cId="1556184242" sldId="256"/>
+            <ac:spMk id="394" creationId="{9C39ADBC-AF24-4995-B845-AFEC769680F2}"/>
+          </ac:spMkLst>
+        </pc:spChg>
+        <pc:spChg chg="add mod">
+          <ac:chgData name="Fatima Pillosu" userId="a6295d4dc9e22643" providerId="LiveId" clId="{DFFBE890-388F-43D2-9209-8DB75D39595B}" dt="2021-06-23T00:10:59.937" v="1107" actId="1038"/>
+          <ac:spMkLst>
+            <pc:docMk/>
+            <pc:sldMk cId="1556184242" sldId="256"/>
+            <ac:spMk id="395" creationId="{E6B5CD5D-943D-4A21-9D5B-2733CB7B2ADF}"/>
+          </ac:spMkLst>
+        </pc:spChg>
+        <pc:spChg chg="add mod">
+          <ac:chgData name="Fatima Pillosu" userId="a6295d4dc9e22643" providerId="LiveId" clId="{DFFBE890-388F-43D2-9209-8DB75D39595B}" dt="2021-06-23T00:10:59.937" v="1107" actId="1038"/>
+          <ac:spMkLst>
+            <pc:docMk/>
+            <pc:sldMk cId="1556184242" sldId="256"/>
+            <ac:spMk id="396" creationId="{C0A1EAE3-B743-4CA6-85BA-C8D9825813EA}"/>
+          </ac:spMkLst>
+        </pc:spChg>
+        <pc:spChg chg="add mod">
+          <ac:chgData name="Fatima Pillosu" userId="a6295d4dc9e22643" providerId="LiveId" clId="{DFFBE890-388F-43D2-9209-8DB75D39595B}" dt="2021-06-23T00:10:59.937" v="1107" actId="1038"/>
+          <ac:spMkLst>
+            <pc:docMk/>
+            <pc:sldMk cId="1556184242" sldId="256"/>
+            <ac:spMk id="397" creationId="{57D540A5-8759-4A73-ACC9-9653C28239CE}"/>
+          </ac:spMkLst>
+        </pc:spChg>
+        <pc:spChg chg="add mod">
+          <ac:chgData name="Fatima Pillosu" userId="a6295d4dc9e22643" providerId="LiveId" clId="{DFFBE890-388F-43D2-9209-8DB75D39595B}" dt="2021-06-23T00:10:59.937" v="1107" actId="1038"/>
+          <ac:spMkLst>
+            <pc:docMk/>
+            <pc:sldMk cId="1556184242" sldId="256"/>
+            <ac:spMk id="398" creationId="{79A4CFC4-E852-46EA-BC96-56C7C47097FB}"/>
+          </ac:spMkLst>
+        </pc:spChg>
+        <pc:spChg chg="add mod">
+          <ac:chgData name="Fatima Pillosu" userId="a6295d4dc9e22643" providerId="LiveId" clId="{DFFBE890-388F-43D2-9209-8DB75D39595B}" dt="2021-06-23T00:10:59.937" v="1107" actId="1038"/>
+          <ac:spMkLst>
+            <pc:docMk/>
+            <pc:sldMk cId="1556184242" sldId="256"/>
+            <ac:spMk id="399" creationId="{3C908037-005D-45D6-BD9D-DDE4480A02CA}"/>
+          </ac:spMkLst>
+        </pc:spChg>
+        <pc:spChg chg="add mod">
+          <ac:chgData name="Fatima Pillosu" userId="a6295d4dc9e22643" providerId="LiveId" clId="{DFFBE890-388F-43D2-9209-8DB75D39595B}" dt="2021-06-23T00:10:59.937" v="1107" actId="1038"/>
+          <ac:spMkLst>
+            <pc:docMk/>
+            <pc:sldMk cId="1556184242" sldId="256"/>
+            <ac:spMk id="400" creationId="{BF908C9C-E14D-400A-8E53-ACE3A2E201F0}"/>
+          </ac:spMkLst>
+        </pc:spChg>
+        <pc:spChg chg="add mod">
+          <ac:chgData name="Fatima Pillosu" userId="a6295d4dc9e22643" providerId="LiveId" clId="{DFFBE890-388F-43D2-9209-8DB75D39595B}" dt="2021-06-23T00:10:59.937" v="1107" actId="1038"/>
+          <ac:spMkLst>
+            <pc:docMk/>
+            <pc:sldMk cId="1556184242" sldId="256"/>
+            <ac:spMk id="401" creationId="{673254F6-8A92-4849-BFD8-60F34C00853E}"/>
+          </ac:spMkLst>
+        </pc:spChg>
+        <pc:spChg chg="add mod">
+          <ac:chgData name="Fatima Pillosu" userId="a6295d4dc9e22643" providerId="LiveId" clId="{DFFBE890-388F-43D2-9209-8DB75D39595B}" dt="2021-06-23T00:10:59.937" v="1107" actId="1038"/>
+          <ac:spMkLst>
+            <pc:docMk/>
+            <pc:sldMk cId="1556184242" sldId="256"/>
+            <ac:spMk id="402" creationId="{0F96E71D-A448-4F8C-B606-2C7EAB2D927E}"/>
+          </ac:spMkLst>
+        </pc:spChg>
+        <pc:spChg chg="add mod">
+          <ac:chgData name="Fatima Pillosu" userId="a6295d4dc9e22643" providerId="LiveId" clId="{DFFBE890-388F-43D2-9209-8DB75D39595B}" dt="2021-06-23T00:10:59.937" v="1107" actId="1038"/>
+          <ac:spMkLst>
+            <pc:docMk/>
+            <pc:sldMk cId="1556184242" sldId="256"/>
+            <ac:spMk id="404" creationId="{3E66794A-9C66-45FC-A882-C94153D7182F}"/>
+          </ac:spMkLst>
+        </pc:spChg>
+        <pc:spChg chg="add mod">
+          <ac:chgData name="Fatima Pillosu" userId="a6295d4dc9e22643" providerId="LiveId" clId="{DFFBE890-388F-43D2-9209-8DB75D39595B}" dt="2021-06-23T00:10:59.937" v="1107" actId="1038"/>
+          <ac:spMkLst>
+            <pc:docMk/>
+            <pc:sldMk cId="1556184242" sldId="256"/>
+            <ac:spMk id="405" creationId="{DAA12CBB-58B6-4074-8F45-4072562079FA}"/>
+          </ac:spMkLst>
+        </pc:spChg>
+        <pc:spChg chg="add mod">
+          <ac:chgData name="Fatima Pillosu" userId="a6295d4dc9e22643" providerId="LiveId" clId="{DFFBE890-388F-43D2-9209-8DB75D39595B}" dt="2021-06-23T00:10:59.937" v="1107" actId="1038"/>
+          <ac:spMkLst>
+            <pc:docMk/>
+            <pc:sldMk cId="1556184242" sldId="256"/>
+            <ac:spMk id="406" creationId="{545E4E6F-9854-4162-AAB7-F911F26618B0}"/>
+          </ac:spMkLst>
+        </pc:spChg>
+        <pc:spChg chg="add mod">
+          <ac:chgData name="Fatima Pillosu" userId="a6295d4dc9e22643" providerId="LiveId" clId="{DFFBE890-388F-43D2-9209-8DB75D39595B}" dt="2021-06-23T00:10:59.937" v="1107" actId="1038"/>
+          <ac:spMkLst>
+            <pc:docMk/>
+            <pc:sldMk cId="1556184242" sldId="256"/>
+            <ac:spMk id="408" creationId="{AD656F40-95B9-4CCE-B312-33A1CE6CF929}"/>
+          </ac:spMkLst>
+        </pc:spChg>
+        <pc:spChg chg="add mod">
+          <ac:chgData name="Fatima Pillosu" userId="a6295d4dc9e22643" providerId="LiveId" clId="{DFFBE890-388F-43D2-9209-8DB75D39595B}" dt="2021-06-23T00:10:59.937" v="1107" actId="1038"/>
+          <ac:spMkLst>
+            <pc:docMk/>
+            <pc:sldMk cId="1556184242" sldId="256"/>
+            <ac:spMk id="409" creationId="{642E725B-D1EA-4141-BCFE-9931759C9C8E}"/>
+          </ac:spMkLst>
+        </pc:spChg>
+        <pc:spChg chg="add mod">
+          <ac:chgData name="Fatima Pillosu" userId="a6295d4dc9e22643" providerId="LiveId" clId="{DFFBE890-388F-43D2-9209-8DB75D39595B}" dt="2021-06-23T00:10:59.937" v="1107" actId="1038"/>
+          <ac:spMkLst>
+            <pc:docMk/>
+            <pc:sldMk cId="1556184242" sldId="256"/>
+            <ac:spMk id="413" creationId="{EA82C7CD-FDFB-4D15-9619-40C934AF4F9A}"/>
+          </ac:spMkLst>
+        </pc:spChg>
+        <pc:spChg chg="add mod">
+          <ac:chgData name="Fatima Pillosu" userId="a6295d4dc9e22643" providerId="LiveId" clId="{DFFBE890-388F-43D2-9209-8DB75D39595B}" dt="2021-06-23T00:10:59.937" v="1107" actId="1038"/>
+          <ac:spMkLst>
+            <pc:docMk/>
+            <pc:sldMk cId="1556184242" sldId="256"/>
+            <ac:spMk id="414" creationId="{065DF4DC-738E-4C59-9180-CD8E40616C35}"/>
+          </ac:spMkLst>
+        </pc:spChg>
+        <pc:spChg chg="mod">
+          <ac:chgData name="Fatima Pillosu" userId="a6295d4dc9e22643" providerId="LiveId" clId="{DFFBE890-388F-43D2-9209-8DB75D39595B}" dt="2021-06-23T00:11:56.683" v="1132" actId="1036"/>
+          <ac:spMkLst>
+            <pc:docMk/>
+            <pc:sldMk cId="1556184242" sldId="256"/>
+            <ac:spMk id="415" creationId="{3F93A714-984C-4648-84EC-0D537549F4C4}"/>
+          </ac:spMkLst>
+        </pc:spChg>
+        <pc:spChg chg="mod">
+          <ac:chgData name="Fatima Pillosu" userId="a6295d4dc9e22643" providerId="LiveId" clId="{DFFBE890-388F-43D2-9209-8DB75D39595B}" dt="2021-06-23T00:11:56.683" v="1132" actId="1036"/>
+          <ac:spMkLst>
+            <pc:docMk/>
+            <pc:sldMk cId="1556184242" sldId="256"/>
+            <ac:spMk id="416" creationId="{03BCD265-9545-4826-AFF5-BB63421EAF63}"/>
+          </ac:spMkLst>
+        </pc:spChg>
+        <pc:spChg chg="add mod">
+          <ac:chgData name="Fatima Pillosu" userId="a6295d4dc9e22643" providerId="LiveId" clId="{DFFBE890-388F-43D2-9209-8DB75D39595B}" dt="2021-06-23T00:10:59.937" v="1107" actId="1038"/>
+          <ac:spMkLst>
+            <pc:docMk/>
+            <pc:sldMk cId="1556184242" sldId="256"/>
+            <ac:spMk id="417" creationId="{A740B2EA-0D06-4483-93D2-75CE7AD86D3C}"/>
+          </ac:spMkLst>
+        </pc:spChg>
+        <pc:spChg chg="add mod">
+          <ac:chgData name="Fatima Pillosu" userId="a6295d4dc9e22643" providerId="LiveId" clId="{DFFBE890-388F-43D2-9209-8DB75D39595B}" dt="2021-06-23T00:10:59.937" v="1107" actId="1038"/>
+          <ac:spMkLst>
+            <pc:docMk/>
+            <pc:sldMk cId="1556184242" sldId="256"/>
+            <ac:spMk id="418" creationId="{9A389DBC-5221-43EA-9387-CEBC1FF877DE}"/>
+          </ac:spMkLst>
+        </pc:spChg>
+        <pc:spChg chg="add mod">
+          <ac:chgData name="Fatima Pillosu" userId="a6295d4dc9e22643" providerId="LiveId" clId="{DFFBE890-388F-43D2-9209-8DB75D39595B}" dt="2021-06-23T00:10:59.937" v="1107" actId="1038"/>
+          <ac:spMkLst>
+            <pc:docMk/>
+            <pc:sldMk cId="1556184242" sldId="256"/>
+            <ac:spMk id="419" creationId="{83606D61-A71C-49DE-A31F-82E21D4F3916}"/>
+          </ac:spMkLst>
+        </pc:spChg>
+        <pc:spChg chg="add mod">
+          <ac:chgData name="Fatima Pillosu" userId="a6295d4dc9e22643" providerId="LiveId" clId="{DFFBE890-388F-43D2-9209-8DB75D39595B}" dt="2021-06-23T00:10:59.937" v="1107" actId="1038"/>
+          <ac:spMkLst>
+            <pc:docMk/>
+            <pc:sldMk cId="1556184242" sldId="256"/>
+            <ac:spMk id="420" creationId="{761884C5-0F3E-4EB1-A154-1D8CC4DE74EE}"/>
+          </ac:spMkLst>
+        </pc:spChg>
+        <pc:spChg chg="add mod">
+          <ac:chgData name="Fatima Pillosu" userId="a6295d4dc9e22643" providerId="LiveId" clId="{DFFBE890-388F-43D2-9209-8DB75D39595B}" dt="2021-06-23T00:24:21.521" v="1349" actId="1582"/>
+          <ac:spMkLst>
+            <pc:docMk/>
+            <pc:sldMk cId="1556184242" sldId="256"/>
+            <ac:spMk id="430" creationId="{1ACCE833-703B-4D07-A803-C92C7DA8FF64}"/>
+          </ac:spMkLst>
+        </pc:spChg>
+        <pc:spChg chg="add mod">
+          <ac:chgData name="Fatima Pillosu" userId="a6295d4dc9e22643" providerId="LiveId" clId="{DFFBE890-388F-43D2-9209-8DB75D39595B}" dt="2021-06-23T00:24:21.521" v="1349" actId="1582"/>
+          <ac:spMkLst>
+            <pc:docMk/>
+            <pc:sldMk cId="1556184242" sldId="256"/>
+            <ac:spMk id="431" creationId="{8AAC383A-8C33-4489-85C7-7E1F2B731C38}"/>
+          </ac:spMkLst>
+        </pc:spChg>
+        <pc:spChg chg="mod">
+          <ac:chgData name="Fatima Pillosu" userId="a6295d4dc9e22643" providerId="LiveId" clId="{DFFBE890-388F-43D2-9209-8DB75D39595B}" dt="2021-06-23T00:17:34.594" v="1255" actId="1038"/>
+          <ac:spMkLst>
+            <pc:docMk/>
+            <pc:sldMk cId="1556184242" sldId="256"/>
+            <ac:spMk id="444" creationId="{208C1AA6-A1EE-464B-B5A6-BA90E6CEE7BF}"/>
+          </ac:spMkLst>
+        </pc:spChg>
+        <pc:spChg chg="mod">
+          <ac:chgData name="Fatima Pillosu" userId="a6295d4dc9e22643" providerId="LiveId" clId="{DFFBE890-388F-43D2-9209-8DB75D39595B}" dt="2021-06-23T00:22:26.008" v="1346" actId="1076"/>
+          <ac:spMkLst>
+            <pc:docMk/>
+            <pc:sldMk cId="1556184242" sldId="256"/>
+            <ac:spMk id="447" creationId="{24A3973D-BDE4-4277-9386-F2AF0C14BFD1}"/>
+          </ac:spMkLst>
+        </pc:spChg>
+        <pc:grpChg chg="mod">
+          <ac:chgData name="Fatima Pillosu" userId="a6295d4dc9e22643" providerId="LiveId" clId="{DFFBE890-388F-43D2-9209-8DB75D39595B}" dt="2021-06-23T00:17:34.594" v="1255" actId="1038"/>
+          <ac:grpSpMkLst>
+            <pc:docMk/>
+            <pc:sldMk cId="1556184242" sldId="256"/>
+            <ac:grpSpMk id="48" creationId="{575C6F73-2167-4EA8-994F-C72975D9DF5E}"/>
+          </ac:grpSpMkLst>
+        </pc:grpChg>
+        <pc:grpChg chg="del mod">
+          <ac:chgData name="Fatima Pillosu" userId="a6295d4dc9e22643" providerId="LiveId" clId="{DFFBE890-388F-43D2-9209-8DB75D39595B}" dt="2021-06-22T23:39:22.032" v="572" actId="165"/>
+          <ac:grpSpMkLst>
+            <pc:docMk/>
+            <pc:sldMk cId="1556184242" sldId="256"/>
+            <ac:grpSpMk id="204" creationId="{D6777E4B-B7F2-46EC-95E8-294C6E64BE54}"/>
+          </ac:grpSpMkLst>
+        </pc:grpChg>
+        <pc:grpChg chg="mod">
+          <ac:chgData name="Fatima Pillosu" userId="a6295d4dc9e22643" providerId="LiveId" clId="{DFFBE890-388F-43D2-9209-8DB75D39595B}" dt="2021-06-23T00:11:56.683" v="1132" actId="1036"/>
+          <ac:grpSpMkLst>
+            <pc:docMk/>
+            <pc:sldMk cId="1556184242" sldId="256"/>
+            <ac:grpSpMk id="208" creationId="{FB0BB253-3F8F-42FF-A0EB-3A9C0F436037}"/>
+          </ac:grpSpMkLst>
+        </pc:grpChg>
+        <pc:picChg chg="add del mod topLvl">
+          <ac:chgData name="Fatima Pillosu" userId="a6295d4dc9e22643" providerId="LiveId" clId="{DFFBE890-388F-43D2-9209-8DB75D39595B}" dt="2021-06-23T00:10:59.937" v="1107" actId="1038"/>
+          <ac:picMkLst>
+            <pc:docMk/>
+            <pc:sldMk cId="1556184242" sldId="256"/>
+            <ac:picMk id="205" creationId="{3EB312AB-5F4B-4B5A-A01C-289BFCD9BC49}"/>
+          </ac:picMkLst>
+        </pc:picChg>
+        <pc:picChg chg="mod">
+          <ac:chgData name="Fatima Pillosu" userId="a6295d4dc9e22643" providerId="LiveId" clId="{DFFBE890-388F-43D2-9209-8DB75D39595B}" dt="2021-06-23T00:10:59.937" v="1107" actId="1038"/>
+          <ac:picMkLst>
+            <pc:docMk/>
+            <pc:sldMk cId="1556184242" sldId="256"/>
+            <ac:picMk id="214" creationId="{E878DB3F-3435-4A10-9EFF-1B5E47CF8FE4}"/>
+          </ac:picMkLst>
+        </pc:picChg>
+        <pc:picChg chg="mod ord">
+          <ac:chgData name="Fatima Pillosu" userId="a6295d4dc9e22643" providerId="LiveId" clId="{DFFBE890-388F-43D2-9209-8DB75D39595B}" dt="2021-06-23T00:22:09.827" v="1343" actId="1076"/>
+          <ac:picMkLst>
+            <pc:docMk/>
+            <pc:sldMk cId="1556184242" sldId="256"/>
+            <ac:picMk id="320" creationId="{C6548451-C351-41AC-AF24-8928FF5B5030}"/>
+          </ac:picMkLst>
+        </pc:picChg>
+        <pc:picChg chg="mod ord">
+          <ac:chgData name="Fatima Pillosu" userId="a6295d4dc9e22643" providerId="LiveId" clId="{DFFBE890-388F-43D2-9209-8DB75D39595B}" dt="2021-06-23T00:22:09.827" v="1343" actId="1076"/>
+          <ac:picMkLst>
+            <pc:docMk/>
+            <pc:sldMk cId="1556184242" sldId="256"/>
+            <ac:picMk id="321" creationId="{EE7851D5-911C-4905-8954-908DDE21A48D}"/>
+          </ac:picMkLst>
+        </pc:picChg>
+        <pc:picChg chg="mod">
+          <ac:chgData name="Fatima Pillosu" userId="a6295d4dc9e22643" providerId="LiveId" clId="{DFFBE890-388F-43D2-9209-8DB75D39595B}" dt="2021-06-23T00:22:09.827" v="1343" actId="1076"/>
+          <ac:picMkLst>
+            <pc:docMk/>
+            <pc:sldMk cId="1556184242" sldId="256"/>
+            <ac:picMk id="340" creationId="{4ECADC9F-2D6A-4C4C-AC40-9040DD1821FF}"/>
+          </ac:picMkLst>
+        </pc:picChg>
+        <pc:picChg chg="mod">
+          <ac:chgData name="Fatima Pillosu" userId="a6295d4dc9e22643" providerId="LiveId" clId="{DFFBE890-388F-43D2-9209-8DB75D39595B}" dt="2021-06-23T00:22:09.827" v="1343" actId="1076"/>
+          <ac:picMkLst>
+            <pc:docMk/>
+            <pc:sldMk cId="1556184242" sldId="256"/>
+            <ac:picMk id="344" creationId="{D01FEC97-C295-4744-BF41-969EC571FFFA}"/>
+          </ac:picMkLst>
+        </pc:picChg>
+        <pc:picChg chg="mod">
+          <ac:chgData name="Fatima Pillosu" userId="a6295d4dc9e22643" providerId="LiveId" clId="{DFFBE890-388F-43D2-9209-8DB75D39595B}" dt="2021-06-23T00:22:09.827" v="1343" actId="1076"/>
+          <ac:picMkLst>
+            <pc:docMk/>
+            <pc:sldMk cId="1556184242" sldId="256"/>
+            <ac:picMk id="345" creationId="{85C500EB-A299-49EF-8E51-38B610DFC53E}"/>
+          </ac:picMkLst>
+        </pc:picChg>
+        <pc:picChg chg="mod">
+          <ac:chgData name="Fatima Pillosu" userId="a6295d4dc9e22643" providerId="LiveId" clId="{DFFBE890-388F-43D2-9209-8DB75D39595B}" dt="2021-06-23T00:22:09.827" v="1343" actId="1076"/>
+          <ac:picMkLst>
+            <pc:docMk/>
+            <pc:sldMk cId="1556184242" sldId="256"/>
+            <ac:picMk id="359" creationId="{235B7CDE-7665-43CB-9279-C6080D77373D}"/>
+          </ac:picMkLst>
+        </pc:picChg>
+        <pc:cxnChg chg="add del mod">
+          <ac:chgData name="Fatima Pillosu" userId="a6295d4dc9e22643" providerId="LiveId" clId="{DFFBE890-388F-43D2-9209-8DB75D39595B}" dt="2021-06-23T00:17:13.726" v="1247" actId="478"/>
+          <ac:cxnSpMkLst>
+            <pc:docMk/>
+            <pc:sldMk cId="1556184242" sldId="256"/>
+            <ac:cxnSpMk id="27" creationId="{0F27DCE8-4847-4BD7-BE12-F9F72B5C433D}"/>
+          </ac:cxnSpMkLst>
+        </pc:cxnChg>
+        <pc:cxnChg chg="mod">
+          <ac:chgData name="Fatima Pillosu" userId="a6295d4dc9e22643" providerId="LiveId" clId="{DFFBE890-388F-43D2-9209-8DB75D39595B}" dt="2021-06-23T00:18:01.733" v="1274" actId="1036"/>
+          <ac:cxnSpMkLst>
+            <pc:docMk/>
+            <pc:sldMk cId="1556184242" sldId="256"/>
+            <ac:cxnSpMk id="47" creationId="{C4961017-59A3-4092-BEF4-9DC871391D22}"/>
+          </ac:cxnSpMkLst>
+        </pc:cxnChg>
+        <pc:cxnChg chg="del mod">
+          <ac:chgData name="Fatima Pillosu" userId="a6295d4dc9e22643" providerId="LiveId" clId="{DFFBE890-388F-43D2-9209-8DB75D39595B}" dt="2021-06-23T00:05:44.566" v="1028" actId="478"/>
+          <ac:cxnSpMkLst>
+            <pc:docMk/>
+            <pc:sldMk cId="1556184242" sldId="256"/>
+            <ac:cxnSpMk id="192" creationId="{BB643B11-A2F2-45C7-9BCB-32B436CC1508}"/>
+          </ac:cxnSpMkLst>
+        </pc:cxnChg>
+        <pc:cxnChg chg="mod">
+          <ac:chgData name="Fatima Pillosu" userId="a6295d4dc9e22643" providerId="LiveId" clId="{DFFBE890-388F-43D2-9209-8DB75D39595B}" dt="2021-06-23T00:18:01.733" v="1274" actId="1036"/>
+          <ac:cxnSpMkLst>
+            <pc:docMk/>
+            <pc:sldMk cId="1556184242" sldId="256"/>
+            <ac:cxnSpMk id="272" creationId="{E3FAF9CA-FCEA-4F56-9BB8-CD71986AAD96}"/>
+          </ac:cxnSpMkLst>
+        </pc:cxnChg>
+        <pc:cxnChg chg="mod">
+          <ac:chgData name="Fatima Pillosu" userId="a6295d4dc9e22643" providerId="LiveId" clId="{DFFBE890-388F-43D2-9209-8DB75D39595B}" dt="2021-06-23T00:18:01.733" v="1274" actId="1036"/>
+          <ac:cxnSpMkLst>
+            <pc:docMk/>
+            <pc:sldMk cId="1556184242" sldId="256"/>
+            <ac:cxnSpMk id="274" creationId="{1BA73556-A7F5-4171-ABED-1F9F691E73F0}"/>
+          </ac:cxnSpMkLst>
+        </pc:cxnChg>
+        <pc:cxnChg chg="mod">
+          <ac:chgData name="Fatima Pillosu" userId="a6295d4dc9e22643" providerId="LiveId" clId="{DFFBE890-388F-43D2-9209-8DB75D39595B}" dt="2021-06-23T00:18:01.733" v="1274" actId="1036"/>
+          <ac:cxnSpMkLst>
+            <pc:docMk/>
+            <pc:sldMk cId="1556184242" sldId="256"/>
+            <ac:cxnSpMk id="277" creationId="{146F3149-D3F5-4272-93D8-FEFB6877E72F}"/>
+          </ac:cxnSpMkLst>
+        </pc:cxnChg>
+        <pc:cxnChg chg="mod">
+          <ac:chgData name="Fatima Pillosu" userId="a6295d4dc9e22643" providerId="LiveId" clId="{DFFBE890-388F-43D2-9209-8DB75D39595B}" dt="2021-06-23T00:18:11.417" v="1278" actId="1036"/>
+          <ac:cxnSpMkLst>
+            <pc:docMk/>
+            <pc:sldMk cId="1556184242" sldId="256"/>
+            <ac:cxnSpMk id="292" creationId="{34B031D1-A4DD-44DF-94F0-A8303B0531A7}"/>
+          </ac:cxnSpMkLst>
+        </pc:cxnChg>
+        <pc:cxnChg chg="mod">
+          <ac:chgData name="Fatima Pillosu" userId="a6295d4dc9e22643" providerId="LiveId" clId="{DFFBE890-388F-43D2-9209-8DB75D39595B}" dt="2021-06-23T00:18:11.417" v="1278" actId="1036"/>
+          <ac:cxnSpMkLst>
+            <pc:docMk/>
+            <pc:sldMk cId="1556184242" sldId="256"/>
+            <ac:cxnSpMk id="295" creationId="{8C104D11-9F17-4F81-911D-EE632B8453FA}"/>
+          </ac:cxnSpMkLst>
+        </pc:cxnChg>
+        <pc:cxnChg chg="mod">
+          <ac:chgData name="Fatima Pillosu" userId="a6295d4dc9e22643" providerId="LiveId" clId="{DFFBE890-388F-43D2-9209-8DB75D39595B}" dt="2021-06-23T00:19:07.183" v="1302" actId="1035"/>
+          <ac:cxnSpMkLst>
+            <pc:docMk/>
+            <pc:sldMk cId="1556184242" sldId="256"/>
+            <ac:cxnSpMk id="299" creationId="{A2254684-217C-496A-9676-7DA3B5850FB4}"/>
+          </ac:cxnSpMkLst>
+        </pc:cxnChg>
+        <pc:cxnChg chg="mod">
+          <ac:chgData name="Fatima Pillosu" userId="a6295d4dc9e22643" providerId="LiveId" clId="{DFFBE890-388F-43D2-9209-8DB75D39595B}" dt="2021-06-23T00:19:07.183" v="1302" actId="1035"/>
+          <ac:cxnSpMkLst>
+            <pc:docMk/>
+            <pc:sldMk cId="1556184242" sldId="256"/>
+            <ac:cxnSpMk id="300" creationId="{FF439935-A570-4757-881A-62AE8E07A953}"/>
+          </ac:cxnSpMkLst>
+        </pc:cxnChg>
+        <pc:cxnChg chg="mod">
+          <ac:chgData name="Fatima Pillosu" userId="a6295d4dc9e22643" providerId="LiveId" clId="{DFFBE890-388F-43D2-9209-8DB75D39595B}" dt="2021-06-23T00:18:11.417" v="1278" actId="1036"/>
+          <ac:cxnSpMkLst>
+            <pc:docMk/>
+            <pc:sldMk cId="1556184242" sldId="256"/>
+            <ac:cxnSpMk id="312" creationId="{9CCB0056-2C54-4264-94DA-9DF414FDD1CB}"/>
+          </ac:cxnSpMkLst>
+        </pc:cxnChg>
+        <pc:cxnChg chg="mod">
+          <ac:chgData name="Fatima Pillosu" userId="a6295d4dc9e22643" providerId="LiveId" clId="{DFFBE890-388F-43D2-9209-8DB75D39595B}" dt="2021-06-23T00:18:11.417" v="1278" actId="1036"/>
+          <ac:cxnSpMkLst>
+            <pc:docMk/>
+            <pc:sldMk cId="1556184242" sldId="256"/>
+            <ac:cxnSpMk id="313" creationId="{ECE0261A-5035-4549-BA0A-F0E48B3D0AB2}"/>
+          </ac:cxnSpMkLst>
+        </pc:cxnChg>
+        <pc:cxnChg chg="mod">
+          <ac:chgData name="Fatima Pillosu" userId="a6295d4dc9e22643" providerId="LiveId" clId="{DFFBE890-388F-43D2-9209-8DB75D39595B}" dt="2021-06-23T00:19:07.183" v="1302" actId="1035"/>
+          <ac:cxnSpMkLst>
+            <pc:docMk/>
+            <pc:sldMk cId="1556184242" sldId="256"/>
+            <ac:cxnSpMk id="365" creationId="{503523DA-A511-471D-B6DF-7C2B7B67FA75}"/>
+          </ac:cxnSpMkLst>
+        </pc:cxnChg>
+        <pc:cxnChg chg="del mod">
+          <ac:chgData name="Fatima Pillosu" userId="a6295d4dc9e22643" providerId="LiveId" clId="{DFFBE890-388F-43D2-9209-8DB75D39595B}" dt="2021-06-23T00:05:39.567" v="1027" actId="478"/>
+          <ac:cxnSpMkLst>
+            <pc:docMk/>
+            <pc:sldMk cId="1556184242" sldId="256"/>
+            <ac:cxnSpMk id="382" creationId="{AF36D8A7-C572-4549-847F-FFFB9C406869}"/>
+          </ac:cxnSpMkLst>
+        </pc:cxnChg>
+        <pc:cxnChg chg="del">
+          <ac:chgData name="Fatima Pillosu" userId="a6295d4dc9e22643" providerId="LiveId" clId="{DFFBE890-388F-43D2-9209-8DB75D39595B}" dt="2021-06-23T00:00:28.679" v="949" actId="478"/>
+          <ac:cxnSpMkLst>
+            <pc:docMk/>
+            <pc:sldMk cId="1556184242" sldId="256"/>
+            <ac:cxnSpMk id="385" creationId="{CC71879A-6A1A-4ACF-868B-695A643DC9CF}"/>
+          </ac:cxnSpMkLst>
+        </pc:cxnChg>
+        <pc:cxnChg chg="del">
+          <ac:chgData name="Fatima Pillosu" userId="a6295d4dc9e22643" providerId="LiveId" clId="{DFFBE890-388F-43D2-9209-8DB75D39595B}" dt="2021-06-23T00:00:30.267" v="950" actId="478"/>
+          <ac:cxnSpMkLst>
+            <pc:docMk/>
+            <pc:sldMk cId="1556184242" sldId="256"/>
+            <ac:cxnSpMk id="388" creationId="{F5517662-0FBF-4A85-B4E3-E4D8E9AEE973}"/>
+          </ac:cxnSpMkLst>
+        </pc:cxnChg>
+        <pc:cxnChg chg="del">
+          <ac:chgData name="Fatima Pillosu" userId="a6295d4dc9e22643" providerId="LiveId" clId="{DFFBE890-388F-43D2-9209-8DB75D39595B}" dt="2021-06-23T00:00:33.859" v="953" actId="478"/>
+          <ac:cxnSpMkLst>
+            <pc:docMk/>
+            <pc:sldMk cId="1556184242" sldId="256"/>
+            <ac:cxnSpMk id="390" creationId="{271E4B45-9610-4191-B255-DA87D3DABD41}"/>
+          </ac:cxnSpMkLst>
+        </pc:cxnChg>
+        <pc:cxnChg chg="del mod">
+          <ac:chgData name="Fatima Pillosu" userId="a6295d4dc9e22643" providerId="LiveId" clId="{DFFBE890-388F-43D2-9209-8DB75D39595B}" dt="2021-06-23T00:00:30.843" v="951" actId="478"/>
+          <ac:cxnSpMkLst>
+            <pc:docMk/>
+            <pc:sldMk cId="1556184242" sldId="256"/>
+            <ac:cxnSpMk id="391" creationId="{764BBC81-7711-4A61-B89D-79EBF662FDCA}"/>
+          </ac:cxnSpMkLst>
+        </pc:cxnChg>
+        <pc:cxnChg chg="del">
+          <ac:chgData name="Fatima Pillosu" userId="a6295d4dc9e22643" providerId="LiveId" clId="{DFFBE890-388F-43D2-9209-8DB75D39595B}" dt="2021-06-23T00:00:32.879" v="952" actId="478"/>
+          <ac:cxnSpMkLst>
+            <pc:docMk/>
+            <pc:sldMk cId="1556184242" sldId="256"/>
+            <ac:cxnSpMk id="392" creationId="{93F27C36-6777-4A1A-BDE8-D4971FD6AA28}"/>
+          </ac:cxnSpMkLst>
+        </pc:cxnChg>
+        <pc:cxnChg chg="del mod">
+          <ac:chgData name="Fatima Pillosu" userId="a6295d4dc9e22643" providerId="LiveId" clId="{DFFBE890-388F-43D2-9209-8DB75D39595B}" dt="2021-06-23T00:00:35.296" v="954" actId="478"/>
+          <ac:cxnSpMkLst>
+            <pc:docMk/>
+            <pc:sldMk cId="1556184242" sldId="256"/>
+            <ac:cxnSpMk id="393" creationId="{B7B3982F-25CF-4C23-B60B-6D349FCCAE58}"/>
+          </ac:cxnSpMkLst>
+        </pc:cxnChg>
+        <pc:cxnChg chg="del mod">
+          <ac:chgData name="Fatima Pillosu" userId="a6295d4dc9e22643" providerId="LiveId" clId="{DFFBE890-388F-43D2-9209-8DB75D39595B}" dt="2021-06-23T00:00:38.640" v="956" actId="478"/>
+          <ac:cxnSpMkLst>
+            <pc:docMk/>
+            <pc:sldMk cId="1556184242" sldId="256"/>
+            <ac:cxnSpMk id="403" creationId="{4A00B112-9312-43AC-8AB2-A509865EAC0E}"/>
+          </ac:cxnSpMkLst>
+        </pc:cxnChg>
+        <pc:cxnChg chg="del">
+          <ac:chgData name="Fatima Pillosu" userId="a6295d4dc9e22643" providerId="LiveId" clId="{DFFBE890-388F-43D2-9209-8DB75D39595B}" dt="2021-06-23T00:00:40.989" v="958" actId="478"/>
+          <ac:cxnSpMkLst>
+            <pc:docMk/>
+            <pc:sldMk cId="1556184242" sldId="256"/>
+            <ac:cxnSpMk id="407" creationId="{DF30D697-E58D-4061-A48A-6C2E64EA10A6}"/>
+          </ac:cxnSpMkLst>
+        </pc:cxnChg>
+        <pc:cxnChg chg="del">
+          <ac:chgData name="Fatima Pillosu" userId="a6295d4dc9e22643" providerId="LiveId" clId="{DFFBE890-388F-43D2-9209-8DB75D39595B}" dt="2021-06-23T00:00:39.510" v="957" actId="478"/>
+          <ac:cxnSpMkLst>
+            <pc:docMk/>
+            <pc:sldMk cId="1556184242" sldId="256"/>
+            <ac:cxnSpMk id="410" creationId="{E68F34F1-2F3A-4A9C-8B3B-5642A92FC54E}"/>
+          </ac:cxnSpMkLst>
+        </pc:cxnChg>
+        <pc:cxnChg chg="del mod">
+          <ac:chgData name="Fatima Pillosu" userId="a6295d4dc9e22643" providerId="LiveId" clId="{DFFBE890-388F-43D2-9209-8DB75D39595B}" dt="2021-06-22T23:58:39.624" v="929" actId="478"/>
+          <ac:cxnSpMkLst>
+            <pc:docMk/>
+            <pc:sldMk cId="1556184242" sldId="256"/>
+            <ac:cxnSpMk id="411" creationId="{9C0ADDFC-191F-46BB-89C7-E20465F3936B}"/>
+          </ac:cxnSpMkLst>
+        </pc:cxnChg>
+        <pc:cxnChg chg="del">
+          <ac:chgData name="Fatima Pillosu" userId="a6295d4dc9e22643" providerId="LiveId" clId="{DFFBE890-388F-43D2-9209-8DB75D39595B}" dt="2021-06-23T00:00:37.467" v="955" actId="478"/>
+          <ac:cxnSpMkLst>
+            <pc:docMk/>
+            <pc:sldMk cId="1556184242" sldId="256"/>
+            <ac:cxnSpMk id="412" creationId="{1D3354E6-0AD6-4CF7-B1AC-7F4771BBCEA3}"/>
+          </ac:cxnSpMkLst>
+        </pc:cxnChg>
+        <pc:cxnChg chg="add mod">
+          <ac:chgData name="Fatima Pillosu" userId="a6295d4dc9e22643" providerId="LiveId" clId="{DFFBE890-388F-43D2-9209-8DB75D39595B}" dt="2021-06-23T00:11:56.683" v="1132" actId="1036"/>
+          <ac:cxnSpMkLst>
+            <pc:docMk/>
+            <pc:sldMk cId="1556184242" sldId="256"/>
+            <ac:cxnSpMk id="421" creationId="{4DC83DDA-68F2-4E8F-B386-FC65B108A5B3}"/>
+          </ac:cxnSpMkLst>
+        </pc:cxnChg>
+        <pc:cxnChg chg="add mod">
+          <ac:chgData name="Fatima Pillosu" userId="a6295d4dc9e22643" providerId="LiveId" clId="{DFFBE890-388F-43D2-9209-8DB75D39595B}" dt="2021-06-23T00:11:56.683" v="1132" actId="1036"/>
+          <ac:cxnSpMkLst>
+            <pc:docMk/>
+            <pc:sldMk cId="1556184242" sldId="256"/>
+            <ac:cxnSpMk id="422" creationId="{C43DFA75-0F1B-4F3B-B10B-B5385503A9AE}"/>
+          </ac:cxnSpMkLst>
+        </pc:cxnChg>
+        <pc:cxnChg chg="add mod">
+          <ac:chgData name="Fatima Pillosu" userId="a6295d4dc9e22643" providerId="LiveId" clId="{DFFBE890-388F-43D2-9209-8DB75D39595B}" dt="2021-06-23T00:11:56.683" v="1132" actId="1036"/>
+          <ac:cxnSpMkLst>
+            <pc:docMk/>
+            <pc:sldMk cId="1556184242" sldId="256"/>
+            <ac:cxnSpMk id="423" creationId="{E5410ACB-E2CC-49C8-B3C9-332C94D3663D}"/>
+          </ac:cxnSpMkLst>
+        </pc:cxnChg>
+        <pc:cxnChg chg="add mod">
+          <ac:chgData name="Fatima Pillosu" userId="a6295d4dc9e22643" providerId="LiveId" clId="{DFFBE890-388F-43D2-9209-8DB75D39595B}" dt="2021-06-23T00:11:56.683" v="1132" actId="1036"/>
+          <ac:cxnSpMkLst>
+            <pc:docMk/>
+            <pc:sldMk cId="1556184242" sldId="256"/>
+            <ac:cxnSpMk id="424" creationId="{A965AD38-2A93-4532-BBD8-CA5FDE9598B7}"/>
+          </ac:cxnSpMkLst>
+        </pc:cxnChg>
+        <pc:cxnChg chg="add mod">
+          <ac:chgData name="Fatima Pillosu" userId="a6295d4dc9e22643" providerId="LiveId" clId="{DFFBE890-388F-43D2-9209-8DB75D39595B}" dt="2021-06-23T00:11:56.683" v="1132" actId="1036"/>
+          <ac:cxnSpMkLst>
+            <pc:docMk/>
+            <pc:sldMk cId="1556184242" sldId="256"/>
+            <ac:cxnSpMk id="425" creationId="{E029E9BD-34AA-4644-BE8D-078AB516126B}"/>
+          </ac:cxnSpMkLst>
+        </pc:cxnChg>
+        <pc:cxnChg chg="add mod">
+          <ac:chgData name="Fatima Pillosu" userId="a6295d4dc9e22643" providerId="LiveId" clId="{DFFBE890-388F-43D2-9209-8DB75D39595B}" dt="2021-06-23T00:11:56.683" v="1132" actId="1036"/>
+          <ac:cxnSpMkLst>
+            <pc:docMk/>
+            <pc:sldMk cId="1556184242" sldId="256"/>
+            <ac:cxnSpMk id="426" creationId="{5D4DC34C-6464-4E71-866C-321B9208032A}"/>
+          </ac:cxnSpMkLst>
+        </pc:cxnChg>
+        <pc:cxnChg chg="add mod">
+          <ac:chgData name="Fatima Pillosu" userId="a6295d4dc9e22643" providerId="LiveId" clId="{DFFBE890-388F-43D2-9209-8DB75D39595B}" dt="2021-06-23T00:11:56.683" v="1132" actId="1036"/>
+          <ac:cxnSpMkLst>
+            <pc:docMk/>
+            <pc:sldMk cId="1556184242" sldId="256"/>
+            <ac:cxnSpMk id="427" creationId="{A6F1823E-F588-4F26-81D2-77122C372462}"/>
+          </ac:cxnSpMkLst>
+        </pc:cxnChg>
+        <pc:cxnChg chg="add mod">
+          <ac:chgData name="Fatima Pillosu" userId="a6295d4dc9e22643" providerId="LiveId" clId="{DFFBE890-388F-43D2-9209-8DB75D39595B}" dt="2021-06-23T00:11:56.683" v="1132" actId="1036"/>
+          <ac:cxnSpMkLst>
+            <pc:docMk/>
+            <pc:sldMk cId="1556184242" sldId="256"/>
+            <ac:cxnSpMk id="428" creationId="{2F44B406-2B81-42AC-8EC8-6E4C09B98963}"/>
+          </ac:cxnSpMkLst>
+        </pc:cxnChg>
+        <pc:cxnChg chg="add mod">
+          <ac:chgData name="Fatima Pillosu" userId="a6295d4dc9e22643" providerId="LiveId" clId="{DFFBE890-388F-43D2-9209-8DB75D39595B}" dt="2021-06-23T00:11:56.683" v="1132" actId="1036"/>
+          <ac:cxnSpMkLst>
+            <pc:docMk/>
+            <pc:sldMk cId="1556184242" sldId="256"/>
+            <ac:cxnSpMk id="429" creationId="{91ED1926-5B68-4F57-B52B-86F47F6A67D1}"/>
+          </ac:cxnSpMkLst>
+        </pc:cxnChg>
+        <pc:cxnChg chg="mod">
+          <ac:chgData name="Fatima Pillosu" userId="a6295d4dc9e22643" providerId="LiveId" clId="{DFFBE890-388F-43D2-9209-8DB75D39595B}" dt="2021-06-23T00:11:56.683" v="1132" actId="1036"/>
+          <ac:cxnSpMkLst>
+            <pc:docMk/>
+            <pc:sldMk cId="1556184242" sldId="256"/>
+            <ac:cxnSpMk id="433" creationId="{EF550824-874B-488C-877A-0FACA467821F}"/>
+          </ac:cxnSpMkLst>
+        </pc:cxnChg>
+        <pc:cxnChg chg="del">
+          <ac:chgData name="Fatima Pillosu" userId="a6295d4dc9e22643" providerId="LiveId" clId="{DFFBE890-388F-43D2-9209-8DB75D39595B}" dt="2021-06-23T00:00:48.799" v="962" actId="478"/>
+          <ac:cxnSpMkLst>
+            <pc:docMk/>
+            <pc:sldMk cId="1556184242" sldId="256"/>
+            <ac:cxnSpMk id="434" creationId="{E31E5CBA-8D6A-49B1-8DCE-84217755D174}"/>
+          </ac:cxnSpMkLst>
+        </pc:cxnChg>
+        <pc:cxnChg chg="del">
+          <ac:chgData name="Fatima Pillosu" userId="a6295d4dc9e22643" providerId="LiveId" clId="{DFFBE890-388F-43D2-9209-8DB75D39595B}" dt="2021-06-23T00:00:53.922" v="965" actId="478"/>
+          <ac:cxnSpMkLst>
+            <pc:docMk/>
+            <pc:sldMk cId="1556184242" sldId="256"/>
+            <ac:cxnSpMk id="435" creationId="{6FA6506E-A218-46ED-9D0C-F5BCBB5C737B}"/>
+          </ac:cxnSpMkLst>
+        </pc:cxnChg>
+        <pc:cxnChg chg="add del mod">
+          <ac:chgData name="Fatima Pillosu" userId="a6295d4dc9e22643" providerId="LiveId" clId="{DFFBE890-388F-43D2-9209-8DB75D39595B}" dt="2021-06-23T00:10:26.119" v="1093" actId="478"/>
+          <ac:cxnSpMkLst>
+            <pc:docMk/>
+            <pc:sldMk cId="1556184242" sldId="256"/>
+            <ac:cxnSpMk id="436" creationId="{2E2BFB73-B6F0-4DED-AFC2-3487AA1C52B1}"/>
+          </ac:cxnSpMkLst>
+        </pc:cxnChg>
+        <pc:cxnChg chg="del">
+          <ac:chgData name="Fatima Pillosu" userId="a6295d4dc9e22643" providerId="LiveId" clId="{DFFBE890-388F-43D2-9209-8DB75D39595B}" dt="2021-06-23T00:00:49.999" v="963" actId="478"/>
+          <ac:cxnSpMkLst>
+            <pc:docMk/>
+            <pc:sldMk cId="1556184242" sldId="256"/>
+            <ac:cxnSpMk id="437" creationId="{E5540346-CFB2-4B3B-A452-57BDEE04C66E}"/>
+          </ac:cxnSpMkLst>
+        </pc:cxnChg>
+        <pc:cxnChg chg="mod">
+          <ac:chgData name="Fatima Pillosu" userId="a6295d4dc9e22643" providerId="LiveId" clId="{DFFBE890-388F-43D2-9209-8DB75D39595B}" dt="2021-06-23T00:18:01.733" v="1274" actId="1036"/>
+          <ac:cxnSpMkLst>
+            <pc:docMk/>
+            <pc:sldMk cId="1556184242" sldId="256"/>
+            <ac:cxnSpMk id="440" creationId="{3D298AFA-D82A-4D17-B69D-038119DB3786}"/>
+          </ac:cxnSpMkLst>
+        </pc:cxnChg>
+        <pc:cxnChg chg="mod">
+          <ac:chgData name="Fatima Pillosu" userId="a6295d4dc9e22643" providerId="LiveId" clId="{DFFBE890-388F-43D2-9209-8DB75D39595B}" dt="2021-06-23T00:17:34.594" v="1255" actId="1038"/>
+          <ac:cxnSpMkLst>
+            <pc:docMk/>
+            <pc:sldMk cId="1556184242" sldId="256"/>
+            <ac:cxnSpMk id="445" creationId="{C328AFC0-40C6-4092-9832-C55AA2396A67}"/>
+          </ac:cxnSpMkLst>
+        </pc:cxnChg>
+        <pc:cxnChg chg="mod">
+          <ac:chgData name="Fatima Pillosu" userId="a6295d4dc9e22643" providerId="LiveId" clId="{DFFBE890-388F-43D2-9209-8DB75D39595B}" dt="2021-06-23T00:17:34.594" v="1255" actId="1038"/>
+          <ac:cxnSpMkLst>
+            <pc:docMk/>
+            <pc:sldMk cId="1556184242" sldId="256"/>
+            <ac:cxnSpMk id="446" creationId="{EFE20C8C-342C-4AFB-83DC-3DB3E6D73722}"/>
+          </ac:cxnSpMkLst>
+        </pc:cxnChg>
+      </pc:sldChg>
+    </pc:docChg>
+  </pc:docChgLst>
+  <pc:docChgLst>
+    <pc:chgData name="Fatima Pillosu" userId="a6295d4dc9e22643" providerId="LiveId" clId="{0722BC45-0A43-40A6-8AB0-69C547F060B6}"/>
+    <pc:docChg chg="undo custSel modSld">
+      <pc:chgData name="Fatima Pillosu" userId="a6295d4dc9e22643" providerId="LiveId" clId="{0722BC45-0A43-40A6-8AB0-69C547F060B6}" dt="2021-07-12T22:15:21.613" v="542" actId="1582"/>
+      <pc:docMkLst>
+        <pc:docMk/>
+      </pc:docMkLst>
+      <pc:sldChg chg="addSp modSp mod">
+        <pc:chgData name="Fatima Pillosu" userId="a6295d4dc9e22643" providerId="LiveId" clId="{0722BC45-0A43-40A6-8AB0-69C547F060B6}" dt="2021-07-12T22:15:21.613" v="542" actId="1582"/>
+        <pc:sldMkLst>
+          <pc:docMk/>
+          <pc:sldMk cId="1556184242" sldId="256"/>
+        </pc:sldMkLst>
+        <pc:spChg chg="mod">
+          <ac:chgData name="Fatima Pillosu" userId="a6295d4dc9e22643" providerId="LiveId" clId="{0722BC45-0A43-40A6-8AB0-69C547F060B6}" dt="2021-07-12T22:10:57.962" v="508" actId="1076"/>
+          <ac:spMkLst>
+            <pc:docMk/>
+            <pc:sldMk cId="1556184242" sldId="256"/>
+            <ac:spMk id="2" creationId="{15AA4DB2-9E22-4524-9BAB-78E77F689099}"/>
+          </ac:spMkLst>
+        </pc:spChg>
+        <pc:spChg chg="mod">
+          <ac:chgData name="Fatima Pillosu" userId="a6295d4dc9e22643" providerId="LiveId" clId="{0722BC45-0A43-40A6-8AB0-69C547F060B6}" dt="2021-07-12T22:10:57.962" v="508" actId="1076"/>
+          <ac:spMkLst>
+            <pc:docMk/>
+            <pc:sldMk cId="1556184242" sldId="256"/>
+            <ac:spMk id="3" creationId="{AF843876-B8AE-4111-9DE7-BECD0EC632FE}"/>
+          </ac:spMkLst>
+        </pc:spChg>
+        <pc:spChg chg="mod">
+          <ac:chgData name="Fatima Pillosu" userId="a6295d4dc9e22643" providerId="LiveId" clId="{0722BC45-0A43-40A6-8AB0-69C547F060B6}" dt="2021-07-12T22:15:21.613" v="542" actId="1582"/>
+          <ac:spMkLst>
+            <pc:docMk/>
+            <pc:sldMk cId="1556184242" sldId="256"/>
+            <ac:spMk id="189" creationId="{4CB28502-7531-4EF2-8207-C25365342790}"/>
+          </ac:spMkLst>
+        </pc:spChg>
+        <pc:spChg chg="mod">
+          <ac:chgData name="Fatima Pillosu" userId="a6295d4dc9e22643" providerId="LiveId" clId="{0722BC45-0A43-40A6-8AB0-69C547F060B6}" dt="2021-07-12T22:15:21.613" v="542" actId="1582"/>
+          <ac:spMkLst>
+            <pc:docMk/>
+            <pc:sldMk cId="1556184242" sldId="256"/>
+            <ac:spMk id="190" creationId="{17F81A39-F6D0-4969-B332-4BD7A7F4B1ED}"/>
+          </ac:spMkLst>
+        </pc:spChg>
+        <pc:spChg chg="mod">
+          <ac:chgData name="Fatima Pillosu" userId="a6295d4dc9e22643" providerId="LiveId" clId="{0722BC45-0A43-40A6-8AB0-69C547F060B6}" dt="2021-07-12T22:15:21.613" v="542" actId="1582"/>
+          <ac:spMkLst>
+            <pc:docMk/>
+            <pc:sldMk cId="1556184242" sldId="256"/>
+            <ac:spMk id="193" creationId="{9E375C24-6755-40B1-8534-7CD57DBB7B85}"/>
+          </ac:spMkLst>
+        </pc:spChg>
+        <pc:spChg chg="mod">
+          <ac:chgData name="Fatima Pillosu" userId="a6295d4dc9e22643" providerId="LiveId" clId="{0722BC45-0A43-40A6-8AB0-69C547F060B6}" dt="2021-07-12T22:11:40.682" v="511" actId="1076"/>
+          <ac:spMkLst>
+            <pc:docMk/>
+            <pc:sldMk cId="1556184242" sldId="256"/>
+            <ac:spMk id="195" creationId="{F82BFB79-E522-4D52-8F1C-71920C493730}"/>
+          </ac:spMkLst>
+        </pc:spChg>
+        <pc:spChg chg="mod">
+          <ac:chgData name="Fatima Pillosu" userId="a6295d4dc9e22643" providerId="LiveId" clId="{0722BC45-0A43-40A6-8AB0-69C547F060B6}" dt="2021-07-12T22:15:21.613" v="542" actId="1582"/>
+          <ac:spMkLst>
+            <pc:docMk/>
+            <pc:sldMk cId="1556184242" sldId="256"/>
+            <ac:spMk id="196" creationId="{79BE1912-255C-4DE6-B643-C217685A072A}"/>
+          </ac:spMkLst>
+        </pc:spChg>
+        <pc:spChg chg="mod">
+          <ac:chgData name="Fatima Pillosu" userId="a6295d4dc9e22643" providerId="LiveId" clId="{0722BC45-0A43-40A6-8AB0-69C547F060B6}" dt="2021-07-12T22:11:40.682" v="511" actId="1076"/>
+          <ac:spMkLst>
+            <pc:docMk/>
+            <pc:sldMk cId="1556184242" sldId="256"/>
+            <ac:spMk id="197" creationId="{B72B309E-4B07-4354-997E-D394BA4B4C74}"/>
+          </ac:spMkLst>
+        </pc:spChg>
+        <pc:spChg chg="mod">
+          <ac:chgData name="Fatima Pillosu" userId="a6295d4dc9e22643" providerId="LiveId" clId="{0722BC45-0A43-40A6-8AB0-69C547F060B6}" dt="2021-07-12T22:15:21.613" v="542" actId="1582"/>
+          <ac:spMkLst>
+            <pc:docMk/>
+            <pc:sldMk cId="1556184242" sldId="256"/>
+            <ac:spMk id="198" creationId="{DC8DC18F-92C0-49C0-BFD7-6F539C3E6868}"/>
+          </ac:spMkLst>
+        </pc:spChg>
+        <pc:spChg chg="mod">
+          <ac:chgData name="Fatima Pillosu" userId="a6295d4dc9e22643" providerId="LiveId" clId="{0722BC45-0A43-40A6-8AB0-69C547F060B6}" dt="2021-07-12T22:11:40.682" v="511" actId="1076"/>
+          <ac:spMkLst>
+            <pc:docMk/>
+            <pc:sldMk cId="1556184242" sldId="256"/>
+            <ac:spMk id="199" creationId="{B861061C-A57E-4594-8838-6226043DC694}"/>
+          </ac:spMkLst>
+        </pc:spChg>
+        <pc:spChg chg="mod">
+          <ac:chgData name="Fatima Pillosu" userId="a6295d4dc9e22643" providerId="LiveId" clId="{0722BC45-0A43-40A6-8AB0-69C547F060B6}" dt="2021-07-12T22:15:21.613" v="542" actId="1582"/>
+          <ac:spMkLst>
+            <pc:docMk/>
+            <pc:sldMk cId="1556184242" sldId="256"/>
+            <ac:spMk id="200" creationId="{3AB9AE45-AA23-47A6-AE11-81E4250F2BB6}"/>
+          </ac:spMkLst>
+        </pc:spChg>
+        <pc:spChg chg="mod">
+          <ac:chgData name="Fatima Pillosu" userId="a6295d4dc9e22643" providerId="LiveId" clId="{0722BC45-0A43-40A6-8AB0-69C547F060B6}" dt="2021-07-12T22:15:21.613" v="542" actId="1582"/>
+          <ac:spMkLst>
+            <pc:docMk/>
+            <pc:sldMk cId="1556184242" sldId="256"/>
+            <ac:spMk id="202" creationId="{7C4E28EC-04BF-4F9E-B9E4-18D4908777B4}"/>
+          </ac:spMkLst>
+        </pc:spChg>
+        <pc:spChg chg="mod">
+          <ac:chgData name="Fatima Pillosu" userId="a6295d4dc9e22643" providerId="LiveId" clId="{0722BC45-0A43-40A6-8AB0-69C547F060B6}" dt="2021-07-12T22:15:21.613" v="542" actId="1582"/>
+          <ac:spMkLst>
+            <pc:docMk/>
+            <pc:sldMk cId="1556184242" sldId="256"/>
+            <ac:spMk id="203" creationId="{152B6C55-4722-417C-A514-4B2568426F9E}"/>
+          </ac:spMkLst>
+        </pc:spChg>
+        <pc:spChg chg="mod">
+          <ac:chgData name="Fatima Pillosu" userId="a6295d4dc9e22643" providerId="LiveId" clId="{0722BC45-0A43-40A6-8AB0-69C547F060B6}" dt="2021-07-12T22:10:57.962" v="508" actId="1076"/>
+          <ac:spMkLst>
+            <pc:docMk/>
+            <pc:sldMk cId="1556184242" sldId="256"/>
+            <ac:spMk id="206" creationId="{9D4264D7-EAD8-4A3A-B89C-2BE068E2DF57}"/>
+          </ac:spMkLst>
+        </pc:spChg>
+        <pc:spChg chg="mod">
+          <ac:chgData name="Fatima Pillosu" userId="a6295d4dc9e22643" providerId="LiveId" clId="{0722BC45-0A43-40A6-8AB0-69C547F060B6}" dt="2021-07-12T22:11:40.682" v="511" actId="1076"/>
+          <ac:spMkLst>
+            <pc:docMk/>
+            <pc:sldMk cId="1556184242" sldId="256"/>
+            <ac:spMk id="207" creationId="{5D7409B1-98B0-430C-95EA-379C89870112}"/>
+          </ac:spMkLst>
+        </pc:spChg>
+        <pc:spChg chg="mod">
+          <ac:chgData name="Fatima Pillosu" userId="a6295d4dc9e22643" providerId="LiveId" clId="{0722BC45-0A43-40A6-8AB0-69C547F060B6}" dt="2021-07-12T22:15:13.753" v="540" actId="208"/>
+          <ac:spMkLst>
+            <pc:docMk/>
+            <pc:sldMk cId="1556184242" sldId="256"/>
+            <ac:spMk id="209" creationId="{0A93E81C-C9DB-422E-A9E2-0778F1DFC92E}"/>
+          </ac:spMkLst>
+        </pc:spChg>
+        <pc:spChg chg="mod">
+          <ac:chgData name="Fatima Pillosu" userId="a6295d4dc9e22643" providerId="LiveId" clId="{0722BC45-0A43-40A6-8AB0-69C547F060B6}" dt="2021-07-12T22:15:13.753" v="540" actId="208"/>
+          <ac:spMkLst>
+            <pc:docMk/>
+            <pc:sldMk cId="1556184242" sldId="256"/>
+            <ac:spMk id="210" creationId="{662FAC79-7EDC-48DD-A292-A864DC9CC307}"/>
+          </ac:spMkLst>
+        </pc:spChg>
+        <pc:spChg chg="mod">
+          <ac:chgData name="Fatima Pillosu" userId="a6295d4dc9e22643" providerId="LiveId" clId="{0722BC45-0A43-40A6-8AB0-69C547F060B6}" dt="2021-07-12T22:15:13.753" v="540" actId="208"/>
+          <ac:spMkLst>
+            <pc:docMk/>
+            <pc:sldMk cId="1556184242" sldId="256"/>
+            <ac:spMk id="212" creationId="{9A7B41A9-8D69-41C5-BE48-AFDFA79B83C5}"/>
+          </ac:spMkLst>
+        </pc:spChg>
+        <pc:spChg chg="mod">
+          <ac:chgData name="Fatima Pillosu" userId="a6295d4dc9e22643" providerId="LiveId" clId="{0722BC45-0A43-40A6-8AB0-69C547F060B6}" dt="2021-07-12T22:11:40.682" v="511" actId="1076"/>
+          <ac:spMkLst>
+            <pc:docMk/>
+            <pc:sldMk cId="1556184242" sldId="256"/>
+            <ac:spMk id="215" creationId="{A27F48CC-5AA7-45F8-9B4F-62E12962C8D0}"/>
+          </ac:spMkLst>
+        </pc:spChg>
+        <pc:spChg chg="mod">
+          <ac:chgData name="Fatima Pillosu" userId="a6295d4dc9e22643" providerId="LiveId" clId="{0722BC45-0A43-40A6-8AB0-69C547F060B6}" dt="2021-07-12T22:11:40.682" v="511" actId="1076"/>
+          <ac:spMkLst>
+            <pc:docMk/>
+            <pc:sldMk cId="1556184242" sldId="256"/>
+            <ac:spMk id="216" creationId="{75207402-814A-4AAB-BAE6-2FCCB9B11143}"/>
+          </ac:spMkLst>
+        </pc:spChg>
+        <pc:spChg chg="mod">
+          <ac:chgData name="Fatima Pillosu" userId="a6295d4dc9e22643" providerId="LiveId" clId="{0722BC45-0A43-40A6-8AB0-69C547F060B6}" dt="2021-07-12T22:11:40.682" v="511" actId="1076"/>
+          <ac:spMkLst>
+            <pc:docMk/>
+            <pc:sldMk cId="1556184242" sldId="256"/>
+            <ac:spMk id="217" creationId="{1F9CEAC3-0C6A-4B56-B0C5-A6B9C7119B10}"/>
+          </ac:spMkLst>
+        </pc:spChg>
+        <pc:spChg chg="mod">
+          <ac:chgData name="Fatima Pillosu" userId="a6295d4dc9e22643" providerId="LiveId" clId="{0722BC45-0A43-40A6-8AB0-69C547F060B6}" dt="2021-07-12T22:11:40.682" v="511" actId="1076"/>
+          <ac:spMkLst>
+            <pc:docMk/>
+            <pc:sldMk cId="1556184242" sldId="256"/>
+            <ac:spMk id="218" creationId="{02777BA6-CF56-420A-B054-41D083450884}"/>
+          </ac:spMkLst>
+        </pc:spChg>
+        <pc:spChg chg="mod">
+          <ac:chgData name="Fatima Pillosu" userId="a6295d4dc9e22643" providerId="LiveId" clId="{0722BC45-0A43-40A6-8AB0-69C547F060B6}" dt="2021-07-12T22:11:40.682" v="511" actId="1076"/>
+          <ac:spMkLst>
+            <pc:docMk/>
+            <pc:sldMk cId="1556184242" sldId="256"/>
+            <ac:spMk id="219" creationId="{65BF9FE6-524A-44B1-813E-B0B18DF66625}"/>
+          </ac:spMkLst>
+        </pc:spChg>
+        <pc:spChg chg="mod">
+          <ac:chgData name="Fatima Pillosu" userId="a6295d4dc9e22643" providerId="LiveId" clId="{0722BC45-0A43-40A6-8AB0-69C547F060B6}" dt="2021-07-12T22:11:40.682" v="511" actId="1076"/>
+          <ac:spMkLst>
+            <pc:docMk/>
+            <pc:sldMk cId="1556184242" sldId="256"/>
+            <ac:spMk id="220" creationId="{BE95E72A-C5B4-4451-9EDA-63710D6544B1}"/>
+          </ac:spMkLst>
+        </pc:spChg>
+        <pc:spChg chg="mod">
+          <ac:chgData name="Fatima Pillosu" userId="a6295d4dc9e22643" providerId="LiveId" clId="{0722BC45-0A43-40A6-8AB0-69C547F060B6}" dt="2021-07-12T22:11:40.682" v="511" actId="1076"/>
+          <ac:spMkLst>
+            <pc:docMk/>
+            <pc:sldMk cId="1556184242" sldId="256"/>
+            <ac:spMk id="221" creationId="{1605F9F7-6705-4CF7-90CA-7A4078EFDEA7}"/>
+          </ac:spMkLst>
+        </pc:spChg>
+        <pc:spChg chg="mod">
+          <ac:chgData name="Fatima Pillosu" userId="a6295d4dc9e22643" providerId="LiveId" clId="{0722BC45-0A43-40A6-8AB0-69C547F060B6}" dt="2021-07-12T22:11:40.682" v="511" actId="1076"/>
+          <ac:spMkLst>
+            <pc:docMk/>
+            <pc:sldMk cId="1556184242" sldId="256"/>
+            <ac:spMk id="222" creationId="{406D67EC-7AC8-46FD-B219-D28DA565C854}"/>
+          </ac:spMkLst>
+        </pc:spChg>
+        <pc:spChg chg="mod">
+          <ac:chgData name="Fatima Pillosu" userId="a6295d4dc9e22643" providerId="LiveId" clId="{0722BC45-0A43-40A6-8AB0-69C547F060B6}" dt="2021-07-12T22:11:40.682" v="511" actId="1076"/>
+          <ac:spMkLst>
+            <pc:docMk/>
+            <pc:sldMk cId="1556184242" sldId="256"/>
+            <ac:spMk id="223" creationId="{C74A47BC-CE15-4B09-BC45-54BBF93F965B}"/>
+          </ac:spMkLst>
+        </pc:spChg>
+        <pc:spChg chg="mod">
+          <ac:chgData name="Fatima Pillosu" userId="a6295d4dc9e22643" providerId="LiveId" clId="{0722BC45-0A43-40A6-8AB0-69C547F060B6}" dt="2021-07-12T22:11:40.682" v="511" actId="1076"/>
+          <ac:spMkLst>
+            <pc:docMk/>
+            <pc:sldMk cId="1556184242" sldId="256"/>
+            <ac:spMk id="224" creationId="{77032B38-1E29-4787-B296-A2823185EA57}"/>
+          </ac:spMkLst>
+        </pc:spChg>
+        <pc:spChg chg="mod">
+          <ac:chgData name="Fatima Pillosu" userId="a6295d4dc9e22643" providerId="LiveId" clId="{0722BC45-0A43-40A6-8AB0-69C547F060B6}" dt="2021-07-12T22:11:40.682" v="511" actId="1076"/>
+          <ac:spMkLst>
+            <pc:docMk/>
+            <pc:sldMk cId="1556184242" sldId="256"/>
+            <ac:spMk id="225" creationId="{2CD81434-B9A2-4902-923C-F43E0FCE1F59}"/>
+          </ac:spMkLst>
+        </pc:spChg>
+        <pc:spChg chg="mod">
+          <ac:chgData name="Fatima Pillosu" userId="a6295d4dc9e22643" providerId="LiveId" clId="{0722BC45-0A43-40A6-8AB0-69C547F060B6}" dt="2021-07-12T22:11:40.682" v="511" actId="1076"/>
+          <ac:spMkLst>
+            <pc:docMk/>
+            <pc:sldMk cId="1556184242" sldId="256"/>
+            <ac:spMk id="226" creationId="{CB197CF7-4955-45CF-9019-70D53B9FC988}"/>
+          </ac:spMkLst>
+        </pc:spChg>
+        <pc:spChg chg="mod">
+          <ac:chgData name="Fatima Pillosu" userId="a6295d4dc9e22643" providerId="LiveId" clId="{0722BC45-0A43-40A6-8AB0-69C547F060B6}" dt="2021-07-12T22:11:40.682" v="511" actId="1076"/>
+          <ac:spMkLst>
+            <pc:docMk/>
+            <pc:sldMk cId="1556184242" sldId="256"/>
+            <ac:spMk id="227" creationId="{050057D0-B8B8-4116-BDE1-8CA34649822F}"/>
+          </ac:spMkLst>
+        </pc:spChg>
+        <pc:spChg chg="mod">
+          <ac:chgData name="Fatima Pillosu" userId="a6295d4dc9e22643" providerId="LiveId" clId="{0722BC45-0A43-40A6-8AB0-69C547F060B6}" dt="2021-07-12T22:11:40.682" v="511" actId="1076"/>
+          <ac:spMkLst>
+            <pc:docMk/>
+            <pc:sldMk cId="1556184242" sldId="256"/>
+            <ac:spMk id="228" creationId="{25C5130F-38CE-4431-8A3A-BDF87CE6B82F}"/>
+          </ac:spMkLst>
+        </pc:spChg>
+        <pc:spChg chg="mod">
+          <ac:chgData name="Fatima Pillosu" userId="a6295d4dc9e22643" providerId="LiveId" clId="{0722BC45-0A43-40A6-8AB0-69C547F060B6}" dt="2021-07-12T22:11:40.682" v="511" actId="1076"/>
+          <ac:spMkLst>
+            <pc:docMk/>
+            <pc:sldMk cId="1556184242" sldId="256"/>
+            <ac:spMk id="229" creationId="{F286DB6C-2CBD-4909-A6AC-2506725260BF}"/>
+          </ac:spMkLst>
+        </pc:spChg>
+        <pc:spChg chg="mod">
+          <ac:chgData name="Fatima Pillosu" userId="a6295d4dc9e22643" providerId="LiveId" clId="{0722BC45-0A43-40A6-8AB0-69C547F060B6}" dt="2021-07-12T22:11:40.682" v="511" actId="1076"/>
+          <ac:spMkLst>
+            <pc:docMk/>
+            <pc:sldMk cId="1556184242" sldId="256"/>
+            <ac:spMk id="230" creationId="{EB8F3020-A188-4D92-B8FE-7CC1CA913072}"/>
+          </ac:spMkLst>
+        </pc:spChg>
+        <pc:spChg chg="mod">
+          <ac:chgData name="Fatima Pillosu" userId="a6295d4dc9e22643" providerId="LiveId" clId="{0722BC45-0A43-40A6-8AB0-69C547F060B6}" dt="2021-07-12T22:11:40.682" v="511" actId="1076"/>
+          <ac:spMkLst>
+            <pc:docMk/>
+            <pc:sldMk cId="1556184242" sldId="256"/>
+            <ac:spMk id="231" creationId="{06DB3C5D-F701-47D1-98BA-7E2FB071F9B7}"/>
+          </ac:spMkLst>
+        </pc:spChg>
+        <pc:spChg chg="mod">
+          <ac:chgData name="Fatima Pillosu" userId="a6295d4dc9e22643" providerId="LiveId" clId="{0722BC45-0A43-40A6-8AB0-69C547F060B6}" dt="2021-07-12T22:11:40.682" v="511" actId="1076"/>
+          <ac:spMkLst>
+            <pc:docMk/>
+            <pc:sldMk cId="1556184242" sldId="256"/>
+            <ac:spMk id="232" creationId="{61AA4D6C-42A5-4239-880D-0DCF3151D88F}"/>
+          </ac:spMkLst>
+        </pc:spChg>
+        <pc:spChg chg="mod">
+          <ac:chgData name="Fatima Pillosu" userId="a6295d4dc9e22643" providerId="LiveId" clId="{0722BC45-0A43-40A6-8AB0-69C547F060B6}" dt="2021-07-12T22:11:40.682" v="511" actId="1076"/>
+          <ac:spMkLst>
+            <pc:docMk/>
+            <pc:sldMk cId="1556184242" sldId="256"/>
+            <ac:spMk id="233" creationId="{99542470-505E-47E1-8924-96CB8034CD40}"/>
+          </ac:spMkLst>
+        </pc:spChg>
+        <pc:spChg chg="mod">
+          <ac:chgData name="Fatima Pillosu" userId="a6295d4dc9e22643" providerId="LiveId" clId="{0722BC45-0A43-40A6-8AB0-69C547F060B6}" dt="2021-07-12T22:11:40.682" v="511" actId="1076"/>
+          <ac:spMkLst>
+            <pc:docMk/>
+            <pc:sldMk cId="1556184242" sldId="256"/>
+            <ac:spMk id="234" creationId="{21D98995-F750-4DC6-B0A7-13E43B88D02D}"/>
+          </ac:spMkLst>
+        </pc:spChg>
+        <pc:spChg chg="mod">
+          <ac:chgData name="Fatima Pillosu" userId="a6295d4dc9e22643" providerId="LiveId" clId="{0722BC45-0A43-40A6-8AB0-69C547F060B6}" dt="2021-07-12T22:11:40.682" v="511" actId="1076"/>
+          <ac:spMkLst>
+            <pc:docMk/>
+            <pc:sldMk cId="1556184242" sldId="256"/>
+            <ac:spMk id="235" creationId="{A670A4CA-FC69-41F0-9E0F-69CEEE9C8A90}"/>
+          </ac:spMkLst>
+        </pc:spChg>
+        <pc:spChg chg="mod">
+          <ac:chgData name="Fatima Pillosu" userId="a6295d4dc9e22643" providerId="LiveId" clId="{0722BC45-0A43-40A6-8AB0-69C547F060B6}" dt="2021-07-12T22:11:40.682" v="511" actId="1076"/>
+          <ac:spMkLst>
+            <pc:docMk/>
+            <pc:sldMk cId="1556184242" sldId="256"/>
+            <ac:spMk id="236" creationId="{BE2DC675-4DB8-4A36-827B-0CBE2B9CC4A5}"/>
+          </ac:spMkLst>
+        </pc:spChg>
+        <pc:spChg chg="mod">
+          <ac:chgData name="Fatima Pillosu" userId="a6295d4dc9e22643" providerId="LiveId" clId="{0722BC45-0A43-40A6-8AB0-69C547F060B6}" dt="2021-07-12T22:11:40.682" v="511" actId="1076"/>
+          <ac:spMkLst>
+            <pc:docMk/>
+            <pc:sldMk cId="1556184242" sldId="256"/>
+            <ac:spMk id="237" creationId="{4EA56E3A-4CEF-4817-9BC6-A53788E04B7B}"/>
+          </ac:spMkLst>
+        </pc:spChg>
+        <pc:spChg chg="mod">
+          <ac:chgData name="Fatima Pillosu" userId="a6295d4dc9e22643" providerId="LiveId" clId="{0722BC45-0A43-40A6-8AB0-69C547F060B6}" dt="2021-07-12T22:11:40.682" v="511" actId="1076"/>
+          <ac:spMkLst>
+            <pc:docMk/>
+            <pc:sldMk cId="1556184242" sldId="256"/>
+            <ac:spMk id="238" creationId="{84DDAE0D-7745-4210-8A56-913328C80665}"/>
+          </ac:spMkLst>
+        </pc:spChg>
+        <pc:spChg chg="mod">
+          <ac:chgData name="Fatima Pillosu" userId="a6295d4dc9e22643" providerId="LiveId" clId="{0722BC45-0A43-40A6-8AB0-69C547F060B6}" dt="2021-07-12T22:11:40.682" v="511" actId="1076"/>
+          <ac:spMkLst>
+            <pc:docMk/>
+            <pc:sldMk cId="1556184242" sldId="256"/>
+            <ac:spMk id="239" creationId="{9E314E3E-F938-4F62-8F8D-8685911B8485}"/>
+          </ac:spMkLst>
+        </pc:spChg>
+        <pc:spChg chg="mod">
+          <ac:chgData name="Fatima Pillosu" userId="a6295d4dc9e22643" providerId="LiveId" clId="{0722BC45-0A43-40A6-8AB0-69C547F060B6}" dt="2021-07-12T22:11:40.682" v="511" actId="1076"/>
+          <ac:spMkLst>
+            <pc:docMk/>
+            <pc:sldMk cId="1556184242" sldId="256"/>
+            <ac:spMk id="240" creationId="{C5B78C84-362C-49A9-BEC2-E6858FA4DD4A}"/>
+          </ac:spMkLst>
+        </pc:spChg>
+        <pc:spChg chg="mod">
+          <ac:chgData name="Fatima Pillosu" userId="a6295d4dc9e22643" providerId="LiveId" clId="{0722BC45-0A43-40A6-8AB0-69C547F060B6}" dt="2021-07-12T22:11:40.682" v="511" actId="1076"/>
+          <ac:spMkLst>
+            <pc:docMk/>
+            <pc:sldMk cId="1556184242" sldId="256"/>
+            <ac:spMk id="241" creationId="{77A899D2-A8C6-4AA1-8443-1D6BBD3B217B}"/>
+          </ac:spMkLst>
+        </pc:spChg>
+        <pc:spChg chg="mod">
+          <ac:chgData name="Fatima Pillosu" userId="a6295d4dc9e22643" providerId="LiveId" clId="{0722BC45-0A43-40A6-8AB0-69C547F060B6}" dt="2021-07-12T22:11:40.682" v="511" actId="1076"/>
+          <ac:spMkLst>
+            <pc:docMk/>
+            <pc:sldMk cId="1556184242" sldId="256"/>
+            <ac:spMk id="242" creationId="{6BAA3F49-C527-4C89-8BBF-6D9B4C3A61A5}"/>
+          </ac:spMkLst>
+        </pc:spChg>
+        <pc:spChg chg="mod">
+          <ac:chgData name="Fatima Pillosu" userId="a6295d4dc9e22643" providerId="LiveId" clId="{0722BC45-0A43-40A6-8AB0-69C547F060B6}" dt="2021-07-12T22:11:40.682" v="511" actId="1076"/>
+          <ac:spMkLst>
+            <pc:docMk/>
+            <pc:sldMk cId="1556184242" sldId="256"/>
+            <ac:spMk id="243" creationId="{F5BEE61E-2686-4E9D-9927-FEC7E0F84C9F}"/>
+          </ac:spMkLst>
+        </pc:spChg>
+        <pc:spChg chg="mod">
+          <ac:chgData name="Fatima Pillosu" userId="a6295d4dc9e22643" providerId="LiveId" clId="{0722BC45-0A43-40A6-8AB0-69C547F060B6}" dt="2021-07-12T22:11:40.682" v="511" actId="1076"/>
+          <ac:spMkLst>
+            <pc:docMk/>
+            <pc:sldMk cId="1556184242" sldId="256"/>
+            <ac:spMk id="244" creationId="{103424AD-349B-40A9-81B4-AC4232900ADC}"/>
+          </ac:spMkLst>
+        </pc:spChg>
+        <pc:spChg chg="mod">
+          <ac:chgData name="Fatima Pillosu" userId="a6295d4dc9e22643" providerId="LiveId" clId="{0722BC45-0A43-40A6-8AB0-69C547F060B6}" dt="2021-07-12T22:11:40.682" v="511" actId="1076"/>
+          <ac:spMkLst>
+            <pc:docMk/>
+            <pc:sldMk cId="1556184242" sldId="256"/>
+            <ac:spMk id="245" creationId="{AA56B502-54FD-43D1-80AF-2CAFC6E3C0D2}"/>
+          </ac:spMkLst>
+        </pc:spChg>
+        <pc:spChg chg="mod">
+          <ac:chgData name="Fatima Pillosu" userId="a6295d4dc9e22643" providerId="LiveId" clId="{0722BC45-0A43-40A6-8AB0-69C547F060B6}" dt="2021-07-12T22:11:40.682" v="511" actId="1076"/>
+          <ac:spMkLst>
+            <pc:docMk/>
+            <pc:sldMk cId="1556184242" sldId="256"/>
+            <ac:spMk id="246" creationId="{CA48551F-F210-4F01-8C0D-E37C8767E4D9}"/>
+          </ac:spMkLst>
+        </pc:spChg>
+        <pc:spChg chg="mod">
+          <ac:chgData name="Fatima Pillosu" userId="a6295d4dc9e22643" providerId="LiveId" clId="{0722BC45-0A43-40A6-8AB0-69C547F060B6}" dt="2021-07-12T22:11:40.682" v="511" actId="1076"/>
+          <ac:spMkLst>
+            <pc:docMk/>
+            <pc:sldMk cId="1556184242" sldId="256"/>
+            <ac:spMk id="247" creationId="{F5E98D01-A9DD-4E9A-92AB-B91531639B52}"/>
+          </ac:spMkLst>
+        </pc:spChg>
+        <pc:spChg chg="mod">
+          <ac:chgData name="Fatima Pillosu" userId="a6295d4dc9e22643" providerId="LiveId" clId="{0722BC45-0A43-40A6-8AB0-69C547F060B6}" dt="2021-07-12T22:11:40.682" v="511" actId="1076"/>
+          <ac:spMkLst>
+            <pc:docMk/>
+            <pc:sldMk cId="1556184242" sldId="256"/>
+            <ac:spMk id="248" creationId="{61FA8DEC-3E54-4368-B663-D386120E3452}"/>
+          </ac:spMkLst>
+        </pc:spChg>
+        <pc:spChg chg="mod">
+          <ac:chgData name="Fatima Pillosu" userId="a6295d4dc9e22643" providerId="LiveId" clId="{0722BC45-0A43-40A6-8AB0-69C547F060B6}" dt="2021-07-12T22:11:40.682" v="511" actId="1076"/>
+          <ac:spMkLst>
+            <pc:docMk/>
+            <pc:sldMk cId="1556184242" sldId="256"/>
+            <ac:spMk id="249" creationId="{9B93D06B-2BAA-4ABD-BF61-589443FB1AE6}"/>
+          </ac:spMkLst>
+        </pc:spChg>
+        <pc:spChg chg="mod">
+          <ac:chgData name="Fatima Pillosu" userId="a6295d4dc9e22643" providerId="LiveId" clId="{0722BC45-0A43-40A6-8AB0-69C547F060B6}" dt="2021-07-12T22:11:40.682" v="511" actId="1076"/>
+          <ac:spMkLst>
+            <pc:docMk/>
+            <pc:sldMk cId="1556184242" sldId="256"/>
+            <ac:spMk id="250" creationId="{5FDEEE2B-B476-4832-862B-5362AE14B313}"/>
+          </ac:spMkLst>
+        </pc:spChg>
+        <pc:spChg chg="mod">
+          <ac:chgData name="Fatima Pillosu" userId="a6295d4dc9e22643" providerId="LiveId" clId="{0722BC45-0A43-40A6-8AB0-69C547F060B6}" dt="2021-07-12T22:11:40.682" v="511" actId="1076"/>
+          <ac:spMkLst>
+            <pc:docMk/>
+            <pc:sldMk cId="1556184242" sldId="256"/>
+            <ac:spMk id="251" creationId="{1ADDD34F-F966-48F6-9019-6468A9711B13}"/>
+          </ac:spMkLst>
+        </pc:spChg>
+        <pc:spChg chg="mod">
+          <ac:chgData name="Fatima Pillosu" userId="a6295d4dc9e22643" providerId="LiveId" clId="{0722BC45-0A43-40A6-8AB0-69C547F060B6}" dt="2021-07-12T22:10:57.962" v="508" actId="1076"/>
+          <ac:spMkLst>
+            <pc:docMk/>
+            <pc:sldMk cId="1556184242" sldId="256"/>
+            <ac:spMk id="253" creationId="{0452DBE0-354E-4DCA-B6A2-181BE842E208}"/>
+          </ac:spMkLst>
+        </pc:spChg>
+        <pc:spChg chg="mod">
+          <ac:chgData name="Fatima Pillosu" userId="a6295d4dc9e22643" providerId="LiveId" clId="{0722BC45-0A43-40A6-8AB0-69C547F060B6}" dt="2021-07-12T22:10:57.962" v="508" actId="1076"/>
+          <ac:spMkLst>
+            <pc:docMk/>
+            <pc:sldMk cId="1556184242" sldId="256"/>
+            <ac:spMk id="254" creationId="{00B24486-EBDD-493C-8179-F01E55231959}"/>
+          </ac:spMkLst>
+        </pc:spChg>
+        <pc:spChg chg="mod">
+          <ac:chgData name="Fatima Pillosu" userId="a6295d4dc9e22643" providerId="LiveId" clId="{0722BC45-0A43-40A6-8AB0-69C547F060B6}" dt="2021-07-12T22:10:57.962" v="508" actId="1076"/>
+          <ac:spMkLst>
+            <pc:docMk/>
+            <pc:sldMk cId="1556184242" sldId="256"/>
+            <ac:spMk id="255" creationId="{2F62FCAE-676B-42DC-B29C-FD7F2BE9229B}"/>
+          </ac:spMkLst>
+        </pc:spChg>
+        <pc:spChg chg="mod">
+          <ac:chgData name="Fatima Pillosu" userId="a6295d4dc9e22643" providerId="LiveId" clId="{0722BC45-0A43-40A6-8AB0-69C547F060B6}" dt="2021-07-12T22:10:57.962" v="508" actId="1076"/>
+          <ac:spMkLst>
+            <pc:docMk/>
+            <pc:sldMk cId="1556184242" sldId="256"/>
+            <ac:spMk id="256" creationId="{DD90AEFB-195B-413D-B5B7-3D4D0628329C}"/>
+          </ac:spMkLst>
+        </pc:spChg>
+        <pc:spChg chg="mod">
+          <ac:chgData name="Fatima Pillosu" userId="a6295d4dc9e22643" providerId="LiveId" clId="{0722BC45-0A43-40A6-8AB0-69C547F060B6}" dt="2021-07-12T22:10:57.962" v="508" actId="1076"/>
+          <ac:spMkLst>
+            <pc:docMk/>
+            <pc:sldMk cId="1556184242" sldId="256"/>
+            <ac:spMk id="257" creationId="{5CC1116A-131B-4FB0-B132-E24D18D89D61}"/>
+          </ac:spMkLst>
+        </pc:spChg>
+        <pc:spChg chg="mod">
+          <ac:chgData name="Fatima Pillosu" userId="a6295d4dc9e22643" providerId="LiveId" clId="{0722BC45-0A43-40A6-8AB0-69C547F060B6}" dt="2021-07-12T22:15:05.657" v="538" actId="208"/>
+          <ac:spMkLst>
+            <pc:docMk/>
+            <pc:sldMk cId="1556184242" sldId="256"/>
+            <ac:spMk id="258" creationId="{C0505D04-58DA-472B-886C-0ED8B43FCD7F}"/>
+          </ac:spMkLst>
+        </pc:spChg>
+        <pc:spChg chg="mod">
+          <ac:chgData name="Fatima Pillosu" userId="a6295d4dc9e22643" providerId="LiveId" clId="{0722BC45-0A43-40A6-8AB0-69C547F060B6}" dt="2021-07-12T22:15:21.613" v="542" actId="1582"/>
+          <ac:spMkLst>
+            <pc:docMk/>
+            <pc:sldMk cId="1556184242" sldId="256"/>
+            <ac:spMk id="259" creationId="{5F884A07-88C9-4679-8FE8-293E05D40495}"/>
+          </ac:spMkLst>
+        </pc:spChg>
+        <pc:spChg chg="mod">
+          <ac:chgData name="Fatima Pillosu" userId="a6295d4dc9e22643" providerId="LiveId" clId="{0722BC45-0A43-40A6-8AB0-69C547F060B6}" dt="2021-07-12T22:10:57.962" v="508" actId="1076"/>
+          <ac:spMkLst>
+            <pc:docMk/>
+            <pc:sldMk cId="1556184242" sldId="256"/>
+            <ac:spMk id="260" creationId="{4ECB0350-EB89-456B-978B-8F20719B891F}"/>
+          </ac:spMkLst>
+        </pc:spChg>
+        <pc:spChg chg="mod">
+          <ac:chgData name="Fatima Pillosu" userId="a6295d4dc9e22643" providerId="LiveId" clId="{0722BC45-0A43-40A6-8AB0-69C547F060B6}" dt="2021-07-12T22:10:57.962" v="508" actId="1076"/>
+          <ac:spMkLst>
+            <pc:docMk/>
+            <pc:sldMk cId="1556184242" sldId="256"/>
+            <ac:spMk id="261" creationId="{DDDE9C9D-5739-456E-8F56-0DF4D234B52F}"/>
+          </ac:spMkLst>
+        </pc:spChg>
+        <pc:spChg chg="mod">
+          <ac:chgData name="Fatima Pillosu" userId="a6295d4dc9e22643" providerId="LiveId" clId="{0722BC45-0A43-40A6-8AB0-69C547F060B6}" dt="2021-07-12T22:07:06.223" v="444" actId="255"/>
+          <ac:spMkLst>
+            <pc:docMk/>
+            <pc:sldMk cId="1556184242" sldId="256"/>
+            <ac:spMk id="263" creationId="{B959478B-2650-492C-8B85-A17DD49751BC}"/>
+          </ac:spMkLst>
+        </pc:spChg>
+        <pc:spChg chg="mod">
+          <ac:chgData name="Fatima Pillosu" userId="a6295d4dc9e22643" providerId="LiveId" clId="{0722BC45-0A43-40A6-8AB0-69C547F060B6}" dt="2021-07-12T22:10:57.962" v="508" actId="1076"/>
+          <ac:spMkLst>
+            <pc:docMk/>
+            <pc:sldMk cId="1556184242" sldId="256"/>
+            <ac:spMk id="264" creationId="{6ABAAF0F-CF08-492A-86D4-760FAE2CA824}"/>
+          </ac:spMkLst>
+        </pc:spChg>
+        <pc:spChg chg="mod">
+          <ac:chgData name="Fatima Pillosu" userId="a6295d4dc9e22643" providerId="LiveId" clId="{0722BC45-0A43-40A6-8AB0-69C547F060B6}" dt="2021-07-12T22:10:57.962" v="508" actId="1076"/>
+          <ac:spMkLst>
+            <pc:docMk/>
+            <pc:sldMk cId="1556184242" sldId="256"/>
+            <ac:spMk id="265" creationId="{89F31147-29A2-4929-B82D-AF9421491784}"/>
+          </ac:spMkLst>
+        </pc:spChg>
+        <pc:spChg chg="mod">
+          <ac:chgData name="Fatima Pillosu" userId="a6295d4dc9e22643" providerId="LiveId" clId="{0722BC45-0A43-40A6-8AB0-69C547F060B6}" dt="2021-07-12T22:04:24.336" v="323" actId="14100"/>
+          <ac:spMkLst>
+            <pc:docMk/>
+            <pc:sldMk cId="1556184242" sldId="256"/>
+            <ac:spMk id="281" creationId="{0E880B15-1847-41EE-99C7-8E5B03F20828}"/>
+          </ac:spMkLst>
+        </pc:spChg>
+        <pc:spChg chg="mod">
+          <ac:chgData name="Fatima Pillosu" userId="a6295d4dc9e22643" providerId="LiveId" clId="{0722BC45-0A43-40A6-8AB0-69C547F060B6}" dt="2021-07-12T22:10:19.251" v="504" actId="20577"/>
+          <ac:spMkLst>
+            <pc:docMk/>
+            <pc:sldMk cId="1556184242" sldId="256"/>
+            <ac:spMk id="283" creationId="{0B6251A1-8339-431B-9243-12EC78CE9FEC}"/>
+          </ac:spMkLst>
+        </pc:spChg>
+        <pc:spChg chg="mod">
+          <ac:chgData name="Fatima Pillosu" userId="a6295d4dc9e22643" providerId="LiveId" clId="{0722BC45-0A43-40A6-8AB0-69C547F060B6}" dt="2021-07-12T22:07:06.223" v="444" actId="255"/>
+          <ac:spMkLst>
+            <pc:docMk/>
+            <pc:sldMk cId="1556184242" sldId="256"/>
+            <ac:spMk id="286" creationId="{9209AB5A-523A-41D0-9398-2AED3E617554}"/>
+          </ac:spMkLst>
+        </pc:spChg>
+        <pc:spChg chg="mod">
+          <ac:chgData name="Fatima Pillosu" userId="a6295d4dc9e22643" providerId="LiveId" clId="{0722BC45-0A43-40A6-8AB0-69C547F060B6}" dt="2021-07-12T22:06:58.519" v="443" actId="1038"/>
+          <ac:spMkLst>
+            <pc:docMk/>
+            <pc:sldMk cId="1556184242" sldId="256"/>
+            <ac:spMk id="287" creationId="{EDC4D2F2-4847-4BE3-955C-02FF868CBD9C}"/>
+          </ac:spMkLst>
+        </pc:spChg>
+        <pc:spChg chg="mod">
+          <ac:chgData name="Fatima Pillosu" userId="a6295d4dc9e22643" providerId="LiveId" clId="{0722BC45-0A43-40A6-8AB0-69C547F060B6}" dt="2021-07-12T22:12:08.966" v="534" actId="1035"/>
+          <ac:spMkLst>
+            <pc:docMk/>
+            <pc:sldMk cId="1556184242" sldId="256"/>
+            <ac:spMk id="290" creationId="{02D7A26A-76EF-448A-A696-2F8B12E2F44D}"/>
+          </ac:spMkLst>
+        </pc:spChg>
+        <pc:spChg chg="mod">
+          <ac:chgData name="Fatima Pillosu" userId="a6295d4dc9e22643" providerId="LiveId" clId="{0722BC45-0A43-40A6-8AB0-69C547F060B6}" dt="2021-07-12T22:12:08.966" v="534" actId="1035"/>
+          <ac:spMkLst>
+            <pc:docMk/>
+            <pc:sldMk cId="1556184242" sldId="256"/>
+            <ac:spMk id="291" creationId="{1A6707D4-F7C0-4986-BBD0-B164607D38F6}"/>
+          </ac:spMkLst>
+        </pc:spChg>
+        <pc:spChg chg="mod">
+          <ac:chgData name="Fatima Pillosu" userId="a6295d4dc9e22643" providerId="LiveId" clId="{0722BC45-0A43-40A6-8AB0-69C547F060B6}" dt="2021-07-12T22:12:08.966" v="534" actId="1035"/>
+          <ac:spMkLst>
+            <pc:docMk/>
+            <pc:sldMk cId="1556184242" sldId="256"/>
+            <ac:spMk id="293" creationId="{9025EDCE-2C09-43A6-AB8F-68C7ACA6C243}"/>
+          </ac:spMkLst>
+        </pc:spChg>
+        <pc:spChg chg="mod">
+          <ac:chgData name="Fatima Pillosu" userId="a6295d4dc9e22643" providerId="LiveId" clId="{0722BC45-0A43-40A6-8AB0-69C547F060B6}" dt="2021-07-12T22:12:08.966" v="534" actId="1035"/>
+          <ac:spMkLst>
+            <pc:docMk/>
+            <pc:sldMk cId="1556184242" sldId="256"/>
+            <ac:spMk id="294" creationId="{9A69DAB2-F11E-4489-A1B4-12944180E88F}"/>
+          </ac:spMkLst>
+        </pc:spChg>
+        <pc:spChg chg="mod">
+          <ac:chgData name="Fatima Pillosu" userId="a6295d4dc9e22643" providerId="LiveId" clId="{0722BC45-0A43-40A6-8AB0-69C547F060B6}" dt="2021-07-12T22:12:08.966" v="534" actId="1035"/>
+          <ac:spMkLst>
+            <pc:docMk/>
+            <pc:sldMk cId="1556184242" sldId="256"/>
+            <ac:spMk id="296" creationId="{9553478D-550C-4161-9A74-F83E81E2DB4C}"/>
+          </ac:spMkLst>
+        </pc:spChg>
+        <pc:spChg chg="mod">
+          <ac:chgData name="Fatima Pillosu" userId="a6295d4dc9e22643" providerId="LiveId" clId="{0722BC45-0A43-40A6-8AB0-69C547F060B6}" dt="2021-07-12T22:12:08.966" v="534" actId="1035"/>
+          <ac:spMkLst>
+            <pc:docMk/>
+            <pc:sldMk cId="1556184242" sldId="256"/>
+            <ac:spMk id="297" creationId="{07CDB1FA-2654-4D69-8F9B-600501236360}"/>
+          </ac:spMkLst>
+        </pc:spChg>
+        <pc:spChg chg="mod">
+          <ac:chgData name="Fatima Pillosu" userId="a6295d4dc9e22643" providerId="LiveId" clId="{0722BC45-0A43-40A6-8AB0-69C547F060B6}" dt="2021-07-12T22:12:08.966" v="534" actId="1035"/>
+          <ac:spMkLst>
+            <pc:docMk/>
+            <pc:sldMk cId="1556184242" sldId="256"/>
+            <ac:spMk id="298" creationId="{4035A280-B58D-44BC-A9A7-A2FC855CBF29}"/>
+          </ac:spMkLst>
+        </pc:spChg>
+        <pc:spChg chg="mod">
+          <ac:chgData name="Fatima Pillosu" userId="a6295d4dc9e22643" providerId="LiveId" clId="{0722BC45-0A43-40A6-8AB0-69C547F060B6}" dt="2021-07-12T22:12:08.966" v="534" actId="1035"/>
+          <ac:spMkLst>
+            <pc:docMk/>
+            <pc:sldMk cId="1556184242" sldId="256"/>
+            <ac:spMk id="301" creationId="{2AB7CF5C-D4CF-4725-AAA1-BE3C4C3CDB80}"/>
+          </ac:spMkLst>
+        </pc:spChg>
+        <pc:spChg chg="mod">
+          <ac:chgData name="Fatima Pillosu" userId="a6295d4dc9e22643" providerId="LiveId" clId="{0722BC45-0A43-40A6-8AB0-69C547F060B6}" dt="2021-07-12T22:10:21.753" v="506" actId="20577"/>
+          <ac:spMkLst>
+            <pc:docMk/>
+            <pc:sldMk cId="1556184242" sldId="256"/>
+            <ac:spMk id="302" creationId="{24CF1CE7-D2CA-494C-9CD1-00C9D0078B0F}"/>
+          </ac:spMkLst>
+        </pc:spChg>
+        <pc:spChg chg="mod">
+          <ac:chgData name="Fatima Pillosu" userId="a6295d4dc9e22643" providerId="LiveId" clId="{0722BC45-0A43-40A6-8AB0-69C547F060B6}" dt="2021-07-12T22:08:38.345" v="456" actId="1076"/>
+          <ac:spMkLst>
+            <pc:docMk/>
+            <pc:sldMk cId="1556184242" sldId="256"/>
+            <ac:spMk id="303" creationId="{1396037A-0807-4F1A-9709-543D5B95A5E7}"/>
+          </ac:spMkLst>
+        </pc:spChg>
+        <pc:spChg chg="mod">
+          <ac:chgData name="Fatima Pillosu" userId="a6295d4dc9e22643" providerId="LiveId" clId="{0722BC45-0A43-40A6-8AB0-69C547F060B6}" dt="2021-07-12T22:08:38.345" v="456" actId="1076"/>
+          <ac:spMkLst>
+            <pc:docMk/>
+            <pc:sldMk cId="1556184242" sldId="256"/>
+            <ac:spMk id="304" creationId="{446659C8-A243-42F5-90AD-074188821DE2}"/>
+          </ac:spMkLst>
+        </pc:spChg>
+        <pc:spChg chg="mod">
+          <ac:chgData name="Fatima Pillosu" userId="a6295d4dc9e22643" providerId="LiveId" clId="{0722BC45-0A43-40A6-8AB0-69C547F060B6}" dt="2021-07-12T22:12:08.966" v="534" actId="1035"/>
+          <ac:spMkLst>
+            <pc:docMk/>
+            <pc:sldMk cId="1556184242" sldId="256"/>
+            <ac:spMk id="305" creationId="{FEFBA637-DC77-4D29-8001-169921D2608A}"/>
+          </ac:spMkLst>
+        </pc:spChg>
+        <pc:spChg chg="mod">
+          <ac:chgData name="Fatima Pillosu" userId="a6295d4dc9e22643" providerId="LiveId" clId="{0722BC45-0A43-40A6-8AB0-69C547F060B6}" dt="2021-07-12T22:12:08.966" v="534" actId="1035"/>
+          <ac:spMkLst>
+            <pc:docMk/>
+            <pc:sldMk cId="1556184242" sldId="256"/>
+            <ac:spMk id="306" creationId="{C86443E4-FA0B-411E-8834-90E73695E089}"/>
+          </ac:spMkLst>
+        </pc:spChg>
+        <pc:spChg chg="mod">
+          <ac:chgData name="Fatima Pillosu" userId="a6295d4dc9e22643" providerId="LiveId" clId="{0722BC45-0A43-40A6-8AB0-69C547F060B6}" dt="2021-07-12T22:12:08.966" v="534" actId="1035"/>
+          <ac:spMkLst>
+            <pc:docMk/>
+            <pc:sldMk cId="1556184242" sldId="256"/>
+            <ac:spMk id="307" creationId="{696037C6-32EB-4893-BA9C-62345C583B10}"/>
+          </ac:spMkLst>
+        </pc:spChg>
+        <pc:spChg chg="mod">
+          <ac:chgData name="Fatima Pillosu" userId="a6295d4dc9e22643" providerId="LiveId" clId="{0722BC45-0A43-40A6-8AB0-69C547F060B6}" dt="2021-07-12T22:12:08.966" v="534" actId="1035"/>
+          <ac:spMkLst>
+            <pc:docMk/>
+            <pc:sldMk cId="1556184242" sldId="256"/>
+            <ac:spMk id="308" creationId="{2EFF81FD-8E63-46A4-8012-419CBFB07853}"/>
+          </ac:spMkLst>
+        </pc:spChg>
+        <pc:spChg chg="mod">
+          <ac:chgData name="Fatima Pillosu" userId="a6295d4dc9e22643" providerId="LiveId" clId="{0722BC45-0A43-40A6-8AB0-69C547F060B6}" dt="2021-07-12T22:12:08.966" v="534" actId="1035"/>
+          <ac:spMkLst>
+            <pc:docMk/>
+            <pc:sldMk cId="1556184242" sldId="256"/>
+            <ac:spMk id="309" creationId="{EFBB774B-E87C-47AE-8CB0-87F5BC390064}"/>
+          </ac:spMkLst>
+        </pc:spChg>
+        <pc:spChg chg="mod">
+          <ac:chgData name="Fatima Pillosu" userId="a6295d4dc9e22643" providerId="LiveId" clId="{0722BC45-0A43-40A6-8AB0-69C547F060B6}" dt="2021-07-12T22:12:08.966" v="534" actId="1035"/>
+          <ac:spMkLst>
+            <pc:docMk/>
+            <pc:sldMk cId="1556184242" sldId="256"/>
+            <ac:spMk id="310" creationId="{0FE93762-62A8-44ED-8A8D-5DB99B135A1E}"/>
+          </ac:spMkLst>
+        </pc:spChg>
+        <pc:spChg chg="mod">
+          <ac:chgData name="Fatima Pillosu" userId="a6295d4dc9e22643" providerId="LiveId" clId="{0722BC45-0A43-40A6-8AB0-69C547F060B6}" dt="2021-07-12T22:12:08.966" v="534" actId="1035"/>
+          <ac:spMkLst>
+            <pc:docMk/>
+            <pc:sldMk cId="1556184242" sldId="256"/>
+            <ac:spMk id="311" creationId="{FE208EA7-26DB-4B57-9A13-8EA0EB64FEF2}"/>
+          </ac:spMkLst>
+        </pc:spChg>
+        <pc:spChg chg="mod">
+          <ac:chgData name="Fatima Pillosu" userId="a6295d4dc9e22643" providerId="LiveId" clId="{0722BC45-0A43-40A6-8AB0-69C547F060B6}" dt="2021-07-12T22:12:08.966" v="534" actId="1035"/>
+          <ac:spMkLst>
+            <pc:docMk/>
+            <pc:sldMk cId="1556184242" sldId="256"/>
+            <ac:spMk id="314" creationId="{C061B958-69BF-4BB0-8545-6C2D6FBE6DF1}"/>
+          </ac:spMkLst>
+        </pc:spChg>
+        <pc:spChg chg="mod">
+          <ac:chgData name="Fatima Pillosu" userId="a6295d4dc9e22643" providerId="LiveId" clId="{0722BC45-0A43-40A6-8AB0-69C547F060B6}" dt="2021-07-12T22:12:08.966" v="534" actId="1035"/>
+          <ac:spMkLst>
+            <pc:docMk/>
+            <pc:sldMk cId="1556184242" sldId="256"/>
+            <ac:spMk id="315" creationId="{744C2593-8EFA-4FDF-8C4C-5B3BA7CDE4BC}"/>
+          </ac:spMkLst>
+        </pc:spChg>
+        <pc:spChg chg="mod">
+          <ac:chgData name="Fatima Pillosu" userId="a6295d4dc9e22643" providerId="LiveId" clId="{0722BC45-0A43-40A6-8AB0-69C547F060B6}" dt="2021-07-12T22:12:08.966" v="534" actId="1035"/>
+          <ac:spMkLst>
+            <pc:docMk/>
+            <pc:sldMk cId="1556184242" sldId="256"/>
+            <ac:spMk id="316" creationId="{CD6B9B13-37B1-4C44-B92F-E6E95D608A3D}"/>
+          </ac:spMkLst>
+        </pc:spChg>
+        <pc:spChg chg="mod">
+          <ac:chgData name="Fatima Pillosu" userId="a6295d4dc9e22643" providerId="LiveId" clId="{0722BC45-0A43-40A6-8AB0-69C547F060B6}" dt="2021-07-12T22:12:08.966" v="534" actId="1035"/>
+          <ac:spMkLst>
+            <pc:docMk/>
+            <pc:sldMk cId="1556184242" sldId="256"/>
+            <ac:spMk id="317" creationId="{FAC94204-7A45-4693-BB2B-A598B4BED9FB}"/>
+          </ac:spMkLst>
+        </pc:spChg>
+        <pc:spChg chg="mod">
+          <ac:chgData name="Fatima Pillosu" userId="a6295d4dc9e22643" providerId="LiveId" clId="{0722BC45-0A43-40A6-8AB0-69C547F060B6}" dt="2021-07-12T22:12:08.966" v="534" actId="1035"/>
+          <ac:spMkLst>
+            <pc:docMk/>
+            <pc:sldMk cId="1556184242" sldId="256"/>
+            <ac:spMk id="318" creationId="{F70E1138-17DB-486B-BE02-616A0F56CE87}"/>
+          </ac:spMkLst>
+        </pc:spChg>
+        <pc:spChg chg="mod">
+          <ac:chgData name="Fatima Pillosu" userId="a6295d4dc9e22643" providerId="LiveId" clId="{0722BC45-0A43-40A6-8AB0-69C547F060B6}" dt="2021-07-12T22:12:08.966" v="534" actId="1035"/>
+          <ac:spMkLst>
+            <pc:docMk/>
+            <pc:sldMk cId="1556184242" sldId="256"/>
+            <ac:spMk id="319" creationId="{7091631A-1604-4077-8F45-DFB19661D523}"/>
+          </ac:spMkLst>
+        </pc:spChg>
+        <pc:spChg chg="mod">
+          <ac:chgData name="Fatima Pillosu" userId="a6295d4dc9e22643" providerId="LiveId" clId="{0722BC45-0A43-40A6-8AB0-69C547F060B6}" dt="2021-07-12T22:10:37.115" v="507" actId="1076"/>
+          <ac:spMkLst>
+            <pc:docMk/>
+            <pc:sldMk cId="1556184242" sldId="256"/>
+            <ac:spMk id="322" creationId="{8AF5F0C4-D844-499E-9D1C-AD7659019AD2}"/>
+          </ac:spMkLst>
+        </pc:spChg>
+        <pc:spChg chg="mod">
+          <ac:chgData name="Fatima Pillosu" userId="a6295d4dc9e22643" providerId="LiveId" clId="{0722BC45-0A43-40A6-8AB0-69C547F060B6}" dt="2021-07-12T22:10:37.115" v="507" actId="1076"/>
+          <ac:spMkLst>
+            <pc:docMk/>
+            <pc:sldMk cId="1556184242" sldId="256"/>
+            <ac:spMk id="323" creationId="{C4B59B97-CA6B-4D1E-BD13-29F2A5EE129B}"/>
+          </ac:spMkLst>
+        </pc:spChg>
+        <pc:spChg chg="mod">
+          <ac:chgData name="Fatima Pillosu" userId="a6295d4dc9e22643" providerId="LiveId" clId="{0722BC45-0A43-40A6-8AB0-69C547F060B6}" dt="2021-07-12T22:10:37.115" v="507" actId="1076"/>
+          <ac:spMkLst>
+            <pc:docMk/>
+            <pc:sldMk cId="1556184242" sldId="256"/>
+            <ac:spMk id="324" creationId="{2884F03D-2887-4C1D-9065-40DD3FC75CB4}"/>
+          </ac:spMkLst>
+        </pc:spChg>
+        <pc:spChg chg="mod">
+          <ac:chgData name="Fatima Pillosu" userId="a6295d4dc9e22643" providerId="LiveId" clId="{0722BC45-0A43-40A6-8AB0-69C547F060B6}" dt="2021-07-12T22:10:37.115" v="507" actId="1076"/>
+          <ac:spMkLst>
+            <pc:docMk/>
+            <pc:sldMk cId="1556184242" sldId="256"/>
+            <ac:spMk id="325" creationId="{5FB0BB6C-8DE9-4A79-9235-294E72E77BC8}"/>
+          </ac:spMkLst>
+        </pc:spChg>
+        <pc:spChg chg="mod">
+          <ac:chgData name="Fatima Pillosu" userId="a6295d4dc9e22643" providerId="LiveId" clId="{0722BC45-0A43-40A6-8AB0-69C547F060B6}" dt="2021-07-12T22:10:37.115" v="507" actId="1076"/>
+          <ac:spMkLst>
+            <pc:docMk/>
+            <pc:sldMk cId="1556184242" sldId="256"/>
+            <ac:spMk id="326" creationId="{C98CBA0E-8BD8-4B8B-BD33-E2932D692186}"/>
+          </ac:spMkLst>
+        </pc:spChg>
+        <pc:spChg chg="mod">
+          <ac:chgData name="Fatima Pillosu" userId="a6295d4dc9e22643" providerId="LiveId" clId="{0722BC45-0A43-40A6-8AB0-69C547F060B6}" dt="2021-07-12T22:10:37.115" v="507" actId="1076"/>
+          <ac:spMkLst>
+            <pc:docMk/>
+            <pc:sldMk cId="1556184242" sldId="256"/>
+            <ac:spMk id="327" creationId="{9C012D6A-4CB3-41E5-B1BB-37144FFEA178}"/>
+          </ac:spMkLst>
+        </pc:spChg>
+        <pc:spChg chg="mod">
+          <ac:chgData name="Fatima Pillosu" userId="a6295d4dc9e22643" providerId="LiveId" clId="{0722BC45-0A43-40A6-8AB0-69C547F060B6}" dt="2021-07-12T22:10:37.115" v="507" actId="1076"/>
+          <ac:spMkLst>
+            <pc:docMk/>
+            <pc:sldMk cId="1556184242" sldId="256"/>
+            <ac:spMk id="328" creationId="{1DD34801-DCF7-426E-A862-8F9372B07107}"/>
+          </ac:spMkLst>
+        </pc:spChg>
+        <pc:spChg chg="mod">
+          <ac:chgData name="Fatima Pillosu" userId="a6295d4dc9e22643" providerId="LiveId" clId="{0722BC45-0A43-40A6-8AB0-69C547F060B6}" dt="2021-07-12T22:10:37.115" v="507" actId="1076"/>
+          <ac:spMkLst>
+            <pc:docMk/>
+            <pc:sldMk cId="1556184242" sldId="256"/>
+            <ac:spMk id="329" creationId="{B8B9CDC7-8A7A-4CD1-A15C-0DD551E5F9CD}"/>
+          </ac:spMkLst>
+        </pc:spChg>
+        <pc:spChg chg="mod">
+          <ac:chgData name="Fatima Pillosu" userId="a6295d4dc9e22643" providerId="LiveId" clId="{0722BC45-0A43-40A6-8AB0-69C547F060B6}" dt="2021-07-12T22:10:37.115" v="507" actId="1076"/>
+          <ac:spMkLst>
+            <pc:docMk/>
+            <pc:sldMk cId="1556184242" sldId="256"/>
+            <ac:spMk id="330" creationId="{F605D4ED-D7A0-4702-862B-1D035197B597}"/>
+          </ac:spMkLst>
+        </pc:spChg>
+        <pc:spChg chg="mod">
+          <ac:chgData name="Fatima Pillosu" userId="a6295d4dc9e22643" providerId="LiveId" clId="{0722BC45-0A43-40A6-8AB0-69C547F060B6}" dt="2021-07-12T22:10:37.115" v="507" actId="1076"/>
+          <ac:spMkLst>
+            <pc:docMk/>
+            <pc:sldMk cId="1556184242" sldId="256"/>
+            <ac:spMk id="331" creationId="{2E94CEB9-1095-40C7-8F83-B417C35413C1}"/>
+          </ac:spMkLst>
+        </pc:spChg>
+        <pc:spChg chg="mod">
+          <ac:chgData name="Fatima Pillosu" userId="a6295d4dc9e22643" providerId="LiveId" clId="{0722BC45-0A43-40A6-8AB0-69C547F060B6}" dt="2021-07-12T22:10:37.115" v="507" actId="1076"/>
+          <ac:spMkLst>
+            <pc:docMk/>
+            <pc:sldMk cId="1556184242" sldId="256"/>
+            <ac:spMk id="332" creationId="{C3214072-0184-4D36-9F78-0A550AC1B681}"/>
+          </ac:spMkLst>
+        </pc:spChg>
+        <pc:spChg chg="mod">
+          <ac:chgData name="Fatima Pillosu" userId="a6295d4dc9e22643" providerId="LiveId" clId="{0722BC45-0A43-40A6-8AB0-69C547F060B6}" dt="2021-07-12T22:10:37.115" v="507" actId="1076"/>
+          <ac:spMkLst>
+            <pc:docMk/>
+            <pc:sldMk cId="1556184242" sldId="256"/>
+            <ac:spMk id="333" creationId="{F1DF7913-CA46-4F4E-B5EB-4F36E7E4A029}"/>
+          </ac:spMkLst>
+        </pc:spChg>
+        <pc:spChg chg="mod">
+          <ac:chgData name="Fatima Pillosu" userId="a6295d4dc9e22643" providerId="LiveId" clId="{0722BC45-0A43-40A6-8AB0-69C547F060B6}" dt="2021-07-12T22:10:37.115" v="507" actId="1076"/>
+          <ac:spMkLst>
+            <pc:docMk/>
+            <pc:sldMk cId="1556184242" sldId="256"/>
+            <ac:spMk id="334" creationId="{BB281AAD-8452-45DB-B57F-EE6050AA20E9}"/>
+          </ac:spMkLst>
+        </pc:spChg>
+        <pc:spChg chg="mod">
+          <ac:chgData name="Fatima Pillosu" userId="a6295d4dc9e22643" providerId="LiveId" clId="{0722BC45-0A43-40A6-8AB0-69C547F060B6}" dt="2021-07-12T22:10:37.115" v="507" actId="1076"/>
+          <ac:spMkLst>
+            <pc:docMk/>
+            <pc:sldMk cId="1556184242" sldId="256"/>
+            <ac:spMk id="335" creationId="{2621067A-5584-498F-A613-2F1CF7C56F2F}"/>
+          </ac:spMkLst>
+        </pc:spChg>
+        <pc:spChg chg="mod">
+          <ac:chgData name="Fatima Pillosu" userId="a6295d4dc9e22643" providerId="LiveId" clId="{0722BC45-0A43-40A6-8AB0-69C547F060B6}" dt="2021-07-12T22:10:37.115" v="507" actId="1076"/>
+          <ac:spMkLst>
+            <pc:docMk/>
+            <pc:sldMk cId="1556184242" sldId="256"/>
+            <ac:spMk id="336" creationId="{37EA9084-4E78-4B14-BC04-D9F65BF5BB78}"/>
+          </ac:spMkLst>
+        </pc:spChg>
+        <pc:spChg chg="mod">
+          <ac:chgData name="Fatima Pillosu" userId="a6295d4dc9e22643" providerId="LiveId" clId="{0722BC45-0A43-40A6-8AB0-69C547F060B6}" dt="2021-07-12T22:10:37.115" v="507" actId="1076"/>
+          <ac:spMkLst>
+            <pc:docMk/>
+            <pc:sldMk cId="1556184242" sldId="256"/>
+            <ac:spMk id="337" creationId="{479B935E-BD96-4D50-B75A-A9A90842AFCB}"/>
+          </ac:spMkLst>
+        </pc:spChg>
+        <pc:spChg chg="mod">
+          <ac:chgData name="Fatima Pillosu" userId="a6295d4dc9e22643" providerId="LiveId" clId="{0722BC45-0A43-40A6-8AB0-69C547F060B6}" dt="2021-07-12T22:10:37.115" v="507" actId="1076"/>
+          <ac:spMkLst>
+            <pc:docMk/>
+            <pc:sldMk cId="1556184242" sldId="256"/>
+            <ac:spMk id="338" creationId="{59C56579-115E-4057-9FCA-777B59454FDE}"/>
+          </ac:spMkLst>
+        </pc:spChg>
+        <pc:spChg chg="add mod">
+          <ac:chgData name="Fatima Pillosu" userId="a6295d4dc9e22643" providerId="LiveId" clId="{0722BC45-0A43-40A6-8AB0-69C547F060B6}" dt="2021-07-12T22:11:40.682" v="511" actId="1076"/>
+          <ac:spMkLst>
+            <pc:docMk/>
+            <pc:sldMk cId="1556184242" sldId="256"/>
+            <ac:spMk id="341" creationId="{6A193CE6-FFD1-4E05-9A1B-0426D9F6585A}"/>
+          </ac:spMkLst>
+        </pc:spChg>
+        <pc:spChg chg="mod">
+          <ac:chgData name="Fatima Pillosu" userId="a6295d4dc9e22643" providerId="LiveId" clId="{0722BC45-0A43-40A6-8AB0-69C547F060B6}" dt="2021-07-12T22:10:37.115" v="507" actId="1076"/>
+          <ac:spMkLst>
+            <pc:docMk/>
+            <pc:sldMk cId="1556184242" sldId="256"/>
+            <ac:spMk id="342" creationId="{39FA4E1C-3C01-4D40-9422-DDBF3DDBA76F}"/>
+          </ac:spMkLst>
+        </pc:spChg>
+        <pc:spChg chg="mod">
+          <ac:chgData name="Fatima Pillosu" userId="a6295d4dc9e22643" providerId="LiveId" clId="{0722BC45-0A43-40A6-8AB0-69C547F060B6}" dt="2021-07-12T22:10:37.115" v="507" actId="1076"/>
+          <ac:spMkLst>
+            <pc:docMk/>
+            <pc:sldMk cId="1556184242" sldId="256"/>
+            <ac:spMk id="343" creationId="{E12DFDF1-E165-41F1-A21F-5DF3AF52CEFC}"/>
+          </ac:spMkLst>
+        </pc:spChg>
+        <pc:spChg chg="mod">
+          <ac:chgData name="Fatima Pillosu" userId="a6295d4dc9e22643" providerId="LiveId" clId="{0722BC45-0A43-40A6-8AB0-69C547F060B6}" dt="2021-07-12T22:10:37.115" v="507" actId="1076"/>
+          <ac:spMkLst>
+            <pc:docMk/>
+            <pc:sldMk cId="1556184242" sldId="256"/>
+            <ac:spMk id="346" creationId="{4E4FF54F-FC61-421F-AE38-58650793759E}"/>
+          </ac:spMkLst>
+        </pc:spChg>
+        <pc:spChg chg="mod">
+          <ac:chgData name="Fatima Pillosu" userId="a6295d4dc9e22643" providerId="LiveId" clId="{0722BC45-0A43-40A6-8AB0-69C547F060B6}" dt="2021-07-12T22:10:37.115" v="507" actId="1076"/>
+          <ac:spMkLst>
+            <pc:docMk/>
+            <pc:sldMk cId="1556184242" sldId="256"/>
+            <ac:spMk id="347" creationId="{0DEFE465-7380-438A-9E9D-296588E29D0C}"/>
+          </ac:spMkLst>
+        </pc:spChg>
+        <pc:spChg chg="mod">
+          <ac:chgData name="Fatima Pillosu" userId="a6295d4dc9e22643" providerId="LiveId" clId="{0722BC45-0A43-40A6-8AB0-69C547F060B6}" dt="2021-07-12T22:10:37.115" v="507" actId="1076"/>
+          <ac:spMkLst>
+            <pc:docMk/>
+            <pc:sldMk cId="1556184242" sldId="256"/>
+            <ac:spMk id="348" creationId="{A0980011-8CCC-4186-8496-9F33F1EB875A}"/>
+          </ac:spMkLst>
+        </pc:spChg>
+        <pc:spChg chg="mod">
+          <ac:chgData name="Fatima Pillosu" userId="a6295d4dc9e22643" providerId="LiveId" clId="{0722BC45-0A43-40A6-8AB0-69C547F060B6}" dt="2021-07-12T22:10:37.115" v="507" actId="1076"/>
+          <ac:spMkLst>
+            <pc:docMk/>
+            <pc:sldMk cId="1556184242" sldId="256"/>
+            <ac:spMk id="349" creationId="{852402DC-CCFE-47DF-9102-41C126A88720}"/>
+          </ac:spMkLst>
+        </pc:spChg>
+        <pc:spChg chg="mod">
+          <ac:chgData name="Fatima Pillosu" userId="a6295d4dc9e22643" providerId="LiveId" clId="{0722BC45-0A43-40A6-8AB0-69C547F060B6}" dt="2021-07-12T22:10:37.115" v="507" actId="1076"/>
+          <ac:spMkLst>
+            <pc:docMk/>
+            <pc:sldMk cId="1556184242" sldId="256"/>
+            <ac:spMk id="350" creationId="{0B5CC16D-24DB-4239-AD0A-932827FBE8B0}"/>
+          </ac:spMkLst>
+        </pc:spChg>
+        <pc:spChg chg="mod">
+          <ac:chgData name="Fatima Pillosu" userId="a6295d4dc9e22643" providerId="LiveId" clId="{0722BC45-0A43-40A6-8AB0-69C547F060B6}" dt="2021-07-12T22:10:37.115" v="507" actId="1076"/>
+          <ac:spMkLst>
+            <pc:docMk/>
+            <pc:sldMk cId="1556184242" sldId="256"/>
+            <ac:spMk id="351" creationId="{4C760117-47A0-4167-A77E-6725DCBF6DBE}"/>
+          </ac:spMkLst>
+        </pc:spChg>
+        <pc:spChg chg="mod">
+          <ac:chgData name="Fatima Pillosu" userId="a6295d4dc9e22643" providerId="LiveId" clId="{0722BC45-0A43-40A6-8AB0-69C547F060B6}" dt="2021-07-12T22:10:37.115" v="507" actId="1076"/>
+          <ac:spMkLst>
+            <pc:docMk/>
+            <pc:sldMk cId="1556184242" sldId="256"/>
+            <ac:spMk id="352" creationId="{3F59F2EB-E8E4-49C4-B9E2-B6E2B42BC505}"/>
+          </ac:spMkLst>
+        </pc:spChg>
+        <pc:spChg chg="mod">
+          <ac:chgData name="Fatima Pillosu" userId="a6295d4dc9e22643" providerId="LiveId" clId="{0722BC45-0A43-40A6-8AB0-69C547F060B6}" dt="2021-07-12T22:10:37.115" v="507" actId="1076"/>
+          <ac:spMkLst>
+            <pc:docMk/>
+            <pc:sldMk cId="1556184242" sldId="256"/>
+            <ac:spMk id="353" creationId="{62ADD646-47D0-4386-A9BB-A714EB2C9D29}"/>
+          </ac:spMkLst>
+        </pc:spChg>
+        <pc:spChg chg="mod">
+          <ac:chgData name="Fatima Pillosu" userId="a6295d4dc9e22643" providerId="LiveId" clId="{0722BC45-0A43-40A6-8AB0-69C547F060B6}" dt="2021-07-12T22:10:37.115" v="507" actId="1076"/>
+          <ac:spMkLst>
+            <pc:docMk/>
+            <pc:sldMk cId="1556184242" sldId="256"/>
+            <ac:spMk id="354" creationId="{4DF93CEF-FAB7-4246-8CD2-96DF8D3E2415}"/>
+          </ac:spMkLst>
+        </pc:spChg>
+        <pc:spChg chg="mod">
+          <ac:chgData name="Fatima Pillosu" userId="a6295d4dc9e22643" providerId="LiveId" clId="{0722BC45-0A43-40A6-8AB0-69C547F060B6}" dt="2021-07-12T22:10:37.115" v="507" actId="1076"/>
+          <ac:spMkLst>
+            <pc:docMk/>
+            <pc:sldMk cId="1556184242" sldId="256"/>
+            <ac:spMk id="355" creationId="{96EB328F-C6E4-4BA4-B645-2814ABBCEEF4}"/>
+          </ac:spMkLst>
+        </pc:spChg>
+        <pc:spChg chg="mod">
+          <ac:chgData name="Fatima Pillosu" userId="a6295d4dc9e22643" providerId="LiveId" clId="{0722BC45-0A43-40A6-8AB0-69C547F060B6}" dt="2021-07-12T22:10:37.115" v="507" actId="1076"/>
+          <ac:spMkLst>
+            <pc:docMk/>
+            <pc:sldMk cId="1556184242" sldId="256"/>
+            <ac:spMk id="356" creationId="{B0CECE20-D5E0-4B2C-B2F1-494C7770283A}"/>
+          </ac:spMkLst>
+        </pc:spChg>
+        <pc:spChg chg="mod">
+          <ac:chgData name="Fatima Pillosu" userId="a6295d4dc9e22643" providerId="LiveId" clId="{0722BC45-0A43-40A6-8AB0-69C547F060B6}" dt="2021-07-12T22:10:37.115" v="507" actId="1076"/>
+          <ac:spMkLst>
+            <pc:docMk/>
+            <pc:sldMk cId="1556184242" sldId="256"/>
+            <ac:spMk id="357" creationId="{B0864CA8-9C14-4360-B89D-F5CBBBE949B9}"/>
+          </ac:spMkLst>
+        </pc:spChg>
+        <pc:spChg chg="mod">
+          <ac:chgData name="Fatima Pillosu" userId="a6295d4dc9e22643" providerId="LiveId" clId="{0722BC45-0A43-40A6-8AB0-69C547F060B6}" dt="2021-07-12T22:10:37.115" v="507" actId="1076"/>
+          <ac:spMkLst>
+            <pc:docMk/>
+            <pc:sldMk cId="1556184242" sldId="256"/>
+            <ac:spMk id="358" creationId="{288E758D-B687-4330-B04F-82E74EFB1B72}"/>
+          </ac:spMkLst>
+        </pc:spChg>
+        <pc:spChg chg="mod">
+          <ac:chgData name="Fatima Pillosu" userId="a6295d4dc9e22643" providerId="LiveId" clId="{0722BC45-0A43-40A6-8AB0-69C547F060B6}" dt="2021-07-12T22:10:57.962" v="508" actId="1076"/>
+          <ac:spMkLst>
+            <pc:docMk/>
+            <pc:sldMk cId="1556184242" sldId="256"/>
+            <ac:spMk id="360" creationId="{2955E9BF-729A-4F86-A7DE-C69F4224B25B}"/>
+          </ac:spMkLst>
+        </pc:spChg>
+        <pc:spChg chg="mod">
+          <ac:chgData name="Fatima Pillosu" userId="a6295d4dc9e22643" providerId="LiveId" clId="{0722BC45-0A43-40A6-8AB0-69C547F060B6}" dt="2021-07-12T22:10:57.962" v="508" actId="1076"/>
+          <ac:spMkLst>
+            <pc:docMk/>
+            <pc:sldMk cId="1556184242" sldId="256"/>
+            <ac:spMk id="361" creationId="{210EE00F-D960-4875-AB28-71759FF55F25}"/>
+          </ac:spMkLst>
+        </pc:spChg>
+        <pc:spChg chg="mod">
+          <ac:chgData name="Fatima Pillosu" userId="a6295d4dc9e22643" providerId="LiveId" clId="{0722BC45-0A43-40A6-8AB0-69C547F060B6}" dt="2021-07-12T22:10:37.115" v="507" actId="1076"/>
+          <ac:spMkLst>
+            <pc:docMk/>
+            <pc:sldMk cId="1556184242" sldId="256"/>
+            <ac:spMk id="362" creationId="{766B1E77-737E-4BDD-AAF4-5F099DB44D67}"/>
+          </ac:spMkLst>
+        </pc:spChg>
+        <pc:spChg chg="mod">
+          <ac:chgData name="Fatima Pillosu" userId="a6295d4dc9e22643" providerId="LiveId" clId="{0722BC45-0A43-40A6-8AB0-69C547F060B6}" dt="2021-07-12T22:10:57.962" v="508" actId="1076"/>
+          <ac:spMkLst>
+            <pc:docMk/>
+            <pc:sldMk cId="1556184242" sldId="256"/>
+            <ac:spMk id="363" creationId="{4C08B833-0CF0-495B-8724-17B123421DAE}"/>
+          </ac:spMkLst>
+        </pc:spChg>
+        <pc:spChg chg="mod">
+          <ac:chgData name="Fatima Pillosu" userId="a6295d4dc9e22643" providerId="LiveId" clId="{0722BC45-0A43-40A6-8AB0-69C547F060B6}" dt="2021-07-12T22:10:57.962" v="508" actId="1076"/>
+          <ac:spMkLst>
+            <pc:docMk/>
+            <pc:sldMk cId="1556184242" sldId="256"/>
+            <ac:spMk id="364" creationId="{48E4A335-2E6F-4D2A-9EA3-21C0EE5C6672}"/>
+          </ac:spMkLst>
+        </pc:spChg>
+        <pc:spChg chg="mod">
+          <ac:chgData name="Fatima Pillosu" userId="a6295d4dc9e22643" providerId="LiveId" clId="{0722BC45-0A43-40A6-8AB0-69C547F060B6}" dt="2021-07-12T22:12:08.966" v="534" actId="1035"/>
+          <ac:spMkLst>
+            <pc:docMk/>
+            <pc:sldMk cId="1556184242" sldId="256"/>
+            <ac:spMk id="366" creationId="{0B47306E-F3A7-4234-B122-8455B182C68F}"/>
+          </ac:spMkLst>
+        </pc:spChg>
+        <pc:spChg chg="mod">
+          <ac:chgData name="Fatima Pillosu" userId="a6295d4dc9e22643" providerId="LiveId" clId="{0722BC45-0A43-40A6-8AB0-69C547F060B6}" dt="2021-07-12T22:10:57.962" v="508" actId="1076"/>
+          <ac:spMkLst>
+            <pc:docMk/>
+            <pc:sldMk cId="1556184242" sldId="256"/>
+            <ac:spMk id="367" creationId="{45373C3D-7A27-4C8A-8121-EEDA9BDD4AA6}"/>
+          </ac:spMkLst>
+        </pc:spChg>
+        <pc:spChg chg="mod">
+          <ac:chgData name="Fatima Pillosu" userId="a6295d4dc9e22643" providerId="LiveId" clId="{0722BC45-0A43-40A6-8AB0-69C547F060B6}" dt="2021-07-12T22:10:57.962" v="508" actId="1076"/>
+          <ac:spMkLst>
+            <pc:docMk/>
+            <pc:sldMk cId="1556184242" sldId="256"/>
+            <ac:spMk id="368" creationId="{36E1A55D-C428-4882-9F66-DF84EF97296F}"/>
+          </ac:spMkLst>
+        </pc:spChg>
+        <pc:spChg chg="mod">
+          <ac:chgData name="Fatima Pillosu" userId="a6295d4dc9e22643" providerId="LiveId" clId="{0722BC45-0A43-40A6-8AB0-69C547F060B6}" dt="2021-07-12T22:10:57.962" v="508" actId="1076"/>
+          <ac:spMkLst>
+            <pc:docMk/>
+            <pc:sldMk cId="1556184242" sldId="256"/>
+            <ac:spMk id="370" creationId="{1E40E8E9-03FA-4352-85CD-BACB72A06AC5}"/>
+          </ac:spMkLst>
+        </pc:spChg>
+        <pc:spChg chg="mod">
+          <ac:chgData name="Fatima Pillosu" userId="a6295d4dc9e22643" providerId="LiveId" clId="{0722BC45-0A43-40A6-8AB0-69C547F060B6}" dt="2021-07-12T22:11:40.682" v="511" actId="1076"/>
+          <ac:spMkLst>
+            <pc:docMk/>
+            <pc:sldMk cId="1556184242" sldId="256"/>
+            <ac:spMk id="371" creationId="{BF8B2A08-D849-4969-AC6B-0A1D556B0248}"/>
+          </ac:spMkLst>
+        </pc:spChg>
+        <pc:spChg chg="mod">
+          <ac:chgData name="Fatima Pillosu" userId="a6295d4dc9e22643" providerId="LiveId" clId="{0722BC45-0A43-40A6-8AB0-69C547F060B6}" dt="2021-07-12T22:10:57.962" v="508" actId="1076"/>
+          <ac:spMkLst>
+            <pc:docMk/>
+            <pc:sldMk cId="1556184242" sldId="256"/>
+            <ac:spMk id="372" creationId="{DBC20061-6FCC-4AE4-BDC0-785E01ACCFFE}"/>
+          </ac:spMkLst>
+        </pc:spChg>
+        <pc:spChg chg="mod">
+          <ac:chgData name="Fatima Pillosu" userId="a6295d4dc9e22643" providerId="LiveId" clId="{0722BC45-0A43-40A6-8AB0-69C547F060B6}" dt="2021-07-12T22:10:57.962" v="508" actId="1076"/>
+          <ac:spMkLst>
+            <pc:docMk/>
+            <pc:sldMk cId="1556184242" sldId="256"/>
+            <ac:spMk id="373" creationId="{00F4CDF1-4F3D-4AC9-81B4-B4B6B676CBE0}"/>
+          </ac:spMkLst>
+        </pc:spChg>
+        <pc:spChg chg="mod">
+          <ac:chgData name="Fatima Pillosu" userId="a6295d4dc9e22643" providerId="LiveId" clId="{0722BC45-0A43-40A6-8AB0-69C547F060B6}" dt="2021-07-12T22:15:21.613" v="542" actId="1582"/>
+          <ac:spMkLst>
+            <pc:docMk/>
+            <pc:sldMk cId="1556184242" sldId="256"/>
+            <ac:spMk id="375" creationId="{1376BC37-3355-4421-8DF7-16F909F51AEA}"/>
+          </ac:spMkLst>
+        </pc:spChg>
+        <pc:spChg chg="mod">
+          <ac:chgData name="Fatima Pillosu" userId="a6295d4dc9e22643" providerId="LiveId" clId="{0722BC45-0A43-40A6-8AB0-69C547F060B6}" dt="2021-07-12T22:10:57.962" v="508" actId="1076"/>
+          <ac:spMkLst>
+            <pc:docMk/>
+            <pc:sldMk cId="1556184242" sldId="256"/>
+            <ac:spMk id="378" creationId="{EA8741C5-A7DE-4D8E-AB13-15CA4F07D6C9}"/>
+          </ac:spMkLst>
+        </pc:spChg>
+        <pc:spChg chg="mod">
+          <ac:chgData name="Fatima Pillosu" userId="a6295d4dc9e22643" providerId="LiveId" clId="{0722BC45-0A43-40A6-8AB0-69C547F060B6}" dt="2021-07-12T22:10:57.962" v="508" actId="1076"/>
+          <ac:spMkLst>
+            <pc:docMk/>
+            <pc:sldMk cId="1556184242" sldId="256"/>
+            <ac:spMk id="379" creationId="{6E94447B-DE0B-4AF6-B15D-3AD8DBE820AF}"/>
+          </ac:spMkLst>
+        </pc:spChg>
+        <pc:spChg chg="mod">
+          <ac:chgData name="Fatima Pillosu" userId="a6295d4dc9e22643" providerId="LiveId" clId="{0722BC45-0A43-40A6-8AB0-69C547F060B6}" dt="2021-07-12T22:10:57.962" v="508" actId="1076"/>
+          <ac:spMkLst>
+            <pc:docMk/>
+            <pc:sldMk cId="1556184242" sldId="256"/>
+            <ac:spMk id="380" creationId="{E5F284DE-E8E1-48B5-BFF3-D9BE7B91BE0E}"/>
+          </ac:spMkLst>
+        </pc:spChg>
+        <pc:spChg chg="mod">
+          <ac:chgData name="Fatima Pillosu" userId="a6295d4dc9e22643" providerId="LiveId" clId="{0722BC45-0A43-40A6-8AB0-69C547F060B6}" dt="2021-07-12T22:10:57.962" v="508" actId="1076"/>
+          <ac:spMkLst>
+            <pc:docMk/>
+            <pc:sldMk cId="1556184242" sldId="256"/>
+            <ac:spMk id="381" creationId="{7CEA58D0-A7CD-4D38-B273-F38DCD14E410}"/>
+          </ac:spMkLst>
+        </pc:spChg>
+        <pc:spChg chg="mod">
+          <ac:chgData name="Fatima Pillosu" userId="a6295d4dc9e22643" providerId="LiveId" clId="{0722BC45-0A43-40A6-8AB0-69C547F060B6}" dt="2021-07-12T22:10:57.962" v="508" actId="1076"/>
+          <ac:spMkLst>
+            <pc:docMk/>
+            <pc:sldMk cId="1556184242" sldId="256"/>
+            <ac:spMk id="383" creationId="{5E4DBE2C-AF12-47AC-BA3F-9B56EA745456}"/>
+          </ac:spMkLst>
+        </pc:spChg>
+        <pc:spChg chg="mod">
+          <ac:chgData name="Fatima Pillosu" userId="a6295d4dc9e22643" providerId="LiveId" clId="{0722BC45-0A43-40A6-8AB0-69C547F060B6}" dt="2021-07-12T22:10:57.962" v="508" actId="1076"/>
+          <ac:spMkLst>
+            <pc:docMk/>
+            <pc:sldMk cId="1556184242" sldId="256"/>
+            <ac:spMk id="384" creationId="{392224C3-3F6A-4508-B3F1-585CCF62E1F9}"/>
+          </ac:spMkLst>
+        </pc:spChg>
+        <pc:spChg chg="mod">
+          <ac:chgData name="Fatima Pillosu" userId="a6295d4dc9e22643" providerId="LiveId" clId="{0722BC45-0A43-40A6-8AB0-69C547F060B6}" dt="2021-07-12T22:10:57.962" v="508" actId="1076"/>
+          <ac:spMkLst>
+            <pc:docMk/>
+            <pc:sldMk cId="1556184242" sldId="256"/>
+            <ac:spMk id="386" creationId="{EADDA20F-5536-4EA8-951C-4349B72D5A68}"/>
+          </ac:spMkLst>
+        </pc:spChg>
+        <pc:spChg chg="mod">
+          <ac:chgData name="Fatima Pillosu" userId="a6295d4dc9e22643" providerId="LiveId" clId="{0722BC45-0A43-40A6-8AB0-69C547F060B6}" dt="2021-07-12T22:10:57.962" v="508" actId="1076"/>
+          <ac:spMkLst>
+            <pc:docMk/>
+            <pc:sldMk cId="1556184242" sldId="256"/>
+            <ac:spMk id="387" creationId="{7CD3582B-DB74-46CA-8DCF-F6F6ED315C7F}"/>
+          </ac:spMkLst>
+        </pc:spChg>
+        <pc:spChg chg="mod">
+          <ac:chgData name="Fatima Pillosu" userId="a6295d4dc9e22643" providerId="LiveId" clId="{0722BC45-0A43-40A6-8AB0-69C547F060B6}" dt="2021-07-12T22:15:21.613" v="542" actId="1582"/>
+          <ac:spMkLst>
+            <pc:docMk/>
+            <pc:sldMk cId="1556184242" sldId="256"/>
+            <ac:spMk id="389" creationId="{B70A8724-E6A0-4C2B-B61E-FED19C395249}"/>
+          </ac:spMkLst>
+        </pc:spChg>
+        <pc:spChg chg="mod">
+          <ac:chgData name="Fatima Pillosu" userId="a6295d4dc9e22643" providerId="LiveId" clId="{0722BC45-0A43-40A6-8AB0-69C547F060B6}" dt="2021-07-12T22:10:57.962" v="508" actId="1076"/>
+          <ac:spMkLst>
+            <pc:docMk/>
+            <pc:sldMk cId="1556184242" sldId="256"/>
+            <ac:spMk id="394" creationId="{9C39ADBC-AF24-4995-B845-AFEC769680F2}"/>
+          </ac:spMkLst>
+        </pc:spChg>
+        <pc:spChg chg="mod">
+          <ac:chgData name="Fatima Pillosu" userId="a6295d4dc9e22643" providerId="LiveId" clId="{0722BC45-0A43-40A6-8AB0-69C547F060B6}" dt="2021-07-12T22:10:57.962" v="508" actId="1076"/>
+          <ac:spMkLst>
+            <pc:docMk/>
+            <pc:sldMk cId="1556184242" sldId="256"/>
+            <ac:spMk id="395" creationId="{E6B5CD5D-943D-4A21-9D5B-2733CB7B2ADF}"/>
+          </ac:spMkLst>
+        </pc:spChg>
+        <pc:spChg chg="mod">
+          <ac:chgData name="Fatima Pillosu" userId="a6295d4dc9e22643" providerId="LiveId" clId="{0722BC45-0A43-40A6-8AB0-69C547F060B6}" dt="2021-07-12T22:10:57.962" v="508" actId="1076"/>
+          <ac:spMkLst>
+            <pc:docMk/>
+            <pc:sldMk cId="1556184242" sldId="256"/>
+            <ac:spMk id="396" creationId="{C0A1EAE3-B743-4CA6-85BA-C8D9825813EA}"/>
+          </ac:spMkLst>
+        </pc:spChg>
+        <pc:spChg chg="mod">
+          <ac:chgData name="Fatima Pillosu" userId="a6295d4dc9e22643" providerId="LiveId" clId="{0722BC45-0A43-40A6-8AB0-69C547F060B6}" dt="2021-07-12T22:10:57.962" v="508" actId="1076"/>
+          <ac:spMkLst>
+            <pc:docMk/>
+            <pc:sldMk cId="1556184242" sldId="256"/>
+            <ac:spMk id="397" creationId="{57D540A5-8759-4A73-ACC9-9653C28239CE}"/>
+          </ac:spMkLst>
+        </pc:spChg>
+        <pc:spChg chg="mod">
+          <ac:chgData name="Fatima Pillosu" userId="a6295d4dc9e22643" providerId="LiveId" clId="{0722BC45-0A43-40A6-8AB0-69C547F060B6}" dt="2021-07-12T22:10:57.962" v="508" actId="1076"/>
+          <ac:spMkLst>
+            <pc:docMk/>
+            <pc:sldMk cId="1556184242" sldId="256"/>
+            <ac:spMk id="398" creationId="{79A4CFC4-E852-46EA-BC96-56C7C47097FB}"/>
+          </ac:spMkLst>
+        </pc:spChg>
+        <pc:spChg chg="mod">
+          <ac:chgData name="Fatima Pillosu" userId="a6295d4dc9e22643" providerId="LiveId" clId="{0722BC45-0A43-40A6-8AB0-69C547F060B6}" dt="2021-07-12T22:10:57.962" v="508" actId="1076"/>
+          <ac:spMkLst>
+            <pc:docMk/>
+            <pc:sldMk cId="1556184242" sldId="256"/>
+            <ac:spMk id="399" creationId="{3C908037-005D-45D6-BD9D-DDE4480A02CA}"/>
+          </ac:spMkLst>
+        </pc:spChg>
+        <pc:spChg chg="mod">
+          <ac:chgData name="Fatima Pillosu" userId="a6295d4dc9e22643" providerId="LiveId" clId="{0722BC45-0A43-40A6-8AB0-69C547F060B6}" dt="2021-07-12T22:10:57.962" v="508" actId="1076"/>
+          <ac:spMkLst>
+            <pc:docMk/>
+            <pc:sldMk cId="1556184242" sldId="256"/>
+            <ac:spMk id="400" creationId="{BF908C9C-E14D-400A-8E53-ACE3A2E201F0}"/>
+          </ac:spMkLst>
+        </pc:spChg>
+        <pc:spChg chg="mod">
+          <ac:chgData name="Fatima Pillosu" userId="a6295d4dc9e22643" providerId="LiveId" clId="{0722BC45-0A43-40A6-8AB0-69C547F060B6}" dt="2021-07-12T22:10:57.962" v="508" actId="1076"/>
+          <ac:spMkLst>
+            <pc:docMk/>
+            <pc:sldMk cId="1556184242" sldId="256"/>
+            <ac:spMk id="401" creationId="{673254F6-8A92-4849-BFD8-60F34C00853E}"/>
+          </ac:spMkLst>
+        </pc:spChg>
+        <pc:spChg chg="mod">
+          <ac:chgData name="Fatima Pillosu" userId="a6295d4dc9e22643" providerId="LiveId" clId="{0722BC45-0A43-40A6-8AB0-69C547F060B6}" dt="2021-07-12T22:10:57.962" v="508" actId="1076"/>
+          <ac:spMkLst>
+            <pc:docMk/>
+            <pc:sldMk cId="1556184242" sldId="256"/>
+            <ac:spMk id="402" creationId="{0F96E71D-A448-4F8C-B606-2C7EAB2D927E}"/>
+          </ac:spMkLst>
+        </pc:spChg>
+        <pc:spChg chg="mod">
+          <ac:chgData name="Fatima Pillosu" userId="a6295d4dc9e22643" providerId="LiveId" clId="{0722BC45-0A43-40A6-8AB0-69C547F060B6}" dt="2021-07-12T22:10:57.962" v="508" actId="1076"/>
+          <ac:spMkLst>
+            <pc:docMk/>
+            <pc:sldMk cId="1556184242" sldId="256"/>
+            <ac:spMk id="404" creationId="{3E66794A-9C66-45FC-A882-C94153D7182F}"/>
+          </ac:spMkLst>
+        </pc:spChg>
+        <pc:spChg chg="mod">
+          <ac:chgData name="Fatima Pillosu" userId="a6295d4dc9e22643" providerId="LiveId" clId="{0722BC45-0A43-40A6-8AB0-69C547F060B6}" dt="2021-07-12T22:10:57.962" v="508" actId="1076"/>
+          <ac:spMkLst>
+            <pc:docMk/>
+            <pc:sldMk cId="1556184242" sldId="256"/>
+            <ac:spMk id="405" creationId="{DAA12CBB-58B6-4074-8F45-4072562079FA}"/>
+          </ac:spMkLst>
+        </pc:spChg>
+        <pc:spChg chg="mod">
+          <ac:chgData name="Fatima Pillosu" userId="a6295d4dc9e22643" providerId="LiveId" clId="{0722BC45-0A43-40A6-8AB0-69C547F060B6}" dt="2021-07-12T22:10:57.962" v="508" actId="1076"/>
+          <ac:spMkLst>
+            <pc:docMk/>
+            <pc:sldMk cId="1556184242" sldId="256"/>
+            <ac:spMk id="406" creationId="{545E4E6F-9854-4162-AAB7-F911F26618B0}"/>
+          </ac:spMkLst>
+        </pc:spChg>
+        <pc:spChg chg="mod">
+          <ac:chgData name="Fatima Pillosu" userId="a6295d4dc9e22643" providerId="LiveId" clId="{0722BC45-0A43-40A6-8AB0-69C547F060B6}" dt="2021-07-12T22:10:57.962" v="508" actId="1076"/>
+          <ac:spMkLst>
+            <pc:docMk/>
+            <pc:sldMk cId="1556184242" sldId="256"/>
+            <ac:spMk id="408" creationId="{AD656F40-95B9-4CCE-B312-33A1CE6CF929}"/>
+          </ac:spMkLst>
+        </pc:spChg>
+        <pc:spChg chg="mod">
+          <ac:chgData name="Fatima Pillosu" userId="a6295d4dc9e22643" providerId="LiveId" clId="{0722BC45-0A43-40A6-8AB0-69C547F060B6}" dt="2021-07-12T22:10:57.962" v="508" actId="1076"/>
+          <ac:spMkLst>
+            <pc:docMk/>
+            <pc:sldMk cId="1556184242" sldId="256"/>
+            <ac:spMk id="409" creationId="{642E725B-D1EA-4141-BCFE-9931759C9C8E}"/>
+          </ac:spMkLst>
+        </pc:spChg>
+        <pc:spChg chg="mod">
+          <ac:chgData name="Fatima Pillosu" userId="a6295d4dc9e22643" providerId="LiveId" clId="{0722BC45-0A43-40A6-8AB0-69C547F060B6}" dt="2021-07-12T22:10:57.962" v="508" actId="1076"/>
+          <ac:spMkLst>
+            <pc:docMk/>
+            <pc:sldMk cId="1556184242" sldId="256"/>
+            <ac:spMk id="413" creationId="{EA82C7CD-FDFB-4D15-9619-40C934AF4F9A}"/>
+          </ac:spMkLst>
+        </pc:spChg>
+        <pc:spChg chg="mod">
+          <ac:chgData name="Fatima Pillosu" userId="a6295d4dc9e22643" providerId="LiveId" clId="{0722BC45-0A43-40A6-8AB0-69C547F060B6}" dt="2021-07-12T22:10:57.962" v="508" actId="1076"/>
+          <ac:spMkLst>
+            <pc:docMk/>
+            <pc:sldMk cId="1556184242" sldId="256"/>
+            <ac:spMk id="414" creationId="{065DF4DC-738E-4C59-9180-CD8E40616C35}"/>
+          </ac:spMkLst>
+        </pc:spChg>
+        <pc:spChg chg="mod">
+          <ac:chgData name="Fatima Pillosu" userId="a6295d4dc9e22643" providerId="LiveId" clId="{0722BC45-0A43-40A6-8AB0-69C547F060B6}" dt="2021-07-12T22:15:21.613" v="542" actId="1582"/>
+          <ac:spMkLst>
+            <pc:docMk/>
+            <pc:sldMk cId="1556184242" sldId="256"/>
+            <ac:spMk id="415" creationId="{3F93A714-984C-4648-84EC-0D537549F4C4}"/>
+          </ac:spMkLst>
+        </pc:spChg>
+        <pc:spChg chg="mod">
+          <ac:chgData name="Fatima Pillosu" userId="a6295d4dc9e22643" providerId="LiveId" clId="{0722BC45-0A43-40A6-8AB0-69C547F060B6}" dt="2021-07-12T22:15:21.613" v="542" actId="1582"/>
+          <ac:spMkLst>
+            <pc:docMk/>
+            <pc:sldMk cId="1556184242" sldId="256"/>
+            <ac:spMk id="416" creationId="{03BCD265-9545-4826-AFF5-BB63421EAF63}"/>
+          </ac:spMkLst>
+        </pc:spChg>
+        <pc:spChg chg="mod">
+          <ac:chgData name="Fatima Pillosu" userId="a6295d4dc9e22643" providerId="LiveId" clId="{0722BC45-0A43-40A6-8AB0-69C547F060B6}" dt="2021-07-12T22:10:57.962" v="508" actId="1076"/>
+          <ac:spMkLst>
+            <pc:docMk/>
+            <pc:sldMk cId="1556184242" sldId="256"/>
+            <ac:spMk id="417" creationId="{A740B2EA-0D06-4483-93D2-75CE7AD86D3C}"/>
+          </ac:spMkLst>
+        </pc:spChg>
+        <pc:spChg chg="mod">
+          <ac:chgData name="Fatima Pillosu" userId="a6295d4dc9e22643" providerId="LiveId" clId="{0722BC45-0A43-40A6-8AB0-69C547F060B6}" dt="2021-07-12T22:10:57.962" v="508" actId="1076"/>
+          <ac:spMkLst>
+            <pc:docMk/>
+            <pc:sldMk cId="1556184242" sldId="256"/>
+            <ac:spMk id="418" creationId="{9A389DBC-5221-43EA-9387-CEBC1FF877DE}"/>
+          </ac:spMkLst>
+        </pc:spChg>
+        <pc:spChg chg="mod">
+          <ac:chgData name="Fatima Pillosu" userId="a6295d4dc9e22643" providerId="LiveId" clId="{0722BC45-0A43-40A6-8AB0-69C547F060B6}" dt="2021-07-12T22:10:57.962" v="508" actId="1076"/>
+          <ac:spMkLst>
+            <pc:docMk/>
+            <pc:sldMk cId="1556184242" sldId="256"/>
+            <ac:spMk id="419" creationId="{83606D61-A71C-49DE-A31F-82E21D4F3916}"/>
+          </ac:spMkLst>
+        </pc:spChg>
+        <pc:spChg chg="mod">
+          <ac:chgData name="Fatima Pillosu" userId="a6295d4dc9e22643" providerId="LiveId" clId="{0722BC45-0A43-40A6-8AB0-69C547F060B6}" dt="2021-07-12T22:10:57.962" v="508" actId="1076"/>
+          <ac:spMkLst>
+            <pc:docMk/>
+            <pc:sldMk cId="1556184242" sldId="256"/>
+            <ac:spMk id="420" creationId="{761884C5-0F3E-4EB1-A154-1D8CC4DE74EE}"/>
+          </ac:spMkLst>
+        </pc:spChg>
+        <pc:spChg chg="mod">
+          <ac:chgData name="Fatima Pillosu" userId="a6295d4dc9e22643" providerId="LiveId" clId="{0722BC45-0A43-40A6-8AB0-69C547F060B6}" dt="2021-07-12T22:10:37.115" v="507" actId="1076"/>
+          <ac:spMkLst>
+            <pc:docMk/>
+            <pc:sldMk cId="1556184242" sldId="256"/>
+            <ac:spMk id="430" creationId="{1ACCE833-703B-4D07-A803-C92C7DA8FF64}"/>
+          </ac:spMkLst>
+        </pc:spChg>
+        <pc:spChg chg="mod">
+          <ac:chgData name="Fatima Pillosu" userId="a6295d4dc9e22643" providerId="LiveId" clId="{0722BC45-0A43-40A6-8AB0-69C547F060B6}" dt="2021-07-12T22:10:37.115" v="507" actId="1076"/>
+          <ac:spMkLst>
+            <pc:docMk/>
+            <pc:sldMk cId="1556184242" sldId="256"/>
+            <ac:spMk id="431" creationId="{8AAC383A-8C33-4489-85C7-7E1F2B731C38}"/>
+          </ac:spMkLst>
+        </pc:spChg>
+        <pc:spChg chg="mod">
+          <ac:chgData name="Fatima Pillosu" userId="a6295d4dc9e22643" providerId="LiveId" clId="{0722BC45-0A43-40A6-8AB0-69C547F060B6}" dt="2021-07-12T22:07:37.247" v="448" actId="1076"/>
+          <ac:spMkLst>
+            <pc:docMk/>
+            <pc:sldMk cId="1556184242" sldId="256"/>
+            <ac:spMk id="444" creationId="{208C1AA6-A1EE-464B-B5A6-BA90E6CEE7BF}"/>
+          </ac:spMkLst>
+        </pc:spChg>
+        <pc:spChg chg="mod">
+          <ac:chgData name="Fatima Pillosu" userId="a6295d4dc9e22643" providerId="LiveId" clId="{0722BC45-0A43-40A6-8AB0-69C547F060B6}" dt="2021-07-12T22:10:37.115" v="507" actId="1076"/>
+          <ac:spMkLst>
+            <pc:docMk/>
+            <pc:sldMk cId="1556184242" sldId="256"/>
+            <ac:spMk id="447" creationId="{24A3973D-BDE4-4277-9386-F2AF0C14BFD1}"/>
+          </ac:spMkLst>
+        </pc:spChg>
+        <pc:grpChg chg="mod">
+          <ac:chgData name="Fatima Pillosu" userId="a6295d4dc9e22643" providerId="LiveId" clId="{0722BC45-0A43-40A6-8AB0-69C547F060B6}" dt="2021-07-12T22:07:37.247" v="448" actId="1076"/>
+          <ac:grpSpMkLst>
+            <pc:docMk/>
+            <pc:sldMk cId="1556184242" sldId="256"/>
+            <ac:grpSpMk id="48" creationId="{575C6F73-2167-4EA8-994F-C72975D9DF5E}"/>
+          </ac:grpSpMkLst>
+        </pc:grpChg>
+        <pc:grpChg chg="mod">
+          <ac:chgData name="Fatima Pillosu" userId="a6295d4dc9e22643" providerId="LiveId" clId="{0722BC45-0A43-40A6-8AB0-69C547F060B6}" dt="2021-07-12T22:00:03.756" v="200" actId="1076"/>
+          <ac:grpSpMkLst>
+            <pc:docMk/>
+            <pc:sldMk cId="1556184242" sldId="256"/>
+            <ac:grpSpMk id="208" creationId="{FB0BB253-3F8F-42FF-A0EB-3A9C0F436037}"/>
+          </ac:grpSpMkLst>
+        </pc:grpChg>
+        <pc:picChg chg="mod">
+          <ac:chgData name="Fatima Pillosu" userId="a6295d4dc9e22643" providerId="LiveId" clId="{0722BC45-0A43-40A6-8AB0-69C547F060B6}" dt="2021-07-12T22:10:57.962" v="508" actId="1076"/>
+          <ac:picMkLst>
+            <pc:docMk/>
+            <pc:sldMk cId="1556184242" sldId="256"/>
+            <ac:picMk id="205" creationId="{3EB312AB-5F4B-4B5A-A01C-289BFCD9BC49}"/>
+          </ac:picMkLst>
+        </pc:picChg>
+        <pc:picChg chg="mod">
+          <ac:chgData name="Fatima Pillosu" userId="a6295d4dc9e22643" providerId="LiveId" clId="{0722BC45-0A43-40A6-8AB0-69C547F060B6}" dt="2021-07-12T22:11:40.682" v="511" actId="1076"/>
+          <ac:picMkLst>
+            <pc:docMk/>
+            <pc:sldMk cId="1556184242" sldId="256"/>
+            <ac:picMk id="214" creationId="{E878DB3F-3435-4A10-9EFF-1B5E47CF8FE4}"/>
+          </ac:picMkLst>
+        </pc:picChg>
+        <pc:picChg chg="mod">
+          <ac:chgData name="Fatima Pillosu" userId="a6295d4dc9e22643" providerId="LiveId" clId="{0722BC45-0A43-40A6-8AB0-69C547F060B6}" dt="2021-07-12T22:10:37.115" v="507" actId="1076"/>
+          <ac:picMkLst>
+            <pc:docMk/>
+            <pc:sldMk cId="1556184242" sldId="256"/>
+            <ac:picMk id="320" creationId="{C6548451-C351-41AC-AF24-8928FF5B5030}"/>
+          </ac:picMkLst>
+        </pc:picChg>
+        <pc:picChg chg="mod">
+          <ac:chgData name="Fatima Pillosu" userId="a6295d4dc9e22643" providerId="LiveId" clId="{0722BC45-0A43-40A6-8AB0-69C547F060B6}" dt="2021-07-12T22:10:37.115" v="507" actId="1076"/>
+          <ac:picMkLst>
+            <pc:docMk/>
+            <pc:sldMk cId="1556184242" sldId="256"/>
+            <ac:picMk id="321" creationId="{EE7851D5-911C-4905-8954-908DDE21A48D}"/>
+          </ac:picMkLst>
+        </pc:picChg>
+        <pc:picChg chg="mod">
+          <ac:chgData name="Fatima Pillosu" userId="a6295d4dc9e22643" providerId="LiveId" clId="{0722BC45-0A43-40A6-8AB0-69C547F060B6}" dt="2021-07-12T22:10:37.115" v="507" actId="1076"/>
+          <ac:picMkLst>
+            <pc:docMk/>
+            <pc:sldMk cId="1556184242" sldId="256"/>
+            <ac:picMk id="340" creationId="{4ECADC9F-2D6A-4C4C-AC40-9040DD1821FF}"/>
+          </ac:picMkLst>
+        </pc:picChg>
+        <pc:picChg chg="mod">
+          <ac:chgData name="Fatima Pillosu" userId="a6295d4dc9e22643" providerId="LiveId" clId="{0722BC45-0A43-40A6-8AB0-69C547F060B6}" dt="2021-07-12T22:10:37.115" v="507" actId="1076"/>
+          <ac:picMkLst>
+            <pc:docMk/>
+            <pc:sldMk cId="1556184242" sldId="256"/>
+            <ac:picMk id="344" creationId="{D01FEC97-C295-4744-BF41-969EC571FFFA}"/>
+          </ac:picMkLst>
+        </pc:picChg>
+        <pc:picChg chg="mod">
+          <ac:chgData name="Fatima Pillosu" userId="a6295d4dc9e22643" providerId="LiveId" clId="{0722BC45-0A43-40A6-8AB0-69C547F060B6}" dt="2021-07-12T22:10:37.115" v="507" actId="1076"/>
+          <ac:picMkLst>
+            <pc:docMk/>
+            <pc:sldMk cId="1556184242" sldId="256"/>
+            <ac:picMk id="345" creationId="{85C500EB-A299-49EF-8E51-38B610DFC53E}"/>
+          </ac:picMkLst>
+        </pc:picChg>
+        <pc:picChg chg="mod">
+          <ac:chgData name="Fatima Pillosu" userId="a6295d4dc9e22643" providerId="LiveId" clId="{0722BC45-0A43-40A6-8AB0-69C547F060B6}" dt="2021-07-12T22:10:37.115" v="507" actId="1076"/>
+          <ac:picMkLst>
+            <pc:docMk/>
+            <pc:sldMk cId="1556184242" sldId="256"/>
+            <ac:picMk id="359" creationId="{235B7CDE-7665-43CB-9279-C6080D77373D}"/>
+          </ac:picMkLst>
+        </pc:picChg>
+        <pc:cxnChg chg="mod">
+          <ac:chgData name="Fatima Pillosu" userId="a6295d4dc9e22643" providerId="LiveId" clId="{0722BC45-0A43-40A6-8AB0-69C547F060B6}" dt="2021-07-12T22:04:31.472" v="325" actId="1076"/>
+          <ac:cxnSpMkLst>
+            <pc:docMk/>
+            <pc:sldMk cId="1556184242" sldId="256"/>
+            <ac:cxnSpMk id="47" creationId="{C4961017-59A3-4092-BEF4-9DC871391D22}"/>
+          </ac:cxnSpMkLst>
+        </pc:cxnChg>
+        <pc:cxnChg chg="mod">
+          <ac:chgData name="Fatima Pillosu" userId="a6295d4dc9e22643" providerId="LiveId" clId="{0722BC45-0A43-40A6-8AB0-69C547F060B6}" dt="2021-07-12T22:15:13.753" v="540" actId="208"/>
+          <ac:cxnSpMkLst>
+            <pc:docMk/>
+            <pc:sldMk cId="1556184242" sldId="256"/>
+            <ac:cxnSpMk id="211" creationId="{8D6DAB1C-1F08-4F40-9B7A-4B1FAE6E1B9E}"/>
+          </ac:cxnSpMkLst>
+        </pc:cxnChg>
+        <pc:cxnChg chg="mod">
+          <ac:chgData name="Fatima Pillosu" userId="a6295d4dc9e22643" providerId="LiveId" clId="{0722BC45-0A43-40A6-8AB0-69C547F060B6}" dt="2021-07-12T22:12:08.966" v="534" actId="1035"/>
+          <ac:cxnSpMkLst>
+            <pc:docMk/>
+            <pc:sldMk cId="1556184242" sldId="256"/>
+            <ac:cxnSpMk id="292" creationId="{34B031D1-A4DD-44DF-94F0-A8303B0531A7}"/>
+          </ac:cxnSpMkLst>
+        </pc:cxnChg>
+        <pc:cxnChg chg="mod">
+          <ac:chgData name="Fatima Pillosu" userId="a6295d4dc9e22643" providerId="LiveId" clId="{0722BC45-0A43-40A6-8AB0-69C547F060B6}" dt="2021-07-12T22:12:08.966" v="534" actId="1035"/>
+          <ac:cxnSpMkLst>
+            <pc:docMk/>
+            <pc:sldMk cId="1556184242" sldId="256"/>
+            <ac:cxnSpMk id="295" creationId="{8C104D11-9F17-4F81-911D-EE632B8453FA}"/>
+          </ac:cxnSpMkLst>
+        </pc:cxnChg>
+        <pc:cxnChg chg="mod">
+          <ac:chgData name="Fatima Pillosu" userId="a6295d4dc9e22643" providerId="LiveId" clId="{0722BC45-0A43-40A6-8AB0-69C547F060B6}" dt="2021-07-12T22:12:08.966" v="534" actId="1035"/>
+          <ac:cxnSpMkLst>
+            <pc:docMk/>
+            <pc:sldMk cId="1556184242" sldId="256"/>
+            <ac:cxnSpMk id="299" creationId="{A2254684-217C-496A-9676-7DA3B5850FB4}"/>
+          </ac:cxnSpMkLst>
+        </pc:cxnChg>
+        <pc:cxnChg chg="mod">
+          <ac:chgData name="Fatima Pillosu" userId="a6295d4dc9e22643" providerId="LiveId" clId="{0722BC45-0A43-40A6-8AB0-69C547F060B6}" dt="2021-07-12T22:12:08.966" v="534" actId="1035"/>
+          <ac:cxnSpMkLst>
+            <pc:docMk/>
+            <pc:sldMk cId="1556184242" sldId="256"/>
+            <ac:cxnSpMk id="300" creationId="{FF439935-A570-4757-881A-62AE8E07A953}"/>
+          </ac:cxnSpMkLst>
+        </pc:cxnChg>
+        <pc:cxnChg chg="mod">
+          <ac:chgData name="Fatima Pillosu" userId="a6295d4dc9e22643" providerId="LiveId" clId="{0722BC45-0A43-40A6-8AB0-69C547F060B6}" dt="2021-07-12T22:12:08.966" v="534" actId="1035"/>
+          <ac:cxnSpMkLst>
+            <pc:docMk/>
+            <pc:sldMk cId="1556184242" sldId="256"/>
+            <ac:cxnSpMk id="312" creationId="{9CCB0056-2C54-4264-94DA-9DF414FDD1CB}"/>
+          </ac:cxnSpMkLst>
+        </pc:cxnChg>
+        <pc:cxnChg chg="mod">
+          <ac:chgData name="Fatima Pillosu" userId="a6295d4dc9e22643" providerId="LiveId" clId="{0722BC45-0A43-40A6-8AB0-69C547F060B6}" dt="2021-07-12T22:12:08.966" v="534" actId="1035"/>
+          <ac:cxnSpMkLst>
+            <pc:docMk/>
+            <pc:sldMk cId="1556184242" sldId="256"/>
+            <ac:cxnSpMk id="313" creationId="{ECE0261A-5035-4549-BA0A-F0E48B3D0AB2}"/>
+          </ac:cxnSpMkLst>
+        </pc:cxnChg>
+        <pc:cxnChg chg="mod">
+          <ac:chgData name="Fatima Pillosu" userId="a6295d4dc9e22643" providerId="LiveId" clId="{0722BC45-0A43-40A6-8AB0-69C547F060B6}" dt="2021-07-12T22:12:08.966" v="534" actId="1035"/>
+          <ac:cxnSpMkLst>
+            <pc:docMk/>
+            <pc:sldMk cId="1556184242" sldId="256"/>
+            <ac:cxnSpMk id="365" creationId="{503523DA-A511-471D-B6DF-7C2B7B67FA75}"/>
+          </ac:cxnSpMkLst>
+        </pc:cxnChg>
+        <pc:cxnChg chg="mod">
+          <ac:chgData name="Fatima Pillosu" userId="a6295d4dc9e22643" providerId="LiveId" clId="{0722BC45-0A43-40A6-8AB0-69C547F060B6}" dt="2021-07-12T22:15:21.613" v="542" actId="1582"/>
+          <ac:cxnSpMkLst>
+            <pc:docMk/>
+            <pc:sldMk cId="1556184242" sldId="256"/>
+            <ac:cxnSpMk id="421" creationId="{4DC83DDA-68F2-4E8F-B386-FC65B108A5B3}"/>
+          </ac:cxnSpMkLst>
+        </pc:cxnChg>
+        <pc:cxnChg chg="mod">
+          <ac:chgData name="Fatima Pillosu" userId="a6295d4dc9e22643" providerId="LiveId" clId="{0722BC45-0A43-40A6-8AB0-69C547F060B6}" dt="2021-07-12T22:15:21.613" v="542" actId="1582"/>
+          <ac:cxnSpMkLst>
+            <pc:docMk/>
+            <pc:sldMk cId="1556184242" sldId="256"/>
+            <ac:cxnSpMk id="422" creationId="{C43DFA75-0F1B-4F3B-B10B-B5385503A9AE}"/>
+          </ac:cxnSpMkLst>
+        </pc:cxnChg>
+        <pc:cxnChg chg="mod">
+          <ac:chgData name="Fatima Pillosu" userId="a6295d4dc9e22643" providerId="LiveId" clId="{0722BC45-0A43-40A6-8AB0-69C547F060B6}" dt="2021-07-12T22:15:21.613" v="542" actId="1582"/>
+          <ac:cxnSpMkLst>
+            <pc:docMk/>
+            <pc:sldMk cId="1556184242" sldId="256"/>
+            <ac:cxnSpMk id="423" creationId="{E5410ACB-E2CC-49C8-B3C9-332C94D3663D}"/>
+          </ac:cxnSpMkLst>
+        </pc:cxnChg>
+        <pc:cxnChg chg="mod">
+          <ac:chgData name="Fatima Pillosu" userId="a6295d4dc9e22643" providerId="LiveId" clId="{0722BC45-0A43-40A6-8AB0-69C547F060B6}" dt="2021-07-12T22:15:21.613" v="542" actId="1582"/>
+          <ac:cxnSpMkLst>
+            <pc:docMk/>
+            <pc:sldMk cId="1556184242" sldId="256"/>
+            <ac:cxnSpMk id="424" creationId="{A965AD38-2A93-4532-BBD8-CA5FDE9598B7}"/>
+          </ac:cxnSpMkLst>
+        </pc:cxnChg>
+        <pc:cxnChg chg="mod">
+          <ac:chgData name="Fatima Pillosu" userId="a6295d4dc9e22643" providerId="LiveId" clId="{0722BC45-0A43-40A6-8AB0-69C547F060B6}" dt="2021-07-12T22:15:21.613" v="542" actId="1582"/>
+          <ac:cxnSpMkLst>
+            <pc:docMk/>
+            <pc:sldMk cId="1556184242" sldId="256"/>
+            <ac:cxnSpMk id="425" creationId="{E029E9BD-34AA-4644-BE8D-078AB516126B}"/>
+          </ac:cxnSpMkLst>
+        </pc:cxnChg>
+        <pc:cxnChg chg="mod">
+          <ac:chgData name="Fatima Pillosu" userId="a6295d4dc9e22643" providerId="LiveId" clId="{0722BC45-0A43-40A6-8AB0-69C547F060B6}" dt="2021-07-12T22:15:21.613" v="542" actId="1582"/>
+          <ac:cxnSpMkLst>
+            <pc:docMk/>
+            <pc:sldMk cId="1556184242" sldId="256"/>
+            <ac:cxnSpMk id="426" creationId="{5D4DC34C-6464-4E71-866C-321B9208032A}"/>
+          </ac:cxnSpMkLst>
+        </pc:cxnChg>
+        <pc:cxnChg chg="mod">
+          <ac:chgData name="Fatima Pillosu" userId="a6295d4dc9e22643" providerId="LiveId" clId="{0722BC45-0A43-40A6-8AB0-69C547F060B6}" dt="2021-07-12T22:15:21.613" v="542" actId="1582"/>
+          <ac:cxnSpMkLst>
+            <pc:docMk/>
+            <pc:sldMk cId="1556184242" sldId="256"/>
+            <ac:cxnSpMk id="427" creationId="{A6F1823E-F588-4F26-81D2-77122C372462}"/>
+          </ac:cxnSpMkLst>
+        </pc:cxnChg>
+        <pc:cxnChg chg="mod">
+          <ac:chgData name="Fatima Pillosu" userId="a6295d4dc9e22643" providerId="LiveId" clId="{0722BC45-0A43-40A6-8AB0-69C547F060B6}" dt="2021-07-12T22:15:21.613" v="542" actId="1582"/>
+          <ac:cxnSpMkLst>
+            <pc:docMk/>
+            <pc:sldMk cId="1556184242" sldId="256"/>
+            <ac:cxnSpMk id="428" creationId="{2F44B406-2B81-42AC-8EC8-6E4C09B98963}"/>
+          </ac:cxnSpMkLst>
+        </pc:cxnChg>
+        <pc:cxnChg chg="mod">
+          <ac:chgData name="Fatima Pillosu" userId="a6295d4dc9e22643" providerId="LiveId" clId="{0722BC45-0A43-40A6-8AB0-69C547F060B6}" dt="2021-07-12T22:15:21.613" v="542" actId="1582"/>
+          <ac:cxnSpMkLst>
+            <pc:docMk/>
+            <pc:sldMk cId="1556184242" sldId="256"/>
+            <ac:cxnSpMk id="429" creationId="{91ED1926-5B68-4F57-B52B-86F47F6A67D1}"/>
+          </ac:cxnSpMkLst>
+        </pc:cxnChg>
+        <pc:cxnChg chg="mod">
+          <ac:chgData name="Fatima Pillosu" userId="a6295d4dc9e22643" providerId="LiveId" clId="{0722BC45-0A43-40A6-8AB0-69C547F060B6}" dt="2021-07-12T22:15:21.613" v="542" actId="1582"/>
+          <ac:cxnSpMkLst>
+            <pc:docMk/>
+            <pc:sldMk cId="1556184242" sldId="256"/>
+            <ac:cxnSpMk id="433" creationId="{EF550824-874B-488C-877A-0FACA467821F}"/>
+          </ac:cxnSpMkLst>
+        </pc:cxnChg>
+        <pc:cxnChg chg="mod">
+          <ac:chgData name="Fatima Pillosu" userId="a6295d4dc9e22643" providerId="LiveId" clId="{0722BC45-0A43-40A6-8AB0-69C547F060B6}" dt="2021-07-12T22:04:28.189" v="324" actId="1076"/>
+          <ac:cxnSpMkLst>
+            <pc:docMk/>
+            <pc:sldMk cId="1556184242" sldId="256"/>
+            <ac:cxnSpMk id="440" creationId="{3D298AFA-D82A-4D17-B69D-038119DB3786}"/>
+          </ac:cxnSpMkLst>
+        </pc:cxnChg>
+        <pc:cxnChg chg="mod">
+          <ac:chgData name="Fatima Pillosu" userId="a6295d4dc9e22643" providerId="LiveId" clId="{0722BC45-0A43-40A6-8AB0-69C547F060B6}" dt="2021-07-12T22:08:38.345" v="456" actId="1076"/>
+          <ac:cxnSpMkLst>
+            <pc:docMk/>
+            <pc:sldMk cId="1556184242" sldId="256"/>
+            <ac:cxnSpMk id="445" creationId="{C328AFC0-40C6-4092-9832-C55AA2396A67}"/>
+          </ac:cxnSpMkLst>
+        </pc:cxnChg>
+        <pc:cxnChg chg="mod">
+          <ac:chgData name="Fatima Pillosu" userId="a6295d4dc9e22643" providerId="LiveId" clId="{0722BC45-0A43-40A6-8AB0-69C547F060B6}" dt="2021-07-12T22:08:38.345" v="456" actId="1076"/>
+          <ac:cxnSpMkLst>
+            <pc:docMk/>
+            <pc:sldMk cId="1556184242" sldId="256"/>
+            <ac:cxnSpMk id="446" creationId="{EFE20C8C-342C-4AFB-83DC-3DB3E6D73722}"/>
+          </ac:cxnSpMkLst>
+        </pc:cxnChg>
+      </pc:sldChg>
+    </pc:docChg>
+  </pc:docChgLst>
+  <pc:docChgLst>
     <pc:chgData name="Fatima Pillosu" userId="a6295d4dc9e22643" providerId="LiveId" clId="{BF4D6480-94C7-4D31-A852-C808A49439DD}"/>
     <pc:docChg chg="undo custSel addSld delSld modSld">
       <pc:chgData name="Fatima Pillosu" userId="a6295d4dc9e22643" providerId="LiveId" clId="{BF4D6480-94C7-4D31-A852-C808A49439DD}" dt="2020-12-03T16:11:40.301" v="2917" actId="1036"/>
@@ -7908,2062 +10124,6 @@
             <ac:picMk id="1026" creationId="{C5A50D2C-C012-4998-A634-F8BF8CCD6B92}"/>
           </ac:picMkLst>
         </pc:picChg>
-      </pc:sldChg>
-    </pc:docChg>
-  </pc:docChgLst>
-  <pc:docChgLst>
-    <pc:chgData name="Fatima Pillosu" userId="a6295d4dc9e22643" providerId="LiveId" clId="{DFFBE890-388F-43D2-9209-8DB75D39595B}"/>
-    <pc:docChg chg="undo redo custSel modSld">
-      <pc:chgData name="Fatima Pillosu" userId="a6295d4dc9e22643" providerId="LiveId" clId="{DFFBE890-388F-43D2-9209-8DB75D39595B}" dt="2021-06-23T00:24:21.521" v="1349" actId="1582"/>
-      <pc:docMkLst>
-        <pc:docMk/>
-      </pc:docMkLst>
-      <pc:sldChg chg="addSp delSp modSp mod">
-        <pc:chgData name="Fatima Pillosu" userId="a6295d4dc9e22643" providerId="LiveId" clId="{DFFBE890-388F-43D2-9209-8DB75D39595B}" dt="2021-06-23T00:24:21.521" v="1349" actId="1582"/>
-        <pc:sldMkLst>
-          <pc:docMk/>
-          <pc:sldMk cId="1556184242" sldId="256"/>
-        </pc:sldMkLst>
-        <pc:spChg chg="add mod">
-          <ac:chgData name="Fatima Pillosu" userId="a6295d4dc9e22643" providerId="LiveId" clId="{DFFBE890-388F-43D2-9209-8DB75D39595B}" dt="2021-06-23T00:10:59.937" v="1107" actId="1038"/>
-          <ac:spMkLst>
-            <pc:docMk/>
-            <pc:sldMk cId="1556184242" sldId="256"/>
-            <ac:spMk id="2" creationId="{15AA4DB2-9E22-4524-9BAB-78E77F689099}"/>
-          </ac:spMkLst>
-        </pc:spChg>
-        <pc:spChg chg="add mod">
-          <ac:chgData name="Fatima Pillosu" userId="a6295d4dc9e22643" providerId="LiveId" clId="{DFFBE890-388F-43D2-9209-8DB75D39595B}" dt="2021-06-23T00:10:59.937" v="1107" actId="1038"/>
-          <ac:spMkLst>
-            <pc:docMk/>
-            <pc:sldMk cId="1556184242" sldId="256"/>
-            <ac:spMk id="3" creationId="{AF843876-B8AE-4111-9DE7-BECD0EC632FE}"/>
-          </ac:spMkLst>
-        </pc:spChg>
-        <pc:spChg chg="add mod">
-          <ac:chgData name="Fatima Pillosu" userId="a6295d4dc9e22643" providerId="LiveId" clId="{DFFBE890-388F-43D2-9209-8DB75D39595B}" dt="2021-06-23T00:11:18.390" v="1119" actId="1076"/>
-          <ac:spMkLst>
-            <pc:docMk/>
-            <pc:sldMk cId="1556184242" sldId="256"/>
-            <ac:spMk id="188" creationId="{EFBA0EE0-2EBB-430D-A4FA-921F4902BB9A}"/>
-          </ac:spMkLst>
-        </pc:spChg>
-        <pc:spChg chg="mod">
-          <ac:chgData name="Fatima Pillosu" userId="a6295d4dc9e22643" providerId="LiveId" clId="{DFFBE890-388F-43D2-9209-8DB75D39595B}" dt="2021-06-23T00:11:56.683" v="1132" actId="1036"/>
-          <ac:spMkLst>
-            <pc:docMk/>
-            <pc:sldMk cId="1556184242" sldId="256"/>
-            <ac:spMk id="189" creationId="{4CB28502-7531-4EF2-8207-C25365342790}"/>
-          </ac:spMkLst>
-        </pc:spChg>
-        <pc:spChg chg="mod">
-          <ac:chgData name="Fatima Pillosu" userId="a6295d4dc9e22643" providerId="LiveId" clId="{DFFBE890-388F-43D2-9209-8DB75D39595B}" dt="2021-06-23T00:11:56.683" v="1132" actId="1036"/>
-          <ac:spMkLst>
-            <pc:docMk/>
-            <pc:sldMk cId="1556184242" sldId="256"/>
-            <ac:spMk id="190" creationId="{17F81A39-F6D0-4969-B332-4BD7A7F4B1ED}"/>
-          </ac:spMkLst>
-        </pc:spChg>
-        <pc:spChg chg="add mod">
-          <ac:chgData name="Fatima Pillosu" userId="a6295d4dc9e22643" providerId="LiveId" clId="{DFFBE890-388F-43D2-9209-8DB75D39595B}" dt="2021-06-23T00:16:50.296" v="1231" actId="1036"/>
-          <ac:spMkLst>
-            <pc:docMk/>
-            <pc:sldMk cId="1556184242" sldId="256"/>
-            <ac:spMk id="191" creationId="{E43DAF15-03A5-4753-91FB-27A76D1F8203}"/>
-          </ac:spMkLst>
-        </pc:spChg>
-        <pc:spChg chg="mod">
-          <ac:chgData name="Fatima Pillosu" userId="a6295d4dc9e22643" providerId="LiveId" clId="{DFFBE890-388F-43D2-9209-8DB75D39595B}" dt="2021-06-23T00:11:56.683" v="1132" actId="1036"/>
-          <ac:spMkLst>
-            <pc:docMk/>
-            <pc:sldMk cId="1556184242" sldId="256"/>
-            <ac:spMk id="193" creationId="{9E375C24-6755-40B1-8534-7CD57DBB7B85}"/>
-          </ac:spMkLst>
-        </pc:spChg>
-        <pc:spChg chg="add mod">
-          <ac:chgData name="Fatima Pillosu" userId="a6295d4dc9e22643" providerId="LiveId" clId="{DFFBE890-388F-43D2-9209-8DB75D39595B}" dt="2021-06-23T00:18:11.417" v="1278" actId="1036"/>
-          <ac:spMkLst>
-            <pc:docMk/>
-            <pc:sldMk cId="1556184242" sldId="256"/>
-            <ac:spMk id="194" creationId="{1E55C571-5614-4413-80C5-F78412C32143}"/>
-          </ac:spMkLst>
-        </pc:spChg>
-        <pc:spChg chg="add mod">
-          <ac:chgData name="Fatima Pillosu" userId="a6295d4dc9e22643" providerId="LiveId" clId="{DFFBE890-388F-43D2-9209-8DB75D39595B}" dt="2021-06-23T00:10:59.937" v="1107" actId="1038"/>
-          <ac:spMkLst>
-            <pc:docMk/>
-            <pc:sldMk cId="1556184242" sldId="256"/>
-            <ac:spMk id="195" creationId="{F82BFB79-E522-4D52-8F1C-71920C493730}"/>
-          </ac:spMkLst>
-        </pc:spChg>
-        <pc:spChg chg="mod">
-          <ac:chgData name="Fatima Pillosu" userId="a6295d4dc9e22643" providerId="LiveId" clId="{DFFBE890-388F-43D2-9209-8DB75D39595B}" dt="2021-06-23T00:11:56.683" v="1132" actId="1036"/>
-          <ac:spMkLst>
-            <pc:docMk/>
-            <pc:sldMk cId="1556184242" sldId="256"/>
-            <ac:spMk id="196" creationId="{79BE1912-255C-4DE6-B643-C217685A072A}"/>
-          </ac:spMkLst>
-        </pc:spChg>
-        <pc:spChg chg="add mod">
-          <ac:chgData name="Fatima Pillosu" userId="a6295d4dc9e22643" providerId="LiveId" clId="{DFFBE890-388F-43D2-9209-8DB75D39595B}" dt="2021-06-23T00:10:59.937" v="1107" actId="1038"/>
-          <ac:spMkLst>
-            <pc:docMk/>
-            <pc:sldMk cId="1556184242" sldId="256"/>
-            <ac:spMk id="197" creationId="{B72B309E-4B07-4354-997E-D394BA4B4C74}"/>
-          </ac:spMkLst>
-        </pc:spChg>
-        <pc:spChg chg="mod">
-          <ac:chgData name="Fatima Pillosu" userId="a6295d4dc9e22643" providerId="LiveId" clId="{DFFBE890-388F-43D2-9209-8DB75D39595B}" dt="2021-06-23T00:11:56.683" v="1132" actId="1036"/>
-          <ac:spMkLst>
-            <pc:docMk/>
-            <pc:sldMk cId="1556184242" sldId="256"/>
-            <ac:spMk id="198" creationId="{DC8DC18F-92C0-49C0-BFD7-6F539C3E6868}"/>
-          </ac:spMkLst>
-        </pc:spChg>
-        <pc:spChg chg="add mod">
-          <ac:chgData name="Fatima Pillosu" userId="a6295d4dc9e22643" providerId="LiveId" clId="{DFFBE890-388F-43D2-9209-8DB75D39595B}" dt="2021-06-23T00:10:59.937" v="1107" actId="1038"/>
-          <ac:spMkLst>
-            <pc:docMk/>
-            <pc:sldMk cId="1556184242" sldId="256"/>
-            <ac:spMk id="199" creationId="{B861061C-A57E-4594-8838-6226043DC694}"/>
-          </ac:spMkLst>
-        </pc:spChg>
-        <pc:spChg chg="mod ord">
-          <ac:chgData name="Fatima Pillosu" userId="a6295d4dc9e22643" providerId="LiveId" clId="{DFFBE890-388F-43D2-9209-8DB75D39595B}" dt="2021-06-23T00:11:56.683" v="1132" actId="1036"/>
-          <ac:spMkLst>
-            <pc:docMk/>
-            <pc:sldMk cId="1556184242" sldId="256"/>
-            <ac:spMk id="200" creationId="{3AB9AE45-AA23-47A6-AE11-81E4250F2BB6}"/>
-          </ac:spMkLst>
-        </pc:spChg>
-        <pc:spChg chg="mod">
-          <ac:chgData name="Fatima Pillosu" userId="a6295d4dc9e22643" providerId="LiveId" clId="{DFFBE890-388F-43D2-9209-8DB75D39595B}" dt="2021-06-23T00:21:18.823" v="1340" actId="113"/>
-          <ac:spMkLst>
-            <pc:docMk/>
-            <pc:sldMk cId="1556184242" sldId="256"/>
-            <ac:spMk id="201" creationId="{3B914443-9217-428B-AE48-3CFBFB5CBA1E}"/>
-          </ac:spMkLst>
-        </pc:spChg>
-        <pc:spChg chg="mod">
-          <ac:chgData name="Fatima Pillosu" userId="a6295d4dc9e22643" providerId="LiveId" clId="{DFFBE890-388F-43D2-9209-8DB75D39595B}" dt="2021-06-23T00:11:56.683" v="1132" actId="1036"/>
-          <ac:spMkLst>
-            <pc:docMk/>
-            <pc:sldMk cId="1556184242" sldId="256"/>
-            <ac:spMk id="202" creationId="{7C4E28EC-04BF-4F9E-B9E4-18D4908777B4}"/>
-          </ac:spMkLst>
-        </pc:spChg>
-        <pc:spChg chg="mod">
-          <ac:chgData name="Fatima Pillosu" userId="a6295d4dc9e22643" providerId="LiveId" clId="{DFFBE890-388F-43D2-9209-8DB75D39595B}" dt="2021-06-23T00:11:56.683" v="1132" actId="1036"/>
-          <ac:spMkLst>
-            <pc:docMk/>
-            <pc:sldMk cId="1556184242" sldId="256"/>
-            <ac:spMk id="203" creationId="{152B6C55-4722-417C-A514-4B2568426F9E}"/>
-          </ac:spMkLst>
-        </pc:spChg>
-        <pc:spChg chg="mod ord topLvl">
-          <ac:chgData name="Fatima Pillosu" userId="a6295d4dc9e22643" providerId="LiveId" clId="{DFFBE890-388F-43D2-9209-8DB75D39595B}" dt="2021-06-23T00:10:59.937" v="1107" actId="1038"/>
-          <ac:spMkLst>
-            <pc:docMk/>
-            <pc:sldMk cId="1556184242" sldId="256"/>
-            <ac:spMk id="206" creationId="{9D4264D7-EAD8-4A3A-B89C-2BE068E2DF57}"/>
-          </ac:spMkLst>
-        </pc:spChg>
-        <pc:spChg chg="add mod">
-          <ac:chgData name="Fatima Pillosu" userId="a6295d4dc9e22643" providerId="LiveId" clId="{DFFBE890-388F-43D2-9209-8DB75D39595B}" dt="2021-06-23T00:10:59.937" v="1107" actId="1038"/>
-          <ac:spMkLst>
-            <pc:docMk/>
-            <pc:sldMk cId="1556184242" sldId="256"/>
-            <ac:spMk id="207" creationId="{5D7409B1-98B0-430C-95EA-379C89870112}"/>
-          </ac:spMkLst>
-        </pc:spChg>
-        <pc:spChg chg="mod">
-          <ac:chgData name="Fatima Pillosu" userId="a6295d4dc9e22643" providerId="LiveId" clId="{DFFBE890-388F-43D2-9209-8DB75D39595B}" dt="2021-06-23T00:01:03.804" v="967" actId="255"/>
-          <ac:spMkLst>
-            <pc:docMk/>
-            <pc:sldMk cId="1556184242" sldId="256"/>
-            <ac:spMk id="209" creationId="{0A93E81C-C9DB-422E-A9E2-0778F1DFC92E}"/>
-          </ac:spMkLst>
-        </pc:spChg>
-        <pc:spChg chg="mod">
-          <ac:chgData name="Fatima Pillosu" userId="a6295d4dc9e22643" providerId="LiveId" clId="{DFFBE890-388F-43D2-9209-8DB75D39595B}" dt="2021-06-23T00:01:03.804" v="967" actId="255"/>
-          <ac:spMkLst>
-            <pc:docMk/>
-            <pc:sldMk cId="1556184242" sldId="256"/>
-            <ac:spMk id="210" creationId="{662FAC79-7EDC-48DD-A292-A864DC9CC307}"/>
-          </ac:spMkLst>
-        </pc:spChg>
-        <pc:spChg chg="mod">
-          <ac:chgData name="Fatima Pillosu" userId="a6295d4dc9e22643" providerId="LiveId" clId="{DFFBE890-388F-43D2-9209-8DB75D39595B}" dt="2021-06-23T00:01:03.804" v="967" actId="255"/>
-          <ac:spMkLst>
-            <pc:docMk/>
-            <pc:sldMk cId="1556184242" sldId="256"/>
-            <ac:spMk id="212" creationId="{9A7B41A9-8D69-41C5-BE48-AFDFA79B83C5}"/>
-          </ac:spMkLst>
-        </pc:spChg>
-        <pc:spChg chg="add del mod">
-          <ac:chgData name="Fatima Pillosu" userId="a6295d4dc9e22643" providerId="LiveId" clId="{DFFBE890-388F-43D2-9209-8DB75D39595B}" dt="2021-06-22T23:42:42.201" v="634" actId="478"/>
-          <ac:spMkLst>
-            <pc:docMk/>
-            <pc:sldMk cId="1556184242" sldId="256"/>
-            <ac:spMk id="213" creationId="{619B4E43-936E-4935-810B-8024835376B0}"/>
-          </ac:spMkLst>
-        </pc:spChg>
-        <pc:spChg chg="mod">
-          <ac:chgData name="Fatima Pillosu" userId="a6295d4dc9e22643" providerId="LiveId" clId="{DFFBE890-388F-43D2-9209-8DB75D39595B}" dt="2021-06-23T00:10:59.937" v="1107" actId="1038"/>
-          <ac:spMkLst>
-            <pc:docMk/>
-            <pc:sldMk cId="1556184242" sldId="256"/>
-            <ac:spMk id="215" creationId="{A27F48CC-5AA7-45F8-9B4F-62E12962C8D0}"/>
-          </ac:spMkLst>
-        </pc:spChg>
-        <pc:spChg chg="mod ord">
-          <ac:chgData name="Fatima Pillosu" userId="a6295d4dc9e22643" providerId="LiveId" clId="{DFFBE890-388F-43D2-9209-8DB75D39595B}" dt="2021-06-23T00:10:59.937" v="1107" actId="1038"/>
-          <ac:spMkLst>
-            <pc:docMk/>
-            <pc:sldMk cId="1556184242" sldId="256"/>
-            <ac:spMk id="216" creationId="{75207402-814A-4AAB-BAE6-2FCCB9B11143}"/>
-          </ac:spMkLst>
-        </pc:spChg>
-        <pc:spChg chg="mod ord">
-          <ac:chgData name="Fatima Pillosu" userId="a6295d4dc9e22643" providerId="LiveId" clId="{DFFBE890-388F-43D2-9209-8DB75D39595B}" dt="2021-06-23T00:10:59.937" v="1107" actId="1038"/>
-          <ac:spMkLst>
-            <pc:docMk/>
-            <pc:sldMk cId="1556184242" sldId="256"/>
-            <ac:spMk id="217" creationId="{1F9CEAC3-0C6A-4B56-B0C5-A6B9C7119B10}"/>
-          </ac:spMkLst>
-        </pc:spChg>
-        <pc:spChg chg="mod">
-          <ac:chgData name="Fatima Pillosu" userId="a6295d4dc9e22643" providerId="LiveId" clId="{DFFBE890-388F-43D2-9209-8DB75D39595B}" dt="2021-06-23T00:10:59.937" v="1107" actId="1038"/>
-          <ac:spMkLst>
-            <pc:docMk/>
-            <pc:sldMk cId="1556184242" sldId="256"/>
-            <ac:spMk id="218" creationId="{02777BA6-CF56-420A-B054-41D083450884}"/>
-          </ac:spMkLst>
-        </pc:spChg>
-        <pc:spChg chg="mod">
-          <ac:chgData name="Fatima Pillosu" userId="a6295d4dc9e22643" providerId="LiveId" clId="{DFFBE890-388F-43D2-9209-8DB75D39595B}" dt="2021-06-23T00:10:59.937" v="1107" actId="1038"/>
-          <ac:spMkLst>
-            <pc:docMk/>
-            <pc:sldMk cId="1556184242" sldId="256"/>
-            <ac:spMk id="219" creationId="{65BF9FE6-524A-44B1-813E-B0B18DF66625}"/>
-          </ac:spMkLst>
-        </pc:spChg>
-        <pc:spChg chg="mod ord">
-          <ac:chgData name="Fatima Pillosu" userId="a6295d4dc9e22643" providerId="LiveId" clId="{DFFBE890-388F-43D2-9209-8DB75D39595B}" dt="2021-06-23T00:10:59.937" v="1107" actId="1038"/>
-          <ac:spMkLst>
-            <pc:docMk/>
-            <pc:sldMk cId="1556184242" sldId="256"/>
-            <ac:spMk id="220" creationId="{BE95E72A-C5B4-4451-9EDA-63710D6544B1}"/>
-          </ac:spMkLst>
-        </pc:spChg>
-        <pc:spChg chg="mod">
-          <ac:chgData name="Fatima Pillosu" userId="a6295d4dc9e22643" providerId="LiveId" clId="{DFFBE890-388F-43D2-9209-8DB75D39595B}" dt="2021-06-23T00:10:59.937" v="1107" actId="1038"/>
-          <ac:spMkLst>
-            <pc:docMk/>
-            <pc:sldMk cId="1556184242" sldId="256"/>
-            <ac:spMk id="221" creationId="{1605F9F7-6705-4CF7-90CA-7A4078EFDEA7}"/>
-          </ac:spMkLst>
-        </pc:spChg>
-        <pc:spChg chg="mod">
-          <ac:chgData name="Fatima Pillosu" userId="a6295d4dc9e22643" providerId="LiveId" clId="{DFFBE890-388F-43D2-9209-8DB75D39595B}" dt="2021-06-23T00:10:59.937" v="1107" actId="1038"/>
-          <ac:spMkLst>
-            <pc:docMk/>
-            <pc:sldMk cId="1556184242" sldId="256"/>
-            <ac:spMk id="222" creationId="{406D67EC-7AC8-46FD-B219-D28DA565C854}"/>
-          </ac:spMkLst>
-        </pc:spChg>
-        <pc:spChg chg="mod">
-          <ac:chgData name="Fatima Pillosu" userId="a6295d4dc9e22643" providerId="LiveId" clId="{DFFBE890-388F-43D2-9209-8DB75D39595B}" dt="2021-06-23T00:10:59.937" v="1107" actId="1038"/>
-          <ac:spMkLst>
-            <pc:docMk/>
-            <pc:sldMk cId="1556184242" sldId="256"/>
-            <ac:spMk id="223" creationId="{C74A47BC-CE15-4B09-BC45-54BBF93F965B}"/>
-          </ac:spMkLst>
-        </pc:spChg>
-        <pc:spChg chg="mod">
-          <ac:chgData name="Fatima Pillosu" userId="a6295d4dc9e22643" providerId="LiveId" clId="{DFFBE890-388F-43D2-9209-8DB75D39595B}" dt="2021-06-23T00:10:59.937" v="1107" actId="1038"/>
-          <ac:spMkLst>
-            <pc:docMk/>
-            <pc:sldMk cId="1556184242" sldId="256"/>
-            <ac:spMk id="224" creationId="{77032B38-1E29-4787-B296-A2823185EA57}"/>
-          </ac:spMkLst>
-        </pc:spChg>
-        <pc:spChg chg="mod">
-          <ac:chgData name="Fatima Pillosu" userId="a6295d4dc9e22643" providerId="LiveId" clId="{DFFBE890-388F-43D2-9209-8DB75D39595B}" dt="2021-06-23T00:10:59.937" v="1107" actId="1038"/>
-          <ac:spMkLst>
-            <pc:docMk/>
-            <pc:sldMk cId="1556184242" sldId="256"/>
-            <ac:spMk id="225" creationId="{2CD81434-B9A2-4902-923C-F43E0FCE1F59}"/>
-          </ac:spMkLst>
-        </pc:spChg>
-        <pc:spChg chg="mod">
-          <ac:chgData name="Fatima Pillosu" userId="a6295d4dc9e22643" providerId="LiveId" clId="{DFFBE890-388F-43D2-9209-8DB75D39595B}" dt="2021-06-23T00:10:59.937" v="1107" actId="1038"/>
-          <ac:spMkLst>
-            <pc:docMk/>
-            <pc:sldMk cId="1556184242" sldId="256"/>
-            <ac:spMk id="226" creationId="{CB197CF7-4955-45CF-9019-70D53B9FC988}"/>
-          </ac:spMkLst>
-        </pc:spChg>
-        <pc:spChg chg="mod">
-          <ac:chgData name="Fatima Pillosu" userId="a6295d4dc9e22643" providerId="LiveId" clId="{DFFBE890-388F-43D2-9209-8DB75D39595B}" dt="2021-06-23T00:10:59.937" v="1107" actId="1038"/>
-          <ac:spMkLst>
-            <pc:docMk/>
-            <pc:sldMk cId="1556184242" sldId="256"/>
-            <ac:spMk id="227" creationId="{050057D0-B8B8-4116-BDE1-8CA34649822F}"/>
-          </ac:spMkLst>
-        </pc:spChg>
-        <pc:spChg chg="mod">
-          <ac:chgData name="Fatima Pillosu" userId="a6295d4dc9e22643" providerId="LiveId" clId="{DFFBE890-388F-43D2-9209-8DB75D39595B}" dt="2021-06-23T00:10:59.937" v="1107" actId="1038"/>
-          <ac:spMkLst>
-            <pc:docMk/>
-            <pc:sldMk cId="1556184242" sldId="256"/>
-            <ac:spMk id="228" creationId="{25C5130F-38CE-4431-8A3A-BDF87CE6B82F}"/>
-          </ac:spMkLst>
-        </pc:spChg>
-        <pc:spChg chg="mod">
-          <ac:chgData name="Fatima Pillosu" userId="a6295d4dc9e22643" providerId="LiveId" clId="{DFFBE890-388F-43D2-9209-8DB75D39595B}" dt="2021-06-23T00:10:59.937" v="1107" actId="1038"/>
-          <ac:spMkLst>
-            <pc:docMk/>
-            <pc:sldMk cId="1556184242" sldId="256"/>
-            <ac:spMk id="229" creationId="{F286DB6C-2CBD-4909-A6AC-2506725260BF}"/>
-          </ac:spMkLst>
-        </pc:spChg>
-        <pc:spChg chg="mod">
-          <ac:chgData name="Fatima Pillosu" userId="a6295d4dc9e22643" providerId="LiveId" clId="{DFFBE890-388F-43D2-9209-8DB75D39595B}" dt="2021-06-23T00:10:59.937" v="1107" actId="1038"/>
-          <ac:spMkLst>
-            <pc:docMk/>
-            <pc:sldMk cId="1556184242" sldId="256"/>
-            <ac:spMk id="230" creationId="{EB8F3020-A188-4D92-B8FE-7CC1CA913072}"/>
-          </ac:spMkLst>
-        </pc:spChg>
-        <pc:spChg chg="mod">
-          <ac:chgData name="Fatima Pillosu" userId="a6295d4dc9e22643" providerId="LiveId" clId="{DFFBE890-388F-43D2-9209-8DB75D39595B}" dt="2021-06-23T00:10:59.937" v="1107" actId="1038"/>
-          <ac:spMkLst>
-            <pc:docMk/>
-            <pc:sldMk cId="1556184242" sldId="256"/>
-            <ac:spMk id="231" creationId="{06DB3C5D-F701-47D1-98BA-7E2FB071F9B7}"/>
-          </ac:spMkLst>
-        </pc:spChg>
-        <pc:spChg chg="mod">
-          <ac:chgData name="Fatima Pillosu" userId="a6295d4dc9e22643" providerId="LiveId" clId="{DFFBE890-388F-43D2-9209-8DB75D39595B}" dt="2021-06-23T00:10:59.937" v="1107" actId="1038"/>
-          <ac:spMkLst>
-            <pc:docMk/>
-            <pc:sldMk cId="1556184242" sldId="256"/>
-            <ac:spMk id="232" creationId="{61AA4D6C-42A5-4239-880D-0DCF3151D88F}"/>
-          </ac:spMkLst>
-        </pc:spChg>
-        <pc:spChg chg="mod">
-          <ac:chgData name="Fatima Pillosu" userId="a6295d4dc9e22643" providerId="LiveId" clId="{DFFBE890-388F-43D2-9209-8DB75D39595B}" dt="2021-06-23T00:10:59.937" v="1107" actId="1038"/>
-          <ac:spMkLst>
-            <pc:docMk/>
-            <pc:sldMk cId="1556184242" sldId="256"/>
-            <ac:spMk id="233" creationId="{99542470-505E-47E1-8924-96CB8034CD40}"/>
-          </ac:spMkLst>
-        </pc:spChg>
-        <pc:spChg chg="mod">
-          <ac:chgData name="Fatima Pillosu" userId="a6295d4dc9e22643" providerId="LiveId" clId="{DFFBE890-388F-43D2-9209-8DB75D39595B}" dt="2021-06-23T00:10:59.937" v="1107" actId="1038"/>
-          <ac:spMkLst>
-            <pc:docMk/>
-            <pc:sldMk cId="1556184242" sldId="256"/>
-            <ac:spMk id="234" creationId="{21D98995-F750-4DC6-B0A7-13E43B88D02D}"/>
-          </ac:spMkLst>
-        </pc:spChg>
-        <pc:spChg chg="mod">
-          <ac:chgData name="Fatima Pillosu" userId="a6295d4dc9e22643" providerId="LiveId" clId="{DFFBE890-388F-43D2-9209-8DB75D39595B}" dt="2021-06-23T00:10:59.937" v="1107" actId="1038"/>
-          <ac:spMkLst>
-            <pc:docMk/>
-            <pc:sldMk cId="1556184242" sldId="256"/>
-            <ac:spMk id="235" creationId="{A670A4CA-FC69-41F0-9E0F-69CEEE9C8A90}"/>
-          </ac:spMkLst>
-        </pc:spChg>
-        <pc:spChg chg="mod">
-          <ac:chgData name="Fatima Pillosu" userId="a6295d4dc9e22643" providerId="LiveId" clId="{DFFBE890-388F-43D2-9209-8DB75D39595B}" dt="2021-06-23T00:10:59.937" v="1107" actId="1038"/>
-          <ac:spMkLst>
-            <pc:docMk/>
-            <pc:sldMk cId="1556184242" sldId="256"/>
-            <ac:spMk id="236" creationId="{BE2DC675-4DB8-4A36-827B-0CBE2B9CC4A5}"/>
-          </ac:spMkLst>
-        </pc:spChg>
-        <pc:spChg chg="mod">
-          <ac:chgData name="Fatima Pillosu" userId="a6295d4dc9e22643" providerId="LiveId" clId="{DFFBE890-388F-43D2-9209-8DB75D39595B}" dt="2021-06-23T00:10:59.937" v="1107" actId="1038"/>
-          <ac:spMkLst>
-            <pc:docMk/>
-            <pc:sldMk cId="1556184242" sldId="256"/>
-            <ac:spMk id="237" creationId="{4EA56E3A-4CEF-4817-9BC6-A53788E04B7B}"/>
-          </ac:spMkLst>
-        </pc:spChg>
-        <pc:spChg chg="mod">
-          <ac:chgData name="Fatima Pillosu" userId="a6295d4dc9e22643" providerId="LiveId" clId="{DFFBE890-388F-43D2-9209-8DB75D39595B}" dt="2021-06-23T00:10:59.937" v="1107" actId="1038"/>
-          <ac:spMkLst>
-            <pc:docMk/>
-            <pc:sldMk cId="1556184242" sldId="256"/>
-            <ac:spMk id="238" creationId="{84DDAE0D-7745-4210-8A56-913328C80665}"/>
-          </ac:spMkLst>
-        </pc:spChg>
-        <pc:spChg chg="mod">
-          <ac:chgData name="Fatima Pillosu" userId="a6295d4dc9e22643" providerId="LiveId" clId="{DFFBE890-388F-43D2-9209-8DB75D39595B}" dt="2021-06-23T00:10:59.937" v="1107" actId="1038"/>
-          <ac:spMkLst>
-            <pc:docMk/>
-            <pc:sldMk cId="1556184242" sldId="256"/>
-            <ac:spMk id="239" creationId="{9E314E3E-F938-4F62-8F8D-8685911B8485}"/>
-          </ac:spMkLst>
-        </pc:spChg>
-        <pc:spChg chg="mod">
-          <ac:chgData name="Fatima Pillosu" userId="a6295d4dc9e22643" providerId="LiveId" clId="{DFFBE890-388F-43D2-9209-8DB75D39595B}" dt="2021-06-23T00:10:59.937" v="1107" actId="1038"/>
-          <ac:spMkLst>
-            <pc:docMk/>
-            <pc:sldMk cId="1556184242" sldId="256"/>
-            <ac:spMk id="240" creationId="{C5B78C84-362C-49A9-BEC2-E6858FA4DD4A}"/>
-          </ac:spMkLst>
-        </pc:spChg>
-        <pc:spChg chg="mod">
-          <ac:chgData name="Fatima Pillosu" userId="a6295d4dc9e22643" providerId="LiveId" clId="{DFFBE890-388F-43D2-9209-8DB75D39595B}" dt="2021-06-23T00:10:59.937" v="1107" actId="1038"/>
-          <ac:spMkLst>
-            <pc:docMk/>
-            <pc:sldMk cId="1556184242" sldId="256"/>
-            <ac:spMk id="241" creationId="{77A899D2-A8C6-4AA1-8443-1D6BBD3B217B}"/>
-          </ac:spMkLst>
-        </pc:spChg>
-        <pc:spChg chg="mod">
-          <ac:chgData name="Fatima Pillosu" userId="a6295d4dc9e22643" providerId="LiveId" clId="{DFFBE890-388F-43D2-9209-8DB75D39595B}" dt="2021-06-23T00:10:59.937" v="1107" actId="1038"/>
-          <ac:spMkLst>
-            <pc:docMk/>
-            <pc:sldMk cId="1556184242" sldId="256"/>
-            <ac:spMk id="242" creationId="{6BAA3F49-C527-4C89-8BBF-6D9B4C3A61A5}"/>
-          </ac:spMkLst>
-        </pc:spChg>
-        <pc:spChg chg="mod">
-          <ac:chgData name="Fatima Pillosu" userId="a6295d4dc9e22643" providerId="LiveId" clId="{DFFBE890-388F-43D2-9209-8DB75D39595B}" dt="2021-06-23T00:10:59.937" v="1107" actId="1038"/>
-          <ac:spMkLst>
-            <pc:docMk/>
-            <pc:sldMk cId="1556184242" sldId="256"/>
-            <ac:spMk id="243" creationId="{F5BEE61E-2686-4E9D-9927-FEC7E0F84C9F}"/>
-          </ac:spMkLst>
-        </pc:spChg>
-        <pc:spChg chg="mod">
-          <ac:chgData name="Fatima Pillosu" userId="a6295d4dc9e22643" providerId="LiveId" clId="{DFFBE890-388F-43D2-9209-8DB75D39595B}" dt="2021-06-23T00:10:59.937" v="1107" actId="1038"/>
-          <ac:spMkLst>
-            <pc:docMk/>
-            <pc:sldMk cId="1556184242" sldId="256"/>
-            <ac:spMk id="244" creationId="{103424AD-349B-40A9-81B4-AC4232900ADC}"/>
-          </ac:spMkLst>
-        </pc:spChg>
-        <pc:spChg chg="mod">
-          <ac:chgData name="Fatima Pillosu" userId="a6295d4dc9e22643" providerId="LiveId" clId="{DFFBE890-388F-43D2-9209-8DB75D39595B}" dt="2021-06-23T00:10:59.937" v="1107" actId="1038"/>
-          <ac:spMkLst>
-            <pc:docMk/>
-            <pc:sldMk cId="1556184242" sldId="256"/>
-            <ac:spMk id="245" creationId="{AA56B502-54FD-43D1-80AF-2CAFC6E3C0D2}"/>
-          </ac:spMkLst>
-        </pc:spChg>
-        <pc:spChg chg="mod">
-          <ac:chgData name="Fatima Pillosu" userId="a6295d4dc9e22643" providerId="LiveId" clId="{DFFBE890-388F-43D2-9209-8DB75D39595B}" dt="2021-06-23T00:10:59.937" v="1107" actId="1038"/>
-          <ac:spMkLst>
-            <pc:docMk/>
-            <pc:sldMk cId="1556184242" sldId="256"/>
-            <ac:spMk id="246" creationId="{CA48551F-F210-4F01-8C0D-E37C8767E4D9}"/>
-          </ac:spMkLst>
-        </pc:spChg>
-        <pc:spChg chg="mod">
-          <ac:chgData name="Fatima Pillosu" userId="a6295d4dc9e22643" providerId="LiveId" clId="{DFFBE890-388F-43D2-9209-8DB75D39595B}" dt="2021-06-23T00:10:59.937" v="1107" actId="1038"/>
-          <ac:spMkLst>
-            <pc:docMk/>
-            <pc:sldMk cId="1556184242" sldId="256"/>
-            <ac:spMk id="247" creationId="{F5E98D01-A9DD-4E9A-92AB-B91531639B52}"/>
-          </ac:spMkLst>
-        </pc:spChg>
-        <pc:spChg chg="mod">
-          <ac:chgData name="Fatima Pillosu" userId="a6295d4dc9e22643" providerId="LiveId" clId="{DFFBE890-388F-43D2-9209-8DB75D39595B}" dt="2021-06-23T00:10:59.937" v="1107" actId="1038"/>
-          <ac:spMkLst>
-            <pc:docMk/>
-            <pc:sldMk cId="1556184242" sldId="256"/>
-            <ac:spMk id="248" creationId="{61FA8DEC-3E54-4368-B663-D386120E3452}"/>
-          </ac:spMkLst>
-        </pc:spChg>
-        <pc:spChg chg="mod">
-          <ac:chgData name="Fatima Pillosu" userId="a6295d4dc9e22643" providerId="LiveId" clId="{DFFBE890-388F-43D2-9209-8DB75D39595B}" dt="2021-06-23T00:10:59.937" v="1107" actId="1038"/>
-          <ac:spMkLst>
-            <pc:docMk/>
-            <pc:sldMk cId="1556184242" sldId="256"/>
-            <ac:spMk id="249" creationId="{9B93D06B-2BAA-4ABD-BF61-589443FB1AE6}"/>
-          </ac:spMkLst>
-        </pc:spChg>
-        <pc:spChg chg="mod">
-          <ac:chgData name="Fatima Pillosu" userId="a6295d4dc9e22643" providerId="LiveId" clId="{DFFBE890-388F-43D2-9209-8DB75D39595B}" dt="2021-06-23T00:10:59.937" v="1107" actId="1038"/>
-          <ac:spMkLst>
-            <pc:docMk/>
-            <pc:sldMk cId="1556184242" sldId="256"/>
-            <ac:spMk id="250" creationId="{5FDEEE2B-B476-4832-862B-5362AE14B313}"/>
-          </ac:spMkLst>
-        </pc:spChg>
-        <pc:spChg chg="mod">
-          <ac:chgData name="Fatima Pillosu" userId="a6295d4dc9e22643" providerId="LiveId" clId="{DFFBE890-388F-43D2-9209-8DB75D39595B}" dt="2021-06-23T00:10:59.937" v="1107" actId="1038"/>
-          <ac:spMkLst>
-            <pc:docMk/>
-            <pc:sldMk cId="1556184242" sldId="256"/>
-            <ac:spMk id="251" creationId="{1ADDD34F-F966-48F6-9019-6468A9711B13}"/>
-          </ac:spMkLst>
-        </pc:spChg>
-        <pc:spChg chg="add del mod">
-          <ac:chgData name="Fatima Pillosu" userId="a6295d4dc9e22643" providerId="LiveId" clId="{DFFBE890-388F-43D2-9209-8DB75D39595B}" dt="2021-06-22T23:40:02.242" v="580" actId="478"/>
-          <ac:spMkLst>
-            <pc:docMk/>
-            <pc:sldMk cId="1556184242" sldId="256"/>
-            <ac:spMk id="252" creationId="{6D366B41-2CA8-4ABB-A1EE-AE8354464490}"/>
-          </ac:spMkLst>
-        </pc:spChg>
-        <pc:spChg chg="add mod">
-          <ac:chgData name="Fatima Pillosu" userId="a6295d4dc9e22643" providerId="LiveId" clId="{DFFBE890-388F-43D2-9209-8DB75D39595B}" dt="2021-06-23T00:10:59.937" v="1107" actId="1038"/>
-          <ac:spMkLst>
-            <pc:docMk/>
-            <pc:sldMk cId="1556184242" sldId="256"/>
-            <ac:spMk id="253" creationId="{0452DBE0-354E-4DCA-B6A2-181BE842E208}"/>
-          </ac:spMkLst>
-        </pc:spChg>
-        <pc:spChg chg="add mod">
-          <ac:chgData name="Fatima Pillosu" userId="a6295d4dc9e22643" providerId="LiveId" clId="{DFFBE890-388F-43D2-9209-8DB75D39595B}" dt="2021-06-23T00:10:59.937" v="1107" actId="1038"/>
-          <ac:spMkLst>
-            <pc:docMk/>
-            <pc:sldMk cId="1556184242" sldId="256"/>
-            <ac:spMk id="254" creationId="{00B24486-EBDD-493C-8179-F01E55231959}"/>
-          </ac:spMkLst>
-        </pc:spChg>
-        <pc:spChg chg="add mod">
-          <ac:chgData name="Fatima Pillosu" userId="a6295d4dc9e22643" providerId="LiveId" clId="{DFFBE890-388F-43D2-9209-8DB75D39595B}" dt="2021-06-23T00:10:59.937" v="1107" actId="1038"/>
-          <ac:spMkLst>
-            <pc:docMk/>
-            <pc:sldMk cId="1556184242" sldId="256"/>
-            <ac:spMk id="255" creationId="{2F62FCAE-676B-42DC-B29C-FD7F2BE9229B}"/>
-          </ac:spMkLst>
-        </pc:spChg>
-        <pc:spChg chg="add mod">
-          <ac:chgData name="Fatima Pillosu" userId="a6295d4dc9e22643" providerId="LiveId" clId="{DFFBE890-388F-43D2-9209-8DB75D39595B}" dt="2021-06-23T00:10:59.937" v="1107" actId="1038"/>
-          <ac:spMkLst>
-            <pc:docMk/>
-            <pc:sldMk cId="1556184242" sldId="256"/>
-            <ac:spMk id="256" creationId="{DD90AEFB-195B-413D-B5B7-3D4D0628329C}"/>
-          </ac:spMkLst>
-        </pc:spChg>
-        <pc:spChg chg="add mod">
-          <ac:chgData name="Fatima Pillosu" userId="a6295d4dc9e22643" providerId="LiveId" clId="{DFFBE890-388F-43D2-9209-8DB75D39595B}" dt="2021-06-23T00:10:59.937" v="1107" actId="1038"/>
-          <ac:spMkLst>
-            <pc:docMk/>
-            <pc:sldMk cId="1556184242" sldId="256"/>
-            <ac:spMk id="257" creationId="{5CC1116A-131B-4FB0-B132-E24D18D89D61}"/>
-          </ac:spMkLst>
-        </pc:spChg>
-        <pc:spChg chg="add mod">
-          <ac:chgData name="Fatima Pillosu" userId="a6295d4dc9e22643" providerId="LiveId" clId="{DFFBE890-388F-43D2-9209-8DB75D39595B}" dt="2021-06-23T00:10:59.937" v="1107" actId="1038"/>
-          <ac:spMkLst>
-            <pc:docMk/>
-            <pc:sldMk cId="1556184242" sldId="256"/>
-            <ac:spMk id="258" creationId="{C0505D04-58DA-472B-886C-0ED8B43FCD7F}"/>
-          </ac:spMkLst>
-        </pc:spChg>
-        <pc:spChg chg="mod">
-          <ac:chgData name="Fatima Pillosu" userId="a6295d4dc9e22643" providerId="LiveId" clId="{DFFBE890-388F-43D2-9209-8DB75D39595B}" dt="2021-06-23T00:11:56.683" v="1132" actId="1036"/>
-          <ac:spMkLst>
-            <pc:docMk/>
-            <pc:sldMk cId="1556184242" sldId="256"/>
-            <ac:spMk id="259" creationId="{5F884A07-88C9-4679-8FE8-293E05D40495}"/>
-          </ac:spMkLst>
-        </pc:spChg>
-        <pc:spChg chg="add mod">
-          <ac:chgData name="Fatima Pillosu" userId="a6295d4dc9e22643" providerId="LiveId" clId="{DFFBE890-388F-43D2-9209-8DB75D39595B}" dt="2021-06-23T00:10:59.937" v="1107" actId="1038"/>
-          <ac:spMkLst>
-            <pc:docMk/>
-            <pc:sldMk cId="1556184242" sldId="256"/>
-            <ac:spMk id="260" creationId="{4ECB0350-EB89-456B-978B-8F20719B891F}"/>
-          </ac:spMkLst>
-        </pc:spChg>
-        <pc:spChg chg="add mod">
-          <ac:chgData name="Fatima Pillosu" userId="a6295d4dc9e22643" providerId="LiveId" clId="{DFFBE890-388F-43D2-9209-8DB75D39595B}" dt="2021-06-23T00:10:59.937" v="1107" actId="1038"/>
-          <ac:spMkLst>
-            <pc:docMk/>
-            <pc:sldMk cId="1556184242" sldId="256"/>
-            <ac:spMk id="261" creationId="{DDDE9C9D-5739-456E-8F56-0DF4D234B52F}"/>
-          </ac:spMkLst>
-        </pc:spChg>
-        <pc:spChg chg="mod">
-          <ac:chgData name="Fatima Pillosu" userId="a6295d4dc9e22643" providerId="LiveId" clId="{DFFBE890-388F-43D2-9209-8DB75D39595B}" dt="2021-06-23T00:16:50.296" v="1231" actId="1036"/>
-          <ac:spMkLst>
-            <pc:docMk/>
-            <pc:sldMk cId="1556184242" sldId="256"/>
-            <ac:spMk id="262" creationId="{89BFC9FB-2D8F-4861-9D84-EF9B8D54618D}"/>
-          </ac:spMkLst>
-        </pc:spChg>
-        <pc:spChg chg="mod">
-          <ac:chgData name="Fatima Pillosu" userId="a6295d4dc9e22643" providerId="LiveId" clId="{DFFBE890-388F-43D2-9209-8DB75D39595B}" dt="2021-06-23T00:18:01.733" v="1274" actId="1036"/>
-          <ac:spMkLst>
-            <pc:docMk/>
-            <pc:sldMk cId="1556184242" sldId="256"/>
-            <ac:spMk id="263" creationId="{B959478B-2650-492C-8B85-A17DD49751BC}"/>
-          </ac:spMkLst>
-        </pc:spChg>
-        <pc:spChg chg="add mod">
-          <ac:chgData name="Fatima Pillosu" userId="a6295d4dc9e22643" providerId="LiveId" clId="{DFFBE890-388F-43D2-9209-8DB75D39595B}" dt="2021-06-23T00:10:59.937" v="1107" actId="1038"/>
-          <ac:spMkLst>
-            <pc:docMk/>
-            <pc:sldMk cId="1556184242" sldId="256"/>
-            <ac:spMk id="264" creationId="{6ABAAF0F-CF08-492A-86D4-760FAE2CA824}"/>
-          </ac:spMkLst>
-        </pc:spChg>
-        <pc:spChg chg="add mod">
-          <ac:chgData name="Fatima Pillosu" userId="a6295d4dc9e22643" providerId="LiveId" clId="{DFFBE890-388F-43D2-9209-8DB75D39595B}" dt="2021-06-23T00:10:59.937" v="1107" actId="1038"/>
-          <ac:spMkLst>
-            <pc:docMk/>
-            <pc:sldMk cId="1556184242" sldId="256"/>
-            <ac:spMk id="265" creationId="{89F31147-29A2-4929-B82D-AF9421491784}"/>
-          </ac:spMkLst>
-        </pc:spChg>
-        <pc:spChg chg="mod">
-          <ac:chgData name="Fatima Pillosu" userId="a6295d4dc9e22643" providerId="LiveId" clId="{DFFBE890-388F-43D2-9209-8DB75D39595B}" dt="2021-06-23T00:18:01.733" v="1274" actId="1036"/>
-          <ac:spMkLst>
-            <pc:docMk/>
-            <pc:sldMk cId="1556184242" sldId="256"/>
-            <ac:spMk id="266" creationId="{FF672A38-BF4F-43FC-8D02-6300A8F3CBE8}"/>
-          </ac:spMkLst>
-        </pc:spChg>
-        <pc:spChg chg="mod">
-          <ac:chgData name="Fatima Pillosu" userId="a6295d4dc9e22643" providerId="LiveId" clId="{DFFBE890-388F-43D2-9209-8DB75D39595B}" dt="2021-06-23T00:18:01.733" v="1274" actId="1036"/>
-          <ac:spMkLst>
-            <pc:docMk/>
-            <pc:sldMk cId="1556184242" sldId="256"/>
-            <ac:spMk id="267" creationId="{3872E514-38D1-49D5-895D-AFD47FAA5E84}"/>
-          </ac:spMkLst>
-        </pc:spChg>
-        <pc:spChg chg="mod">
-          <ac:chgData name="Fatima Pillosu" userId="a6295d4dc9e22643" providerId="LiveId" clId="{DFFBE890-388F-43D2-9209-8DB75D39595B}" dt="2021-06-23T00:18:01.733" v="1274" actId="1036"/>
-          <ac:spMkLst>
-            <pc:docMk/>
-            <pc:sldMk cId="1556184242" sldId="256"/>
-            <ac:spMk id="268" creationId="{66E4A282-E49C-4985-A534-9A5B04E13121}"/>
-          </ac:spMkLst>
-        </pc:spChg>
-        <pc:spChg chg="mod">
-          <ac:chgData name="Fatima Pillosu" userId="a6295d4dc9e22643" providerId="LiveId" clId="{DFFBE890-388F-43D2-9209-8DB75D39595B}" dt="2021-06-23T00:18:01.733" v="1274" actId="1036"/>
-          <ac:spMkLst>
-            <pc:docMk/>
-            <pc:sldMk cId="1556184242" sldId="256"/>
-            <ac:spMk id="269" creationId="{D2F10AE4-7C82-405C-AB6C-8A14F792F433}"/>
-          </ac:spMkLst>
-        </pc:spChg>
-        <pc:spChg chg="mod">
-          <ac:chgData name="Fatima Pillosu" userId="a6295d4dc9e22643" providerId="LiveId" clId="{DFFBE890-388F-43D2-9209-8DB75D39595B}" dt="2021-06-23T00:18:01.733" v="1274" actId="1036"/>
-          <ac:spMkLst>
-            <pc:docMk/>
-            <pc:sldMk cId="1556184242" sldId="256"/>
-            <ac:spMk id="270" creationId="{FCD07E0A-9B1E-49DC-8992-EAEC6975EE80}"/>
-          </ac:spMkLst>
-        </pc:spChg>
-        <pc:spChg chg="mod">
-          <ac:chgData name="Fatima Pillosu" userId="a6295d4dc9e22643" providerId="LiveId" clId="{DFFBE890-388F-43D2-9209-8DB75D39595B}" dt="2021-06-23T00:18:01.733" v="1274" actId="1036"/>
-          <ac:spMkLst>
-            <pc:docMk/>
-            <pc:sldMk cId="1556184242" sldId="256"/>
-            <ac:spMk id="271" creationId="{2AAF7BCE-E247-4FC7-B5F3-A5D1022132BB}"/>
-          </ac:spMkLst>
-        </pc:spChg>
-        <pc:spChg chg="mod">
-          <ac:chgData name="Fatima Pillosu" userId="a6295d4dc9e22643" providerId="LiveId" clId="{DFFBE890-388F-43D2-9209-8DB75D39595B}" dt="2021-06-23T00:18:01.733" v="1274" actId="1036"/>
-          <ac:spMkLst>
-            <pc:docMk/>
-            <pc:sldMk cId="1556184242" sldId="256"/>
-            <ac:spMk id="273" creationId="{2CDD8125-CB16-4209-A9F3-337E794CC8B5}"/>
-          </ac:spMkLst>
-        </pc:spChg>
-        <pc:spChg chg="mod">
-          <ac:chgData name="Fatima Pillosu" userId="a6295d4dc9e22643" providerId="LiveId" clId="{DFFBE890-388F-43D2-9209-8DB75D39595B}" dt="2021-06-23T00:18:01.733" v="1274" actId="1036"/>
-          <ac:spMkLst>
-            <pc:docMk/>
-            <pc:sldMk cId="1556184242" sldId="256"/>
-            <ac:spMk id="275" creationId="{ED16D92B-9B32-47CA-9F78-414131893EDF}"/>
-          </ac:spMkLst>
-        </pc:spChg>
-        <pc:spChg chg="mod">
-          <ac:chgData name="Fatima Pillosu" userId="a6295d4dc9e22643" providerId="LiveId" clId="{DFFBE890-388F-43D2-9209-8DB75D39595B}" dt="2021-06-23T00:18:01.733" v="1274" actId="1036"/>
-          <ac:spMkLst>
-            <pc:docMk/>
-            <pc:sldMk cId="1556184242" sldId="256"/>
-            <ac:spMk id="276" creationId="{C66FBE67-4682-4344-AD9E-F488417144B7}"/>
-          </ac:spMkLst>
-        </pc:spChg>
-        <pc:spChg chg="mod">
-          <ac:chgData name="Fatima Pillosu" userId="a6295d4dc9e22643" providerId="LiveId" clId="{DFFBE890-388F-43D2-9209-8DB75D39595B}" dt="2021-06-23T00:18:01.733" v="1274" actId="1036"/>
-          <ac:spMkLst>
-            <pc:docMk/>
-            <pc:sldMk cId="1556184242" sldId="256"/>
-            <ac:spMk id="278" creationId="{0E90E2D8-1618-48A2-B5A0-741EC25EC4CE}"/>
-          </ac:spMkLst>
-        </pc:spChg>
-        <pc:spChg chg="mod">
-          <ac:chgData name="Fatima Pillosu" userId="a6295d4dc9e22643" providerId="LiveId" clId="{DFFBE890-388F-43D2-9209-8DB75D39595B}" dt="2021-06-23T00:18:01.733" v="1274" actId="1036"/>
-          <ac:spMkLst>
-            <pc:docMk/>
-            <pc:sldMk cId="1556184242" sldId="256"/>
-            <ac:spMk id="281" creationId="{0E880B15-1847-41EE-99C7-8E5B03F20828}"/>
-          </ac:spMkLst>
-        </pc:spChg>
-        <pc:spChg chg="mod">
-          <ac:chgData name="Fatima Pillosu" userId="a6295d4dc9e22643" providerId="LiveId" clId="{DFFBE890-388F-43D2-9209-8DB75D39595B}" dt="2021-06-23T00:18:01.733" v="1274" actId="1036"/>
-          <ac:spMkLst>
-            <pc:docMk/>
-            <pc:sldMk cId="1556184242" sldId="256"/>
-            <ac:spMk id="282" creationId="{FC938833-27FB-45D4-A6BE-B7035EE1DACD}"/>
-          </ac:spMkLst>
-        </pc:spChg>
-        <pc:spChg chg="mod">
-          <ac:chgData name="Fatima Pillosu" userId="a6295d4dc9e22643" providerId="LiveId" clId="{DFFBE890-388F-43D2-9209-8DB75D39595B}" dt="2021-06-23T00:18:01.733" v="1274" actId="1036"/>
-          <ac:spMkLst>
-            <pc:docMk/>
-            <pc:sldMk cId="1556184242" sldId="256"/>
-            <ac:spMk id="283" creationId="{0B6251A1-8339-431B-9243-12EC78CE9FEC}"/>
-          </ac:spMkLst>
-        </pc:spChg>
-        <pc:spChg chg="mod">
-          <ac:chgData name="Fatima Pillosu" userId="a6295d4dc9e22643" providerId="LiveId" clId="{DFFBE890-388F-43D2-9209-8DB75D39595B}" dt="2021-06-22T23:53:53.244" v="876" actId="255"/>
-          <ac:spMkLst>
-            <pc:docMk/>
-            <pc:sldMk cId="1556184242" sldId="256"/>
-            <ac:spMk id="284" creationId="{97E804E9-BFB0-4196-83EE-C5AA578BE4BD}"/>
-          </ac:spMkLst>
-        </pc:spChg>
-        <pc:spChg chg="mod">
-          <ac:chgData name="Fatima Pillosu" userId="a6295d4dc9e22643" providerId="LiveId" clId="{DFFBE890-388F-43D2-9209-8DB75D39595B}" dt="2021-06-23T00:18:01.733" v="1274" actId="1036"/>
-          <ac:spMkLst>
-            <pc:docMk/>
-            <pc:sldMk cId="1556184242" sldId="256"/>
-            <ac:spMk id="286" creationId="{9209AB5A-523A-41D0-9398-2AED3E617554}"/>
-          </ac:spMkLst>
-        </pc:spChg>
-        <pc:spChg chg="mod">
-          <ac:chgData name="Fatima Pillosu" userId="a6295d4dc9e22643" providerId="LiveId" clId="{DFFBE890-388F-43D2-9209-8DB75D39595B}" dt="2021-06-23T00:18:01.733" v="1274" actId="1036"/>
-          <ac:spMkLst>
-            <pc:docMk/>
-            <pc:sldMk cId="1556184242" sldId="256"/>
-            <ac:spMk id="287" creationId="{EDC4D2F2-4847-4BE3-955C-02FF868CBD9C}"/>
-          </ac:spMkLst>
-        </pc:spChg>
-        <pc:spChg chg="mod">
-          <ac:chgData name="Fatima Pillosu" userId="a6295d4dc9e22643" providerId="LiveId" clId="{DFFBE890-388F-43D2-9209-8DB75D39595B}" dt="2021-06-23T00:18:01.733" v="1274" actId="1036"/>
-          <ac:spMkLst>
-            <pc:docMk/>
-            <pc:sldMk cId="1556184242" sldId="256"/>
-            <ac:spMk id="288" creationId="{68255B09-CC66-48FF-A83E-F0FCFECD2966}"/>
-          </ac:spMkLst>
-        </pc:spChg>
-        <pc:spChg chg="mod">
-          <ac:chgData name="Fatima Pillosu" userId="a6295d4dc9e22643" providerId="LiveId" clId="{DFFBE890-388F-43D2-9209-8DB75D39595B}" dt="2021-06-23T00:18:01.733" v="1274" actId="1036"/>
-          <ac:spMkLst>
-            <pc:docMk/>
-            <pc:sldMk cId="1556184242" sldId="256"/>
-            <ac:spMk id="289" creationId="{A5DA8696-DF9A-4FFB-AAC3-86F5DA379793}"/>
-          </ac:spMkLst>
-        </pc:spChg>
-        <pc:spChg chg="mod">
-          <ac:chgData name="Fatima Pillosu" userId="a6295d4dc9e22643" providerId="LiveId" clId="{DFFBE890-388F-43D2-9209-8DB75D39595B}" dt="2021-06-23T00:19:07.183" v="1302" actId="1035"/>
-          <ac:spMkLst>
-            <pc:docMk/>
-            <pc:sldMk cId="1556184242" sldId="256"/>
-            <ac:spMk id="290" creationId="{02D7A26A-76EF-448A-A696-2F8B12E2F44D}"/>
-          </ac:spMkLst>
-        </pc:spChg>
-        <pc:spChg chg="mod">
-          <ac:chgData name="Fatima Pillosu" userId="a6295d4dc9e22643" providerId="LiveId" clId="{DFFBE890-388F-43D2-9209-8DB75D39595B}" dt="2021-06-23T00:19:07.183" v="1302" actId="1035"/>
-          <ac:spMkLst>
-            <pc:docMk/>
-            <pc:sldMk cId="1556184242" sldId="256"/>
-            <ac:spMk id="291" creationId="{1A6707D4-F7C0-4986-BBD0-B164607D38F6}"/>
-          </ac:spMkLst>
-        </pc:spChg>
-        <pc:spChg chg="mod">
-          <ac:chgData name="Fatima Pillosu" userId="a6295d4dc9e22643" providerId="LiveId" clId="{DFFBE890-388F-43D2-9209-8DB75D39595B}" dt="2021-06-23T00:18:11.417" v="1278" actId="1036"/>
-          <ac:spMkLst>
-            <pc:docMk/>
-            <pc:sldMk cId="1556184242" sldId="256"/>
-            <ac:spMk id="293" creationId="{9025EDCE-2C09-43A6-AB8F-68C7ACA6C243}"/>
-          </ac:spMkLst>
-        </pc:spChg>
-        <pc:spChg chg="mod">
-          <ac:chgData name="Fatima Pillosu" userId="a6295d4dc9e22643" providerId="LiveId" clId="{DFFBE890-388F-43D2-9209-8DB75D39595B}" dt="2021-06-23T00:19:07.183" v="1302" actId="1035"/>
-          <ac:spMkLst>
-            <pc:docMk/>
-            <pc:sldMk cId="1556184242" sldId="256"/>
-            <ac:spMk id="294" creationId="{9A69DAB2-F11E-4489-A1B4-12944180E88F}"/>
-          </ac:spMkLst>
-        </pc:spChg>
-        <pc:spChg chg="mod">
-          <ac:chgData name="Fatima Pillosu" userId="a6295d4dc9e22643" providerId="LiveId" clId="{DFFBE890-388F-43D2-9209-8DB75D39595B}" dt="2021-06-23T00:18:11.417" v="1278" actId="1036"/>
-          <ac:spMkLst>
-            <pc:docMk/>
-            <pc:sldMk cId="1556184242" sldId="256"/>
-            <ac:spMk id="296" creationId="{9553478D-550C-4161-9A74-F83E81E2DB4C}"/>
-          </ac:spMkLst>
-        </pc:spChg>
-        <pc:spChg chg="mod">
-          <ac:chgData name="Fatima Pillosu" userId="a6295d4dc9e22643" providerId="LiveId" clId="{DFFBE890-388F-43D2-9209-8DB75D39595B}" dt="2021-06-23T00:18:11.417" v="1278" actId="1036"/>
-          <ac:spMkLst>
-            <pc:docMk/>
-            <pc:sldMk cId="1556184242" sldId="256"/>
-            <ac:spMk id="297" creationId="{07CDB1FA-2654-4D69-8F9B-600501236360}"/>
-          </ac:spMkLst>
-        </pc:spChg>
-        <pc:spChg chg="mod">
-          <ac:chgData name="Fatima Pillosu" userId="a6295d4dc9e22643" providerId="LiveId" clId="{DFFBE890-388F-43D2-9209-8DB75D39595B}" dt="2021-06-23T00:18:11.417" v="1278" actId="1036"/>
-          <ac:spMkLst>
-            <pc:docMk/>
-            <pc:sldMk cId="1556184242" sldId="256"/>
-            <ac:spMk id="298" creationId="{4035A280-B58D-44BC-A9A7-A2FC855CBF29}"/>
-          </ac:spMkLst>
-        </pc:spChg>
-        <pc:spChg chg="mod">
-          <ac:chgData name="Fatima Pillosu" userId="a6295d4dc9e22643" providerId="LiveId" clId="{DFFBE890-388F-43D2-9209-8DB75D39595B}" dt="2021-06-23T00:19:07.183" v="1302" actId="1035"/>
-          <ac:spMkLst>
-            <pc:docMk/>
-            <pc:sldMk cId="1556184242" sldId="256"/>
-            <ac:spMk id="301" creationId="{2AB7CF5C-D4CF-4725-AAA1-BE3C4C3CDB80}"/>
-          </ac:spMkLst>
-        </pc:spChg>
-        <pc:spChg chg="mod">
-          <ac:chgData name="Fatima Pillosu" userId="a6295d4dc9e22643" providerId="LiveId" clId="{DFFBE890-388F-43D2-9209-8DB75D39595B}" dt="2021-06-22T23:53:47.868" v="875" actId="255"/>
-          <ac:spMkLst>
-            <pc:docMk/>
-            <pc:sldMk cId="1556184242" sldId="256"/>
-            <ac:spMk id="302" creationId="{24CF1CE7-D2CA-494C-9CD1-00C9D0078B0F}"/>
-          </ac:spMkLst>
-        </pc:spChg>
-        <pc:spChg chg="mod">
-          <ac:chgData name="Fatima Pillosu" userId="a6295d4dc9e22643" providerId="LiveId" clId="{DFFBE890-388F-43D2-9209-8DB75D39595B}" dt="2021-06-23T00:17:34.594" v="1255" actId="1038"/>
-          <ac:spMkLst>
-            <pc:docMk/>
-            <pc:sldMk cId="1556184242" sldId="256"/>
-            <ac:spMk id="303" creationId="{1396037A-0807-4F1A-9709-543D5B95A5E7}"/>
-          </ac:spMkLst>
-        </pc:spChg>
-        <pc:spChg chg="mod">
-          <ac:chgData name="Fatima Pillosu" userId="a6295d4dc9e22643" providerId="LiveId" clId="{DFFBE890-388F-43D2-9209-8DB75D39595B}" dt="2021-06-23T00:17:34.594" v="1255" actId="1038"/>
-          <ac:spMkLst>
-            <pc:docMk/>
-            <pc:sldMk cId="1556184242" sldId="256"/>
-            <ac:spMk id="304" creationId="{446659C8-A243-42F5-90AD-074188821DE2}"/>
-          </ac:spMkLst>
-        </pc:spChg>
-        <pc:spChg chg="mod">
-          <ac:chgData name="Fatima Pillosu" userId="a6295d4dc9e22643" providerId="LiveId" clId="{DFFBE890-388F-43D2-9209-8DB75D39595B}" dt="2021-06-23T00:18:11.417" v="1278" actId="1036"/>
-          <ac:spMkLst>
-            <pc:docMk/>
-            <pc:sldMk cId="1556184242" sldId="256"/>
-            <ac:spMk id="305" creationId="{FEFBA637-DC77-4D29-8001-169921D2608A}"/>
-          </ac:spMkLst>
-        </pc:spChg>
-        <pc:spChg chg="mod">
-          <ac:chgData name="Fatima Pillosu" userId="a6295d4dc9e22643" providerId="LiveId" clId="{DFFBE890-388F-43D2-9209-8DB75D39595B}" dt="2021-06-23T00:19:07.183" v="1302" actId="1035"/>
-          <ac:spMkLst>
-            <pc:docMk/>
-            <pc:sldMk cId="1556184242" sldId="256"/>
-            <ac:spMk id="306" creationId="{C86443E4-FA0B-411E-8834-90E73695E089}"/>
-          </ac:spMkLst>
-        </pc:spChg>
-        <pc:spChg chg="mod">
-          <ac:chgData name="Fatima Pillosu" userId="a6295d4dc9e22643" providerId="LiveId" clId="{DFFBE890-388F-43D2-9209-8DB75D39595B}" dt="2021-06-23T00:18:11.417" v="1278" actId="1036"/>
-          <ac:spMkLst>
-            <pc:docMk/>
-            <pc:sldMk cId="1556184242" sldId="256"/>
-            <ac:spMk id="307" creationId="{696037C6-32EB-4893-BA9C-62345C583B10}"/>
-          </ac:spMkLst>
-        </pc:spChg>
-        <pc:spChg chg="mod">
-          <ac:chgData name="Fatima Pillosu" userId="a6295d4dc9e22643" providerId="LiveId" clId="{DFFBE890-388F-43D2-9209-8DB75D39595B}" dt="2021-06-23T00:18:11.417" v="1278" actId="1036"/>
-          <ac:spMkLst>
-            <pc:docMk/>
-            <pc:sldMk cId="1556184242" sldId="256"/>
-            <ac:spMk id="308" creationId="{2EFF81FD-8E63-46A4-8012-419CBFB07853}"/>
-          </ac:spMkLst>
-        </pc:spChg>
-        <pc:spChg chg="mod">
-          <ac:chgData name="Fatima Pillosu" userId="a6295d4dc9e22643" providerId="LiveId" clId="{DFFBE890-388F-43D2-9209-8DB75D39595B}" dt="2021-06-23T00:18:11.417" v="1278" actId="1036"/>
-          <ac:spMkLst>
-            <pc:docMk/>
-            <pc:sldMk cId="1556184242" sldId="256"/>
-            <ac:spMk id="309" creationId="{EFBB774B-E87C-47AE-8CB0-87F5BC390064}"/>
-          </ac:spMkLst>
-        </pc:spChg>
-        <pc:spChg chg="mod">
-          <ac:chgData name="Fatima Pillosu" userId="a6295d4dc9e22643" providerId="LiveId" clId="{DFFBE890-388F-43D2-9209-8DB75D39595B}" dt="2021-06-23T00:18:11.417" v="1278" actId="1036"/>
-          <ac:spMkLst>
-            <pc:docMk/>
-            <pc:sldMk cId="1556184242" sldId="256"/>
-            <ac:spMk id="310" creationId="{0FE93762-62A8-44ED-8A8D-5DB99B135A1E}"/>
-          </ac:spMkLst>
-        </pc:spChg>
-        <pc:spChg chg="mod">
-          <ac:chgData name="Fatima Pillosu" userId="a6295d4dc9e22643" providerId="LiveId" clId="{DFFBE890-388F-43D2-9209-8DB75D39595B}" dt="2021-06-23T00:18:11.417" v="1278" actId="1036"/>
-          <ac:spMkLst>
-            <pc:docMk/>
-            <pc:sldMk cId="1556184242" sldId="256"/>
-            <ac:spMk id="311" creationId="{FE208EA7-26DB-4B57-9A13-8EA0EB64FEF2}"/>
-          </ac:spMkLst>
-        </pc:spChg>
-        <pc:spChg chg="mod">
-          <ac:chgData name="Fatima Pillosu" userId="a6295d4dc9e22643" providerId="LiveId" clId="{DFFBE890-388F-43D2-9209-8DB75D39595B}" dt="2021-06-23T00:18:11.417" v="1278" actId="1036"/>
-          <ac:spMkLst>
-            <pc:docMk/>
-            <pc:sldMk cId="1556184242" sldId="256"/>
-            <ac:spMk id="314" creationId="{C061B958-69BF-4BB0-8545-6C2D6FBE6DF1}"/>
-          </ac:spMkLst>
-        </pc:spChg>
-        <pc:spChg chg="mod">
-          <ac:chgData name="Fatima Pillosu" userId="a6295d4dc9e22643" providerId="LiveId" clId="{DFFBE890-388F-43D2-9209-8DB75D39595B}" dt="2021-06-23T00:19:07.183" v="1302" actId="1035"/>
-          <ac:spMkLst>
-            <pc:docMk/>
-            <pc:sldMk cId="1556184242" sldId="256"/>
-            <ac:spMk id="315" creationId="{744C2593-8EFA-4FDF-8C4C-5B3BA7CDE4BC}"/>
-          </ac:spMkLst>
-        </pc:spChg>
-        <pc:spChg chg="mod">
-          <ac:chgData name="Fatima Pillosu" userId="a6295d4dc9e22643" providerId="LiveId" clId="{DFFBE890-388F-43D2-9209-8DB75D39595B}" dt="2021-06-23T00:19:07.183" v="1302" actId="1035"/>
-          <ac:spMkLst>
-            <pc:docMk/>
-            <pc:sldMk cId="1556184242" sldId="256"/>
-            <ac:spMk id="316" creationId="{CD6B9B13-37B1-4C44-B92F-E6E95D608A3D}"/>
-          </ac:spMkLst>
-        </pc:spChg>
-        <pc:spChg chg="mod">
-          <ac:chgData name="Fatima Pillosu" userId="a6295d4dc9e22643" providerId="LiveId" clId="{DFFBE890-388F-43D2-9209-8DB75D39595B}" dt="2021-06-23T00:19:07.183" v="1302" actId="1035"/>
-          <ac:spMkLst>
-            <pc:docMk/>
-            <pc:sldMk cId="1556184242" sldId="256"/>
-            <ac:spMk id="317" creationId="{FAC94204-7A45-4693-BB2B-A598B4BED9FB}"/>
-          </ac:spMkLst>
-        </pc:spChg>
-        <pc:spChg chg="mod">
-          <ac:chgData name="Fatima Pillosu" userId="a6295d4dc9e22643" providerId="LiveId" clId="{DFFBE890-388F-43D2-9209-8DB75D39595B}" dt="2021-06-23T00:19:07.183" v="1302" actId="1035"/>
-          <ac:spMkLst>
-            <pc:docMk/>
-            <pc:sldMk cId="1556184242" sldId="256"/>
-            <ac:spMk id="318" creationId="{F70E1138-17DB-486B-BE02-616A0F56CE87}"/>
-          </ac:spMkLst>
-        </pc:spChg>
-        <pc:spChg chg="mod">
-          <ac:chgData name="Fatima Pillosu" userId="a6295d4dc9e22643" providerId="LiveId" clId="{DFFBE890-388F-43D2-9209-8DB75D39595B}" dt="2021-06-23T00:19:07.183" v="1302" actId="1035"/>
-          <ac:spMkLst>
-            <pc:docMk/>
-            <pc:sldMk cId="1556184242" sldId="256"/>
-            <ac:spMk id="319" creationId="{7091631A-1604-4077-8F45-DFB19661D523}"/>
-          </ac:spMkLst>
-        </pc:spChg>
-        <pc:spChg chg="mod">
-          <ac:chgData name="Fatima Pillosu" userId="a6295d4dc9e22643" providerId="LiveId" clId="{DFFBE890-388F-43D2-9209-8DB75D39595B}" dt="2021-06-23T00:22:09.827" v="1343" actId="1076"/>
-          <ac:spMkLst>
-            <pc:docMk/>
-            <pc:sldMk cId="1556184242" sldId="256"/>
-            <ac:spMk id="322" creationId="{8AF5F0C4-D844-499E-9D1C-AD7659019AD2}"/>
-          </ac:spMkLst>
-        </pc:spChg>
-        <pc:spChg chg="mod">
-          <ac:chgData name="Fatima Pillosu" userId="a6295d4dc9e22643" providerId="LiveId" clId="{DFFBE890-388F-43D2-9209-8DB75D39595B}" dt="2021-06-23T00:22:09.827" v="1343" actId="1076"/>
-          <ac:spMkLst>
-            <pc:docMk/>
-            <pc:sldMk cId="1556184242" sldId="256"/>
-            <ac:spMk id="323" creationId="{C4B59B97-CA6B-4D1E-BD13-29F2A5EE129B}"/>
-          </ac:spMkLst>
-        </pc:spChg>
-        <pc:spChg chg="mod">
-          <ac:chgData name="Fatima Pillosu" userId="a6295d4dc9e22643" providerId="LiveId" clId="{DFFBE890-388F-43D2-9209-8DB75D39595B}" dt="2021-06-23T00:22:09.827" v="1343" actId="1076"/>
-          <ac:spMkLst>
-            <pc:docMk/>
-            <pc:sldMk cId="1556184242" sldId="256"/>
-            <ac:spMk id="324" creationId="{2884F03D-2887-4C1D-9065-40DD3FC75CB4}"/>
-          </ac:spMkLst>
-        </pc:spChg>
-        <pc:spChg chg="mod">
-          <ac:chgData name="Fatima Pillosu" userId="a6295d4dc9e22643" providerId="LiveId" clId="{DFFBE890-388F-43D2-9209-8DB75D39595B}" dt="2021-06-23T00:22:09.827" v="1343" actId="1076"/>
-          <ac:spMkLst>
-            <pc:docMk/>
-            <pc:sldMk cId="1556184242" sldId="256"/>
-            <ac:spMk id="325" creationId="{5FB0BB6C-8DE9-4A79-9235-294E72E77BC8}"/>
-          </ac:spMkLst>
-        </pc:spChg>
-        <pc:spChg chg="mod">
-          <ac:chgData name="Fatima Pillosu" userId="a6295d4dc9e22643" providerId="LiveId" clId="{DFFBE890-388F-43D2-9209-8DB75D39595B}" dt="2021-06-23T00:22:09.827" v="1343" actId="1076"/>
-          <ac:spMkLst>
-            <pc:docMk/>
-            <pc:sldMk cId="1556184242" sldId="256"/>
-            <ac:spMk id="326" creationId="{C98CBA0E-8BD8-4B8B-BD33-E2932D692186}"/>
-          </ac:spMkLst>
-        </pc:spChg>
-        <pc:spChg chg="mod">
-          <ac:chgData name="Fatima Pillosu" userId="a6295d4dc9e22643" providerId="LiveId" clId="{DFFBE890-388F-43D2-9209-8DB75D39595B}" dt="2021-06-23T00:22:09.827" v="1343" actId="1076"/>
-          <ac:spMkLst>
-            <pc:docMk/>
-            <pc:sldMk cId="1556184242" sldId="256"/>
-            <ac:spMk id="327" creationId="{9C012D6A-4CB3-41E5-B1BB-37144FFEA178}"/>
-          </ac:spMkLst>
-        </pc:spChg>
-        <pc:spChg chg="mod">
-          <ac:chgData name="Fatima Pillosu" userId="a6295d4dc9e22643" providerId="LiveId" clId="{DFFBE890-388F-43D2-9209-8DB75D39595B}" dt="2021-06-23T00:22:09.827" v="1343" actId="1076"/>
-          <ac:spMkLst>
-            <pc:docMk/>
-            <pc:sldMk cId="1556184242" sldId="256"/>
-            <ac:spMk id="328" creationId="{1DD34801-DCF7-426E-A862-8F9372B07107}"/>
-          </ac:spMkLst>
-        </pc:spChg>
-        <pc:spChg chg="mod">
-          <ac:chgData name="Fatima Pillosu" userId="a6295d4dc9e22643" providerId="LiveId" clId="{DFFBE890-388F-43D2-9209-8DB75D39595B}" dt="2021-06-23T00:22:09.827" v="1343" actId="1076"/>
-          <ac:spMkLst>
-            <pc:docMk/>
-            <pc:sldMk cId="1556184242" sldId="256"/>
-            <ac:spMk id="329" creationId="{B8B9CDC7-8A7A-4CD1-A15C-0DD551E5F9CD}"/>
-          </ac:spMkLst>
-        </pc:spChg>
-        <pc:spChg chg="mod">
-          <ac:chgData name="Fatima Pillosu" userId="a6295d4dc9e22643" providerId="LiveId" clId="{DFFBE890-388F-43D2-9209-8DB75D39595B}" dt="2021-06-23T00:22:09.827" v="1343" actId="1076"/>
-          <ac:spMkLst>
-            <pc:docMk/>
-            <pc:sldMk cId="1556184242" sldId="256"/>
-            <ac:spMk id="330" creationId="{F605D4ED-D7A0-4702-862B-1D035197B597}"/>
-          </ac:spMkLst>
-        </pc:spChg>
-        <pc:spChg chg="mod">
-          <ac:chgData name="Fatima Pillosu" userId="a6295d4dc9e22643" providerId="LiveId" clId="{DFFBE890-388F-43D2-9209-8DB75D39595B}" dt="2021-06-23T00:22:09.827" v="1343" actId="1076"/>
-          <ac:spMkLst>
-            <pc:docMk/>
-            <pc:sldMk cId="1556184242" sldId="256"/>
-            <ac:spMk id="331" creationId="{2E94CEB9-1095-40C7-8F83-B417C35413C1}"/>
-          </ac:spMkLst>
-        </pc:spChg>
-        <pc:spChg chg="mod">
-          <ac:chgData name="Fatima Pillosu" userId="a6295d4dc9e22643" providerId="LiveId" clId="{DFFBE890-388F-43D2-9209-8DB75D39595B}" dt="2021-06-23T00:22:09.827" v="1343" actId="1076"/>
-          <ac:spMkLst>
-            <pc:docMk/>
-            <pc:sldMk cId="1556184242" sldId="256"/>
-            <ac:spMk id="332" creationId="{C3214072-0184-4D36-9F78-0A550AC1B681}"/>
-          </ac:spMkLst>
-        </pc:spChg>
-        <pc:spChg chg="mod">
-          <ac:chgData name="Fatima Pillosu" userId="a6295d4dc9e22643" providerId="LiveId" clId="{DFFBE890-388F-43D2-9209-8DB75D39595B}" dt="2021-06-23T00:22:09.827" v="1343" actId="1076"/>
-          <ac:spMkLst>
-            <pc:docMk/>
-            <pc:sldMk cId="1556184242" sldId="256"/>
-            <ac:spMk id="333" creationId="{F1DF7913-CA46-4F4E-B5EB-4F36E7E4A029}"/>
-          </ac:spMkLst>
-        </pc:spChg>
-        <pc:spChg chg="mod">
-          <ac:chgData name="Fatima Pillosu" userId="a6295d4dc9e22643" providerId="LiveId" clId="{DFFBE890-388F-43D2-9209-8DB75D39595B}" dt="2021-06-23T00:22:09.827" v="1343" actId="1076"/>
-          <ac:spMkLst>
-            <pc:docMk/>
-            <pc:sldMk cId="1556184242" sldId="256"/>
-            <ac:spMk id="334" creationId="{BB281AAD-8452-45DB-B57F-EE6050AA20E9}"/>
-          </ac:spMkLst>
-        </pc:spChg>
-        <pc:spChg chg="mod">
-          <ac:chgData name="Fatima Pillosu" userId="a6295d4dc9e22643" providerId="LiveId" clId="{DFFBE890-388F-43D2-9209-8DB75D39595B}" dt="2021-06-23T00:22:09.827" v="1343" actId="1076"/>
-          <ac:spMkLst>
-            <pc:docMk/>
-            <pc:sldMk cId="1556184242" sldId="256"/>
-            <ac:spMk id="335" creationId="{2621067A-5584-498F-A613-2F1CF7C56F2F}"/>
-          </ac:spMkLst>
-        </pc:spChg>
-        <pc:spChg chg="mod">
-          <ac:chgData name="Fatima Pillosu" userId="a6295d4dc9e22643" providerId="LiveId" clId="{DFFBE890-388F-43D2-9209-8DB75D39595B}" dt="2021-06-23T00:22:09.827" v="1343" actId="1076"/>
-          <ac:spMkLst>
-            <pc:docMk/>
-            <pc:sldMk cId="1556184242" sldId="256"/>
-            <ac:spMk id="336" creationId="{37EA9084-4E78-4B14-BC04-D9F65BF5BB78}"/>
-          </ac:spMkLst>
-        </pc:spChg>
-        <pc:spChg chg="mod">
-          <ac:chgData name="Fatima Pillosu" userId="a6295d4dc9e22643" providerId="LiveId" clId="{DFFBE890-388F-43D2-9209-8DB75D39595B}" dt="2021-06-23T00:22:09.827" v="1343" actId="1076"/>
-          <ac:spMkLst>
-            <pc:docMk/>
-            <pc:sldMk cId="1556184242" sldId="256"/>
-            <ac:spMk id="337" creationId="{479B935E-BD96-4D50-B75A-A9A90842AFCB}"/>
-          </ac:spMkLst>
-        </pc:spChg>
-        <pc:spChg chg="mod">
-          <ac:chgData name="Fatima Pillosu" userId="a6295d4dc9e22643" providerId="LiveId" clId="{DFFBE890-388F-43D2-9209-8DB75D39595B}" dt="2021-06-23T00:22:09.827" v="1343" actId="1076"/>
-          <ac:spMkLst>
-            <pc:docMk/>
-            <pc:sldMk cId="1556184242" sldId="256"/>
-            <ac:spMk id="338" creationId="{59C56579-115E-4057-9FCA-777B59454FDE}"/>
-          </ac:spMkLst>
-        </pc:spChg>
-        <pc:spChg chg="mod">
-          <ac:chgData name="Fatima Pillosu" userId="a6295d4dc9e22643" providerId="LiveId" clId="{DFFBE890-388F-43D2-9209-8DB75D39595B}" dt="2021-06-23T00:22:09.827" v="1343" actId="1076"/>
-          <ac:spMkLst>
-            <pc:docMk/>
-            <pc:sldMk cId="1556184242" sldId="256"/>
-            <ac:spMk id="339" creationId="{14CA17F9-12FB-47E1-B37E-300BB74B11DC}"/>
-          </ac:spMkLst>
-        </pc:spChg>
-        <pc:spChg chg="del mod">
-          <ac:chgData name="Fatima Pillosu" userId="a6295d4dc9e22643" providerId="LiveId" clId="{DFFBE890-388F-43D2-9209-8DB75D39595B}" dt="2021-06-22T23:57:10.049" v="918" actId="478"/>
-          <ac:spMkLst>
-            <pc:docMk/>
-            <pc:sldMk cId="1556184242" sldId="256"/>
-            <ac:spMk id="341" creationId="{E60FDF31-53AE-49A2-94C4-09A2FD9C76BB}"/>
-          </ac:spMkLst>
-        </pc:spChg>
-        <pc:spChg chg="mod">
-          <ac:chgData name="Fatima Pillosu" userId="a6295d4dc9e22643" providerId="LiveId" clId="{DFFBE890-388F-43D2-9209-8DB75D39595B}" dt="2021-06-23T00:24:21.521" v="1349" actId="1582"/>
-          <ac:spMkLst>
-            <pc:docMk/>
-            <pc:sldMk cId="1556184242" sldId="256"/>
-            <ac:spMk id="342" creationId="{39FA4E1C-3C01-4D40-9422-DDBF3DDBA76F}"/>
-          </ac:spMkLst>
-        </pc:spChg>
-        <pc:spChg chg="mod">
-          <ac:chgData name="Fatima Pillosu" userId="a6295d4dc9e22643" providerId="LiveId" clId="{DFFBE890-388F-43D2-9209-8DB75D39595B}" dt="2021-06-23T00:24:21.521" v="1349" actId="1582"/>
-          <ac:spMkLst>
-            <pc:docMk/>
-            <pc:sldMk cId="1556184242" sldId="256"/>
-            <ac:spMk id="343" creationId="{E12DFDF1-E165-41F1-A21F-5DF3AF52CEFC}"/>
-          </ac:spMkLst>
-        </pc:spChg>
-        <pc:spChg chg="mod">
-          <ac:chgData name="Fatima Pillosu" userId="a6295d4dc9e22643" providerId="LiveId" clId="{DFFBE890-388F-43D2-9209-8DB75D39595B}" dt="2021-06-23T00:22:09.827" v="1343" actId="1076"/>
-          <ac:spMkLst>
-            <pc:docMk/>
-            <pc:sldMk cId="1556184242" sldId="256"/>
-            <ac:spMk id="346" creationId="{4E4FF54F-FC61-421F-AE38-58650793759E}"/>
-          </ac:spMkLst>
-        </pc:spChg>
-        <pc:spChg chg="mod">
-          <ac:chgData name="Fatima Pillosu" userId="a6295d4dc9e22643" providerId="LiveId" clId="{DFFBE890-388F-43D2-9209-8DB75D39595B}" dt="2021-06-23T00:22:09.827" v="1343" actId="1076"/>
-          <ac:spMkLst>
-            <pc:docMk/>
-            <pc:sldMk cId="1556184242" sldId="256"/>
-            <ac:spMk id="347" creationId="{0DEFE465-7380-438A-9E9D-296588E29D0C}"/>
-          </ac:spMkLst>
-        </pc:spChg>
-        <pc:spChg chg="mod">
-          <ac:chgData name="Fatima Pillosu" userId="a6295d4dc9e22643" providerId="LiveId" clId="{DFFBE890-388F-43D2-9209-8DB75D39595B}" dt="2021-06-23T00:22:09.827" v="1343" actId="1076"/>
-          <ac:spMkLst>
-            <pc:docMk/>
-            <pc:sldMk cId="1556184242" sldId="256"/>
-            <ac:spMk id="348" creationId="{A0980011-8CCC-4186-8496-9F33F1EB875A}"/>
-          </ac:spMkLst>
-        </pc:spChg>
-        <pc:spChg chg="mod">
-          <ac:chgData name="Fatima Pillosu" userId="a6295d4dc9e22643" providerId="LiveId" clId="{DFFBE890-388F-43D2-9209-8DB75D39595B}" dt="2021-06-23T00:22:09.827" v="1343" actId="1076"/>
-          <ac:spMkLst>
-            <pc:docMk/>
-            <pc:sldMk cId="1556184242" sldId="256"/>
-            <ac:spMk id="349" creationId="{852402DC-CCFE-47DF-9102-41C126A88720}"/>
-          </ac:spMkLst>
-        </pc:spChg>
-        <pc:spChg chg="mod">
-          <ac:chgData name="Fatima Pillosu" userId="a6295d4dc9e22643" providerId="LiveId" clId="{DFFBE890-388F-43D2-9209-8DB75D39595B}" dt="2021-06-23T00:22:09.827" v="1343" actId="1076"/>
-          <ac:spMkLst>
-            <pc:docMk/>
-            <pc:sldMk cId="1556184242" sldId="256"/>
-            <ac:spMk id="350" creationId="{0B5CC16D-24DB-4239-AD0A-932827FBE8B0}"/>
-          </ac:spMkLst>
-        </pc:spChg>
-        <pc:spChg chg="mod">
-          <ac:chgData name="Fatima Pillosu" userId="a6295d4dc9e22643" providerId="LiveId" clId="{DFFBE890-388F-43D2-9209-8DB75D39595B}" dt="2021-06-23T00:22:09.827" v="1343" actId="1076"/>
-          <ac:spMkLst>
-            <pc:docMk/>
-            <pc:sldMk cId="1556184242" sldId="256"/>
-            <ac:spMk id="351" creationId="{4C760117-47A0-4167-A77E-6725DCBF6DBE}"/>
-          </ac:spMkLst>
-        </pc:spChg>
-        <pc:spChg chg="mod">
-          <ac:chgData name="Fatima Pillosu" userId="a6295d4dc9e22643" providerId="LiveId" clId="{DFFBE890-388F-43D2-9209-8DB75D39595B}" dt="2021-06-23T00:22:09.827" v="1343" actId="1076"/>
-          <ac:spMkLst>
-            <pc:docMk/>
-            <pc:sldMk cId="1556184242" sldId="256"/>
-            <ac:spMk id="352" creationId="{3F59F2EB-E8E4-49C4-B9E2-B6E2B42BC505}"/>
-          </ac:spMkLst>
-        </pc:spChg>
-        <pc:spChg chg="mod">
-          <ac:chgData name="Fatima Pillosu" userId="a6295d4dc9e22643" providerId="LiveId" clId="{DFFBE890-388F-43D2-9209-8DB75D39595B}" dt="2021-06-23T00:22:09.827" v="1343" actId="1076"/>
-          <ac:spMkLst>
-            <pc:docMk/>
-            <pc:sldMk cId="1556184242" sldId="256"/>
-            <ac:spMk id="353" creationId="{62ADD646-47D0-4386-A9BB-A714EB2C9D29}"/>
-          </ac:spMkLst>
-        </pc:spChg>
-        <pc:spChg chg="mod">
-          <ac:chgData name="Fatima Pillosu" userId="a6295d4dc9e22643" providerId="LiveId" clId="{DFFBE890-388F-43D2-9209-8DB75D39595B}" dt="2021-06-23T00:22:09.827" v="1343" actId="1076"/>
-          <ac:spMkLst>
-            <pc:docMk/>
-            <pc:sldMk cId="1556184242" sldId="256"/>
-            <ac:spMk id="354" creationId="{4DF93CEF-FAB7-4246-8CD2-96DF8D3E2415}"/>
-          </ac:spMkLst>
-        </pc:spChg>
-        <pc:spChg chg="mod">
-          <ac:chgData name="Fatima Pillosu" userId="a6295d4dc9e22643" providerId="LiveId" clId="{DFFBE890-388F-43D2-9209-8DB75D39595B}" dt="2021-06-23T00:22:09.827" v="1343" actId="1076"/>
-          <ac:spMkLst>
-            <pc:docMk/>
-            <pc:sldMk cId="1556184242" sldId="256"/>
-            <ac:spMk id="355" creationId="{96EB328F-C6E4-4BA4-B645-2814ABBCEEF4}"/>
-          </ac:spMkLst>
-        </pc:spChg>
-        <pc:spChg chg="mod">
-          <ac:chgData name="Fatima Pillosu" userId="a6295d4dc9e22643" providerId="LiveId" clId="{DFFBE890-388F-43D2-9209-8DB75D39595B}" dt="2021-06-23T00:22:09.827" v="1343" actId="1076"/>
-          <ac:spMkLst>
-            <pc:docMk/>
-            <pc:sldMk cId="1556184242" sldId="256"/>
-            <ac:spMk id="356" creationId="{B0CECE20-D5E0-4B2C-B2F1-494C7770283A}"/>
-          </ac:spMkLst>
-        </pc:spChg>
-        <pc:spChg chg="mod">
-          <ac:chgData name="Fatima Pillosu" userId="a6295d4dc9e22643" providerId="LiveId" clId="{DFFBE890-388F-43D2-9209-8DB75D39595B}" dt="2021-06-23T00:22:09.827" v="1343" actId="1076"/>
-          <ac:spMkLst>
-            <pc:docMk/>
-            <pc:sldMk cId="1556184242" sldId="256"/>
-            <ac:spMk id="357" creationId="{B0864CA8-9C14-4360-B89D-F5CBBBE949B9}"/>
-          </ac:spMkLst>
-        </pc:spChg>
-        <pc:spChg chg="mod">
-          <ac:chgData name="Fatima Pillosu" userId="a6295d4dc9e22643" providerId="LiveId" clId="{DFFBE890-388F-43D2-9209-8DB75D39595B}" dt="2021-06-23T00:22:09.827" v="1343" actId="1076"/>
-          <ac:spMkLst>
-            <pc:docMk/>
-            <pc:sldMk cId="1556184242" sldId="256"/>
-            <ac:spMk id="358" creationId="{288E758D-B687-4330-B04F-82E74EFB1B72}"/>
-          </ac:spMkLst>
-        </pc:spChg>
-        <pc:spChg chg="add mod">
-          <ac:chgData name="Fatima Pillosu" userId="a6295d4dc9e22643" providerId="LiveId" clId="{DFFBE890-388F-43D2-9209-8DB75D39595B}" dt="2021-06-23T00:10:59.937" v="1107" actId="1038"/>
-          <ac:spMkLst>
-            <pc:docMk/>
-            <pc:sldMk cId="1556184242" sldId="256"/>
-            <ac:spMk id="360" creationId="{2955E9BF-729A-4F86-A7DE-C69F4224B25B}"/>
-          </ac:spMkLst>
-        </pc:spChg>
-        <pc:spChg chg="add mod">
-          <ac:chgData name="Fatima Pillosu" userId="a6295d4dc9e22643" providerId="LiveId" clId="{DFFBE890-388F-43D2-9209-8DB75D39595B}" dt="2021-06-23T00:10:59.937" v="1107" actId="1038"/>
-          <ac:spMkLst>
-            <pc:docMk/>
-            <pc:sldMk cId="1556184242" sldId="256"/>
-            <ac:spMk id="361" creationId="{210EE00F-D960-4875-AB28-71759FF55F25}"/>
-          </ac:spMkLst>
-        </pc:spChg>
-        <pc:spChg chg="mod">
-          <ac:chgData name="Fatima Pillosu" userId="a6295d4dc9e22643" providerId="LiveId" clId="{DFFBE890-388F-43D2-9209-8DB75D39595B}" dt="2021-06-23T00:22:14.662" v="1344" actId="1076"/>
-          <ac:spMkLst>
-            <pc:docMk/>
-            <pc:sldMk cId="1556184242" sldId="256"/>
-            <ac:spMk id="362" creationId="{766B1E77-737E-4BDD-AAF4-5F099DB44D67}"/>
-          </ac:spMkLst>
-        </pc:spChg>
-        <pc:spChg chg="add mod">
-          <ac:chgData name="Fatima Pillosu" userId="a6295d4dc9e22643" providerId="LiveId" clId="{DFFBE890-388F-43D2-9209-8DB75D39595B}" dt="2021-06-23T00:10:59.937" v="1107" actId="1038"/>
-          <ac:spMkLst>
-            <pc:docMk/>
-            <pc:sldMk cId="1556184242" sldId="256"/>
-            <ac:spMk id="363" creationId="{4C08B833-0CF0-495B-8724-17B123421DAE}"/>
-          </ac:spMkLst>
-        </pc:spChg>
-        <pc:spChg chg="add del mod">
-          <ac:chgData name="Fatima Pillosu" userId="a6295d4dc9e22643" providerId="LiveId" clId="{DFFBE890-388F-43D2-9209-8DB75D39595B}" dt="2021-06-23T00:10:59.937" v="1107" actId="1038"/>
-          <ac:spMkLst>
-            <pc:docMk/>
-            <pc:sldMk cId="1556184242" sldId="256"/>
-            <ac:spMk id="364" creationId="{48E4A335-2E6F-4D2A-9EA3-21C0EE5C6672}"/>
-          </ac:spMkLst>
-        </pc:spChg>
-        <pc:spChg chg="mod">
-          <ac:chgData name="Fatima Pillosu" userId="a6295d4dc9e22643" providerId="LiveId" clId="{DFFBE890-388F-43D2-9209-8DB75D39595B}" dt="2021-06-23T00:19:07.183" v="1302" actId="1035"/>
-          <ac:spMkLst>
-            <pc:docMk/>
-            <pc:sldMk cId="1556184242" sldId="256"/>
-            <ac:spMk id="366" creationId="{0B47306E-F3A7-4234-B122-8455B182C68F}"/>
-          </ac:spMkLst>
-        </pc:spChg>
-        <pc:spChg chg="add mod">
-          <ac:chgData name="Fatima Pillosu" userId="a6295d4dc9e22643" providerId="LiveId" clId="{DFFBE890-388F-43D2-9209-8DB75D39595B}" dt="2021-06-23T00:10:59.937" v="1107" actId="1038"/>
-          <ac:spMkLst>
-            <pc:docMk/>
-            <pc:sldMk cId="1556184242" sldId="256"/>
-            <ac:spMk id="367" creationId="{45373C3D-7A27-4C8A-8121-EEDA9BDD4AA6}"/>
-          </ac:spMkLst>
-        </pc:spChg>
-        <pc:spChg chg="add mod">
-          <ac:chgData name="Fatima Pillosu" userId="a6295d4dc9e22643" providerId="LiveId" clId="{DFFBE890-388F-43D2-9209-8DB75D39595B}" dt="2021-06-23T00:10:59.937" v="1107" actId="1038"/>
-          <ac:spMkLst>
-            <pc:docMk/>
-            <pc:sldMk cId="1556184242" sldId="256"/>
-            <ac:spMk id="368" creationId="{36E1A55D-C428-4882-9F66-DF84EF97296F}"/>
-          </ac:spMkLst>
-        </pc:spChg>
-        <pc:spChg chg="mod">
-          <ac:chgData name="Fatima Pillosu" userId="a6295d4dc9e22643" providerId="LiveId" clId="{DFFBE890-388F-43D2-9209-8DB75D39595B}" dt="2021-06-23T00:18:11.417" v="1278" actId="1036"/>
-          <ac:spMkLst>
-            <pc:docMk/>
-            <pc:sldMk cId="1556184242" sldId="256"/>
-            <ac:spMk id="369" creationId="{765FFE95-8479-41FD-A469-7D7AB85F6F7D}"/>
-          </ac:spMkLst>
-        </pc:spChg>
-        <pc:spChg chg="add mod">
-          <ac:chgData name="Fatima Pillosu" userId="a6295d4dc9e22643" providerId="LiveId" clId="{DFFBE890-388F-43D2-9209-8DB75D39595B}" dt="2021-06-23T00:10:59.937" v="1107" actId="1038"/>
-          <ac:spMkLst>
-            <pc:docMk/>
-            <pc:sldMk cId="1556184242" sldId="256"/>
-            <ac:spMk id="370" creationId="{1E40E8E9-03FA-4352-85CD-BACB72A06AC5}"/>
-          </ac:spMkLst>
-        </pc:spChg>
-        <pc:spChg chg="mod">
-          <ac:chgData name="Fatima Pillosu" userId="a6295d4dc9e22643" providerId="LiveId" clId="{DFFBE890-388F-43D2-9209-8DB75D39595B}" dt="2021-06-23T00:10:59.937" v="1107" actId="1038"/>
-          <ac:spMkLst>
-            <pc:docMk/>
-            <pc:sldMk cId="1556184242" sldId="256"/>
-            <ac:spMk id="371" creationId="{BF8B2A08-D849-4969-AC6B-0A1D556B0248}"/>
-          </ac:spMkLst>
-        </pc:spChg>
-        <pc:spChg chg="add mod">
-          <ac:chgData name="Fatima Pillosu" userId="a6295d4dc9e22643" providerId="LiveId" clId="{DFFBE890-388F-43D2-9209-8DB75D39595B}" dt="2021-06-23T00:10:59.937" v="1107" actId="1038"/>
-          <ac:spMkLst>
-            <pc:docMk/>
-            <pc:sldMk cId="1556184242" sldId="256"/>
-            <ac:spMk id="372" creationId="{DBC20061-6FCC-4AE4-BDC0-785E01ACCFFE}"/>
-          </ac:spMkLst>
-        </pc:spChg>
-        <pc:spChg chg="add mod">
-          <ac:chgData name="Fatima Pillosu" userId="a6295d4dc9e22643" providerId="LiveId" clId="{DFFBE890-388F-43D2-9209-8DB75D39595B}" dt="2021-06-23T00:10:59.937" v="1107" actId="1038"/>
-          <ac:spMkLst>
-            <pc:docMk/>
-            <pc:sldMk cId="1556184242" sldId="256"/>
-            <ac:spMk id="373" creationId="{00F4CDF1-4F3D-4AC9-81B4-B4B6B676CBE0}"/>
-          </ac:spMkLst>
-        </pc:spChg>
-        <pc:spChg chg="add del mod">
-          <ac:chgData name="Fatima Pillosu" userId="a6295d4dc9e22643" providerId="LiveId" clId="{DFFBE890-388F-43D2-9209-8DB75D39595B}" dt="2021-06-22T23:43:41.536" v="643" actId="478"/>
-          <ac:spMkLst>
-            <pc:docMk/>
-            <pc:sldMk cId="1556184242" sldId="256"/>
-            <ac:spMk id="374" creationId="{2A47ADBB-68F8-41DF-900F-25005B70760B}"/>
-          </ac:spMkLst>
-        </pc:spChg>
-        <pc:spChg chg="mod">
-          <ac:chgData name="Fatima Pillosu" userId="a6295d4dc9e22643" providerId="LiveId" clId="{DFFBE890-388F-43D2-9209-8DB75D39595B}" dt="2021-06-23T00:11:56.683" v="1132" actId="1036"/>
-          <ac:spMkLst>
-            <pc:docMk/>
-            <pc:sldMk cId="1556184242" sldId="256"/>
-            <ac:spMk id="375" creationId="{1376BC37-3355-4421-8DF7-16F909F51AEA}"/>
-          </ac:spMkLst>
-        </pc:spChg>
-        <pc:spChg chg="add del mod">
-          <ac:chgData name="Fatima Pillosu" userId="a6295d4dc9e22643" providerId="LiveId" clId="{DFFBE890-388F-43D2-9209-8DB75D39595B}" dt="2021-06-22T23:43:41.536" v="643" actId="478"/>
-          <ac:spMkLst>
-            <pc:docMk/>
-            <pc:sldMk cId="1556184242" sldId="256"/>
-            <ac:spMk id="376" creationId="{DAEA7E41-4433-477E-87B7-67E868C06DDC}"/>
-          </ac:spMkLst>
-        </pc:spChg>
-        <pc:spChg chg="add del mod">
-          <ac:chgData name="Fatima Pillosu" userId="a6295d4dc9e22643" providerId="LiveId" clId="{DFFBE890-388F-43D2-9209-8DB75D39595B}" dt="2021-06-22T23:43:41.536" v="643" actId="478"/>
-          <ac:spMkLst>
-            <pc:docMk/>
-            <pc:sldMk cId="1556184242" sldId="256"/>
-            <ac:spMk id="377" creationId="{9D048BD9-7BC8-4DE6-9FD5-9D3949AFE593}"/>
-          </ac:spMkLst>
-        </pc:spChg>
-        <pc:spChg chg="add mod">
-          <ac:chgData name="Fatima Pillosu" userId="a6295d4dc9e22643" providerId="LiveId" clId="{DFFBE890-388F-43D2-9209-8DB75D39595B}" dt="2021-06-23T00:10:59.937" v="1107" actId="1038"/>
-          <ac:spMkLst>
-            <pc:docMk/>
-            <pc:sldMk cId="1556184242" sldId="256"/>
-            <ac:spMk id="378" creationId="{EA8741C5-A7DE-4D8E-AB13-15CA4F07D6C9}"/>
-          </ac:spMkLst>
-        </pc:spChg>
-        <pc:spChg chg="add mod">
-          <ac:chgData name="Fatima Pillosu" userId="a6295d4dc9e22643" providerId="LiveId" clId="{DFFBE890-388F-43D2-9209-8DB75D39595B}" dt="2021-06-23T00:10:59.937" v="1107" actId="1038"/>
-          <ac:spMkLst>
-            <pc:docMk/>
-            <pc:sldMk cId="1556184242" sldId="256"/>
-            <ac:spMk id="379" creationId="{6E94447B-DE0B-4AF6-B15D-3AD8DBE820AF}"/>
-          </ac:spMkLst>
-        </pc:spChg>
-        <pc:spChg chg="add mod">
-          <ac:chgData name="Fatima Pillosu" userId="a6295d4dc9e22643" providerId="LiveId" clId="{DFFBE890-388F-43D2-9209-8DB75D39595B}" dt="2021-06-23T00:10:59.937" v="1107" actId="1038"/>
-          <ac:spMkLst>
-            <pc:docMk/>
-            <pc:sldMk cId="1556184242" sldId="256"/>
-            <ac:spMk id="380" creationId="{E5F284DE-E8E1-48B5-BFF3-D9BE7B91BE0E}"/>
-          </ac:spMkLst>
-        </pc:spChg>
-        <pc:spChg chg="add mod">
-          <ac:chgData name="Fatima Pillosu" userId="a6295d4dc9e22643" providerId="LiveId" clId="{DFFBE890-388F-43D2-9209-8DB75D39595B}" dt="2021-06-23T00:10:59.937" v="1107" actId="1038"/>
-          <ac:spMkLst>
-            <pc:docMk/>
-            <pc:sldMk cId="1556184242" sldId="256"/>
-            <ac:spMk id="381" creationId="{7CEA58D0-A7CD-4D38-B273-F38DCD14E410}"/>
-          </ac:spMkLst>
-        </pc:spChg>
-        <pc:spChg chg="add mod">
-          <ac:chgData name="Fatima Pillosu" userId="a6295d4dc9e22643" providerId="LiveId" clId="{DFFBE890-388F-43D2-9209-8DB75D39595B}" dt="2021-06-23T00:10:59.937" v="1107" actId="1038"/>
-          <ac:spMkLst>
-            <pc:docMk/>
-            <pc:sldMk cId="1556184242" sldId="256"/>
-            <ac:spMk id="383" creationId="{5E4DBE2C-AF12-47AC-BA3F-9B56EA745456}"/>
-          </ac:spMkLst>
-        </pc:spChg>
-        <pc:spChg chg="add mod">
-          <ac:chgData name="Fatima Pillosu" userId="a6295d4dc9e22643" providerId="LiveId" clId="{DFFBE890-388F-43D2-9209-8DB75D39595B}" dt="2021-06-23T00:10:59.937" v="1107" actId="1038"/>
-          <ac:spMkLst>
-            <pc:docMk/>
-            <pc:sldMk cId="1556184242" sldId="256"/>
-            <ac:spMk id="384" creationId="{392224C3-3F6A-4508-B3F1-585CCF62E1F9}"/>
-          </ac:spMkLst>
-        </pc:spChg>
-        <pc:spChg chg="add mod">
-          <ac:chgData name="Fatima Pillosu" userId="a6295d4dc9e22643" providerId="LiveId" clId="{DFFBE890-388F-43D2-9209-8DB75D39595B}" dt="2021-06-23T00:10:59.937" v="1107" actId="1038"/>
-          <ac:spMkLst>
-            <pc:docMk/>
-            <pc:sldMk cId="1556184242" sldId="256"/>
-            <ac:spMk id="386" creationId="{EADDA20F-5536-4EA8-951C-4349B72D5A68}"/>
-          </ac:spMkLst>
-        </pc:spChg>
-        <pc:spChg chg="add mod">
-          <ac:chgData name="Fatima Pillosu" userId="a6295d4dc9e22643" providerId="LiveId" clId="{DFFBE890-388F-43D2-9209-8DB75D39595B}" dt="2021-06-23T00:10:59.937" v="1107" actId="1038"/>
-          <ac:spMkLst>
-            <pc:docMk/>
-            <pc:sldMk cId="1556184242" sldId="256"/>
-            <ac:spMk id="387" creationId="{7CD3582B-DB74-46CA-8DCF-F6F6ED315C7F}"/>
-          </ac:spMkLst>
-        </pc:spChg>
-        <pc:spChg chg="mod">
-          <ac:chgData name="Fatima Pillosu" userId="a6295d4dc9e22643" providerId="LiveId" clId="{DFFBE890-388F-43D2-9209-8DB75D39595B}" dt="2021-06-23T00:11:56.683" v="1132" actId="1036"/>
-          <ac:spMkLst>
-            <pc:docMk/>
-            <pc:sldMk cId="1556184242" sldId="256"/>
-            <ac:spMk id="389" creationId="{B70A8724-E6A0-4C2B-B61E-FED19C395249}"/>
-          </ac:spMkLst>
-        </pc:spChg>
-        <pc:spChg chg="add mod">
-          <ac:chgData name="Fatima Pillosu" userId="a6295d4dc9e22643" providerId="LiveId" clId="{DFFBE890-388F-43D2-9209-8DB75D39595B}" dt="2021-06-23T00:10:59.937" v="1107" actId="1038"/>
-          <ac:spMkLst>
-            <pc:docMk/>
-            <pc:sldMk cId="1556184242" sldId="256"/>
-            <ac:spMk id="394" creationId="{9C39ADBC-AF24-4995-B845-AFEC769680F2}"/>
-          </ac:spMkLst>
-        </pc:spChg>
-        <pc:spChg chg="add mod">
-          <ac:chgData name="Fatima Pillosu" userId="a6295d4dc9e22643" providerId="LiveId" clId="{DFFBE890-388F-43D2-9209-8DB75D39595B}" dt="2021-06-23T00:10:59.937" v="1107" actId="1038"/>
-          <ac:spMkLst>
-            <pc:docMk/>
-            <pc:sldMk cId="1556184242" sldId="256"/>
-            <ac:spMk id="395" creationId="{E6B5CD5D-943D-4A21-9D5B-2733CB7B2ADF}"/>
-          </ac:spMkLst>
-        </pc:spChg>
-        <pc:spChg chg="add mod">
-          <ac:chgData name="Fatima Pillosu" userId="a6295d4dc9e22643" providerId="LiveId" clId="{DFFBE890-388F-43D2-9209-8DB75D39595B}" dt="2021-06-23T00:10:59.937" v="1107" actId="1038"/>
-          <ac:spMkLst>
-            <pc:docMk/>
-            <pc:sldMk cId="1556184242" sldId="256"/>
-            <ac:spMk id="396" creationId="{C0A1EAE3-B743-4CA6-85BA-C8D9825813EA}"/>
-          </ac:spMkLst>
-        </pc:spChg>
-        <pc:spChg chg="add mod">
-          <ac:chgData name="Fatima Pillosu" userId="a6295d4dc9e22643" providerId="LiveId" clId="{DFFBE890-388F-43D2-9209-8DB75D39595B}" dt="2021-06-23T00:10:59.937" v="1107" actId="1038"/>
-          <ac:spMkLst>
-            <pc:docMk/>
-            <pc:sldMk cId="1556184242" sldId="256"/>
-            <ac:spMk id="397" creationId="{57D540A5-8759-4A73-ACC9-9653C28239CE}"/>
-          </ac:spMkLst>
-        </pc:spChg>
-        <pc:spChg chg="add mod">
-          <ac:chgData name="Fatima Pillosu" userId="a6295d4dc9e22643" providerId="LiveId" clId="{DFFBE890-388F-43D2-9209-8DB75D39595B}" dt="2021-06-23T00:10:59.937" v="1107" actId="1038"/>
-          <ac:spMkLst>
-            <pc:docMk/>
-            <pc:sldMk cId="1556184242" sldId="256"/>
-            <ac:spMk id="398" creationId="{79A4CFC4-E852-46EA-BC96-56C7C47097FB}"/>
-          </ac:spMkLst>
-        </pc:spChg>
-        <pc:spChg chg="add mod">
-          <ac:chgData name="Fatima Pillosu" userId="a6295d4dc9e22643" providerId="LiveId" clId="{DFFBE890-388F-43D2-9209-8DB75D39595B}" dt="2021-06-23T00:10:59.937" v="1107" actId="1038"/>
-          <ac:spMkLst>
-            <pc:docMk/>
-            <pc:sldMk cId="1556184242" sldId="256"/>
-            <ac:spMk id="399" creationId="{3C908037-005D-45D6-BD9D-DDE4480A02CA}"/>
-          </ac:spMkLst>
-        </pc:spChg>
-        <pc:spChg chg="add mod">
-          <ac:chgData name="Fatima Pillosu" userId="a6295d4dc9e22643" providerId="LiveId" clId="{DFFBE890-388F-43D2-9209-8DB75D39595B}" dt="2021-06-23T00:10:59.937" v="1107" actId="1038"/>
-          <ac:spMkLst>
-            <pc:docMk/>
-            <pc:sldMk cId="1556184242" sldId="256"/>
-            <ac:spMk id="400" creationId="{BF908C9C-E14D-400A-8E53-ACE3A2E201F0}"/>
-          </ac:spMkLst>
-        </pc:spChg>
-        <pc:spChg chg="add mod">
-          <ac:chgData name="Fatima Pillosu" userId="a6295d4dc9e22643" providerId="LiveId" clId="{DFFBE890-388F-43D2-9209-8DB75D39595B}" dt="2021-06-23T00:10:59.937" v="1107" actId="1038"/>
-          <ac:spMkLst>
-            <pc:docMk/>
-            <pc:sldMk cId="1556184242" sldId="256"/>
-            <ac:spMk id="401" creationId="{673254F6-8A92-4849-BFD8-60F34C00853E}"/>
-          </ac:spMkLst>
-        </pc:spChg>
-        <pc:spChg chg="add mod">
-          <ac:chgData name="Fatima Pillosu" userId="a6295d4dc9e22643" providerId="LiveId" clId="{DFFBE890-388F-43D2-9209-8DB75D39595B}" dt="2021-06-23T00:10:59.937" v="1107" actId="1038"/>
-          <ac:spMkLst>
-            <pc:docMk/>
-            <pc:sldMk cId="1556184242" sldId="256"/>
-            <ac:spMk id="402" creationId="{0F96E71D-A448-4F8C-B606-2C7EAB2D927E}"/>
-          </ac:spMkLst>
-        </pc:spChg>
-        <pc:spChg chg="add mod">
-          <ac:chgData name="Fatima Pillosu" userId="a6295d4dc9e22643" providerId="LiveId" clId="{DFFBE890-388F-43D2-9209-8DB75D39595B}" dt="2021-06-23T00:10:59.937" v="1107" actId="1038"/>
-          <ac:spMkLst>
-            <pc:docMk/>
-            <pc:sldMk cId="1556184242" sldId="256"/>
-            <ac:spMk id="404" creationId="{3E66794A-9C66-45FC-A882-C94153D7182F}"/>
-          </ac:spMkLst>
-        </pc:spChg>
-        <pc:spChg chg="add mod">
-          <ac:chgData name="Fatima Pillosu" userId="a6295d4dc9e22643" providerId="LiveId" clId="{DFFBE890-388F-43D2-9209-8DB75D39595B}" dt="2021-06-23T00:10:59.937" v="1107" actId="1038"/>
-          <ac:spMkLst>
-            <pc:docMk/>
-            <pc:sldMk cId="1556184242" sldId="256"/>
-            <ac:spMk id="405" creationId="{DAA12CBB-58B6-4074-8F45-4072562079FA}"/>
-          </ac:spMkLst>
-        </pc:spChg>
-        <pc:spChg chg="add mod">
-          <ac:chgData name="Fatima Pillosu" userId="a6295d4dc9e22643" providerId="LiveId" clId="{DFFBE890-388F-43D2-9209-8DB75D39595B}" dt="2021-06-23T00:10:59.937" v="1107" actId="1038"/>
-          <ac:spMkLst>
-            <pc:docMk/>
-            <pc:sldMk cId="1556184242" sldId="256"/>
-            <ac:spMk id="406" creationId="{545E4E6F-9854-4162-AAB7-F911F26618B0}"/>
-          </ac:spMkLst>
-        </pc:spChg>
-        <pc:spChg chg="add mod">
-          <ac:chgData name="Fatima Pillosu" userId="a6295d4dc9e22643" providerId="LiveId" clId="{DFFBE890-388F-43D2-9209-8DB75D39595B}" dt="2021-06-23T00:10:59.937" v="1107" actId="1038"/>
-          <ac:spMkLst>
-            <pc:docMk/>
-            <pc:sldMk cId="1556184242" sldId="256"/>
-            <ac:spMk id="408" creationId="{AD656F40-95B9-4CCE-B312-33A1CE6CF929}"/>
-          </ac:spMkLst>
-        </pc:spChg>
-        <pc:spChg chg="add mod">
-          <ac:chgData name="Fatima Pillosu" userId="a6295d4dc9e22643" providerId="LiveId" clId="{DFFBE890-388F-43D2-9209-8DB75D39595B}" dt="2021-06-23T00:10:59.937" v="1107" actId="1038"/>
-          <ac:spMkLst>
-            <pc:docMk/>
-            <pc:sldMk cId="1556184242" sldId="256"/>
-            <ac:spMk id="409" creationId="{642E725B-D1EA-4141-BCFE-9931759C9C8E}"/>
-          </ac:spMkLst>
-        </pc:spChg>
-        <pc:spChg chg="add mod">
-          <ac:chgData name="Fatima Pillosu" userId="a6295d4dc9e22643" providerId="LiveId" clId="{DFFBE890-388F-43D2-9209-8DB75D39595B}" dt="2021-06-23T00:10:59.937" v="1107" actId="1038"/>
-          <ac:spMkLst>
-            <pc:docMk/>
-            <pc:sldMk cId="1556184242" sldId="256"/>
-            <ac:spMk id="413" creationId="{EA82C7CD-FDFB-4D15-9619-40C934AF4F9A}"/>
-          </ac:spMkLst>
-        </pc:spChg>
-        <pc:spChg chg="add mod">
-          <ac:chgData name="Fatima Pillosu" userId="a6295d4dc9e22643" providerId="LiveId" clId="{DFFBE890-388F-43D2-9209-8DB75D39595B}" dt="2021-06-23T00:10:59.937" v="1107" actId="1038"/>
-          <ac:spMkLst>
-            <pc:docMk/>
-            <pc:sldMk cId="1556184242" sldId="256"/>
-            <ac:spMk id="414" creationId="{065DF4DC-738E-4C59-9180-CD8E40616C35}"/>
-          </ac:spMkLst>
-        </pc:spChg>
-        <pc:spChg chg="mod">
-          <ac:chgData name="Fatima Pillosu" userId="a6295d4dc9e22643" providerId="LiveId" clId="{DFFBE890-388F-43D2-9209-8DB75D39595B}" dt="2021-06-23T00:11:56.683" v="1132" actId="1036"/>
-          <ac:spMkLst>
-            <pc:docMk/>
-            <pc:sldMk cId="1556184242" sldId="256"/>
-            <ac:spMk id="415" creationId="{3F93A714-984C-4648-84EC-0D537549F4C4}"/>
-          </ac:spMkLst>
-        </pc:spChg>
-        <pc:spChg chg="mod">
-          <ac:chgData name="Fatima Pillosu" userId="a6295d4dc9e22643" providerId="LiveId" clId="{DFFBE890-388F-43D2-9209-8DB75D39595B}" dt="2021-06-23T00:11:56.683" v="1132" actId="1036"/>
-          <ac:spMkLst>
-            <pc:docMk/>
-            <pc:sldMk cId="1556184242" sldId="256"/>
-            <ac:spMk id="416" creationId="{03BCD265-9545-4826-AFF5-BB63421EAF63}"/>
-          </ac:spMkLst>
-        </pc:spChg>
-        <pc:spChg chg="add mod">
-          <ac:chgData name="Fatima Pillosu" userId="a6295d4dc9e22643" providerId="LiveId" clId="{DFFBE890-388F-43D2-9209-8DB75D39595B}" dt="2021-06-23T00:10:59.937" v="1107" actId="1038"/>
-          <ac:spMkLst>
-            <pc:docMk/>
-            <pc:sldMk cId="1556184242" sldId="256"/>
-            <ac:spMk id="417" creationId="{A740B2EA-0D06-4483-93D2-75CE7AD86D3C}"/>
-          </ac:spMkLst>
-        </pc:spChg>
-        <pc:spChg chg="add mod">
-          <ac:chgData name="Fatima Pillosu" userId="a6295d4dc9e22643" providerId="LiveId" clId="{DFFBE890-388F-43D2-9209-8DB75D39595B}" dt="2021-06-23T00:10:59.937" v="1107" actId="1038"/>
-          <ac:spMkLst>
-            <pc:docMk/>
-            <pc:sldMk cId="1556184242" sldId="256"/>
-            <ac:spMk id="418" creationId="{9A389DBC-5221-43EA-9387-CEBC1FF877DE}"/>
-          </ac:spMkLst>
-        </pc:spChg>
-        <pc:spChg chg="add mod">
-          <ac:chgData name="Fatima Pillosu" userId="a6295d4dc9e22643" providerId="LiveId" clId="{DFFBE890-388F-43D2-9209-8DB75D39595B}" dt="2021-06-23T00:10:59.937" v="1107" actId="1038"/>
-          <ac:spMkLst>
-            <pc:docMk/>
-            <pc:sldMk cId="1556184242" sldId="256"/>
-            <ac:spMk id="419" creationId="{83606D61-A71C-49DE-A31F-82E21D4F3916}"/>
-          </ac:spMkLst>
-        </pc:spChg>
-        <pc:spChg chg="add mod">
-          <ac:chgData name="Fatima Pillosu" userId="a6295d4dc9e22643" providerId="LiveId" clId="{DFFBE890-388F-43D2-9209-8DB75D39595B}" dt="2021-06-23T00:10:59.937" v="1107" actId="1038"/>
-          <ac:spMkLst>
-            <pc:docMk/>
-            <pc:sldMk cId="1556184242" sldId="256"/>
-            <ac:spMk id="420" creationId="{761884C5-0F3E-4EB1-A154-1D8CC4DE74EE}"/>
-          </ac:spMkLst>
-        </pc:spChg>
-        <pc:spChg chg="add mod">
-          <ac:chgData name="Fatima Pillosu" userId="a6295d4dc9e22643" providerId="LiveId" clId="{DFFBE890-388F-43D2-9209-8DB75D39595B}" dt="2021-06-23T00:24:21.521" v="1349" actId="1582"/>
-          <ac:spMkLst>
-            <pc:docMk/>
-            <pc:sldMk cId="1556184242" sldId="256"/>
-            <ac:spMk id="430" creationId="{1ACCE833-703B-4D07-A803-C92C7DA8FF64}"/>
-          </ac:spMkLst>
-        </pc:spChg>
-        <pc:spChg chg="add mod">
-          <ac:chgData name="Fatima Pillosu" userId="a6295d4dc9e22643" providerId="LiveId" clId="{DFFBE890-388F-43D2-9209-8DB75D39595B}" dt="2021-06-23T00:24:21.521" v="1349" actId="1582"/>
-          <ac:spMkLst>
-            <pc:docMk/>
-            <pc:sldMk cId="1556184242" sldId="256"/>
-            <ac:spMk id="431" creationId="{8AAC383A-8C33-4489-85C7-7E1F2B731C38}"/>
-          </ac:spMkLst>
-        </pc:spChg>
-        <pc:spChg chg="mod">
-          <ac:chgData name="Fatima Pillosu" userId="a6295d4dc9e22643" providerId="LiveId" clId="{DFFBE890-388F-43D2-9209-8DB75D39595B}" dt="2021-06-23T00:17:34.594" v="1255" actId="1038"/>
-          <ac:spMkLst>
-            <pc:docMk/>
-            <pc:sldMk cId="1556184242" sldId="256"/>
-            <ac:spMk id="444" creationId="{208C1AA6-A1EE-464B-B5A6-BA90E6CEE7BF}"/>
-          </ac:spMkLst>
-        </pc:spChg>
-        <pc:spChg chg="mod">
-          <ac:chgData name="Fatima Pillosu" userId="a6295d4dc9e22643" providerId="LiveId" clId="{DFFBE890-388F-43D2-9209-8DB75D39595B}" dt="2021-06-23T00:22:26.008" v="1346" actId="1076"/>
-          <ac:spMkLst>
-            <pc:docMk/>
-            <pc:sldMk cId="1556184242" sldId="256"/>
-            <ac:spMk id="447" creationId="{24A3973D-BDE4-4277-9386-F2AF0C14BFD1}"/>
-          </ac:spMkLst>
-        </pc:spChg>
-        <pc:grpChg chg="mod">
-          <ac:chgData name="Fatima Pillosu" userId="a6295d4dc9e22643" providerId="LiveId" clId="{DFFBE890-388F-43D2-9209-8DB75D39595B}" dt="2021-06-23T00:17:34.594" v="1255" actId="1038"/>
-          <ac:grpSpMkLst>
-            <pc:docMk/>
-            <pc:sldMk cId="1556184242" sldId="256"/>
-            <ac:grpSpMk id="48" creationId="{575C6F73-2167-4EA8-994F-C72975D9DF5E}"/>
-          </ac:grpSpMkLst>
-        </pc:grpChg>
-        <pc:grpChg chg="del mod">
-          <ac:chgData name="Fatima Pillosu" userId="a6295d4dc9e22643" providerId="LiveId" clId="{DFFBE890-388F-43D2-9209-8DB75D39595B}" dt="2021-06-22T23:39:22.032" v="572" actId="165"/>
-          <ac:grpSpMkLst>
-            <pc:docMk/>
-            <pc:sldMk cId="1556184242" sldId="256"/>
-            <ac:grpSpMk id="204" creationId="{D6777E4B-B7F2-46EC-95E8-294C6E64BE54}"/>
-          </ac:grpSpMkLst>
-        </pc:grpChg>
-        <pc:grpChg chg="mod">
-          <ac:chgData name="Fatima Pillosu" userId="a6295d4dc9e22643" providerId="LiveId" clId="{DFFBE890-388F-43D2-9209-8DB75D39595B}" dt="2021-06-23T00:11:56.683" v="1132" actId="1036"/>
-          <ac:grpSpMkLst>
-            <pc:docMk/>
-            <pc:sldMk cId="1556184242" sldId="256"/>
-            <ac:grpSpMk id="208" creationId="{FB0BB253-3F8F-42FF-A0EB-3A9C0F436037}"/>
-          </ac:grpSpMkLst>
-        </pc:grpChg>
-        <pc:picChg chg="add del mod topLvl">
-          <ac:chgData name="Fatima Pillosu" userId="a6295d4dc9e22643" providerId="LiveId" clId="{DFFBE890-388F-43D2-9209-8DB75D39595B}" dt="2021-06-23T00:10:59.937" v="1107" actId="1038"/>
-          <ac:picMkLst>
-            <pc:docMk/>
-            <pc:sldMk cId="1556184242" sldId="256"/>
-            <ac:picMk id="205" creationId="{3EB312AB-5F4B-4B5A-A01C-289BFCD9BC49}"/>
-          </ac:picMkLst>
-        </pc:picChg>
-        <pc:picChg chg="mod">
-          <ac:chgData name="Fatima Pillosu" userId="a6295d4dc9e22643" providerId="LiveId" clId="{DFFBE890-388F-43D2-9209-8DB75D39595B}" dt="2021-06-23T00:10:59.937" v="1107" actId="1038"/>
-          <ac:picMkLst>
-            <pc:docMk/>
-            <pc:sldMk cId="1556184242" sldId="256"/>
-            <ac:picMk id="214" creationId="{E878DB3F-3435-4A10-9EFF-1B5E47CF8FE4}"/>
-          </ac:picMkLst>
-        </pc:picChg>
-        <pc:picChg chg="mod ord">
-          <ac:chgData name="Fatima Pillosu" userId="a6295d4dc9e22643" providerId="LiveId" clId="{DFFBE890-388F-43D2-9209-8DB75D39595B}" dt="2021-06-23T00:22:09.827" v="1343" actId="1076"/>
-          <ac:picMkLst>
-            <pc:docMk/>
-            <pc:sldMk cId="1556184242" sldId="256"/>
-            <ac:picMk id="320" creationId="{C6548451-C351-41AC-AF24-8928FF5B5030}"/>
-          </ac:picMkLst>
-        </pc:picChg>
-        <pc:picChg chg="mod ord">
-          <ac:chgData name="Fatima Pillosu" userId="a6295d4dc9e22643" providerId="LiveId" clId="{DFFBE890-388F-43D2-9209-8DB75D39595B}" dt="2021-06-23T00:22:09.827" v="1343" actId="1076"/>
-          <ac:picMkLst>
-            <pc:docMk/>
-            <pc:sldMk cId="1556184242" sldId="256"/>
-            <ac:picMk id="321" creationId="{EE7851D5-911C-4905-8954-908DDE21A48D}"/>
-          </ac:picMkLst>
-        </pc:picChg>
-        <pc:picChg chg="mod">
-          <ac:chgData name="Fatima Pillosu" userId="a6295d4dc9e22643" providerId="LiveId" clId="{DFFBE890-388F-43D2-9209-8DB75D39595B}" dt="2021-06-23T00:22:09.827" v="1343" actId="1076"/>
-          <ac:picMkLst>
-            <pc:docMk/>
-            <pc:sldMk cId="1556184242" sldId="256"/>
-            <ac:picMk id="340" creationId="{4ECADC9F-2D6A-4C4C-AC40-9040DD1821FF}"/>
-          </ac:picMkLst>
-        </pc:picChg>
-        <pc:picChg chg="mod">
-          <ac:chgData name="Fatima Pillosu" userId="a6295d4dc9e22643" providerId="LiveId" clId="{DFFBE890-388F-43D2-9209-8DB75D39595B}" dt="2021-06-23T00:22:09.827" v="1343" actId="1076"/>
-          <ac:picMkLst>
-            <pc:docMk/>
-            <pc:sldMk cId="1556184242" sldId="256"/>
-            <ac:picMk id="344" creationId="{D01FEC97-C295-4744-BF41-969EC571FFFA}"/>
-          </ac:picMkLst>
-        </pc:picChg>
-        <pc:picChg chg="mod">
-          <ac:chgData name="Fatima Pillosu" userId="a6295d4dc9e22643" providerId="LiveId" clId="{DFFBE890-388F-43D2-9209-8DB75D39595B}" dt="2021-06-23T00:22:09.827" v="1343" actId="1076"/>
-          <ac:picMkLst>
-            <pc:docMk/>
-            <pc:sldMk cId="1556184242" sldId="256"/>
-            <ac:picMk id="345" creationId="{85C500EB-A299-49EF-8E51-38B610DFC53E}"/>
-          </ac:picMkLst>
-        </pc:picChg>
-        <pc:picChg chg="mod">
-          <ac:chgData name="Fatima Pillosu" userId="a6295d4dc9e22643" providerId="LiveId" clId="{DFFBE890-388F-43D2-9209-8DB75D39595B}" dt="2021-06-23T00:22:09.827" v="1343" actId="1076"/>
-          <ac:picMkLst>
-            <pc:docMk/>
-            <pc:sldMk cId="1556184242" sldId="256"/>
-            <ac:picMk id="359" creationId="{235B7CDE-7665-43CB-9279-C6080D77373D}"/>
-          </ac:picMkLst>
-        </pc:picChg>
-        <pc:cxnChg chg="add del mod">
-          <ac:chgData name="Fatima Pillosu" userId="a6295d4dc9e22643" providerId="LiveId" clId="{DFFBE890-388F-43D2-9209-8DB75D39595B}" dt="2021-06-23T00:17:13.726" v="1247" actId="478"/>
-          <ac:cxnSpMkLst>
-            <pc:docMk/>
-            <pc:sldMk cId="1556184242" sldId="256"/>
-            <ac:cxnSpMk id="27" creationId="{0F27DCE8-4847-4BD7-BE12-F9F72B5C433D}"/>
-          </ac:cxnSpMkLst>
-        </pc:cxnChg>
-        <pc:cxnChg chg="mod">
-          <ac:chgData name="Fatima Pillosu" userId="a6295d4dc9e22643" providerId="LiveId" clId="{DFFBE890-388F-43D2-9209-8DB75D39595B}" dt="2021-06-23T00:18:01.733" v="1274" actId="1036"/>
-          <ac:cxnSpMkLst>
-            <pc:docMk/>
-            <pc:sldMk cId="1556184242" sldId="256"/>
-            <ac:cxnSpMk id="47" creationId="{C4961017-59A3-4092-BEF4-9DC871391D22}"/>
-          </ac:cxnSpMkLst>
-        </pc:cxnChg>
-        <pc:cxnChg chg="del mod">
-          <ac:chgData name="Fatima Pillosu" userId="a6295d4dc9e22643" providerId="LiveId" clId="{DFFBE890-388F-43D2-9209-8DB75D39595B}" dt="2021-06-23T00:05:44.566" v="1028" actId="478"/>
-          <ac:cxnSpMkLst>
-            <pc:docMk/>
-            <pc:sldMk cId="1556184242" sldId="256"/>
-            <ac:cxnSpMk id="192" creationId="{BB643B11-A2F2-45C7-9BCB-32B436CC1508}"/>
-          </ac:cxnSpMkLst>
-        </pc:cxnChg>
-        <pc:cxnChg chg="mod">
-          <ac:chgData name="Fatima Pillosu" userId="a6295d4dc9e22643" providerId="LiveId" clId="{DFFBE890-388F-43D2-9209-8DB75D39595B}" dt="2021-06-23T00:18:01.733" v="1274" actId="1036"/>
-          <ac:cxnSpMkLst>
-            <pc:docMk/>
-            <pc:sldMk cId="1556184242" sldId="256"/>
-            <ac:cxnSpMk id="272" creationId="{E3FAF9CA-FCEA-4F56-9BB8-CD71986AAD96}"/>
-          </ac:cxnSpMkLst>
-        </pc:cxnChg>
-        <pc:cxnChg chg="mod">
-          <ac:chgData name="Fatima Pillosu" userId="a6295d4dc9e22643" providerId="LiveId" clId="{DFFBE890-388F-43D2-9209-8DB75D39595B}" dt="2021-06-23T00:18:01.733" v="1274" actId="1036"/>
-          <ac:cxnSpMkLst>
-            <pc:docMk/>
-            <pc:sldMk cId="1556184242" sldId="256"/>
-            <ac:cxnSpMk id="274" creationId="{1BA73556-A7F5-4171-ABED-1F9F691E73F0}"/>
-          </ac:cxnSpMkLst>
-        </pc:cxnChg>
-        <pc:cxnChg chg="mod">
-          <ac:chgData name="Fatima Pillosu" userId="a6295d4dc9e22643" providerId="LiveId" clId="{DFFBE890-388F-43D2-9209-8DB75D39595B}" dt="2021-06-23T00:18:01.733" v="1274" actId="1036"/>
-          <ac:cxnSpMkLst>
-            <pc:docMk/>
-            <pc:sldMk cId="1556184242" sldId="256"/>
-            <ac:cxnSpMk id="277" creationId="{146F3149-D3F5-4272-93D8-FEFB6877E72F}"/>
-          </ac:cxnSpMkLst>
-        </pc:cxnChg>
-        <pc:cxnChg chg="mod">
-          <ac:chgData name="Fatima Pillosu" userId="a6295d4dc9e22643" providerId="LiveId" clId="{DFFBE890-388F-43D2-9209-8DB75D39595B}" dt="2021-06-23T00:18:11.417" v="1278" actId="1036"/>
-          <ac:cxnSpMkLst>
-            <pc:docMk/>
-            <pc:sldMk cId="1556184242" sldId="256"/>
-            <ac:cxnSpMk id="292" creationId="{34B031D1-A4DD-44DF-94F0-A8303B0531A7}"/>
-          </ac:cxnSpMkLst>
-        </pc:cxnChg>
-        <pc:cxnChg chg="mod">
-          <ac:chgData name="Fatima Pillosu" userId="a6295d4dc9e22643" providerId="LiveId" clId="{DFFBE890-388F-43D2-9209-8DB75D39595B}" dt="2021-06-23T00:18:11.417" v="1278" actId="1036"/>
-          <ac:cxnSpMkLst>
-            <pc:docMk/>
-            <pc:sldMk cId="1556184242" sldId="256"/>
-            <ac:cxnSpMk id="295" creationId="{8C104D11-9F17-4F81-911D-EE632B8453FA}"/>
-          </ac:cxnSpMkLst>
-        </pc:cxnChg>
-        <pc:cxnChg chg="mod">
-          <ac:chgData name="Fatima Pillosu" userId="a6295d4dc9e22643" providerId="LiveId" clId="{DFFBE890-388F-43D2-9209-8DB75D39595B}" dt="2021-06-23T00:19:07.183" v="1302" actId="1035"/>
-          <ac:cxnSpMkLst>
-            <pc:docMk/>
-            <pc:sldMk cId="1556184242" sldId="256"/>
-            <ac:cxnSpMk id="299" creationId="{A2254684-217C-496A-9676-7DA3B5850FB4}"/>
-          </ac:cxnSpMkLst>
-        </pc:cxnChg>
-        <pc:cxnChg chg="mod">
-          <ac:chgData name="Fatima Pillosu" userId="a6295d4dc9e22643" providerId="LiveId" clId="{DFFBE890-388F-43D2-9209-8DB75D39595B}" dt="2021-06-23T00:19:07.183" v="1302" actId="1035"/>
-          <ac:cxnSpMkLst>
-            <pc:docMk/>
-            <pc:sldMk cId="1556184242" sldId="256"/>
-            <ac:cxnSpMk id="300" creationId="{FF439935-A570-4757-881A-62AE8E07A953}"/>
-          </ac:cxnSpMkLst>
-        </pc:cxnChg>
-        <pc:cxnChg chg="mod">
-          <ac:chgData name="Fatima Pillosu" userId="a6295d4dc9e22643" providerId="LiveId" clId="{DFFBE890-388F-43D2-9209-8DB75D39595B}" dt="2021-06-23T00:18:11.417" v="1278" actId="1036"/>
-          <ac:cxnSpMkLst>
-            <pc:docMk/>
-            <pc:sldMk cId="1556184242" sldId="256"/>
-            <ac:cxnSpMk id="312" creationId="{9CCB0056-2C54-4264-94DA-9DF414FDD1CB}"/>
-          </ac:cxnSpMkLst>
-        </pc:cxnChg>
-        <pc:cxnChg chg="mod">
-          <ac:chgData name="Fatima Pillosu" userId="a6295d4dc9e22643" providerId="LiveId" clId="{DFFBE890-388F-43D2-9209-8DB75D39595B}" dt="2021-06-23T00:18:11.417" v="1278" actId="1036"/>
-          <ac:cxnSpMkLst>
-            <pc:docMk/>
-            <pc:sldMk cId="1556184242" sldId="256"/>
-            <ac:cxnSpMk id="313" creationId="{ECE0261A-5035-4549-BA0A-F0E48B3D0AB2}"/>
-          </ac:cxnSpMkLst>
-        </pc:cxnChg>
-        <pc:cxnChg chg="mod">
-          <ac:chgData name="Fatima Pillosu" userId="a6295d4dc9e22643" providerId="LiveId" clId="{DFFBE890-388F-43D2-9209-8DB75D39595B}" dt="2021-06-23T00:19:07.183" v="1302" actId="1035"/>
-          <ac:cxnSpMkLst>
-            <pc:docMk/>
-            <pc:sldMk cId="1556184242" sldId="256"/>
-            <ac:cxnSpMk id="365" creationId="{503523DA-A511-471D-B6DF-7C2B7B67FA75}"/>
-          </ac:cxnSpMkLst>
-        </pc:cxnChg>
-        <pc:cxnChg chg="del mod">
-          <ac:chgData name="Fatima Pillosu" userId="a6295d4dc9e22643" providerId="LiveId" clId="{DFFBE890-388F-43D2-9209-8DB75D39595B}" dt="2021-06-23T00:05:39.567" v="1027" actId="478"/>
-          <ac:cxnSpMkLst>
-            <pc:docMk/>
-            <pc:sldMk cId="1556184242" sldId="256"/>
-            <ac:cxnSpMk id="382" creationId="{AF36D8A7-C572-4549-847F-FFFB9C406869}"/>
-          </ac:cxnSpMkLst>
-        </pc:cxnChg>
-        <pc:cxnChg chg="del">
-          <ac:chgData name="Fatima Pillosu" userId="a6295d4dc9e22643" providerId="LiveId" clId="{DFFBE890-388F-43D2-9209-8DB75D39595B}" dt="2021-06-23T00:00:28.679" v="949" actId="478"/>
-          <ac:cxnSpMkLst>
-            <pc:docMk/>
-            <pc:sldMk cId="1556184242" sldId="256"/>
-            <ac:cxnSpMk id="385" creationId="{CC71879A-6A1A-4ACF-868B-695A643DC9CF}"/>
-          </ac:cxnSpMkLst>
-        </pc:cxnChg>
-        <pc:cxnChg chg="del">
-          <ac:chgData name="Fatima Pillosu" userId="a6295d4dc9e22643" providerId="LiveId" clId="{DFFBE890-388F-43D2-9209-8DB75D39595B}" dt="2021-06-23T00:00:30.267" v="950" actId="478"/>
-          <ac:cxnSpMkLst>
-            <pc:docMk/>
-            <pc:sldMk cId="1556184242" sldId="256"/>
-            <ac:cxnSpMk id="388" creationId="{F5517662-0FBF-4A85-B4E3-E4D8E9AEE973}"/>
-          </ac:cxnSpMkLst>
-        </pc:cxnChg>
-        <pc:cxnChg chg="del">
-          <ac:chgData name="Fatima Pillosu" userId="a6295d4dc9e22643" providerId="LiveId" clId="{DFFBE890-388F-43D2-9209-8DB75D39595B}" dt="2021-06-23T00:00:33.859" v="953" actId="478"/>
-          <ac:cxnSpMkLst>
-            <pc:docMk/>
-            <pc:sldMk cId="1556184242" sldId="256"/>
-            <ac:cxnSpMk id="390" creationId="{271E4B45-9610-4191-B255-DA87D3DABD41}"/>
-          </ac:cxnSpMkLst>
-        </pc:cxnChg>
-        <pc:cxnChg chg="del mod">
-          <ac:chgData name="Fatima Pillosu" userId="a6295d4dc9e22643" providerId="LiveId" clId="{DFFBE890-388F-43D2-9209-8DB75D39595B}" dt="2021-06-23T00:00:30.843" v="951" actId="478"/>
-          <ac:cxnSpMkLst>
-            <pc:docMk/>
-            <pc:sldMk cId="1556184242" sldId="256"/>
-            <ac:cxnSpMk id="391" creationId="{764BBC81-7711-4A61-B89D-79EBF662FDCA}"/>
-          </ac:cxnSpMkLst>
-        </pc:cxnChg>
-        <pc:cxnChg chg="del">
-          <ac:chgData name="Fatima Pillosu" userId="a6295d4dc9e22643" providerId="LiveId" clId="{DFFBE890-388F-43D2-9209-8DB75D39595B}" dt="2021-06-23T00:00:32.879" v="952" actId="478"/>
-          <ac:cxnSpMkLst>
-            <pc:docMk/>
-            <pc:sldMk cId="1556184242" sldId="256"/>
-            <ac:cxnSpMk id="392" creationId="{93F27C36-6777-4A1A-BDE8-D4971FD6AA28}"/>
-          </ac:cxnSpMkLst>
-        </pc:cxnChg>
-        <pc:cxnChg chg="del mod">
-          <ac:chgData name="Fatima Pillosu" userId="a6295d4dc9e22643" providerId="LiveId" clId="{DFFBE890-388F-43D2-9209-8DB75D39595B}" dt="2021-06-23T00:00:35.296" v="954" actId="478"/>
-          <ac:cxnSpMkLst>
-            <pc:docMk/>
-            <pc:sldMk cId="1556184242" sldId="256"/>
-            <ac:cxnSpMk id="393" creationId="{B7B3982F-25CF-4C23-B60B-6D349FCCAE58}"/>
-          </ac:cxnSpMkLst>
-        </pc:cxnChg>
-        <pc:cxnChg chg="del mod">
-          <ac:chgData name="Fatima Pillosu" userId="a6295d4dc9e22643" providerId="LiveId" clId="{DFFBE890-388F-43D2-9209-8DB75D39595B}" dt="2021-06-23T00:00:38.640" v="956" actId="478"/>
-          <ac:cxnSpMkLst>
-            <pc:docMk/>
-            <pc:sldMk cId="1556184242" sldId="256"/>
-            <ac:cxnSpMk id="403" creationId="{4A00B112-9312-43AC-8AB2-A509865EAC0E}"/>
-          </ac:cxnSpMkLst>
-        </pc:cxnChg>
-        <pc:cxnChg chg="del">
-          <ac:chgData name="Fatima Pillosu" userId="a6295d4dc9e22643" providerId="LiveId" clId="{DFFBE890-388F-43D2-9209-8DB75D39595B}" dt="2021-06-23T00:00:40.989" v="958" actId="478"/>
-          <ac:cxnSpMkLst>
-            <pc:docMk/>
-            <pc:sldMk cId="1556184242" sldId="256"/>
-            <ac:cxnSpMk id="407" creationId="{DF30D697-E58D-4061-A48A-6C2E64EA10A6}"/>
-          </ac:cxnSpMkLst>
-        </pc:cxnChg>
-        <pc:cxnChg chg="del">
-          <ac:chgData name="Fatima Pillosu" userId="a6295d4dc9e22643" providerId="LiveId" clId="{DFFBE890-388F-43D2-9209-8DB75D39595B}" dt="2021-06-23T00:00:39.510" v="957" actId="478"/>
-          <ac:cxnSpMkLst>
-            <pc:docMk/>
-            <pc:sldMk cId="1556184242" sldId="256"/>
-            <ac:cxnSpMk id="410" creationId="{E68F34F1-2F3A-4A9C-8B3B-5642A92FC54E}"/>
-          </ac:cxnSpMkLst>
-        </pc:cxnChg>
-        <pc:cxnChg chg="del mod">
-          <ac:chgData name="Fatima Pillosu" userId="a6295d4dc9e22643" providerId="LiveId" clId="{DFFBE890-388F-43D2-9209-8DB75D39595B}" dt="2021-06-22T23:58:39.624" v="929" actId="478"/>
-          <ac:cxnSpMkLst>
-            <pc:docMk/>
-            <pc:sldMk cId="1556184242" sldId="256"/>
-            <ac:cxnSpMk id="411" creationId="{9C0ADDFC-191F-46BB-89C7-E20465F3936B}"/>
-          </ac:cxnSpMkLst>
-        </pc:cxnChg>
-        <pc:cxnChg chg="del">
-          <ac:chgData name="Fatima Pillosu" userId="a6295d4dc9e22643" providerId="LiveId" clId="{DFFBE890-388F-43D2-9209-8DB75D39595B}" dt="2021-06-23T00:00:37.467" v="955" actId="478"/>
-          <ac:cxnSpMkLst>
-            <pc:docMk/>
-            <pc:sldMk cId="1556184242" sldId="256"/>
-            <ac:cxnSpMk id="412" creationId="{1D3354E6-0AD6-4CF7-B1AC-7F4771BBCEA3}"/>
-          </ac:cxnSpMkLst>
-        </pc:cxnChg>
-        <pc:cxnChg chg="add mod">
-          <ac:chgData name="Fatima Pillosu" userId="a6295d4dc9e22643" providerId="LiveId" clId="{DFFBE890-388F-43D2-9209-8DB75D39595B}" dt="2021-06-23T00:11:56.683" v="1132" actId="1036"/>
-          <ac:cxnSpMkLst>
-            <pc:docMk/>
-            <pc:sldMk cId="1556184242" sldId="256"/>
-            <ac:cxnSpMk id="421" creationId="{4DC83DDA-68F2-4E8F-B386-FC65B108A5B3}"/>
-          </ac:cxnSpMkLst>
-        </pc:cxnChg>
-        <pc:cxnChg chg="add mod">
-          <ac:chgData name="Fatima Pillosu" userId="a6295d4dc9e22643" providerId="LiveId" clId="{DFFBE890-388F-43D2-9209-8DB75D39595B}" dt="2021-06-23T00:11:56.683" v="1132" actId="1036"/>
-          <ac:cxnSpMkLst>
-            <pc:docMk/>
-            <pc:sldMk cId="1556184242" sldId="256"/>
-            <ac:cxnSpMk id="422" creationId="{C43DFA75-0F1B-4F3B-B10B-B5385503A9AE}"/>
-          </ac:cxnSpMkLst>
-        </pc:cxnChg>
-        <pc:cxnChg chg="add mod">
-          <ac:chgData name="Fatima Pillosu" userId="a6295d4dc9e22643" providerId="LiveId" clId="{DFFBE890-388F-43D2-9209-8DB75D39595B}" dt="2021-06-23T00:11:56.683" v="1132" actId="1036"/>
-          <ac:cxnSpMkLst>
-            <pc:docMk/>
-            <pc:sldMk cId="1556184242" sldId="256"/>
-            <ac:cxnSpMk id="423" creationId="{E5410ACB-E2CC-49C8-B3C9-332C94D3663D}"/>
-          </ac:cxnSpMkLst>
-        </pc:cxnChg>
-        <pc:cxnChg chg="add mod">
-          <ac:chgData name="Fatima Pillosu" userId="a6295d4dc9e22643" providerId="LiveId" clId="{DFFBE890-388F-43D2-9209-8DB75D39595B}" dt="2021-06-23T00:11:56.683" v="1132" actId="1036"/>
-          <ac:cxnSpMkLst>
-            <pc:docMk/>
-            <pc:sldMk cId="1556184242" sldId="256"/>
-            <ac:cxnSpMk id="424" creationId="{A965AD38-2A93-4532-BBD8-CA5FDE9598B7}"/>
-          </ac:cxnSpMkLst>
-        </pc:cxnChg>
-        <pc:cxnChg chg="add mod">
-          <ac:chgData name="Fatima Pillosu" userId="a6295d4dc9e22643" providerId="LiveId" clId="{DFFBE890-388F-43D2-9209-8DB75D39595B}" dt="2021-06-23T00:11:56.683" v="1132" actId="1036"/>
-          <ac:cxnSpMkLst>
-            <pc:docMk/>
-            <pc:sldMk cId="1556184242" sldId="256"/>
-            <ac:cxnSpMk id="425" creationId="{E029E9BD-34AA-4644-BE8D-078AB516126B}"/>
-          </ac:cxnSpMkLst>
-        </pc:cxnChg>
-        <pc:cxnChg chg="add mod">
-          <ac:chgData name="Fatima Pillosu" userId="a6295d4dc9e22643" providerId="LiveId" clId="{DFFBE890-388F-43D2-9209-8DB75D39595B}" dt="2021-06-23T00:11:56.683" v="1132" actId="1036"/>
-          <ac:cxnSpMkLst>
-            <pc:docMk/>
-            <pc:sldMk cId="1556184242" sldId="256"/>
-            <ac:cxnSpMk id="426" creationId="{5D4DC34C-6464-4E71-866C-321B9208032A}"/>
-          </ac:cxnSpMkLst>
-        </pc:cxnChg>
-        <pc:cxnChg chg="add mod">
-          <ac:chgData name="Fatima Pillosu" userId="a6295d4dc9e22643" providerId="LiveId" clId="{DFFBE890-388F-43D2-9209-8DB75D39595B}" dt="2021-06-23T00:11:56.683" v="1132" actId="1036"/>
-          <ac:cxnSpMkLst>
-            <pc:docMk/>
-            <pc:sldMk cId="1556184242" sldId="256"/>
-            <ac:cxnSpMk id="427" creationId="{A6F1823E-F588-4F26-81D2-77122C372462}"/>
-          </ac:cxnSpMkLst>
-        </pc:cxnChg>
-        <pc:cxnChg chg="add mod">
-          <ac:chgData name="Fatima Pillosu" userId="a6295d4dc9e22643" providerId="LiveId" clId="{DFFBE890-388F-43D2-9209-8DB75D39595B}" dt="2021-06-23T00:11:56.683" v="1132" actId="1036"/>
-          <ac:cxnSpMkLst>
-            <pc:docMk/>
-            <pc:sldMk cId="1556184242" sldId="256"/>
-            <ac:cxnSpMk id="428" creationId="{2F44B406-2B81-42AC-8EC8-6E4C09B98963}"/>
-          </ac:cxnSpMkLst>
-        </pc:cxnChg>
-        <pc:cxnChg chg="add mod">
-          <ac:chgData name="Fatima Pillosu" userId="a6295d4dc9e22643" providerId="LiveId" clId="{DFFBE890-388F-43D2-9209-8DB75D39595B}" dt="2021-06-23T00:11:56.683" v="1132" actId="1036"/>
-          <ac:cxnSpMkLst>
-            <pc:docMk/>
-            <pc:sldMk cId="1556184242" sldId="256"/>
-            <ac:cxnSpMk id="429" creationId="{91ED1926-5B68-4F57-B52B-86F47F6A67D1}"/>
-          </ac:cxnSpMkLst>
-        </pc:cxnChg>
-        <pc:cxnChg chg="mod">
-          <ac:chgData name="Fatima Pillosu" userId="a6295d4dc9e22643" providerId="LiveId" clId="{DFFBE890-388F-43D2-9209-8DB75D39595B}" dt="2021-06-23T00:11:56.683" v="1132" actId="1036"/>
-          <ac:cxnSpMkLst>
-            <pc:docMk/>
-            <pc:sldMk cId="1556184242" sldId="256"/>
-            <ac:cxnSpMk id="433" creationId="{EF550824-874B-488C-877A-0FACA467821F}"/>
-          </ac:cxnSpMkLst>
-        </pc:cxnChg>
-        <pc:cxnChg chg="del">
-          <ac:chgData name="Fatima Pillosu" userId="a6295d4dc9e22643" providerId="LiveId" clId="{DFFBE890-388F-43D2-9209-8DB75D39595B}" dt="2021-06-23T00:00:48.799" v="962" actId="478"/>
-          <ac:cxnSpMkLst>
-            <pc:docMk/>
-            <pc:sldMk cId="1556184242" sldId="256"/>
-            <ac:cxnSpMk id="434" creationId="{E31E5CBA-8D6A-49B1-8DCE-84217755D174}"/>
-          </ac:cxnSpMkLst>
-        </pc:cxnChg>
-        <pc:cxnChg chg="del">
-          <ac:chgData name="Fatima Pillosu" userId="a6295d4dc9e22643" providerId="LiveId" clId="{DFFBE890-388F-43D2-9209-8DB75D39595B}" dt="2021-06-23T00:00:53.922" v="965" actId="478"/>
-          <ac:cxnSpMkLst>
-            <pc:docMk/>
-            <pc:sldMk cId="1556184242" sldId="256"/>
-            <ac:cxnSpMk id="435" creationId="{6FA6506E-A218-46ED-9D0C-F5BCBB5C737B}"/>
-          </ac:cxnSpMkLst>
-        </pc:cxnChg>
-        <pc:cxnChg chg="add del mod">
-          <ac:chgData name="Fatima Pillosu" userId="a6295d4dc9e22643" providerId="LiveId" clId="{DFFBE890-388F-43D2-9209-8DB75D39595B}" dt="2021-06-23T00:10:26.119" v="1093" actId="478"/>
-          <ac:cxnSpMkLst>
-            <pc:docMk/>
-            <pc:sldMk cId="1556184242" sldId="256"/>
-            <ac:cxnSpMk id="436" creationId="{2E2BFB73-B6F0-4DED-AFC2-3487AA1C52B1}"/>
-          </ac:cxnSpMkLst>
-        </pc:cxnChg>
-        <pc:cxnChg chg="del">
-          <ac:chgData name="Fatima Pillosu" userId="a6295d4dc9e22643" providerId="LiveId" clId="{DFFBE890-388F-43D2-9209-8DB75D39595B}" dt="2021-06-23T00:00:49.999" v="963" actId="478"/>
-          <ac:cxnSpMkLst>
-            <pc:docMk/>
-            <pc:sldMk cId="1556184242" sldId="256"/>
-            <ac:cxnSpMk id="437" creationId="{E5540346-CFB2-4B3B-A452-57BDEE04C66E}"/>
-          </ac:cxnSpMkLst>
-        </pc:cxnChg>
-        <pc:cxnChg chg="mod">
-          <ac:chgData name="Fatima Pillosu" userId="a6295d4dc9e22643" providerId="LiveId" clId="{DFFBE890-388F-43D2-9209-8DB75D39595B}" dt="2021-06-23T00:18:01.733" v="1274" actId="1036"/>
-          <ac:cxnSpMkLst>
-            <pc:docMk/>
-            <pc:sldMk cId="1556184242" sldId="256"/>
-            <ac:cxnSpMk id="440" creationId="{3D298AFA-D82A-4D17-B69D-038119DB3786}"/>
-          </ac:cxnSpMkLst>
-        </pc:cxnChg>
-        <pc:cxnChg chg="mod">
-          <ac:chgData name="Fatima Pillosu" userId="a6295d4dc9e22643" providerId="LiveId" clId="{DFFBE890-388F-43D2-9209-8DB75D39595B}" dt="2021-06-23T00:17:34.594" v="1255" actId="1038"/>
-          <ac:cxnSpMkLst>
-            <pc:docMk/>
-            <pc:sldMk cId="1556184242" sldId="256"/>
-            <ac:cxnSpMk id="445" creationId="{C328AFC0-40C6-4092-9832-C55AA2396A67}"/>
-          </ac:cxnSpMkLst>
-        </pc:cxnChg>
-        <pc:cxnChg chg="mod">
-          <ac:chgData name="Fatima Pillosu" userId="a6295d4dc9e22643" providerId="LiveId" clId="{DFFBE890-388F-43D2-9209-8DB75D39595B}" dt="2021-06-23T00:17:34.594" v="1255" actId="1038"/>
-          <ac:cxnSpMkLst>
-            <pc:docMk/>
-            <pc:sldMk cId="1556184242" sldId="256"/>
-            <ac:cxnSpMk id="446" creationId="{EFE20C8C-342C-4AFB-83DC-3DB3E6D73722}"/>
-          </ac:cxnSpMkLst>
-        </pc:cxnChg>
       </pc:sldChg>
     </pc:docChg>
   </pc:docChgLst>
@@ -12981,7 +13141,7 @@
           <a:p>
             <a:fld id="{F010E4C2-6305-4130-9B32-A779182DC7FF}" type="datetimeFigureOut">
               <a:rPr lang="en-GB" smtClean="0"/>
-              <a:t>12/07/2021</a:t>
+              <a:t>01/10/2021</a:t>
             </a:fld>
             <a:endParaRPr lang="en-GB"/>
           </a:p>
@@ -13151,7 +13311,7 @@
           <a:p>
             <a:fld id="{F010E4C2-6305-4130-9B32-A779182DC7FF}" type="datetimeFigureOut">
               <a:rPr lang="en-GB" smtClean="0"/>
-              <a:t>12/07/2021</a:t>
+              <a:t>01/10/2021</a:t>
             </a:fld>
             <a:endParaRPr lang="en-GB"/>
           </a:p>
@@ -13331,7 +13491,7 @@
           <a:p>
             <a:fld id="{F010E4C2-6305-4130-9B32-A779182DC7FF}" type="datetimeFigureOut">
               <a:rPr lang="en-GB" smtClean="0"/>
-              <a:t>12/07/2021</a:t>
+              <a:t>01/10/2021</a:t>
             </a:fld>
             <a:endParaRPr lang="en-GB"/>
           </a:p>
@@ -13501,7 +13661,7 @@
           <a:p>
             <a:fld id="{F010E4C2-6305-4130-9B32-A779182DC7FF}" type="datetimeFigureOut">
               <a:rPr lang="en-GB" smtClean="0"/>
-              <a:t>12/07/2021</a:t>
+              <a:t>01/10/2021</a:t>
             </a:fld>
             <a:endParaRPr lang="en-GB"/>
           </a:p>
@@ -13745,7 +13905,7 @@
           <a:p>
             <a:fld id="{F010E4C2-6305-4130-9B32-A779182DC7FF}" type="datetimeFigureOut">
               <a:rPr lang="en-GB" smtClean="0"/>
-              <a:t>12/07/2021</a:t>
+              <a:t>01/10/2021</a:t>
             </a:fld>
             <a:endParaRPr lang="en-GB"/>
           </a:p>
@@ -13977,7 +14137,7 @@
           <a:p>
             <a:fld id="{F010E4C2-6305-4130-9B32-A779182DC7FF}" type="datetimeFigureOut">
               <a:rPr lang="en-GB" smtClean="0"/>
-              <a:t>12/07/2021</a:t>
+              <a:t>01/10/2021</a:t>
             </a:fld>
             <a:endParaRPr lang="en-GB"/>
           </a:p>
@@ -14344,7 +14504,7 @@
           <a:p>
             <a:fld id="{F010E4C2-6305-4130-9B32-A779182DC7FF}" type="datetimeFigureOut">
               <a:rPr lang="en-GB" smtClean="0"/>
-              <a:t>12/07/2021</a:t>
+              <a:t>01/10/2021</a:t>
             </a:fld>
             <a:endParaRPr lang="en-GB"/>
           </a:p>
@@ -14462,7 +14622,7 @@
           <a:p>
             <a:fld id="{F010E4C2-6305-4130-9B32-A779182DC7FF}" type="datetimeFigureOut">
               <a:rPr lang="en-GB" smtClean="0"/>
-              <a:t>12/07/2021</a:t>
+              <a:t>01/10/2021</a:t>
             </a:fld>
             <a:endParaRPr lang="en-GB"/>
           </a:p>
@@ -14557,7 +14717,7 @@
           <a:p>
             <a:fld id="{F010E4C2-6305-4130-9B32-A779182DC7FF}" type="datetimeFigureOut">
               <a:rPr lang="en-GB" smtClean="0"/>
-              <a:t>12/07/2021</a:t>
+              <a:t>01/10/2021</a:t>
             </a:fld>
             <a:endParaRPr lang="en-GB"/>
           </a:p>
@@ -14834,7 +14994,7 @@
           <a:p>
             <a:fld id="{F010E4C2-6305-4130-9B32-A779182DC7FF}" type="datetimeFigureOut">
               <a:rPr lang="en-GB" smtClean="0"/>
-              <a:t>12/07/2021</a:t>
+              <a:t>01/10/2021</a:t>
             </a:fld>
             <a:endParaRPr lang="en-GB"/>
           </a:p>
@@ -15091,7 +15251,7 @@
           <a:p>
             <a:fld id="{F010E4C2-6305-4130-9B32-A779182DC7FF}" type="datetimeFigureOut">
               <a:rPr lang="en-GB" smtClean="0"/>
-              <a:t>12/07/2021</a:t>
+              <a:t>01/10/2021</a:t>
             </a:fld>
             <a:endParaRPr lang="en-GB"/>
           </a:p>
@@ -15304,7 +15464,7 @@
           <a:p>
             <a:fld id="{F010E4C2-6305-4130-9B32-A779182DC7FF}" type="datetimeFigureOut">
               <a:rPr lang="en-GB" smtClean="0"/>
-              <a:t>12/07/2021</a:t>
+              <a:t>01/10/2021</a:t>
             </a:fld>
             <a:endParaRPr lang="en-GB"/>
           </a:p>
@@ -15905,8 +16065,16 @@
           <a:p>
             <a:pPr algn="ctr"/>
             <a:r>
-              <a:rPr lang="en-GB" sz="1000" b="1" dirty="0"/>
-              <a:t>P = [P1, …, Pn]</a:t>
+              <a:rPr lang="en-GB" sz="1000" b="1" dirty="0">
+                <a:solidFill>
+                  <a:srgbClr val="00B050"/>
+                </a:solidFill>
+              </a:rPr>
+              <a:t>P</a:t>
+            </a:r>
+            <a:r>
+              <a:rPr lang="en-GB" sz="1000" dirty="0"/>
+              <a:t> = [P1, …, Pn]</a:t>
             </a:r>
           </a:p>
         </p:txBody>
@@ -15952,8 +16120,12 @@
               <a:t>Rainfall forecasts </a:t>
             </a:r>
             <a:r>
-              <a:rPr lang="en-GB" sz="1000" b="1" dirty="0"/>
-              <a:t>(FC)</a:t>
+              <a:rPr lang="en-GB" sz="1000" b="1" dirty="0">
+                <a:solidFill>
+                  <a:srgbClr val="00B050"/>
+                </a:solidFill>
+              </a:rPr>
+              <a:t>FC</a:t>
             </a:r>
           </a:p>
         </p:txBody>
@@ -24692,7 +24864,7 @@
         </p:nvSpPr>
         <p:spPr>
           <a:xfrm rot="16200000">
-            <a:off x="5411301" y="6237192"/>
+            <a:off x="5269661" y="6236545"/>
             <a:ext cx="507526" cy="246221"/>
           </a:xfrm>
           <a:prstGeom prst="rect">
@@ -25122,7 +25294,7 @@
         </p:nvSpPr>
         <p:spPr>
           <a:xfrm rot="16200000">
-            <a:off x="4442086" y="8082222"/>
+            <a:off x="4323336" y="8082222"/>
             <a:ext cx="497037" cy="246221"/>
           </a:xfrm>
           <a:prstGeom prst="rect">
@@ -25157,7 +25329,7 @@
         </p:nvSpPr>
         <p:spPr>
           <a:xfrm rot="16200000">
-            <a:off x="4623782" y="8081941"/>
+            <a:off x="4505032" y="8081941"/>
             <a:ext cx="497599" cy="246221"/>
           </a:xfrm>
           <a:prstGeom prst="rect">
@@ -25192,7 +25364,7 @@
         </p:nvSpPr>
         <p:spPr>
           <a:xfrm rot="16200000">
-            <a:off x="4800458" y="8080879"/>
+            <a:off x="4681708" y="8080879"/>
             <a:ext cx="499723" cy="246221"/>
           </a:xfrm>
           <a:prstGeom prst="rect">
@@ -25227,7 +25399,7 @@
         </p:nvSpPr>
         <p:spPr>
           <a:xfrm rot="16200000">
-            <a:off x="4954851" y="8053742"/>
+            <a:off x="4836101" y="8053742"/>
             <a:ext cx="553997" cy="246221"/>
           </a:xfrm>
           <a:prstGeom prst="rect">
@@ -25262,7 +25434,7 @@
         </p:nvSpPr>
         <p:spPr>
           <a:xfrm rot="16200000">
-            <a:off x="5119168" y="8139181"/>
+            <a:off x="5107819" y="8139180"/>
             <a:ext cx="384230" cy="246221"/>
           </a:xfrm>
           <a:prstGeom prst="rect">
@@ -25327,8 +25499,8 @@
         </p:nvSpPr>
         <p:spPr>
           <a:xfrm>
-            <a:off x="5506127" y="8154291"/>
-            <a:ext cx="1146915" cy="553998"/>
+            <a:off x="5700268" y="8154291"/>
+            <a:ext cx="952774" cy="553998"/>
           </a:xfrm>
           <a:prstGeom prst="rect">
             <a:avLst/>
@@ -25344,7 +25516,7 @@
             <a:pPr algn="r"/>
             <a:r>
               <a:rPr lang="en-GB" sz="1000" dirty="0"/>
-              <a:t>Probability (in %) of exceeding 10 mm/12h</a:t>
+              <a:t>Probability (%) of exceeding 10 mm/12h</a:t>
             </a:r>
           </a:p>
         </p:txBody>
@@ -25511,8 +25683,12 @@
               <a:t>Rainfall observations </a:t>
             </a:r>
             <a:r>
-              <a:rPr lang="en-GB" sz="1000" b="1" dirty="0"/>
-              <a:t>(OBS)</a:t>
+              <a:rPr lang="en-GB" sz="1000" b="1" dirty="0">
+                <a:solidFill>
+                  <a:srgbClr val="00B050"/>
+                </a:solidFill>
+              </a:rPr>
+              <a:t>OBS</a:t>
             </a:r>
           </a:p>
         </p:txBody>
@@ -25621,10 +25797,10 @@
             <a:p>
               <a:pPr algn="ctr"/>
               <a:r>
-                <a:rPr lang="en-GB" sz="1000" b="1" dirty="0"/>
+                <a:rPr lang="en-GB" sz="1000" dirty="0"/>
                 <a:t>OBS - FC</a:t>
               </a:r>
-              <a:endParaRPr lang="en-GB" sz="1000" b="1" baseline="-25000" dirty="0"/>
+              <a:endParaRPr lang="en-GB" sz="1000" baseline="-25000" dirty="0"/>
             </a:p>
           </p:txBody>
         </p:sp>
@@ -25661,10 +25837,10 @@
             <a:p>
               <a:pPr algn="ctr"/>
               <a:r>
-                <a:rPr lang="en-GB" sz="1000" b="1" dirty="0"/>
+                <a:rPr lang="en-GB" sz="1000" dirty="0"/>
                 <a:t>FC</a:t>
               </a:r>
-              <a:endParaRPr lang="en-GB" sz="1000" b="1" baseline="-25000" dirty="0"/>
+              <a:endParaRPr lang="en-GB" sz="1000" baseline="-25000" dirty="0"/>
             </a:p>
           </p:txBody>
         </p:sp>
@@ -25744,8 +25920,16 @@
             <a:p>
               <a:pPr algn="r"/>
               <a:r>
+                <a:rPr lang="en-GB" sz="1000" b="1" dirty="0">
+                  <a:solidFill>
+                    <a:srgbClr val="00B050"/>
+                  </a:solidFill>
+                </a:rPr>
+                <a:t>FER</a:t>
+              </a:r>
+              <a:r>
                 <a:rPr lang="en-GB" sz="1000" b="1" dirty="0"/>
-                <a:t>FER = </a:t>
+                <a:t> = </a:t>
               </a:r>
               <a:endParaRPr lang="en-GB" sz="1000" b="1" baseline="-25000" dirty="0"/>
             </a:p>
@@ -25766,8 +25950,8 @@
         </p:nvSpPr>
         <p:spPr>
           <a:xfrm>
-            <a:off x="868750" y="2272222"/>
-            <a:ext cx="1057936" cy="1015663"/>
+            <a:off x="844790" y="2269438"/>
+            <a:ext cx="1091995" cy="1015663"/>
           </a:xfrm>
           <a:prstGeom prst="rect">
             <a:avLst/>
@@ -25790,7 +25974,19 @@
             <a:pPr algn="ctr"/>
             <a:r>
               <a:rPr lang="en-GB" sz="1000" dirty="0"/>
-              <a:t>“2-sided Kolmogorov-Smirnov test” determines grid-box weather types (G_WTs)</a:t>
+              <a:t>“2-sided Kolmogorov-Smirnov test” determines Grid-box Weather Types (</a:t>
+            </a:r>
+            <a:r>
+              <a:rPr lang="en-GB" sz="1000" b="1" dirty="0">
+                <a:solidFill>
+                  <a:srgbClr val="00B050"/>
+                </a:solidFill>
+              </a:rPr>
+              <a:t>G_WTs</a:t>
+            </a:r>
+            <a:r>
+              <a:rPr lang="en-GB" sz="1000" dirty="0"/>
+              <a:t>)</a:t>
             </a:r>
           </a:p>
         </p:txBody>
@@ -26174,7 +26370,7 @@
             <a:pPr algn="ctr"/>
             <a:r>
               <a:rPr lang="en-GB" sz="1000" dirty="0"/>
-              <a:t>Mapping Function (MF) for all O-F pairs</a:t>
+              <a:t>Mapping Function (MF) for all OBS-FC pairs</a:t>
             </a:r>
           </a:p>
         </p:txBody>
@@ -27883,7 +28079,7 @@
             <a:pPr algn="r"/>
             <a:r>
               <a:rPr lang="en-GB" sz="1000" dirty="0"/>
-              <a:t>Rainfall totals (in mm/12h) for the 99</a:t>
+              <a:t>99</a:t>
             </a:r>
             <a:r>
               <a:rPr lang="en-GB" sz="1000" baseline="30000" dirty="0"/>
@@ -27891,7 +28087,7 @@
             </a:r>
             <a:r>
               <a:rPr lang="en-GB" sz="1000" dirty="0"/>
-              <a:t> percentile</a:t>
+              <a:t> percentile of 12-h rainfall totals (mm/12h)</a:t>
             </a:r>
           </a:p>
         </p:txBody>
@@ -30835,8 +31031,8 @@
         </p:nvCxnSpPr>
         <p:spPr>
           <a:xfrm>
-            <a:off x="1397718" y="3287885"/>
-            <a:ext cx="1326" cy="166175"/>
+            <a:off x="1390788" y="3285101"/>
+            <a:ext cx="8256" cy="168959"/>
           </a:xfrm>
           <a:prstGeom prst="line">
             <a:avLst/>
@@ -30992,7 +31188,7 @@
           <a:p>
             <a:pPr algn="ctr"/>
             <a:r>
-              <a:rPr lang="en-GB" sz="1000" b="1" dirty="0"/>
+              <a:rPr lang="en-GB" sz="1000" dirty="0"/>
               <a:t>Creation of a decision tree with all G_WTs</a:t>
             </a:r>
           </a:p>
@@ -31116,14 +31312,30 @@
           <a:lstStyle/>
           <a:p>
             <a:r>
+              <a:rPr lang="en-GB" sz="900" b="1" dirty="0">
+                <a:solidFill>
+                  <a:srgbClr val="00B050"/>
+                </a:solidFill>
+              </a:rPr>
+              <a:t>TP</a:t>
+            </a:r>
+            <a:r>
               <a:rPr lang="en-GB" sz="900" dirty="0"/>
-              <a:t>TP: total precipitation </a:t>
+              <a:t>: total precipitation </a:t>
             </a:r>
           </a:p>
           <a:p>
             <a:r>
+              <a:rPr lang="en-GB" sz="900" b="1" dirty="0">
+                <a:solidFill>
+                  <a:srgbClr val="00B050"/>
+                </a:solidFill>
+              </a:rPr>
+              <a:t>FF</a:t>
+            </a:r>
+            <a:r>
               <a:rPr lang="en-GB" sz="900" dirty="0"/>
-              <a:t>FF: flash floods</a:t>
+              <a:t>: flash floods</a:t>
             </a:r>
           </a:p>
         </p:txBody>
